--- a/Figure.pptx
+++ b/Figure.pptx
@@ -5,7 +5,10 @@
     <p:sldMasterId id="2147483648" r:id="rId1"/>
   </p:sldMasterIdLst>
   <p:sldIdLst>
-    <p:sldId id="256" r:id="rId2"/>
+    <p:sldId id="257" r:id="rId2"/>
+    <p:sldId id="256" r:id="rId3"/>
+    <p:sldId id="258" r:id="rId4"/>
+    <p:sldId id="259" r:id="rId5"/>
   </p:sldIdLst>
   <p:sldSz cx="12192000" cy="6858000"/>
   <p:notesSz cx="6858000" cy="9144000"/>
@@ -168,7 +171,6 @@
               <a:rPr kumimoji="1" lang="ja-JP" altLang="en-US"/>
               <a:t>マスター タイトルの書式設定</a:t>
             </a:r>
-            <a:endParaRPr kumimoji="1" lang="ja-JP" altLang="en-US"/>
           </a:p>
         </p:txBody>
       </p:sp>
@@ -233,7 +235,6 @@
               <a:rPr kumimoji="1" lang="ja-JP" altLang="en-US"/>
               <a:t>マスター サブタイトルの書式設定</a:t>
             </a:r>
-            <a:endParaRPr kumimoji="1" lang="ja-JP" altLang="en-US"/>
           </a:p>
         </p:txBody>
       </p:sp>
@@ -254,7 +255,7 @@
           <a:p>
             <a:fld id="{AD44FA29-5F0F-4BC4-B6C9-5CBB24FAE695}" type="datetimeFigureOut">
               <a:rPr kumimoji="1" lang="ja-JP" altLang="en-US" smtClean="0"/>
-              <a:t>2017/1/11</a:t>
+              <a:t>2017/1/16</a:t>
             </a:fld>
             <a:endParaRPr kumimoji="1" lang="ja-JP" altLang="en-US"/>
           </a:p>
@@ -351,7 +352,6 @@
               <a:rPr kumimoji="1" lang="ja-JP" altLang="en-US"/>
               <a:t>マスター タイトルの書式設定</a:t>
             </a:r>
-            <a:endParaRPr kumimoji="1" lang="ja-JP" altLang="en-US"/>
           </a:p>
         </p:txBody>
       </p:sp>
@@ -435,7 +435,6 @@
               <a:rPr kumimoji="1" lang="ja-JP" altLang="en-US"/>
               <a:t>レベル</a:t>
             </a:r>
-            <a:endParaRPr kumimoji="1" lang="ja-JP" altLang="en-US"/>
           </a:p>
         </p:txBody>
       </p:sp>
@@ -456,7 +455,7 @@
           <a:p>
             <a:fld id="{AD44FA29-5F0F-4BC4-B6C9-5CBB24FAE695}" type="datetimeFigureOut">
               <a:rPr kumimoji="1" lang="ja-JP" altLang="en-US" smtClean="0"/>
-              <a:t>2017/1/11</a:t>
+              <a:t>2017/1/16</a:t>
             </a:fld>
             <a:endParaRPr kumimoji="1" lang="ja-JP" altLang="en-US"/>
           </a:p>
@@ -558,7 +557,6 @@
               <a:rPr kumimoji="1" lang="ja-JP" altLang="en-US"/>
               <a:t>マスター タイトルの書式設定</a:t>
             </a:r>
-            <a:endParaRPr kumimoji="1" lang="ja-JP" altLang="en-US"/>
           </a:p>
         </p:txBody>
       </p:sp>
@@ -647,7 +645,6 @@
               <a:rPr kumimoji="1" lang="ja-JP" altLang="en-US"/>
               <a:t>レベル</a:t>
             </a:r>
-            <a:endParaRPr kumimoji="1" lang="ja-JP" altLang="en-US"/>
           </a:p>
         </p:txBody>
       </p:sp>
@@ -668,7 +665,7 @@
           <a:p>
             <a:fld id="{AD44FA29-5F0F-4BC4-B6C9-5CBB24FAE695}" type="datetimeFigureOut">
               <a:rPr kumimoji="1" lang="ja-JP" altLang="en-US" smtClean="0"/>
-              <a:t>2017/1/11</a:t>
+              <a:t>2017/1/16</a:t>
             </a:fld>
             <a:endParaRPr kumimoji="1" lang="ja-JP" altLang="en-US"/>
           </a:p>
@@ -765,7 +762,6 @@
               <a:rPr kumimoji="1" lang="ja-JP" altLang="en-US"/>
               <a:t>マスター タイトルの書式設定</a:t>
             </a:r>
-            <a:endParaRPr kumimoji="1" lang="ja-JP" altLang="en-US"/>
           </a:p>
         </p:txBody>
       </p:sp>
@@ -849,7 +845,6 @@
               <a:rPr kumimoji="1" lang="ja-JP" altLang="en-US"/>
               <a:t>レベル</a:t>
             </a:r>
-            <a:endParaRPr kumimoji="1" lang="ja-JP" altLang="en-US"/>
           </a:p>
         </p:txBody>
       </p:sp>
@@ -870,7 +865,7 @@
           <a:p>
             <a:fld id="{AD44FA29-5F0F-4BC4-B6C9-5CBB24FAE695}" type="datetimeFigureOut">
               <a:rPr kumimoji="1" lang="ja-JP" altLang="en-US" smtClean="0"/>
-              <a:t>2017/1/11</a:t>
+              <a:t>2017/1/16</a:t>
             </a:fld>
             <a:endParaRPr kumimoji="1" lang="ja-JP" altLang="en-US"/>
           </a:p>
@@ -976,7 +971,6 @@
               <a:rPr kumimoji="1" lang="ja-JP" altLang="en-US"/>
               <a:t>マスター タイトルの書式設定</a:t>
             </a:r>
-            <a:endParaRPr kumimoji="1" lang="ja-JP" altLang="en-US"/>
           </a:p>
         </p:txBody>
       </p:sp>
@@ -1116,7 +1110,7 @@
           <a:p>
             <a:fld id="{AD44FA29-5F0F-4BC4-B6C9-5CBB24FAE695}" type="datetimeFigureOut">
               <a:rPr kumimoji="1" lang="ja-JP" altLang="en-US" smtClean="0"/>
-              <a:t>2017/1/11</a:t>
+              <a:t>2017/1/16</a:t>
             </a:fld>
             <a:endParaRPr kumimoji="1" lang="ja-JP" altLang="en-US"/>
           </a:p>
@@ -1213,7 +1207,6 @@
               <a:rPr kumimoji="1" lang="ja-JP" altLang="en-US"/>
               <a:t>マスター タイトルの書式設定</a:t>
             </a:r>
-            <a:endParaRPr kumimoji="1" lang="ja-JP" altLang="en-US"/>
           </a:p>
         </p:txBody>
       </p:sp>
@@ -1302,7 +1295,6 @@
               <a:rPr kumimoji="1" lang="ja-JP" altLang="en-US"/>
               <a:t>レベル</a:t>
             </a:r>
-            <a:endParaRPr kumimoji="1" lang="ja-JP" altLang="en-US"/>
           </a:p>
         </p:txBody>
       </p:sp>
@@ -1391,7 +1383,6 @@
               <a:rPr kumimoji="1" lang="ja-JP" altLang="en-US"/>
               <a:t>レベル</a:t>
             </a:r>
-            <a:endParaRPr kumimoji="1" lang="ja-JP" altLang="en-US"/>
           </a:p>
         </p:txBody>
       </p:sp>
@@ -1412,7 +1403,7 @@
           <a:p>
             <a:fld id="{AD44FA29-5F0F-4BC4-B6C9-5CBB24FAE695}" type="datetimeFigureOut">
               <a:rPr kumimoji="1" lang="ja-JP" altLang="en-US" smtClean="0"/>
-              <a:t>2017/1/11</a:t>
+              <a:t>2017/1/16</a:t>
             </a:fld>
             <a:endParaRPr kumimoji="1" lang="ja-JP" altLang="en-US"/>
           </a:p>
@@ -1514,7 +1505,6 @@
               <a:rPr kumimoji="1" lang="ja-JP" altLang="en-US"/>
               <a:t>マスター タイトルの書式設定</a:t>
             </a:r>
-            <a:endParaRPr kumimoji="1" lang="ja-JP" altLang="en-US"/>
           </a:p>
         </p:txBody>
       </p:sp>
@@ -1668,7 +1658,6 @@
               <a:rPr kumimoji="1" lang="ja-JP" altLang="en-US"/>
               <a:t>レベル</a:t>
             </a:r>
-            <a:endParaRPr kumimoji="1" lang="ja-JP" altLang="en-US"/>
           </a:p>
         </p:txBody>
       </p:sp>
@@ -1822,7 +1811,6 @@
               <a:rPr kumimoji="1" lang="ja-JP" altLang="en-US"/>
               <a:t>レベル</a:t>
             </a:r>
-            <a:endParaRPr kumimoji="1" lang="ja-JP" altLang="en-US"/>
           </a:p>
         </p:txBody>
       </p:sp>
@@ -1843,7 +1831,7 @@
           <a:p>
             <a:fld id="{AD44FA29-5F0F-4BC4-B6C9-5CBB24FAE695}" type="datetimeFigureOut">
               <a:rPr kumimoji="1" lang="ja-JP" altLang="en-US" smtClean="0"/>
-              <a:t>2017/1/11</a:t>
+              <a:t>2017/1/16</a:t>
             </a:fld>
             <a:endParaRPr kumimoji="1" lang="ja-JP" altLang="en-US"/>
           </a:p>
@@ -1940,7 +1928,6 @@
               <a:rPr kumimoji="1" lang="ja-JP" altLang="en-US"/>
               <a:t>マスター タイトルの書式設定</a:t>
             </a:r>
-            <a:endParaRPr kumimoji="1" lang="ja-JP" altLang="en-US"/>
           </a:p>
         </p:txBody>
       </p:sp>
@@ -1961,7 +1948,7 @@
           <a:p>
             <a:fld id="{AD44FA29-5F0F-4BC4-B6C9-5CBB24FAE695}" type="datetimeFigureOut">
               <a:rPr kumimoji="1" lang="ja-JP" altLang="en-US" smtClean="0"/>
-              <a:t>2017/1/11</a:t>
+              <a:t>2017/1/16</a:t>
             </a:fld>
             <a:endParaRPr kumimoji="1" lang="ja-JP" altLang="en-US"/>
           </a:p>
@@ -2056,7 +2043,7 @@
           <a:p>
             <a:fld id="{AD44FA29-5F0F-4BC4-B6C9-5CBB24FAE695}" type="datetimeFigureOut">
               <a:rPr kumimoji="1" lang="ja-JP" altLang="en-US" smtClean="0"/>
-              <a:t>2017/1/11</a:t>
+              <a:t>2017/1/16</a:t>
             </a:fld>
             <a:endParaRPr kumimoji="1" lang="ja-JP" altLang="en-US"/>
           </a:p>
@@ -2162,7 +2149,6 @@
               <a:rPr kumimoji="1" lang="ja-JP" altLang="en-US"/>
               <a:t>マスター タイトルの書式設定</a:t>
             </a:r>
-            <a:endParaRPr kumimoji="1" lang="ja-JP" altLang="en-US"/>
           </a:p>
         </p:txBody>
       </p:sp>
@@ -2279,7 +2265,6 @@
               <a:rPr kumimoji="1" lang="ja-JP" altLang="en-US"/>
               <a:t>レベル</a:t>
             </a:r>
-            <a:endParaRPr kumimoji="1" lang="ja-JP" altLang="en-US"/>
           </a:p>
         </p:txBody>
       </p:sp>
@@ -2365,7 +2350,7 @@
           <a:p>
             <a:fld id="{AD44FA29-5F0F-4BC4-B6C9-5CBB24FAE695}" type="datetimeFigureOut">
               <a:rPr kumimoji="1" lang="ja-JP" altLang="en-US" smtClean="0"/>
-              <a:t>2017/1/11</a:t>
+              <a:t>2017/1/16</a:t>
             </a:fld>
             <a:endParaRPr kumimoji="1" lang="ja-JP" altLang="en-US"/>
           </a:p>
@@ -2471,7 +2456,6 @@
               <a:rPr kumimoji="1" lang="ja-JP" altLang="en-US"/>
               <a:t>マスター タイトルの書式設定</a:t>
             </a:r>
-            <a:endParaRPr kumimoji="1" lang="ja-JP" altLang="en-US"/>
           </a:p>
         </p:txBody>
       </p:sp>
@@ -2618,7 +2602,7 @@
           <a:p>
             <a:fld id="{AD44FA29-5F0F-4BC4-B6C9-5CBB24FAE695}" type="datetimeFigureOut">
               <a:rPr kumimoji="1" lang="ja-JP" altLang="en-US" smtClean="0"/>
-              <a:t>2017/1/11</a:t>
+              <a:t>2017/1/16</a:t>
             </a:fld>
             <a:endParaRPr kumimoji="1" lang="ja-JP" altLang="en-US"/>
           </a:p>
@@ -2730,7 +2714,6 @@
               <a:rPr kumimoji="1" lang="ja-JP" altLang="en-US"/>
               <a:t>マスター タイトルの書式設定</a:t>
             </a:r>
-            <a:endParaRPr kumimoji="1" lang="ja-JP" altLang="en-US"/>
           </a:p>
         </p:txBody>
       </p:sp>
@@ -2824,7 +2807,6 @@
               <a:rPr kumimoji="1" lang="ja-JP" altLang="en-US"/>
               <a:t>レベル</a:t>
             </a:r>
-            <a:endParaRPr kumimoji="1" lang="ja-JP" altLang="en-US"/>
           </a:p>
         </p:txBody>
       </p:sp>
@@ -2863,7 +2845,7 @@
           <a:p>
             <a:fld id="{AD44FA29-5F0F-4BC4-B6C9-5CBB24FAE695}" type="datetimeFigureOut">
               <a:rPr kumimoji="1" lang="ja-JP" altLang="en-US" smtClean="0"/>
-              <a:t>2017/1/11</a:t>
+              <a:t>2017/1/16</a:t>
             </a:fld>
             <a:endParaRPr kumimoji="1" lang="ja-JP" altLang="en-US"/>
           </a:p>
@@ -3283,6 +3265,4270 @@
             <a:avLst/>
           </a:prstGeom>
           <a:noFill/>
+          <a:ln w="19050">
+            <a:solidFill>
+              <a:schemeClr val="tx1"/>
+            </a:solidFill>
+          </a:ln>
+        </p:spPr>
+        <p:txBody>
+          <a:bodyPr wrap="square" rtlCol="0">
+            <a:spAutoFit/>
+          </a:bodyPr>
+          <a:lstStyle/>
+          <a:p>
+            <a:pPr algn="ctr"/>
+            <a:r>
+              <a:rPr lang="en-US" altLang="ja-JP" dirty="0">
+                <a:latin typeface="ＭＳ Ｐゴシック" panose="020B0600070205080204" pitchFamily="50" charset="-128"/>
+                <a:ea typeface="ＭＳ Ｐゴシック" panose="020B0600070205080204" pitchFamily="50" charset="-128"/>
+              </a:rPr>
+              <a:t>Super Core</a:t>
+            </a:r>
+            <a:endParaRPr kumimoji="1" lang="ja-JP" altLang="en-US" dirty="0">
+              <a:latin typeface="ＭＳ Ｐゴシック" panose="020B0600070205080204" pitchFamily="50" charset="-128"/>
+              <a:ea typeface="ＭＳ Ｐゴシック" panose="020B0600070205080204" pitchFamily="50" charset="-128"/>
+            </a:endParaRPr>
+          </a:p>
+        </p:txBody>
+      </p:sp>
+      <p:sp>
+        <p:nvSpPr>
+          <p:cNvPr id="4" name="正方形/長方形 3"/>
+          <p:cNvSpPr/>
+          <p:nvPr/>
+        </p:nvSpPr>
+        <p:spPr>
+          <a:xfrm>
+            <a:off x="5421084" y="272142"/>
+            <a:ext cx="859972" cy="646331"/>
+          </a:xfrm>
+          <a:prstGeom prst="rect">
+            <a:avLst/>
+          </a:prstGeom>
+          <a:noFill/>
+          <a:ln w="19050">
+            <a:noFill/>
+          </a:ln>
+        </p:spPr>
+        <p:style>
+          <a:lnRef idx="2">
+            <a:schemeClr val="accent1">
+              <a:shade val="50000"/>
+            </a:schemeClr>
+          </a:lnRef>
+          <a:fillRef idx="1">
+            <a:schemeClr val="accent1"/>
+          </a:fillRef>
+          <a:effectRef idx="0">
+            <a:schemeClr val="accent1"/>
+          </a:effectRef>
+          <a:fontRef idx="minor">
+            <a:schemeClr val="lt1"/>
+          </a:fontRef>
+        </p:style>
+        <p:txBody>
+          <a:bodyPr rtlCol="0" anchor="ctr"/>
+          <a:lstStyle/>
+          <a:p>
+            <a:pPr algn="ctr"/>
+            <a:endParaRPr kumimoji="1" lang="ja-JP" altLang="en-US"/>
+          </a:p>
+        </p:txBody>
+      </p:sp>
+      <p:grpSp>
+        <p:nvGrpSpPr>
+          <p:cNvPr id="30" name="グループ化 29"/>
+          <p:cNvGrpSpPr/>
+          <p:nvPr/>
+        </p:nvGrpSpPr>
+        <p:grpSpPr>
+          <a:xfrm>
+            <a:off x="2465608" y="2245079"/>
+            <a:ext cx="1023260" cy="646332"/>
+            <a:chOff x="2275111" y="1907622"/>
+            <a:chExt cx="1208317" cy="646332"/>
+          </a:xfrm>
+        </p:grpSpPr>
+        <p:sp>
+          <p:nvSpPr>
+            <p:cNvPr id="25" name="テキスト ボックス 24"/>
+            <p:cNvSpPr txBox="1"/>
+            <p:nvPr/>
+          </p:nvSpPr>
+          <p:spPr>
+            <a:xfrm>
+              <a:off x="2275114" y="1907623"/>
+              <a:ext cx="1208314" cy="646331"/>
+            </a:xfrm>
+            <a:prstGeom prst="rect">
+              <a:avLst/>
+            </a:prstGeom>
+            <a:noFill/>
+          </p:spPr>
+          <p:txBody>
+            <a:bodyPr wrap="square" rtlCol="0">
+              <a:spAutoFit/>
+            </a:bodyPr>
+            <a:lstStyle/>
+            <a:p>
+              <a:pPr algn="ctr"/>
+              <a:r>
+                <a:rPr kumimoji="1" lang="en-US" altLang="ja-JP" dirty="0">
+                  <a:latin typeface="ＭＳ Ｐゴシック" panose="020B0600070205080204" pitchFamily="50" charset="-128"/>
+                  <a:ea typeface="ＭＳ Ｐゴシック" panose="020B0600070205080204" pitchFamily="50" charset="-128"/>
+                </a:rPr>
+                <a:t>Core</a:t>
+              </a:r>
+            </a:p>
+            <a:p>
+              <a:pPr algn="ctr"/>
+              <a:r>
+                <a:rPr kumimoji="1" lang="en-US" altLang="ja-JP" dirty="0" smtClean="0">
+                  <a:latin typeface="ＭＳ Ｐゴシック" panose="020B0600070205080204" pitchFamily="50" charset="-128"/>
+                  <a:ea typeface="ＭＳ Ｐゴシック" panose="020B0600070205080204" pitchFamily="50" charset="-128"/>
+                </a:rPr>
+                <a:t>L3Sw</a:t>
+              </a:r>
+              <a:endParaRPr kumimoji="1" lang="ja-JP" altLang="en-US" dirty="0">
+                <a:latin typeface="ＭＳ Ｐゴシック" panose="020B0600070205080204" pitchFamily="50" charset="-128"/>
+                <a:ea typeface="ＭＳ Ｐゴシック" panose="020B0600070205080204" pitchFamily="50" charset="-128"/>
+              </a:endParaRPr>
+            </a:p>
+          </p:txBody>
+        </p:sp>
+        <p:sp>
+          <p:nvSpPr>
+            <p:cNvPr id="29" name="正方形/長方形 28"/>
+            <p:cNvSpPr/>
+            <p:nvPr/>
+          </p:nvSpPr>
+          <p:spPr>
+            <a:xfrm>
+              <a:off x="2275111" y="1907622"/>
+              <a:ext cx="1208317" cy="646331"/>
+            </a:xfrm>
+            <a:prstGeom prst="rect">
+              <a:avLst/>
+            </a:prstGeom>
+            <a:noFill/>
+            <a:ln>
+              <a:solidFill>
+                <a:schemeClr val="tx1"/>
+              </a:solidFill>
+            </a:ln>
+          </p:spPr>
+          <p:style>
+            <a:lnRef idx="2">
+              <a:schemeClr val="accent1">
+                <a:shade val="50000"/>
+              </a:schemeClr>
+            </a:lnRef>
+            <a:fillRef idx="1">
+              <a:schemeClr val="accent1"/>
+            </a:fillRef>
+            <a:effectRef idx="0">
+              <a:schemeClr val="accent1"/>
+            </a:effectRef>
+            <a:fontRef idx="minor">
+              <a:schemeClr val="lt1"/>
+            </a:fontRef>
+          </p:style>
+          <p:txBody>
+            <a:bodyPr rtlCol="0" anchor="ctr"/>
+            <a:lstStyle/>
+            <a:p>
+              <a:pPr algn="ctr"/>
+              <a:endParaRPr kumimoji="1" lang="ja-JP" altLang="en-US"/>
+            </a:p>
+          </p:txBody>
+        </p:sp>
+      </p:grpSp>
+      <p:grpSp>
+        <p:nvGrpSpPr>
+          <p:cNvPr id="84" name="グループ化 83"/>
+          <p:cNvGrpSpPr/>
+          <p:nvPr/>
+        </p:nvGrpSpPr>
+        <p:grpSpPr>
+          <a:xfrm>
+            <a:off x="4484910" y="2245078"/>
+            <a:ext cx="1023260" cy="646332"/>
+            <a:chOff x="2275111" y="1907622"/>
+            <a:chExt cx="1208317" cy="646332"/>
+          </a:xfrm>
+        </p:grpSpPr>
+        <p:sp>
+          <p:nvSpPr>
+            <p:cNvPr id="85" name="テキスト ボックス 84"/>
+            <p:cNvSpPr txBox="1"/>
+            <p:nvPr/>
+          </p:nvSpPr>
+          <p:spPr>
+            <a:xfrm>
+              <a:off x="2275114" y="1907623"/>
+              <a:ext cx="1208314" cy="646331"/>
+            </a:xfrm>
+            <a:prstGeom prst="rect">
+              <a:avLst/>
+            </a:prstGeom>
+            <a:noFill/>
+          </p:spPr>
+          <p:txBody>
+            <a:bodyPr wrap="square" rtlCol="0">
+              <a:spAutoFit/>
+            </a:bodyPr>
+            <a:lstStyle/>
+            <a:p>
+              <a:pPr algn="ctr"/>
+              <a:r>
+                <a:rPr kumimoji="1" lang="en-US" altLang="ja-JP" dirty="0">
+                  <a:latin typeface="ＭＳ Ｐゴシック" panose="020B0600070205080204" pitchFamily="50" charset="-128"/>
+                  <a:ea typeface="ＭＳ Ｐゴシック" panose="020B0600070205080204" pitchFamily="50" charset="-128"/>
+                </a:rPr>
+                <a:t>Core</a:t>
+              </a:r>
+            </a:p>
+            <a:p>
+              <a:pPr algn="ctr"/>
+              <a:r>
+                <a:rPr kumimoji="1" lang="en-US" altLang="ja-JP" dirty="0" smtClean="0">
+                  <a:latin typeface="ＭＳ Ｐゴシック" panose="020B0600070205080204" pitchFamily="50" charset="-128"/>
+                  <a:ea typeface="ＭＳ Ｐゴシック" panose="020B0600070205080204" pitchFamily="50" charset="-128"/>
+                </a:rPr>
+                <a:t>L3Sw</a:t>
+              </a:r>
+              <a:endParaRPr kumimoji="1" lang="ja-JP" altLang="en-US" dirty="0">
+                <a:latin typeface="ＭＳ Ｐゴシック" panose="020B0600070205080204" pitchFamily="50" charset="-128"/>
+                <a:ea typeface="ＭＳ Ｐゴシック" panose="020B0600070205080204" pitchFamily="50" charset="-128"/>
+              </a:endParaRPr>
+            </a:p>
+          </p:txBody>
+        </p:sp>
+        <p:sp>
+          <p:nvSpPr>
+            <p:cNvPr id="86" name="正方形/長方形 85"/>
+            <p:cNvSpPr/>
+            <p:nvPr/>
+          </p:nvSpPr>
+          <p:spPr>
+            <a:xfrm>
+              <a:off x="2275111" y="1907622"/>
+              <a:ext cx="1208317" cy="646331"/>
+            </a:xfrm>
+            <a:prstGeom prst="rect">
+              <a:avLst/>
+            </a:prstGeom>
+            <a:noFill/>
+            <a:ln>
+              <a:solidFill>
+                <a:schemeClr val="tx1"/>
+              </a:solidFill>
+            </a:ln>
+          </p:spPr>
+          <p:style>
+            <a:lnRef idx="2">
+              <a:schemeClr val="accent1">
+                <a:shade val="50000"/>
+              </a:schemeClr>
+            </a:lnRef>
+            <a:fillRef idx="1">
+              <a:schemeClr val="accent1"/>
+            </a:fillRef>
+            <a:effectRef idx="0">
+              <a:schemeClr val="accent1"/>
+            </a:effectRef>
+            <a:fontRef idx="minor">
+              <a:schemeClr val="lt1"/>
+            </a:fontRef>
+          </p:style>
+          <p:txBody>
+            <a:bodyPr rtlCol="0" anchor="ctr"/>
+            <a:lstStyle/>
+            <a:p>
+              <a:pPr algn="ctr"/>
+              <a:endParaRPr kumimoji="1" lang="ja-JP" altLang="en-US"/>
+            </a:p>
+          </p:txBody>
+        </p:sp>
+      </p:grpSp>
+      <p:grpSp>
+        <p:nvGrpSpPr>
+          <p:cNvPr id="87" name="グループ化 86"/>
+          <p:cNvGrpSpPr/>
+          <p:nvPr/>
+        </p:nvGrpSpPr>
+        <p:grpSpPr>
+          <a:xfrm>
+            <a:off x="6291939" y="2245078"/>
+            <a:ext cx="1023260" cy="646332"/>
+            <a:chOff x="2275111" y="1907622"/>
+            <a:chExt cx="1208317" cy="646332"/>
+          </a:xfrm>
+        </p:grpSpPr>
+        <p:sp>
+          <p:nvSpPr>
+            <p:cNvPr id="88" name="テキスト ボックス 87"/>
+            <p:cNvSpPr txBox="1"/>
+            <p:nvPr/>
+          </p:nvSpPr>
+          <p:spPr>
+            <a:xfrm>
+              <a:off x="2275114" y="1907623"/>
+              <a:ext cx="1208314" cy="646331"/>
+            </a:xfrm>
+            <a:prstGeom prst="rect">
+              <a:avLst/>
+            </a:prstGeom>
+            <a:noFill/>
+          </p:spPr>
+          <p:txBody>
+            <a:bodyPr wrap="square" rtlCol="0">
+              <a:spAutoFit/>
+            </a:bodyPr>
+            <a:lstStyle/>
+            <a:p>
+              <a:pPr algn="ctr"/>
+              <a:r>
+                <a:rPr kumimoji="1" lang="en-US" altLang="ja-JP" dirty="0">
+                  <a:latin typeface="ＭＳ Ｐゴシック" panose="020B0600070205080204" pitchFamily="50" charset="-128"/>
+                  <a:ea typeface="ＭＳ Ｐゴシック" panose="020B0600070205080204" pitchFamily="50" charset="-128"/>
+                </a:rPr>
+                <a:t>Core</a:t>
+              </a:r>
+            </a:p>
+            <a:p>
+              <a:pPr algn="ctr"/>
+              <a:r>
+                <a:rPr kumimoji="1" lang="en-US" altLang="ja-JP" dirty="0" smtClean="0">
+                  <a:latin typeface="ＭＳ Ｐゴシック" panose="020B0600070205080204" pitchFamily="50" charset="-128"/>
+                  <a:ea typeface="ＭＳ Ｐゴシック" panose="020B0600070205080204" pitchFamily="50" charset="-128"/>
+                </a:rPr>
+                <a:t>L3Sw</a:t>
+              </a:r>
+              <a:endParaRPr kumimoji="1" lang="ja-JP" altLang="en-US" dirty="0">
+                <a:latin typeface="ＭＳ Ｐゴシック" panose="020B0600070205080204" pitchFamily="50" charset="-128"/>
+                <a:ea typeface="ＭＳ Ｐゴシック" panose="020B0600070205080204" pitchFamily="50" charset="-128"/>
+              </a:endParaRPr>
+            </a:p>
+          </p:txBody>
+        </p:sp>
+        <p:sp>
+          <p:nvSpPr>
+            <p:cNvPr id="89" name="正方形/長方形 88"/>
+            <p:cNvSpPr/>
+            <p:nvPr/>
+          </p:nvSpPr>
+          <p:spPr>
+            <a:xfrm>
+              <a:off x="2275111" y="1907622"/>
+              <a:ext cx="1208317" cy="646331"/>
+            </a:xfrm>
+            <a:prstGeom prst="rect">
+              <a:avLst/>
+            </a:prstGeom>
+            <a:noFill/>
+            <a:ln>
+              <a:solidFill>
+                <a:schemeClr val="tx1"/>
+              </a:solidFill>
+            </a:ln>
+          </p:spPr>
+          <p:style>
+            <a:lnRef idx="2">
+              <a:schemeClr val="accent1">
+                <a:shade val="50000"/>
+              </a:schemeClr>
+            </a:lnRef>
+            <a:fillRef idx="1">
+              <a:schemeClr val="accent1"/>
+            </a:fillRef>
+            <a:effectRef idx="0">
+              <a:schemeClr val="accent1"/>
+            </a:effectRef>
+            <a:fontRef idx="minor">
+              <a:schemeClr val="lt1"/>
+            </a:fontRef>
+          </p:style>
+          <p:txBody>
+            <a:bodyPr rtlCol="0" anchor="ctr"/>
+            <a:lstStyle/>
+            <a:p>
+              <a:pPr algn="ctr"/>
+              <a:endParaRPr kumimoji="1" lang="ja-JP" altLang="en-US"/>
+            </a:p>
+          </p:txBody>
+        </p:sp>
+      </p:grpSp>
+      <p:grpSp>
+        <p:nvGrpSpPr>
+          <p:cNvPr id="90" name="グループ化 89"/>
+          <p:cNvGrpSpPr/>
+          <p:nvPr/>
+        </p:nvGrpSpPr>
+        <p:grpSpPr>
+          <a:xfrm>
+            <a:off x="8388793" y="2245078"/>
+            <a:ext cx="1023260" cy="646332"/>
+            <a:chOff x="2275111" y="1907622"/>
+            <a:chExt cx="1208317" cy="646332"/>
+          </a:xfrm>
+        </p:grpSpPr>
+        <p:sp>
+          <p:nvSpPr>
+            <p:cNvPr id="91" name="テキスト ボックス 90"/>
+            <p:cNvSpPr txBox="1"/>
+            <p:nvPr/>
+          </p:nvSpPr>
+          <p:spPr>
+            <a:xfrm>
+              <a:off x="2275114" y="1907623"/>
+              <a:ext cx="1208314" cy="646331"/>
+            </a:xfrm>
+            <a:prstGeom prst="rect">
+              <a:avLst/>
+            </a:prstGeom>
+            <a:noFill/>
+          </p:spPr>
+          <p:txBody>
+            <a:bodyPr wrap="square" rtlCol="0">
+              <a:spAutoFit/>
+            </a:bodyPr>
+            <a:lstStyle/>
+            <a:p>
+              <a:pPr algn="ctr"/>
+              <a:r>
+                <a:rPr kumimoji="1" lang="en-US" altLang="ja-JP" dirty="0">
+                  <a:latin typeface="ＭＳ Ｐゴシック" panose="020B0600070205080204" pitchFamily="50" charset="-128"/>
+                  <a:ea typeface="ＭＳ Ｐゴシック" panose="020B0600070205080204" pitchFamily="50" charset="-128"/>
+                </a:rPr>
+                <a:t>Core</a:t>
+              </a:r>
+            </a:p>
+            <a:p>
+              <a:pPr algn="ctr"/>
+              <a:r>
+                <a:rPr kumimoji="1" lang="en-US" altLang="ja-JP" dirty="0" smtClean="0">
+                  <a:latin typeface="ＭＳ Ｐゴシック" panose="020B0600070205080204" pitchFamily="50" charset="-128"/>
+                  <a:ea typeface="ＭＳ Ｐゴシック" panose="020B0600070205080204" pitchFamily="50" charset="-128"/>
+                </a:rPr>
+                <a:t>L3Sw</a:t>
+              </a:r>
+              <a:endParaRPr kumimoji="1" lang="ja-JP" altLang="en-US" dirty="0">
+                <a:latin typeface="ＭＳ Ｐゴシック" panose="020B0600070205080204" pitchFamily="50" charset="-128"/>
+                <a:ea typeface="ＭＳ Ｐゴシック" panose="020B0600070205080204" pitchFamily="50" charset="-128"/>
+              </a:endParaRPr>
+            </a:p>
+          </p:txBody>
+        </p:sp>
+        <p:sp>
+          <p:nvSpPr>
+            <p:cNvPr id="92" name="正方形/長方形 91"/>
+            <p:cNvSpPr/>
+            <p:nvPr/>
+          </p:nvSpPr>
+          <p:spPr>
+            <a:xfrm>
+              <a:off x="2275111" y="1907622"/>
+              <a:ext cx="1208317" cy="646331"/>
+            </a:xfrm>
+            <a:prstGeom prst="rect">
+              <a:avLst/>
+            </a:prstGeom>
+            <a:noFill/>
+            <a:ln>
+              <a:solidFill>
+                <a:schemeClr val="tx1"/>
+              </a:solidFill>
+            </a:ln>
+          </p:spPr>
+          <p:style>
+            <a:lnRef idx="2">
+              <a:schemeClr val="accent1">
+                <a:shade val="50000"/>
+              </a:schemeClr>
+            </a:lnRef>
+            <a:fillRef idx="1">
+              <a:schemeClr val="accent1"/>
+            </a:fillRef>
+            <a:effectRef idx="0">
+              <a:schemeClr val="accent1"/>
+            </a:effectRef>
+            <a:fontRef idx="minor">
+              <a:schemeClr val="lt1"/>
+            </a:fontRef>
+          </p:style>
+          <p:txBody>
+            <a:bodyPr rtlCol="0" anchor="ctr"/>
+            <a:lstStyle/>
+            <a:p>
+              <a:pPr algn="ctr"/>
+              <a:endParaRPr kumimoji="1" lang="ja-JP" altLang="en-US"/>
+            </a:p>
+          </p:txBody>
+        </p:sp>
+      </p:grpSp>
+      <p:grpSp>
+        <p:nvGrpSpPr>
+          <p:cNvPr id="101" name="グループ化 100"/>
+          <p:cNvGrpSpPr/>
+          <p:nvPr/>
+        </p:nvGrpSpPr>
+        <p:grpSpPr>
+          <a:xfrm>
+            <a:off x="1634874" y="3320143"/>
+            <a:ext cx="1034145" cy="369332"/>
+            <a:chOff x="1682517" y="3320143"/>
+            <a:chExt cx="1034145" cy="369332"/>
+          </a:xfrm>
+        </p:grpSpPr>
+        <p:sp>
+          <p:nvSpPr>
+            <p:cNvPr id="63" name="テキスト ボックス 62"/>
+            <p:cNvSpPr txBox="1"/>
+            <p:nvPr/>
+          </p:nvSpPr>
+          <p:spPr>
+            <a:xfrm>
+              <a:off x="1682517" y="3320143"/>
+              <a:ext cx="1034144" cy="369332"/>
+            </a:xfrm>
+            <a:prstGeom prst="rect">
+              <a:avLst/>
+            </a:prstGeom>
+            <a:noFill/>
+          </p:spPr>
+          <p:txBody>
+            <a:bodyPr wrap="square" rtlCol="0">
+              <a:spAutoFit/>
+            </a:bodyPr>
+            <a:lstStyle/>
+            <a:p>
+              <a:pPr algn="ctr"/>
+              <a:r>
+                <a:rPr kumimoji="1" lang="en-US" altLang="ja-JP" dirty="0" err="1" smtClean="0">
+                  <a:latin typeface="ＭＳ Ｐゴシック" panose="020B0600070205080204" pitchFamily="50" charset="-128"/>
+                  <a:ea typeface="ＭＳ Ｐゴシック" panose="020B0600070205080204" pitchFamily="50" charset="-128"/>
+                </a:rPr>
+                <a:t>Sw</a:t>
+              </a:r>
+              <a:endParaRPr kumimoji="1" lang="ja-JP" altLang="en-US" dirty="0">
+                <a:latin typeface="ＭＳ Ｐゴシック" panose="020B0600070205080204" pitchFamily="50" charset="-128"/>
+                <a:ea typeface="ＭＳ Ｐゴシック" panose="020B0600070205080204" pitchFamily="50" charset="-128"/>
+              </a:endParaRPr>
+            </a:p>
+          </p:txBody>
+        </p:sp>
+        <p:sp>
+          <p:nvSpPr>
+            <p:cNvPr id="100" name="正方形/長方形 99"/>
+            <p:cNvSpPr/>
+            <p:nvPr/>
+          </p:nvSpPr>
+          <p:spPr>
+            <a:xfrm>
+              <a:off x="1682518" y="3320143"/>
+              <a:ext cx="1034144" cy="369332"/>
+            </a:xfrm>
+            <a:prstGeom prst="rect">
+              <a:avLst/>
+            </a:prstGeom>
+            <a:noFill/>
+            <a:ln>
+              <a:solidFill>
+                <a:schemeClr val="tx1"/>
+              </a:solidFill>
+            </a:ln>
+          </p:spPr>
+          <p:style>
+            <a:lnRef idx="2">
+              <a:schemeClr val="accent1">
+                <a:shade val="50000"/>
+              </a:schemeClr>
+            </a:lnRef>
+            <a:fillRef idx="1">
+              <a:schemeClr val="accent1"/>
+            </a:fillRef>
+            <a:effectRef idx="0">
+              <a:schemeClr val="accent1"/>
+            </a:effectRef>
+            <a:fontRef idx="minor">
+              <a:schemeClr val="lt1"/>
+            </a:fontRef>
+          </p:style>
+          <p:txBody>
+            <a:bodyPr rtlCol="0" anchor="ctr"/>
+            <a:lstStyle/>
+            <a:p>
+              <a:pPr algn="ctr"/>
+              <a:endParaRPr kumimoji="1" lang="ja-JP" altLang="en-US"/>
+            </a:p>
+          </p:txBody>
+        </p:sp>
+      </p:grpSp>
+      <p:grpSp>
+        <p:nvGrpSpPr>
+          <p:cNvPr id="102" name="グループ化 101"/>
+          <p:cNvGrpSpPr/>
+          <p:nvPr/>
+        </p:nvGrpSpPr>
+        <p:grpSpPr>
+          <a:xfrm>
+            <a:off x="3275230" y="3320143"/>
+            <a:ext cx="1034145" cy="369332"/>
+            <a:chOff x="1682517" y="3320143"/>
+            <a:chExt cx="1034145" cy="369332"/>
+          </a:xfrm>
+        </p:grpSpPr>
+        <p:sp>
+          <p:nvSpPr>
+            <p:cNvPr id="103" name="テキスト ボックス 102"/>
+            <p:cNvSpPr txBox="1"/>
+            <p:nvPr/>
+          </p:nvSpPr>
+          <p:spPr>
+            <a:xfrm>
+              <a:off x="1682517" y="3320143"/>
+              <a:ext cx="1034144" cy="369332"/>
+            </a:xfrm>
+            <a:prstGeom prst="rect">
+              <a:avLst/>
+            </a:prstGeom>
+            <a:noFill/>
+          </p:spPr>
+          <p:txBody>
+            <a:bodyPr wrap="square" rtlCol="0">
+              <a:spAutoFit/>
+            </a:bodyPr>
+            <a:lstStyle/>
+            <a:p>
+              <a:pPr algn="ctr"/>
+              <a:r>
+                <a:rPr kumimoji="1" lang="en-US" altLang="ja-JP" dirty="0" err="1" smtClean="0">
+                  <a:latin typeface="ＭＳ Ｐゴシック" panose="020B0600070205080204" pitchFamily="50" charset="-128"/>
+                  <a:ea typeface="ＭＳ Ｐゴシック" panose="020B0600070205080204" pitchFamily="50" charset="-128"/>
+                </a:rPr>
+                <a:t>Sw</a:t>
+              </a:r>
+              <a:endParaRPr kumimoji="1" lang="ja-JP" altLang="en-US" dirty="0">
+                <a:latin typeface="ＭＳ Ｐゴシック" panose="020B0600070205080204" pitchFamily="50" charset="-128"/>
+                <a:ea typeface="ＭＳ Ｐゴシック" panose="020B0600070205080204" pitchFamily="50" charset="-128"/>
+              </a:endParaRPr>
+            </a:p>
+          </p:txBody>
+        </p:sp>
+        <p:sp>
+          <p:nvSpPr>
+            <p:cNvPr id="104" name="正方形/長方形 103"/>
+            <p:cNvSpPr/>
+            <p:nvPr/>
+          </p:nvSpPr>
+          <p:spPr>
+            <a:xfrm>
+              <a:off x="1682518" y="3320143"/>
+              <a:ext cx="1034144" cy="369332"/>
+            </a:xfrm>
+            <a:prstGeom prst="rect">
+              <a:avLst/>
+            </a:prstGeom>
+            <a:noFill/>
+            <a:ln>
+              <a:solidFill>
+                <a:schemeClr val="tx1"/>
+              </a:solidFill>
+            </a:ln>
+          </p:spPr>
+          <p:style>
+            <a:lnRef idx="2">
+              <a:schemeClr val="accent1">
+                <a:shade val="50000"/>
+              </a:schemeClr>
+            </a:lnRef>
+            <a:fillRef idx="1">
+              <a:schemeClr val="accent1"/>
+            </a:fillRef>
+            <a:effectRef idx="0">
+              <a:schemeClr val="accent1"/>
+            </a:effectRef>
+            <a:fontRef idx="minor">
+              <a:schemeClr val="lt1"/>
+            </a:fontRef>
+          </p:style>
+          <p:txBody>
+            <a:bodyPr rtlCol="0" anchor="ctr"/>
+            <a:lstStyle/>
+            <a:p>
+              <a:pPr algn="ctr"/>
+              <a:endParaRPr kumimoji="1" lang="ja-JP" altLang="en-US"/>
+            </a:p>
+          </p:txBody>
+        </p:sp>
+      </p:grpSp>
+      <p:grpSp>
+        <p:nvGrpSpPr>
+          <p:cNvPr id="105" name="グループ化 104"/>
+          <p:cNvGrpSpPr/>
+          <p:nvPr/>
+        </p:nvGrpSpPr>
+        <p:grpSpPr>
+          <a:xfrm>
+            <a:off x="7635632" y="3320143"/>
+            <a:ext cx="1034145" cy="369332"/>
+            <a:chOff x="1682517" y="3320143"/>
+            <a:chExt cx="1034145" cy="369332"/>
+          </a:xfrm>
+        </p:grpSpPr>
+        <p:sp>
+          <p:nvSpPr>
+            <p:cNvPr id="106" name="テキスト ボックス 105"/>
+            <p:cNvSpPr txBox="1"/>
+            <p:nvPr/>
+          </p:nvSpPr>
+          <p:spPr>
+            <a:xfrm>
+              <a:off x="1682517" y="3320143"/>
+              <a:ext cx="1034144" cy="369332"/>
+            </a:xfrm>
+            <a:prstGeom prst="rect">
+              <a:avLst/>
+            </a:prstGeom>
+            <a:noFill/>
+          </p:spPr>
+          <p:txBody>
+            <a:bodyPr wrap="square" rtlCol="0">
+              <a:spAutoFit/>
+            </a:bodyPr>
+            <a:lstStyle/>
+            <a:p>
+              <a:pPr algn="ctr"/>
+              <a:r>
+                <a:rPr kumimoji="1" lang="en-US" altLang="ja-JP" dirty="0" err="1" smtClean="0">
+                  <a:latin typeface="ＭＳ Ｐゴシック" panose="020B0600070205080204" pitchFamily="50" charset="-128"/>
+                  <a:ea typeface="ＭＳ Ｐゴシック" panose="020B0600070205080204" pitchFamily="50" charset="-128"/>
+                </a:rPr>
+                <a:t>Sw</a:t>
+              </a:r>
+              <a:endParaRPr kumimoji="1" lang="ja-JP" altLang="en-US" dirty="0">
+                <a:latin typeface="ＭＳ Ｐゴシック" panose="020B0600070205080204" pitchFamily="50" charset="-128"/>
+                <a:ea typeface="ＭＳ Ｐゴシック" panose="020B0600070205080204" pitchFamily="50" charset="-128"/>
+              </a:endParaRPr>
+            </a:p>
+          </p:txBody>
+        </p:sp>
+        <p:sp>
+          <p:nvSpPr>
+            <p:cNvPr id="107" name="正方形/長方形 106"/>
+            <p:cNvSpPr/>
+            <p:nvPr/>
+          </p:nvSpPr>
+          <p:spPr>
+            <a:xfrm>
+              <a:off x="1682518" y="3320143"/>
+              <a:ext cx="1034144" cy="369332"/>
+            </a:xfrm>
+            <a:prstGeom prst="rect">
+              <a:avLst/>
+            </a:prstGeom>
+            <a:noFill/>
+            <a:ln>
+              <a:solidFill>
+                <a:schemeClr val="tx1"/>
+              </a:solidFill>
+            </a:ln>
+          </p:spPr>
+          <p:style>
+            <a:lnRef idx="2">
+              <a:schemeClr val="accent1">
+                <a:shade val="50000"/>
+              </a:schemeClr>
+            </a:lnRef>
+            <a:fillRef idx="1">
+              <a:schemeClr val="accent1"/>
+            </a:fillRef>
+            <a:effectRef idx="0">
+              <a:schemeClr val="accent1"/>
+            </a:effectRef>
+            <a:fontRef idx="minor">
+              <a:schemeClr val="lt1"/>
+            </a:fontRef>
+          </p:style>
+          <p:txBody>
+            <a:bodyPr rtlCol="0" anchor="ctr"/>
+            <a:lstStyle/>
+            <a:p>
+              <a:pPr algn="ctr"/>
+              <a:endParaRPr kumimoji="1" lang="ja-JP" altLang="en-US"/>
+            </a:p>
+          </p:txBody>
+        </p:sp>
+      </p:grpSp>
+      <p:grpSp>
+        <p:nvGrpSpPr>
+          <p:cNvPr id="108" name="グループ化 107"/>
+          <p:cNvGrpSpPr/>
+          <p:nvPr/>
+        </p:nvGrpSpPr>
+        <p:grpSpPr>
+          <a:xfrm>
+            <a:off x="9205225" y="3320143"/>
+            <a:ext cx="1034145" cy="369332"/>
+            <a:chOff x="1682517" y="3320143"/>
+            <a:chExt cx="1034145" cy="369332"/>
+          </a:xfrm>
+        </p:grpSpPr>
+        <p:sp>
+          <p:nvSpPr>
+            <p:cNvPr id="109" name="テキスト ボックス 108"/>
+            <p:cNvSpPr txBox="1"/>
+            <p:nvPr/>
+          </p:nvSpPr>
+          <p:spPr>
+            <a:xfrm>
+              <a:off x="1682517" y="3320143"/>
+              <a:ext cx="1034144" cy="369332"/>
+            </a:xfrm>
+            <a:prstGeom prst="rect">
+              <a:avLst/>
+            </a:prstGeom>
+            <a:noFill/>
+          </p:spPr>
+          <p:txBody>
+            <a:bodyPr wrap="square" rtlCol="0">
+              <a:spAutoFit/>
+            </a:bodyPr>
+            <a:lstStyle/>
+            <a:p>
+              <a:pPr algn="ctr"/>
+              <a:r>
+                <a:rPr kumimoji="1" lang="en-US" altLang="ja-JP" dirty="0" err="1" smtClean="0">
+                  <a:latin typeface="ＭＳ Ｐゴシック" panose="020B0600070205080204" pitchFamily="50" charset="-128"/>
+                  <a:ea typeface="ＭＳ Ｐゴシック" panose="020B0600070205080204" pitchFamily="50" charset="-128"/>
+                </a:rPr>
+                <a:t>Sw</a:t>
+              </a:r>
+              <a:endParaRPr kumimoji="1" lang="ja-JP" altLang="en-US" dirty="0">
+                <a:latin typeface="ＭＳ Ｐゴシック" panose="020B0600070205080204" pitchFamily="50" charset="-128"/>
+                <a:ea typeface="ＭＳ Ｐゴシック" panose="020B0600070205080204" pitchFamily="50" charset="-128"/>
+              </a:endParaRPr>
+            </a:p>
+          </p:txBody>
+        </p:sp>
+        <p:sp>
+          <p:nvSpPr>
+            <p:cNvPr id="110" name="正方形/長方形 109"/>
+            <p:cNvSpPr/>
+            <p:nvPr/>
+          </p:nvSpPr>
+          <p:spPr>
+            <a:xfrm>
+              <a:off x="1682518" y="3320143"/>
+              <a:ext cx="1034144" cy="369332"/>
+            </a:xfrm>
+            <a:prstGeom prst="rect">
+              <a:avLst/>
+            </a:prstGeom>
+            <a:noFill/>
+            <a:ln>
+              <a:solidFill>
+                <a:schemeClr val="tx1"/>
+              </a:solidFill>
+            </a:ln>
+          </p:spPr>
+          <p:style>
+            <a:lnRef idx="2">
+              <a:schemeClr val="accent1">
+                <a:shade val="50000"/>
+              </a:schemeClr>
+            </a:lnRef>
+            <a:fillRef idx="1">
+              <a:schemeClr val="accent1"/>
+            </a:fillRef>
+            <a:effectRef idx="0">
+              <a:schemeClr val="accent1"/>
+            </a:effectRef>
+            <a:fontRef idx="minor">
+              <a:schemeClr val="lt1"/>
+            </a:fontRef>
+          </p:style>
+          <p:txBody>
+            <a:bodyPr rtlCol="0" anchor="ctr"/>
+            <a:lstStyle/>
+            <a:p>
+              <a:pPr algn="ctr"/>
+              <a:endParaRPr kumimoji="1" lang="ja-JP" altLang="en-US"/>
+            </a:p>
+          </p:txBody>
+        </p:sp>
+      </p:grpSp>
+      <p:cxnSp>
+        <p:nvCxnSpPr>
+          <p:cNvPr id="112" name="直線コネクタ 111"/>
+          <p:cNvCxnSpPr>
+            <a:stCxn id="29" idx="2"/>
+            <a:endCxn id="100" idx="0"/>
+          </p:cNvCxnSpPr>
+          <p:nvPr/>
+        </p:nvCxnSpPr>
+        <p:spPr>
+          <a:xfrm flipH="1">
+            <a:off x="2151947" y="2891410"/>
+            <a:ext cx="825291" cy="428733"/>
+          </a:xfrm>
+          <a:prstGeom prst="line">
+            <a:avLst/>
+          </a:prstGeom>
+          <a:ln w="19050">
+            <a:solidFill>
+              <a:schemeClr val="tx1"/>
+            </a:solidFill>
+          </a:ln>
+        </p:spPr>
+        <p:style>
+          <a:lnRef idx="1">
+            <a:schemeClr val="accent1"/>
+          </a:lnRef>
+          <a:fillRef idx="0">
+            <a:schemeClr val="accent1"/>
+          </a:fillRef>
+          <a:effectRef idx="0">
+            <a:schemeClr val="accent1"/>
+          </a:effectRef>
+          <a:fontRef idx="minor">
+            <a:schemeClr val="tx1"/>
+          </a:fontRef>
+        </p:style>
+      </p:cxnSp>
+      <p:cxnSp>
+        <p:nvCxnSpPr>
+          <p:cNvPr id="113" name="直線コネクタ 112"/>
+          <p:cNvCxnSpPr>
+            <a:stCxn id="29" idx="2"/>
+            <a:endCxn id="104" idx="0"/>
+          </p:cNvCxnSpPr>
+          <p:nvPr/>
+        </p:nvCxnSpPr>
+        <p:spPr>
+          <a:xfrm>
+            <a:off x="2977238" y="2891410"/>
+            <a:ext cx="815065" cy="428733"/>
+          </a:xfrm>
+          <a:prstGeom prst="line">
+            <a:avLst/>
+          </a:prstGeom>
+          <a:ln w="19050">
+            <a:solidFill>
+              <a:schemeClr val="tx1"/>
+            </a:solidFill>
+          </a:ln>
+        </p:spPr>
+        <p:style>
+          <a:lnRef idx="1">
+            <a:schemeClr val="accent1"/>
+          </a:lnRef>
+          <a:fillRef idx="0">
+            <a:schemeClr val="accent1"/>
+          </a:fillRef>
+          <a:effectRef idx="0">
+            <a:schemeClr val="accent1"/>
+          </a:effectRef>
+          <a:fontRef idx="minor">
+            <a:schemeClr val="tx1"/>
+          </a:fontRef>
+        </p:style>
+      </p:cxnSp>
+      <p:cxnSp>
+        <p:nvCxnSpPr>
+          <p:cNvPr id="116" name="直線コネクタ 115"/>
+          <p:cNvCxnSpPr>
+            <a:stCxn id="92" idx="2"/>
+            <a:endCxn id="107" idx="0"/>
+          </p:cNvCxnSpPr>
+          <p:nvPr/>
+        </p:nvCxnSpPr>
+        <p:spPr>
+          <a:xfrm flipH="1">
+            <a:off x="8152705" y="2891409"/>
+            <a:ext cx="747718" cy="428734"/>
+          </a:xfrm>
+          <a:prstGeom prst="line">
+            <a:avLst/>
+          </a:prstGeom>
+          <a:ln w="19050">
+            <a:solidFill>
+              <a:schemeClr val="tx1"/>
+            </a:solidFill>
+          </a:ln>
+        </p:spPr>
+        <p:style>
+          <a:lnRef idx="1">
+            <a:schemeClr val="accent1"/>
+          </a:lnRef>
+          <a:fillRef idx="0">
+            <a:schemeClr val="accent1"/>
+          </a:fillRef>
+          <a:effectRef idx="0">
+            <a:schemeClr val="accent1"/>
+          </a:effectRef>
+          <a:fontRef idx="minor">
+            <a:schemeClr val="tx1"/>
+          </a:fontRef>
+        </p:style>
+      </p:cxnSp>
+      <p:cxnSp>
+        <p:nvCxnSpPr>
+          <p:cNvPr id="119" name="直線コネクタ 118"/>
+          <p:cNvCxnSpPr>
+            <a:stCxn id="92" idx="2"/>
+            <a:endCxn id="110" idx="0"/>
+          </p:cNvCxnSpPr>
+          <p:nvPr/>
+        </p:nvCxnSpPr>
+        <p:spPr>
+          <a:xfrm>
+            <a:off x="8900423" y="2891409"/>
+            <a:ext cx="821875" cy="428734"/>
+          </a:xfrm>
+          <a:prstGeom prst="line">
+            <a:avLst/>
+          </a:prstGeom>
+          <a:ln w="19050">
+            <a:solidFill>
+              <a:schemeClr val="tx1"/>
+            </a:solidFill>
+          </a:ln>
+        </p:spPr>
+        <p:style>
+          <a:lnRef idx="1">
+            <a:schemeClr val="accent1"/>
+          </a:lnRef>
+          <a:fillRef idx="0">
+            <a:schemeClr val="accent1"/>
+          </a:fillRef>
+          <a:effectRef idx="0">
+            <a:schemeClr val="accent1"/>
+          </a:effectRef>
+          <a:fontRef idx="minor">
+            <a:schemeClr val="tx1"/>
+          </a:fontRef>
+        </p:style>
+      </p:cxnSp>
+      <p:cxnSp>
+        <p:nvCxnSpPr>
+          <p:cNvPr id="55" name="曲線コネクタ 54"/>
+          <p:cNvCxnSpPr>
+            <a:stCxn id="25" idx="0"/>
+            <a:endCxn id="5" idx="1"/>
+          </p:cNvCxnSpPr>
+          <p:nvPr/>
+        </p:nvCxnSpPr>
+        <p:spPr>
+          <a:xfrm rot="5400000" flipH="1" flipV="1">
+            <a:off x="3325290" y="247258"/>
+            <a:ext cx="1649772" cy="2345872"/>
+          </a:xfrm>
+          <a:prstGeom prst="curvedConnector2">
+            <a:avLst/>
+          </a:prstGeom>
+          <a:ln w="19050">
+            <a:solidFill>
+              <a:schemeClr val="tx1"/>
+            </a:solidFill>
+          </a:ln>
+        </p:spPr>
+        <p:style>
+          <a:lnRef idx="1">
+            <a:schemeClr val="accent1"/>
+          </a:lnRef>
+          <a:fillRef idx="0">
+            <a:schemeClr val="accent1"/>
+          </a:fillRef>
+          <a:effectRef idx="0">
+            <a:schemeClr val="accent1"/>
+          </a:effectRef>
+          <a:fontRef idx="minor">
+            <a:schemeClr val="tx1"/>
+          </a:fontRef>
+        </p:style>
+      </p:cxnSp>
+      <p:sp>
+        <p:nvSpPr>
+          <p:cNvPr id="95" name="フリーフォーム 94"/>
+          <p:cNvSpPr/>
+          <p:nvPr/>
+        </p:nvSpPr>
+        <p:spPr>
+          <a:xfrm>
+            <a:off x="3871745" y="601362"/>
+            <a:ext cx="1433424" cy="1647568"/>
+          </a:xfrm>
+          <a:custGeom>
+            <a:avLst/>
+            <a:gdLst>
+              <a:gd name="connsiteX0" fmla="*/ 779556 w 1109070"/>
+              <a:gd name="connsiteY0" fmla="*/ 1647568 h 1672941"/>
+              <a:gd name="connsiteX1" fmla="*/ 697178 w 1109070"/>
+              <a:gd name="connsiteY1" fmla="*/ 1499287 h 1672941"/>
+              <a:gd name="connsiteX2" fmla="*/ 5199 w 1109070"/>
+              <a:gd name="connsiteY2" fmla="*/ 345989 h 1672941"/>
+              <a:gd name="connsiteX3" fmla="*/ 1109070 w 1109070"/>
+              <a:gd name="connsiteY3" fmla="*/ 0 h 1672941"/>
+              <a:gd name="connsiteX0" fmla="*/ 1033689 w 1363203"/>
+              <a:gd name="connsiteY0" fmla="*/ 1647568 h 1658118"/>
+              <a:gd name="connsiteX1" fmla="*/ 951311 w 1363203"/>
+              <a:gd name="connsiteY1" fmla="*/ 1499287 h 1658118"/>
+              <a:gd name="connsiteX2" fmla="*/ 3959 w 1363203"/>
+              <a:gd name="connsiteY2" fmla="*/ 848497 h 1658118"/>
+              <a:gd name="connsiteX3" fmla="*/ 1363203 w 1363203"/>
+              <a:gd name="connsiteY3" fmla="*/ 0 h 1658118"/>
+              <a:gd name="connsiteX0" fmla="*/ 1036083 w 1365597"/>
+              <a:gd name="connsiteY0" fmla="*/ 1647568 h 1659082"/>
+              <a:gd name="connsiteX1" fmla="*/ 863089 w 1365597"/>
+              <a:gd name="connsiteY1" fmla="*/ 1507524 h 1659082"/>
+              <a:gd name="connsiteX2" fmla="*/ 6353 w 1365597"/>
+              <a:gd name="connsiteY2" fmla="*/ 848497 h 1659082"/>
+              <a:gd name="connsiteX3" fmla="*/ 1365597 w 1365597"/>
+              <a:gd name="connsiteY3" fmla="*/ 0 h 1659082"/>
+              <a:gd name="connsiteX0" fmla="*/ 1036209 w 1365723"/>
+              <a:gd name="connsiteY0" fmla="*/ 1647568 h 1658190"/>
+              <a:gd name="connsiteX1" fmla="*/ 863215 w 1365723"/>
+              <a:gd name="connsiteY1" fmla="*/ 1507524 h 1658190"/>
+              <a:gd name="connsiteX2" fmla="*/ 6479 w 1365723"/>
+              <a:gd name="connsiteY2" fmla="*/ 848497 h 1658190"/>
+              <a:gd name="connsiteX3" fmla="*/ 1365723 w 1365723"/>
+              <a:gd name="connsiteY3" fmla="*/ 0 h 1658190"/>
+              <a:gd name="connsiteX0" fmla="*/ 1032219 w 1361733"/>
+              <a:gd name="connsiteY0" fmla="*/ 1647568 h 1647568"/>
+              <a:gd name="connsiteX1" fmla="*/ 2489 w 1361733"/>
+              <a:gd name="connsiteY1" fmla="*/ 848497 h 1647568"/>
+              <a:gd name="connsiteX2" fmla="*/ 1361733 w 1361733"/>
+              <a:gd name="connsiteY2" fmla="*/ 0 h 1647568"/>
+              <a:gd name="connsiteX0" fmla="*/ 1180151 w 1509665"/>
+              <a:gd name="connsiteY0" fmla="*/ 1647568 h 1647568"/>
+              <a:gd name="connsiteX1" fmla="*/ 2140 w 1509665"/>
+              <a:gd name="connsiteY1" fmla="*/ 799070 h 1647568"/>
+              <a:gd name="connsiteX2" fmla="*/ 1509665 w 1509665"/>
+              <a:gd name="connsiteY2" fmla="*/ 0 h 1647568"/>
+              <a:gd name="connsiteX0" fmla="*/ 1178180 w 1507694"/>
+              <a:gd name="connsiteY0" fmla="*/ 1647568 h 1647568"/>
+              <a:gd name="connsiteX1" fmla="*/ 169 w 1507694"/>
+              <a:gd name="connsiteY1" fmla="*/ 799070 h 1647568"/>
+              <a:gd name="connsiteX2" fmla="*/ 1507694 w 1507694"/>
+              <a:gd name="connsiteY2" fmla="*/ 0 h 1647568"/>
+              <a:gd name="connsiteX0" fmla="*/ 1104053 w 1433567"/>
+              <a:gd name="connsiteY0" fmla="*/ 1647568 h 1647568"/>
+              <a:gd name="connsiteX1" fmla="*/ 182 w 1433567"/>
+              <a:gd name="connsiteY1" fmla="*/ 799070 h 1647568"/>
+              <a:gd name="connsiteX2" fmla="*/ 1433567 w 1433567"/>
+              <a:gd name="connsiteY2" fmla="*/ 0 h 1647568"/>
+              <a:gd name="connsiteX0" fmla="*/ 1103910 w 1433424"/>
+              <a:gd name="connsiteY0" fmla="*/ 1647568 h 1647568"/>
+              <a:gd name="connsiteX1" fmla="*/ 39 w 1433424"/>
+              <a:gd name="connsiteY1" fmla="*/ 799070 h 1647568"/>
+              <a:gd name="connsiteX2" fmla="*/ 1433424 w 1433424"/>
+              <a:gd name="connsiteY2" fmla="*/ 0 h 1647568"/>
+            </a:gdLst>
+            <a:ahLst/>
+            <a:cxnLst>
+              <a:cxn ang="0">
+                <a:pos x="connsiteX0" y="connsiteY0"/>
+              </a:cxn>
+              <a:cxn ang="0">
+                <a:pos x="connsiteX1" y="connsiteY1"/>
+              </a:cxn>
+              <a:cxn ang="0">
+                <a:pos x="connsiteX2" y="connsiteY2"/>
+              </a:cxn>
+            </a:cxnLst>
+            <a:rect l="l" t="t" r="r" b="b"/>
+            <a:pathLst>
+              <a:path w="1433424" h="1647568">
+                <a:moveTo>
+                  <a:pt x="1103910" y="1647568"/>
+                </a:moveTo>
+                <a:cubicBezTo>
+                  <a:pt x="889383" y="1481095"/>
+                  <a:pt x="6904" y="1355124"/>
+                  <a:pt x="39" y="799070"/>
+                </a:cubicBezTo>
+                <a:cubicBezTo>
+                  <a:pt x="-6826" y="243016"/>
+                  <a:pt x="915813" y="48054"/>
+                  <a:pt x="1433424" y="0"/>
+                </a:cubicBezTo>
+              </a:path>
+            </a:pathLst>
+          </a:custGeom>
+          <a:noFill/>
+          <a:ln>
+            <a:solidFill>
+              <a:schemeClr val="tx1"/>
+            </a:solidFill>
+          </a:ln>
+        </p:spPr>
+        <p:style>
+          <a:lnRef idx="2">
+            <a:schemeClr val="accent1">
+              <a:shade val="50000"/>
+            </a:schemeClr>
+          </a:lnRef>
+          <a:fillRef idx="1">
+            <a:schemeClr val="accent1"/>
+          </a:fillRef>
+          <a:effectRef idx="0">
+            <a:schemeClr val="accent1"/>
+          </a:effectRef>
+          <a:fontRef idx="minor">
+            <a:schemeClr val="lt1"/>
+          </a:fontRef>
+        </p:style>
+        <p:txBody>
+          <a:bodyPr rtlCol="0" anchor="ctr"/>
+          <a:lstStyle/>
+          <a:p>
+            <a:pPr algn="ctr"/>
+            <a:endParaRPr kumimoji="1" lang="ja-JP" altLang="en-US"/>
+          </a:p>
+        </p:txBody>
+      </p:sp>
+      <p:sp>
+        <p:nvSpPr>
+          <p:cNvPr id="111" name="フリーフォーム 110"/>
+          <p:cNvSpPr/>
+          <p:nvPr/>
+        </p:nvSpPr>
+        <p:spPr>
+          <a:xfrm>
+            <a:off x="4632140" y="597271"/>
+            <a:ext cx="2229750" cy="1651659"/>
+          </a:xfrm>
+          <a:custGeom>
+            <a:avLst/>
+            <a:gdLst>
+              <a:gd name="connsiteX0" fmla="*/ 779556 w 1109070"/>
+              <a:gd name="connsiteY0" fmla="*/ 1647568 h 1672941"/>
+              <a:gd name="connsiteX1" fmla="*/ 697178 w 1109070"/>
+              <a:gd name="connsiteY1" fmla="*/ 1499287 h 1672941"/>
+              <a:gd name="connsiteX2" fmla="*/ 5199 w 1109070"/>
+              <a:gd name="connsiteY2" fmla="*/ 345989 h 1672941"/>
+              <a:gd name="connsiteX3" fmla="*/ 1109070 w 1109070"/>
+              <a:gd name="connsiteY3" fmla="*/ 0 h 1672941"/>
+              <a:gd name="connsiteX0" fmla="*/ 1033689 w 1363203"/>
+              <a:gd name="connsiteY0" fmla="*/ 1647568 h 1658118"/>
+              <a:gd name="connsiteX1" fmla="*/ 951311 w 1363203"/>
+              <a:gd name="connsiteY1" fmla="*/ 1499287 h 1658118"/>
+              <a:gd name="connsiteX2" fmla="*/ 3959 w 1363203"/>
+              <a:gd name="connsiteY2" fmla="*/ 848497 h 1658118"/>
+              <a:gd name="connsiteX3" fmla="*/ 1363203 w 1363203"/>
+              <a:gd name="connsiteY3" fmla="*/ 0 h 1658118"/>
+              <a:gd name="connsiteX0" fmla="*/ 1036083 w 1365597"/>
+              <a:gd name="connsiteY0" fmla="*/ 1647568 h 1659082"/>
+              <a:gd name="connsiteX1" fmla="*/ 863089 w 1365597"/>
+              <a:gd name="connsiteY1" fmla="*/ 1507524 h 1659082"/>
+              <a:gd name="connsiteX2" fmla="*/ 6353 w 1365597"/>
+              <a:gd name="connsiteY2" fmla="*/ 848497 h 1659082"/>
+              <a:gd name="connsiteX3" fmla="*/ 1365597 w 1365597"/>
+              <a:gd name="connsiteY3" fmla="*/ 0 h 1659082"/>
+              <a:gd name="connsiteX0" fmla="*/ 1036209 w 1365723"/>
+              <a:gd name="connsiteY0" fmla="*/ 1647568 h 1658190"/>
+              <a:gd name="connsiteX1" fmla="*/ 863215 w 1365723"/>
+              <a:gd name="connsiteY1" fmla="*/ 1507524 h 1658190"/>
+              <a:gd name="connsiteX2" fmla="*/ 6479 w 1365723"/>
+              <a:gd name="connsiteY2" fmla="*/ 848497 h 1658190"/>
+              <a:gd name="connsiteX3" fmla="*/ 1365723 w 1365723"/>
+              <a:gd name="connsiteY3" fmla="*/ 0 h 1658190"/>
+              <a:gd name="connsiteX0" fmla="*/ 1032219 w 1361733"/>
+              <a:gd name="connsiteY0" fmla="*/ 1647568 h 1647568"/>
+              <a:gd name="connsiteX1" fmla="*/ 2489 w 1361733"/>
+              <a:gd name="connsiteY1" fmla="*/ 848497 h 1647568"/>
+              <a:gd name="connsiteX2" fmla="*/ 1361733 w 1361733"/>
+              <a:gd name="connsiteY2" fmla="*/ 0 h 1647568"/>
+              <a:gd name="connsiteX0" fmla="*/ 1180151 w 1509665"/>
+              <a:gd name="connsiteY0" fmla="*/ 1647568 h 1647568"/>
+              <a:gd name="connsiteX1" fmla="*/ 2140 w 1509665"/>
+              <a:gd name="connsiteY1" fmla="*/ 799070 h 1647568"/>
+              <a:gd name="connsiteX2" fmla="*/ 1509665 w 1509665"/>
+              <a:gd name="connsiteY2" fmla="*/ 0 h 1647568"/>
+              <a:gd name="connsiteX0" fmla="*/ 1178180 w 1507694"/>
+              <a:gd name="connsiteY0" fmla="*/ 1647568 h 1647568"/>
+              <a:gd name="connsiteX1" fmla="*/ 169 w 1507694"/>
+              <a:gd name="connsiteY1" fmla="*/ 799070 h 1647568"/>
+              <a:gd name="connsiteX2" fmla="*/ 1507694 w 1507694"/>
+              <a:gd name="connsiteY2" fmla="*/ 0 h 1647568"/>
+              <a:gd name="connsiteX0" fmla="*/ 1238410 w 1238410"/>
+              <a:gd name="connsiteY0" fmla="*/ 1696996 h 1696996"/>
+              <a:gd name="connsiteX1" fmla="*/ 60399 w 1238410"/>
+              <a:gd name="connsiteY1" fmla="*/ 848498 h 1696996"/>
+              <a:gd name="connsiteX2" fmla="*/ 488768 w 1238410"/>
+              <a:gd name="connsiteY2" fmla="*/ 0 h 1696996"/>
+              <a:gd name="connsiteX0" fmla="*/ 2122900 w 2122900"/>
+              <a:gd name="connsiteY0" fmla="*/ 1672283 h 1672283"/>
+              <a:gd name="connsiteX1" fmla="*/ 121105 w 2122900"/>
+              <a:gd name="connsiteY1" fmla="*/ 848498 h 1672283"/>
+              <a:gd name="connsiteX2" fmla="*/ 549474 w 2122900"/>
+              <a:gd name="connsiteY2" fmla="*/ 0 h 1672283"/>
+              <a:gd name="connsiteX0" fmla="*/ 2215671 w 2215671"/>
+              <a:gd name="connsiteY0" fmla="*/ 1672283 h 1672283"/>
+              <a:gd name="connsiteX1" fmla="*/ 98546 w 2215671"/>
+              <a:gd name="connsiteY1" fmla="*/ 864974 h 1672283"/>
+              <a:gd name="connsiteX2" fmla="*/ 642245 w 2215671"/>
+              <a:gd name="connsiteY2" fmla="*/ 0 h 1672283"/>
+              <a:gd name="connsiteX0" fmla="*/ 2229750 w 2229750"/>
+              <a:gd name="connsiteY0" fmla="*/ 1672283 h 1672283"/>
+              <a:gd name="connsiteX1" fmla="*/ 112625 w 2229750"/>
+              <a:gd name="connsiteY1" fmla="*/ 864974 h 1672283"/>
+              <a:gd name="connsiteX2" fmla="*/ 656324 w 2229750"/>
+              <a:gd name="connsiteY2" fmla="*/ 0 h 1672283"/>
+            </a:gdLst>
+            <a:ahLst/>
+            <a:cxnLst>
+              <a:cxn ang="0">
+                <a:pos x="connsiteX0" y="connsiteY0"/>
+              </a:cxn>
+              <a:cxn ang="0">
+                <a:pos x="connsiteX1" y="connsiteY1"/>
+              </a:cxn>
+              <a:cxn ang="0">
+                <a:pos x="connsiteX2" y="connsiteY2"/>
+              </a:cxn>
+            </a:cxnLst>
+            <a:rect l="l" t="t" r="r" b="b"/>
+            <a:pathLst>
+              <a:path w="2229750" h="1672283">
+                <a:moveTo>
+                  <a:pt x="2229750" y="1672283"/>
+                </a:moveTo>
+                <a:cubicBezTo>
+                  <a:pt x="2015223" y="1505810"/>
+                  <a:pt x="407814" y="1259018"/>
+                  <a:pt x="112625" y="864974"/>
+                </a:cubicBezTo>
+                <a:cubicBezTo>
+                  <a:pt x="-182564" y="470930"/>
+                  <a:pt x="138713" y="48054"/>
+                  <a:pt x="656324" y="0"/>
+                </a:cubicBezTo>
+              </a:path>
+            </a:pathLst>
+          </a:custGeom>
+          <a:noFill/>
+          <a:ln>
+            <a:solidFill>
+              <a:schemeClr val="tx1"/>
+            </a:solidFill>
+          </a:ln>
+        </p:spPr>
+        <p:style>
+          <a:lnRef idx="2">
+            <a:schemeClr val="accent1">
+              <a:shade val="50000"/>
+            </a:schemeClr>
+          </a:lnRef>
+          <a:fillRef idx="1">
+            <a:schemeClr val="accent1"/>
+          </a:fillRef>
+          <a:effectRef idx="0">
+            <a:schemeClr val="accent1"/>
+          </a:effectRef>
+          <a:fontRef idx="minor">
+            <a:schemeClr val="lt1"/>
+          </a:fontRef>
+        </p:style>
+        <p:txBody>
+          <a:bodyPr rtlCol="0" anchor="ctr"/>
+          <a:lstStyle/>
+          <a:p>
+            <a:pPr algn="ctr"/>
+            <a:endParaRPr kumimoji="1" lang="ja-JP" altLang="en-US" b="1" dirty="0"/>
+          </a:p>
+        </p:txBody>
+      </p:sp>
+      <p:sp>
+        <p:nvSpPr>
+          <p:cNvPr id="114" name="フリーフォーム 113"/>
+          <p:cNvSpPr/>
+          <p:nvPr/>
+        </p:nvSpPr>
+        <p:spPr>
+          <a:xfrm>
+            <a:off x="4901408" y="593151"/>
+            <a:ext cx="4024060" cy="1659898"/>
+          </a:xfrm>
+          <a:custGeom>
+            <a:avLst/>
+            <a:gdLst>
+              <a:gd name="connsiteX0" fmla="*/ 779556 w 1109070"/>
+              <a:gd name="connsiteY0" fmla="*/ 1647568 h 1672941"/>
+              <a:gd name="connsiteX1" fmla="*/ 697178 w 1109070"/>
+              <a:gd name="connsiteY1" fmla="*/ 1499287 h 1672941"/>
+              <a:gd name="connsiteX2" fmla="*/ 5199 w 1109070"/>
+              <a:gd name="connsiteY2" fmla="*/ 345989 h 1672941"/>
+              <a:gd name="connsiteX3" fmla="*/ 1109070 w 1109070"/>
+              <a:gd name="connsiteY3" fmla="*/ 0 h 1672941"/>
+              <a:gd name="connsiteX0" fmla="*/ 1033689 w 1363203"/>
+              <a:gd name="connsiteY0" fmla="*/ 1647568 h 1658118"/>
+              <a:gd name="connsiteX1" fmla="*/ 951311 w 1363203"/>
+              <a:gd name="connsiteY1" fmla="*/ 1499287 h 1658118"/>
+              <a:gd name="connsiteX2" fmla="*/ 3959 w 1363203"/>
+              <a:gd name="connsiteY2" fmla="*/ 848497 h 1658118"/>
+              <a:gd name="connsiteX3" fmla="*/ 1363203 w 1363203"/>
+              <a:gd name="connsiteY3" fmla="*/ 0 h 1658118"/>
+              <a:gd name="connsiteX0" fmla="*/ 1036083 w 1365597"/>
+              <a:gd name="connsiteY0" fmla="*/ 1647568 h 1659082"/>
+              <a:gd name="connsiteX1" fmla="*/ 863089 w 1365597"/>
+              <a:gd name="connsiteY1" fmla="*/ 1507524 h 1659082"/>
+              <a:gd name="connsiteX2" fmla="*/ 6353 w 1365597"/>
+              <a:gd name="connsiteY2" fmla="*/ 848497 h 1659082"/>
+              <a:gd name="connsiteX3" fmla="*/ 1365597 w 1365597"/>
+              <a:gd name="connsiteY3" fmla="*/ 0 h 1659082"/>
+              <a:gd name="connsiteX0" fmla="*/ 1036209 w 1365723"/>
+              <a:gd name="connsiteY0" fmla="*/ 1647568 h 1658190"/>
+              <a:gd name="connsiteX1" fmla="*/ 863215 w 1365723"/>
+              <a:gd name="connsiteY1" fmla="*/ 1507524 h 1658190"/>
+              <a:gd name="connsiteX2" fmla="*/ 6479 w 1365723"/>
+              <a:gd name="connsiteY2" fmla="*/ 848497 h 1658190"/>
+              <a:gd name="connsiteX3" fmla="*/ 1365723 w 1365723"/>
+              <a:gd name="connsiteY3" fmla="*/ 0 h 1658190"/>
+              <a:gd name="connsiteX0" fmla="*/ 1032219 w 1361733"/>
+              <a:gd name="connsiteY0" fmla="*/ 1647568 h 1647568"/>
+              <a:gd name="connsiteX1" fmla="*/ 2489 w 1361733"/>
+              <a:gd name="connsiteY1" fmla="*/ 848497 h 1647568"/>
+              <a:gd name="connsiteX2" fmla="*/ 1361733 w 1361733"/>
+              <a:gd name="connsiteY2" fmla="*/ 0 h 1647568"/>
+              <a:gd name="connsiteX0" fmla="*/ 1180151 w 1509665"/>
+              <a:gd name="connsiteY0" fmla="*/ 1647568 h 1647568"/>
+              <a:gd name="connsiteX1" fmla="*/ 2140 w 1509665"/>
+              <a:gd name="connsiteY1" fmla="*/ 799070 h 1647568"/>
+              <a:gd name="connsiteX2" fmla="*/ 1509665 w 1509665"/>
+              <a:gd name="connsiteY2" fmla="*/ 0 h 1647568"/>
+              <a:gd name="connsiteX0" fmla="*/ 1178180 w 1507694"/>
+              <a:gd name="connsiteY0" fmla="*/ 1647568 h 1647568"/>
+              <a:gd name="connsiteX1" fmla="*/ 169 w 1507694"/>
+              <a:gd name="connsiteY1" fmla="*/ 799070 h 1647568"/>
+              <a:gd name="connsiteX2" fmla="*/ 1507694 w 1507694"/>
+              <a:gd name="connsiteY2" fmla="*/ 0 h 1647568"/>
+              <a:gd name="connsiteX0" fmla="*/ 1238410 w 1238410"/>
+              <a:gd name="connsiteY0" fmla="*/ 1696996 h 1696996"/>
+              <a:gd name="connsiteX1" fmla="*/ 60399 w 1238410"/>
+              <a:gd name="connsiteY1" fmla="*/ 848498 h 1696996"/>
+              <a:gd name="connsiteX2" fmla="*/ 488768 w 1238410"/>
+              <a:gd name="connsiteY2" fmla="*/ 0 h 1696996"/>
+              <a:gd name="connsiteX0" fmla="*/ 2122900 w 2122900"/>
+              <a:gd name="connsiteY0" fmla="*/ 1672283 h 1672283"/>
+              <a:gd name="connsiteX1" fmla="*/ 121105 w 2122900"/>
+              <a:gd name="connsiteY1" fmla="*/ 848498 h 1672283"/>
+              <a:gd name="connsiteX2" fmla="*/ 549474 w 2122900"/>
+              <a:gd name="connsiteY2" fmla="*/ 0 h 1672283"/>
+              <a:gd name="connsiteX0" fmla="*/ 2215671 w 2215671"/>
+              <a:gd name="connsiteY0" fmla="*/ 1672283 h 1672283"/>
+              <a:gd name="connsiteX1" fmla="*/ 98546 w 2215671"/>
+              <a:gd name="connsiteY1" fmla="*/ 864974 h 1672283"/>
+              <a:gd name="connsiteX2" fmla="*/ 642245 w 2215671"/>
+              <a:gd name="connsiteY2" fmla="*/ 0 h 1672283"/>
+              <a:gd name="connsiteX0" fmla="*/ 2229750 w 2229750"/>
+              <a:gd name="connsiteY0" fmla="*/ 1672283 h 1672283"/>
+              <a:gd name="connsiteX1" fmla="*/ 112625 w 2229750"/>
+              <a:gd name="connsiteY1" fmla="*/ 864974 h 1672283"/>
+              <a:gd name="connsiteX2" fmla="*/ 656324 w 2229750"/>
+              <a:gd name="connsiteY2" fmla="*/ 0 h 1672283"/>
+              <a:gd name="connsiteX0" fmla="*/ 2262689 w 2262689"/>
+              <a:gd name="connsiteY0" fmla="*/ 1847438 h 1847438"/>
+              <a:gd name="connsiteX1" fmla="*/ 145564 w 2262689"/>
+              <a:gd name="connsiteY1" fmla="*/ 1040129 h 1847438"/>
+              <a:gd name="connsiteX2" fmla="*/ 524507 w 2262689"/>
+              <a:gd name="connsiteY2" fmla="*/ 0 h 1847438"/>
+              <a:gd name="connsiteX0" fmla="*/ 2244251 w 2244251"/>
+              <a:gd name="connsiteY0" fmla="*/ 1830757 h 1830757"/>
+              <a:gd name="connsiteX1" fmla="*/ 127126 w 2244251"/>
+              <a:gd name="connsiteY1" fmla="*/ 1023448 h 1830757"/>
+              <a:gd name="connsiteX2" fmla="*/ 563734 w 2244251"/>
+              <a:gd name="connsiteY2" fmla="*/ 0 h 1830757"/>
+              <a:gd name="connsiteX0" fmla="*/ 4296647 w 4296647"/>
+              <a:gd name="connsiteY0" fmla="*/ 1680624 h 1680624"/>
+              <a:gd name="connsiteX1" fmla="*/ 268344 w 4296647"/>
+              <a:gd name="connsiteY1" fmla="*/ 1023448 h 1680624"/>
+              <a:gd name="connsiteX2" fmla="*/ 704952 w 4296647"/>
+              <a:gd name="connsiteY2" fmla="*/ 0 h 1680624"/>
+              <a:gd name="connsiteX0" fmla="*/ 4024060 w 4024060"/>
+              <a:gd name="connsiteY0" fmla="*/ 1680624 h 1680624"/>
+              <a:gd name="connsiteX1" fmla="*/ 407649 w 4024060"/>
+              <a:gd name="connsiteY1" fmla="*/ 981745 h 1680624"/>
+              <a:gd name="connsiteX2" fmla="*/ 432365 w 4024060"/>
+              <a:gd name="connsiteY2" fmla="*/ 0 h 1680624"/>
+            </a:gdLst>
+            <a:ahLst/>
+            <a:cxnLst>
+              <a:cxn ang="0">
+                <a:pos x="connsiteX0" y="connsiteY0"/>
+              </a:cxn>
+              <a:cxn ang="0">
+                <a:pos x="connsiteX1" y="connsiteY1"/>
+              </a:cxn>
+              <a:cxn ang="0">
+                <a:pos x="connsiteX2" y="connsiteY2"/>
+              </a:cxn>
+            </a:cxnLst>
+            <a:rect l="l" t="t" r="r" b="b"/>
+            <a:pathLst>
+              <a:path w="4024060" h="1680624">
+                <a:moveTo>
+                  <a:pt x="4024060" y="1680624"/>
+                </a:moveTo>
+                <a:cubicBezTo>
+                  <a:pt x="3809533" y="1514151"/>
+                  <a:pt x="1006265" y="1261849"/>
+                  <a:pt x="407649" y="981745"/>
+                </a:cubicBezTo>
+                <a:cubicBezTo>
+                  <a:pt x="-190967" y="701641"/>
+                  <a:pt x="-85246" y="48054"/>
+                  <a:pt x="432365" y="0"/>
+                </a:cubicBezTo>
+              </a:path>
+            </a:pathLst>
+          </a:custGeom>
+          <a:noFill/>
+          <a:ln>
+            <a:solidFill>
+              <a:schemeClr val="tx1"/>
+            </a:solidFill>
+          </a:ln>
+        </p:spPr>
+        <p:style>
+          <a:lnRef idx="2">
+            <a:schemeClr val="accent1">
+              <a:shade val="50000"/>
+            </a:schemeClr>
+          </a:lnRef>
+          <a:fillRef idx="1">
+            <a:schemeClr val="accent1"/>
+          </a:fillRef>
+          <a:effectRef idx="0">
+            <a:schemeClr val="accent1"/>
+          </a:effectRef>
+          <a:fontRef idx="minor">
+            <a:schemeClr val="lt1"/>
+          </a:fontRef>
+        </p:style>
+        <p:txBody>
+          <a:bodyPr rtlCol="0" anchor="ctr"/>
+          <a:lstStyle/>
+          <a:p>
+            <a:pPr algn="ctr"/>
+            <a:endParaRPr kumimoji="1" lang="ja-JP" altLang="en-US" b="1" dirty="0"/>
+          </a:p>
+        </p:txBody>
+      </p:sp>
+      <p:sp>
+        <p:nvSpPr>
+          <p:cNvPr id="115" name="フリーフォーム 114"/>
+          <p:cNvSpPr/>
+          <p:nvPr/>
+        </p:nvSpPr>
+        <p:spPr>
+          <a:xfrm flipH="1">
+            <a:off x="6391383" y="582238"/>
+            <a:ext cx="1419969" cy="1662128"/>
+          </a:xfrm>
+          <a:custGeom>
+            <a:avLst/>
+            <a:gdLst>
+              <a:gd name="connsiteX0" fmla="*/ 779556 w 1109070"/>
+              <a:gd name="connsiteY0" fmla="*/ 1647568 h 1672941"/>
+              <a:gd name="connsiteX1" fmla="*/ 697178 w 1109070"/>
+              <a:gd name="connsiteY1" fmla="*/ 1499287 h 1672941"/>
+              <a:gd name="connsiteX2" fmla="*/ 5199 w 1109070"/>
+              <a:gd name="connsiteY2" fmla="*/ 345989 h 1672941"/>
+              <a:gd name="connsiteX3" fmla="*/ 1109070 w 1109070"/>
+              <a:gd name="connsiteY3" fmla="*/ 0 h 1672941"/>
+              <a:gd name="connsiteX0" fmla="*/ 1033689 w 1363203"/>
+              <a:gd name="connsiteY0" fmla="*/ 1647568 h 1658118"/>
+              <a:gd name="connsiteX1" fmla="*/ 951311 w 1363203"/>
+              <a:gd name="connsiteY1" fmla="*/ 1499287 h 1658118"/>
+              <a:gd name="connsiteX2" fmla="*/ 3959 w 1363203"/>
+              <a:gd name="connsiteY2" fmla="*/ 848497 h 1658118"/>
+              <a:gd name="connsiteX3" fmla="*/ 1363203 w 1363203"/>
+              <a:gd name="connsiteY3" fmla="*/ 0 h 1658118"/>
+              <a:gd name="connsiteX0" fmla="*/ 1036083 w 1365597"/>
+              <a:gd name="connsiteY0" fmla="*/ 1647568 h 1659082"/>
+              <a:gd name="connsiteX1" fmla="*/ 863089 w 1365597"/>
+              <a:gd name="connsiteY1" fmla="*/ 1507524 h 1659082"/>
+              <a:gd name="connsiteX2" fmla="*/ 6353 w 1365597"/>
+              <a:gd name="connsiteY2" fmla="*/ 848497 h 1659082"/>
+              <a:gd name="connsiteX3" fmla="*/ 1365597 w 1365597"/>
+              <a:gd name="connsiteY3" fmla="*/ 0 h 1659082"/>
+              <a:gd name="connsiteX0" fmla="*/ 1036209 w 1365723"/>
+              <a:gd name="connsiteY0" fmla="*/ 1647568 h 1658190"/>
+              <a:gd name="connsiteX1" fmla="*/ 863215 w 1365723"/>
+              <a:gd name="connsiteY1" fmla="*/ 1507524 h 1658190"/>
+              <a:gd name="connsiteX2" fmla="*/ 6479 w 1365723"/>
+              <a:gd name="connsiteY2" fmla="*/ 848497 h 1658190"/>
+              <a:gd name="connsiteX3" fmla="*/ 1365723 w 1365723"/>
+              <a:gd name="connsiteY3" fmla="*/ 0 h 1658190"/>
+              <a:gd name="connsiteX0" fmla="*/ 1032219 w 1361733"/>
+              <a:gd name="connsiteY0" fmla="*/ 1647568 h 1647568"/>
+              <a:gd name="connsiteX1" fmla="*/ 2489 w 1361733"/>
+              <a:gd name="connsiteY1" fmla="*/ 848497 h 1647568"/>
+              <a:gd name="connsiteX2" fmla="*/ 1361733 w 1361733"/>
+              <a:gd name="connsiteY2" fmla="*/ 0 h 1647568"/>
+              <a:gd name="connsiteX0" fmla="*/ 1180151 w 1509665"/>
+              <a:gd name="connsiteY0" fmla="*/ 1647568 h 1647568"/>
+              <a:gd name="connsiteX1" fmla="*/ 2140 w 1509665"/>
+              <a:gd name="connsiteY1" fmla="*/ 799070 h 1647568"/>
+              <a:gd name="connsiteX2" fmla="*/ 1509665 w 1509665"/>
+              <a:gd name="connsiteY2" fmla="*/ 0 h 1647568"/>
+              <a:gd name="connsiteX0" fmla="*/ 1178180 w 1507694"/>
+              <a:gd name="connsiteY0" fmla="*/ 1647568 h 1647568"/>
+              <a:gd name="connsiteX1" fmla="*/ 169 w 1507694"/>
+              <a:gd name="connsiteY1" fmla="*/ 799070 h 1647568"/>
+              <a:gd name="connsiteX2" fmla="*/ 1507694 w 1507694"/>
+              <a:gd name="connsiteY2" fmla="*/ 0 h 1647568"/>
+              <a:gd name="connsiteX0" fmla="*/ 1104053 w 1433567"/>
+              <a:gd name="connsiteY0" fmla="*/ 1647568 h 1647568"/>
+              <a:gd name="connsiteX1" fmla="*/ 182 w 1433567"/>
+              <a:gd name="connsiteY1" fmla="*/ 799070 h 1647568"/>
+              <a:gd name="connsiteX2" fmla="*/ 1433567 w 1433567"/>
+              <a:gd name="connsiteY2" fmla="*/ 0 h 1647568"/>
+              <a:gd name="connsiteX0" fmla="*/ 1103910 w 1433424"/>
+              <a:gd name="connsiteY0" fmla="*/ 1647568 h 1647568"/>
+              <a:gd name="connsiteX1" fmla="*/ 39 w 1433424"/>
+              <a:gd name="connsiteY1" fmla="*/ 799070 h 1647568"/>
+              <a:gd name="connsiteX2" fmla="*/ 1433424 w 1433424"/>
+              <a:gd name="connsiteY2" fmla="*/ 0 h 1647568"/>
+              <a:gd name="connsiteX0" fmla="*/ 1106133 w 1432735"/>
+              <a:gd name="connsiteY0" fmla="*/ 1670864 h 1670864"/>
+              <a:gd name="connsiteX1" fmla="*/ 2262 w 1432735"/>
+              <a:gd name="connsiteY1" fmla="*/ 822366 h 1670864"/>
+              <a:gd name="connsiteX2" fmla="*/ 1432735 w 1432735"/>
+              <a:gd name="connsiteY2" fmla="*/ 0 h 1670864"/>
+              <a:gd name="connsiteX0" fmla="*/ 977736 w 1435382"/>
+              <a:gd name="connsiteY0" fmla="*/ 1662128 h 1662128"/>
+              <a:gd name="connsiteX1" fmla="*/ 4909 w 1435382"/>
+              <a:gd name="connsiteY1" fmla="*/ 822366 h 1662128"/>
+              <a:gd name="connsiteX2" fmla="*/ 1435382 w 1435382"/>
+              <a:gd name="connsiteY2" fmla="*/ 0 h 1662128"/>
+              <a:gd name="connsiteX0" fmla="*/ 900711 w 1358357"/>
+              <a:gd name="connsiteY0" fmla="*/ 1662128 h 1662128"/>
+              <a:gd name="connsiteX1" fmla="*/ 5376 w 1358357"/>
+              <a:gd name="connsiteY1" fmla="*/ 729376 h 1662128"/>
+              <a:gd name="connsiteX2" fmla="*/ 1358357 w 1358357"/>
+              <a:gd name="connsiteY2" fmla="*/ 0 h 1662128"/>
+              <a:gd name="connsiteX0" fmla="*/ 962323 w 1419969"/>
+              <a:gd name="connsiteY0" fmla="*/ 1662128 h 1662128"/>
+              <a:gd name="connsiteX1" fmla="*/ 4995 w 1419969"/>
+              <a:gd name="connsiteY1" fmla="*/ 729376 h 1662128"/>
+              <a:gd name="connsiteX2" fmla="*/ 1419969 w 1419969"/>
+              <a:gd name="connsiteY2" fmla="*/ 0 h 1662128"/>
+              <a:gd name="connsiteX0" fmla="*/ 962323 w 1419969"/>
+              <a:gd name="connsiteY0" fmla="*/ 1662128 h 1662128"/>
+              <a:gd name="connsiteX1" fmla="*/ 4995 w 1419969"/>
+              <a:gd name="connsiteY1" fmla="*/ 729376 h 1662128"/>
+              <a:gd name="connsiteX2" fmla="*/ 1419969 w 1419969"/>
+              <a:gd name="connsiteY2" fmla="*/ 0 h 1662128"/>
+            </a:gdLst>
+            <a:ahLst/>
+            <a:cxnLst>
+              <a:cxn ang="0">
+                <a:pos x="connsiteX0" y="connsiteY0"/>
+              </a:cxn>
+              <a:cxn ang="0">
+                <a:pos x="connsiteX1" y="connsiteY1"/>
+              </a:cxn>
+              <a:cxn ang="0">
+                <a:pos x="connsiteX2" y="connsiteY2"/>
+              </a:cxn>
+            </a:cxnLst>
+            <a:rect l="l" t="t" r="r" b="b"/>
+            <a:pathLst>
+              <a:path w="1419969" h="1662128">
+                <a:moveTo>
+                  <a:pt x="962323" y="1662128"/>
+                </a:moveTo>
+                <a:cubicBezTo>
+                  <a:pt x="747796" y="1495655"/>
+                  <a:pt x="-71279" y="1176878"/>
+                  <a:pt x="4995" y="729376"/>
+                </a:cubicBezTo>
+                <a:cubicBezTo>
+                  <a:pt x="81269" y="281874"/>
+                  <a:pt x="902358" y="48054"/>
+                  <a:pt x="1419969" y="0"/>
+                </a:cubicBezTo>
+              </a:path>
+            </a:pathLst>
+          </a:custGeom>
+          <a:noFill/>
+          <a:ln>
+            <a:solidFill>
+              <a:schemeClr val="tx1"/>
+            </a:solidFill>
+          </a:ln>
+        </p:spPr>
+        <p:style>
+          <a:lnRef idx="2">
+            <a:schemeClr val="accent1">
+              <a:shade val="50000"/>
+            </a:schemeClr>
+          </a:lnRef>
+          <a:fillRef idx="1">
+            <a:schemeClr val="accent1"/>
+          </a:fillRef>
+          <a:effectRef idx="0">
+            <a:schemeClr val="accent1"/>
+          </a:effectRef>
+          <a:fontRef idx="minor">
+            <a:schemeClr val="lt1"/>
+          </a:fontRef>
+        </p:style>
+        <p:txBody>
+          <a:bodyPr rtlCol="0" anchor="ctr"/>
+          <a:lstStyle/>
+          <a:p>
+            <a:pPr algn="ctr"/>
+            <a:endParaRPr kumimoji="1" lang="ja-JP" altLang="en-US"/>
+          </a:p>
+        </p:txBody>
+      </p:sp>
+      <p:sp>
+        <p:nvSpPr>
+          <p:cNvPr id="117" name="フリーフォーム 116"/>
+          <p:cNvSpPr/>
+          <p:nvPr/>
+        </p:nvSpPr>
+        <p:spPr>
+          <a:xfrm flipH="1">
+            <a:off x="4971948" y="589742"/>
+            <a:ext cx="2057120" cy="1657482"/>
+          </a:xfrm>
+          <a:custGeom>
+            <a:avLst/>
+            <a:gdLst>
+              <a:gd name="connsiteX0" fmla="*/ 779556 w 1109070"/>
+              <a:gd name="connsiteY0" fmla="*/ 1647568 h 1672941"/>
+              <a:gd name="connsiteX1" fmla="*/ 697178 w 1109070"/>
+              <a:gd name="connsiteY1" fmla="*/ 1499287 h 1672941"/>
+              <a:gd name="connsiteX2" fmla="*/ 5199 w 1109070"/>
+              <a:gd name="connsiteY2" fmla="*/ 345989 h 1672941"/>
+              <a:gd name="connsiteX3" fmla="*/ 1109070 w 1109070"/>
+              <a:gd name="connsiteY3" fmla="*/ 0 h 1672941"/>
+              <a:gd name="connsiteX0" fmla="*/ 1033689 w 1363203"/>
+              <a:gd name="connsiteY0" fmla="*/ 1647568 h 1658118"/>
+              <a:gd name="connsiteX1" fmla="*/ 951311 w 1363203"/>
+              <a:gd name="connsiteY1" fmla="*/ 1499287 h 1658118"/>
+              <a:gd name="connsiteX2" fmla="*/ 3959 w 1363203"/>
+              <a:gd name="connsiteY2" fmla="*/ 848497 h 1658118"/>
+              <a:gd name="connsiteX3" fmla="*/ 1363203 w 1363203"/>
+              <a:gd name="connsiteY3" fmla="*/ 0 h 1658118"/>
+              <a:gd name="connsiteX0" fmla="*/ 1036083 w 1365597"/>
+              <a:gd name="connsiteY0" fmla="*/ 1647568 h 1659082"/>
+              <a:gd name="connsiteX1" fmla="*/ 863089 w 1365597"/>
+              <a:gd name="connsiteY1" fmla="*/ 1507524 h 1659082"/>
+              <a:gd name="connsiteX2" fmla="*/ 6353 w 1365597"/>
+              <a:gd name="connsiteY2" fmla="*/ 848497 h 1659082"/>
+              <a:gd name="connsiteX3" fmla="*/ 1365597 w 1365597"/>
+              <a:gd name="connsiteY3" fmla="*/ 0 h 1659082"/>
+              <a:gd name="connsiteX0" fmla="*/ 1036209 w 1365723"/>
+              <a:gd name="connsiteY0" fmla="*/ 1647568 h 1658190"/>
+              <a:gd name="connsiteX1" fmla="*/ 863215 w 1365723"/>
+              <a:gd name="connsiteY1" fmla="*/ 1507524 h 1658190"/>
+              <a:gd name="connsiteX2" fmla="*/ 6479 w 1365723"/>
+              <a:gd name="connsiteY2" fmla="*/ 848497 h 1658190"/>
+              <a:gd name="connsiteX3" fmla="*/ 1365723 w 1365723"/>
+              <a:gd name="connsiteY3" fmla="*/ 0 h 1658190"/>
+              <a:gd name="connsiteX0" fmla="*/ 1032219 w 1361733"/>
+              <a:gd name="connsiteY0" fmla="*/ 1647568 h 1647568"/>
+              <a:gd name="connsiteX1" fmla="*/ 2489 w 1361733"/>
+              <a:gd name="connsiteY1" fmla="*/ 848497 h 1647568"/>
+              <a:gd name="connsiteX2" fmla="*/ 1361733 w 1361733"/>
+              <a:gd name="connsiteY2" fmla="*/ 0 h 1647568"/>
+              <a:gd name="connsiteX0" fmla="*/ 1180151 w 1509665"/>
+              <a:gd name="connsiteY0" fmla="*/ 1647568 h 1647568"/>
+              <a:gd name="connsiteX1" fmla="*/ 2140 w 1509665"/>
+              <a:gd name="connsiteY1" fmla="*/ 799070 h 1647568"/>
+              <a:gd name="connsiteX2" fmla="*/ 1509665 w 1509665"/>
+              <a:gd name="connsiteY2" fmla="*/ 0 h 1647568"/>
+              <a:gd name="connsiteX0" fmla="*/ 1178180 w 1507694"/>
+              <a:gd name="connsiteY0" fmla="*/ 1647568 h 1647568"/>
+              <a:gd name="connsiteX1" fmla="*/ 169 w 1507694"/>
+              <a:gd name="connsiteY1" fmla="*/ 799070 h 1647568"/>
+              <a:gd name="connsiteX2" fmla="*/ 1507694 w 1507694"/>
+              <a:gd name="connsiteY2" fmla="*/ 0 h 1647568"/>
+              <a:gd name="connsiteX0" fmla="*/ 1238410 w 1238410"/>
+              <a:gd name="connsiteY0" fmla="*/ 1696996 h 1696996"/>
+              <a:gd name="connsiteX1" fmla="*/ 60399 w 1238410"/>
+              <a:gd name="connsiteY1" fmla="*/ 848498 h 1696996"/>
+              <a:gd name="connsiteX2" fmla="*/ 488768 w 1238410"/>
+              <a:gd name="connsiteY2" fmla="*/ 0 h 1696996"/>
+              <a:gd name="connsiteX0" fmla="*/ 2122900 w 2122900"/>
+              <a:gd name="connsiteY0" fmla="*/ 1672283 h 1672283"/>
+              <a:gd name="connsiteX1" fmla="*/ 121105 w 2122900"/>
+              <a:gd name="connsiteY1" fmla="*/ 848498 h 1672283"/>
+              <a:gd name="connsiteX2" fmla="*/ 549474 w 2122900"/>
+              <a:gd name="connsiteY2" fmla="*/ 0 h 1672283"/>
+              <a:gd name="connsiteX0" fmla="*/ 2215671 w 2215671"/>
+              <a:gd name="connsiteY0" fmla="*/ 1672283 h 1672283"/>
+              <a:gd name="connsiteX1" fmla="*/ 98546 w 2215671"/>
+              <a:gd name="connsiteY1" fmla="*/ 864974 h 1672283"/>
+              <a:gd name="connsiteX2" fmla="*/ 642245 w 2215671"/>
+              <a:gd name="connsiteY2" fmla="*/ 0 h 1672283"/>
+              <a:gd name="connsiteX0" fmla="*/ 2229750 w 2229750"/>
+              <a:gd name="connsiteY0" fmla="*/ 1672283 h 1672283"/>
+              <a:gd name="connsiteX1" fmla="*/ 112625 w 2229750"/>
+              <a:gd name="connsiteY1" fmla="*/ 864974 h 1672283"/>
+              <a:gd name="connsiteX2" fmla="*/ 656324 w 2229750"/>
+              <a:gd name="connsiteY2" fmla="*/ 0 h 1672283"/>
+              <a:gd name="connsiteX0" fmla="*/ 2059761 w 2059761"/>
+              <a:gd name="connsiteY0" fmla="*/ 1666385 h 1666385"/>
+              <a:gd name="connsiteX1" fmla="*/ 88241 w 2059761"/>
+              <a:gd name="connsiteY1" fmla="*/ 864974 h 1666385"/>
+              <a:gd name="connsiteX2" fmla="*/ 631940 w 2059761"/>
+              <a:gd name="connsiteY2" fmla="*/ 0 h 1666385"/>
+              <a:gd name="connsiteX0" fmla="*/ 2057120 w 2057120"/>
+              <a:gd name="connsiteY0" fmla="*/ 1678178 h 1678178"/>
+              <a:gd name="connsiteX1" fmla="*/ 85600 w 2057120"/>
+              <a:gd name="connsiteY1" fmla="*/ 876767 h 1678178"/>
+              <a:gd name="connsiteX2" fmla="*/ 640947 w 2057120"/>
+              <a:gd name="connsiteY2" fmla="*/ 0 h 1678178"/>
+            </a:gdLst>
+            <a:ahLst/>
+            <a:cxnLst>
+              <a:cxn ang="0">
+                <a:pos x="connsiteX0" y="connsiteY0"/>
+              </a:cxn>
+              <a:cxn ang="0">
+                <a:pos x="connsiteX1" y="connsiteY1"/>
+              </a:cxn>
+              <a:cxn ang="0">
+                <a:pos x="connsiteX2" y="connsiteY2"/>
+              </a:cxn>
+            </a:cxnLst>
+            <a:rect l="l" t="t" r="r" b="b"/>
+            <a:pathLst>
+              <a:path w="2057120" h="1678178">
+                <a:moveTo>
+                  <a:pt x="2057120" y="1678178"/>
+                </a:moveTo>
+                <a:cubicBezTo>
+                  <a:pt x="1842593" y="1511705"/>
+                  <a:pt x="321629" y="1156463"/>
+                  <a:pt x="85600" y="876767"/>
+                </a:cubicBezTo>
+                <a:cubicBezTo>
+                  <a:pt x="-150429" y="597071"/>
+                  <a:pt x="123336" y="48054"/>
+                  <a:pt x="640947" y="0"/>
+                </a:cubicBezTo>
+              </a:path>
+            </a:pathLst>
+          </a:custGeom>
+          <a:noFill/>
+          <a:ln>
+            <a:solidFill>
+              <a:schemeClr val="tx1"/>
+            </a:solidFill>
+          </a:ln>
+        </p:spPr>
+        <p:style>
+          <a:lnRef idx="2">
+            <a:schemeClr val="accent1">
+              <a:shade val="50000"/>
+            </a:schemeClr>
+          </a:lnRef>
+          <a:fillRef idx="1">
+            <a:schemeClr val="accent1"/>
+          </a:fillRef>
+          <a:effectRef idx="0">
+            <a:schemeClr val="accent1"/>
+          </a:effectRef>
+          <a:fontRef idx="minor">
+            <a:schemeClr val="lt1"/>
+          </a:fontRef>
+        </p:style>
+        <p:txBody>
+          <a:bodyPr rtlCol="0" anchor="ctr"/>
+          <a:lstStyle/>
+          <a:p>
+            <a:pPr algn="ctr"/>
+            <a:endParaRPr kumimoji="1" lang="ja-JP" altLang="en-US" b="1" dirty="0"/>
+          </a:p>
+        </p:txBody>
+      </p:sp>
+      <p:sp>
+        <p:nvSpPr>
+          <p:cNvPr id="118" name="フリーフォーム 117"/>
+          <p:cNvSpPr/>
+          <p:nvPr/>
+        </p:nvSpPr>
+        <p:spPr>
+          <a:xfrm flipH="1">
+            <a:off x="2977218" y="581061"/>
+            <a:ext cx="3813393" cy="1668136"/>
+          </a:xfrm>
+          <a:custGeom>
+            <a:avLst/>
+            <a:gdLst>
+              <a:gd name="connsiteX0" fmla="*/ 779556 w 1109070"/>
+              <a:gd name="connsiteY0" fmla="*/ 1647568 h 1672941"/>
+              <a:gd name="connsiteX1" fmla="*/ 697178 w 1109070"/>
+              <a:gd name="connsiteY1" fmla="*/ 1499287 h 1672941"/>
+              <a:gd name="connsiteX2" fmla="*/ 5199 w 1109070"/>
+              <a:gd name="connsiteY2" fmla="*/ 345989 h 1672941"/>
+              <a:gd name="connsiteX3" fmla="*/ 1109070 w 1109070"/>
+              <a:gd name="connsiteY3" fmla="*/ 0 h 1672941"/>
+              <a:gd name="connsiteX0" fmla="*/ 1033689 w 1363203"/>
+              <a:gd name="connsiteY0" fmla="*/ 1647568 h 1658118"/>
+              <a:gd name="connsiteX1" fmla="*/ 951311 w 1363203"/>
+              <a:gd name="connsiteY1" fmla="*/ 1499287 h 1658118"/>
+              <a:gd name="connsiteX2" fmla="*/ 3959 w 1363203"/>
+              <a:gd name="connsiteY2" fmla="*/ 848497 h 1658118"/>
+              <a:gd name="connsiteX3" fmla="*/ 1363203 w 1363203"/>
+              <a:gd name="connsiteY3" fmla="*/ 0 h 1658118"/>
+              <a:gd name="connsiteX0" fmla="*/ 1036083 w 1365597"/>
+              <a:gd name="connsiteY0" fmla="*/ 1647568 h 1659082"/>
+              <a:gd name="connsiteX1" fmla="*/ 863089 w 1365597"/>
+              <a:gd name="connsiteY1" fmla="*/ 1507524 h 1659082"/>
+              <a:gd name="connsiteX2" fmla="*/ 6353 w 1365597"/>
+              <a:gd name="connsiteY2" fmla="*/ 848497 h 1659082"/>
+              <a:gd name="connsiteX3" fmla="*/ 1365597 w 1365597"/>
+              <a:gd name="connsiteY3" fmla="*/ 0 h 1659082"/>
+              <a:gd name="connsiteX0" fmla="*/ 1036209 w 1365723"/>
+              <a:gd name="connsiteY0" fmla="*/ 1647568 h 1658190"/>
+              <a:gd name="connsiteX1" fmla="*/ 863215 w 1365723"/>
+              <a:gd name="connsiteY1" fmla="*/ 1507524 h 1658190"/>
+              <a:gd name="connsiteX2" fmla="*/ 6479 w 1365723"/>
+              <a:gd name="connsiteY2" fmla="*/ 848497 h 1658190"/>
+              <a:gd name="connsiteX3" fmla="*/ 1365723 w 1365723"/>
+              <a:gd name="connsiteY3" fmla="*/ 0 h 1658190"/>
+              <a:gd name="connsiteX0" fmla="*/ 1032219 w 1361733"/>
+              <a:gd name="connsiteY0" fmla="*/ 1647568 h 1647568"/>
+              <a:gd name="connsiteX1" fmla="*/ 2489 w 1361733"/>
+              <a:gd name="connsiteY1" fmla="*/ 848497 h 1647568"/>
+              <a:gd name="connsiteX2" fmla="*/ 1361733 w 1361733"/>
+              <a:gd name="connsiteY2" fmla="*/ 0 h 1647568"/>
+              <a:gd name="connsiteX0" fmla="*/ 1180151 w 1509665"/>
+              <a:gd name="connsiteY0" fmla="*/ 1647568 h 1647568"/>
+              <a:gd name="connsiteX1" fmla="*/ 2140 w 1509665"/>
+              <a:gd name="connsiteY1" fmla="*/ 799070 h 1647568"/>
+              <a:gd name="connsiteX2" fmla="*/ 1509665 w 1509665"/>
+              <a:gd name="connsiteY2" fmla="*/ 0 h 1647568"/>
+              <a:gd name="connsiteX0" fmla="*/ 1178180 w 1507694"/>
+              <a:gd name="connsiteY0" fmla="*/ 1647568 h 1647568"/>
+              <a:gd name="connsiteX1" fmla="*/ 169 w 1507694"/>
+              <a:gd name="connsiteY1" fmla="*/ 799070 h 1647568"/>
+              <a:gd name="connsiteX2" fmla="*/ 1507694 w 1507694"/>
+              <a:gd name="connsiteY2" fmla="*/ 0 h 1647568"/>
+              <a:gd name="connsiteX0" fmla="*/ 1238410 w 1238410"/>
+              <a:gd name="connsiteY0" fmla="*/ 1696996 h 1696996"/>
+              <a:gd name="connsiteX1" fmla="*/ 60399 w 1238410"/>
+              <a:gd name="connsiteY1" fmla="*/ 848498 h 1696996"/>
+              <a:gd name="connsiteX2" fmla="*/ 488768 w 1238410"/>
+              <a:gd name="connsiteY2" fmla="*/ 0 h 1696996"/>
+              <a:gd name="connsiteX0" fmla="*/ 2122900 w 2122900"/>
+              <a:gd name="connsiteY0" fmla="*/ 1672283 h 1672283"/>
+              <a:gd name="connsiteX1" fmla="*/ 121105 w 2122900"/>
+              <a:gd name="connsiteY1" fmla="*/ 848498 h 1672283"/>
+              <a:gd name="connsiteX2" fmla="*/ 549474 w 2122900"/>
+              <a:gd name="connsiteY2" fmla="*/ 0 h 1672283"/>
+              <a:gd name="connsiteX0" fmla="*/ 2215671 w 2215671"/>
+              <a:gd name="connsiteY0" fmla="*/ 1672283 h 1672283"/>
+              <a:gd name="connsiteX1" fmla="*/ 98546 w 2215671"/>
+              <a:gd name="connsiteY1" fmla="*/ 864974 h 1672283"/>
+              <a:gd name="connsiteX2" fmla="*/ 642245 w 2215671"/>
+              <a:gd name="connsiteY2" fmla="*/ 0 h 1672283"/>
+              <a:gd name="connsiteX0" fmla="*/ 2229750 w 2229750"/>
+              <a:gd name="connsiteY0" fmla="*/ 1672283 h 1672283"/>
+              <a:gd name="connsiteX1" fmla="*/ 112625 w 2229750"/>
+              <a:gd name="connsiteY1" fmla="*/ 864974 h 1672283"/>
+              <a:gd name="connsiteX2" fmla="*/ 656324 w 2229750"/>
+              <a:gd name="connsiteY2" fmla="*/ 0 h 1672283"/>
+              <a:gd name="connsiteX0" fmla="*/ 2262689 w 2262689"/>
+              <a:gd name="connsiteY0" fmla="*/ 1847438 h 1847438"/>
+              <a:gd name="connsiteX1" fmla="*/ 145564 w 2262689"/>
+              <a:gd name="connsiteY1" fmla="*/ 1040129 h 1847438"/>
+              <a:gd name="connsiteX2" fmla="*/ 524507 w 2262689"/>
+              <a:gd name="connsiteY2" fmla="*/ 0 h 1847438"/>
+              <a:gd name="connsiteX0" fmla="*/ 2244251 w 2244251"/>
+              <a:gd name="connsiteY0" fmla="*/ 1830757 h 1830757"/>
+              <a:gd name="connsiteX1" fmla="*/ 127126 w 2244251"/>
+              <a:gd name="connsiteY1" fmla="*/ 1023448 h 1830757"/>
+              <a:gd name="connsiteX2" fmla="*/ 563734 w 2244251"/>
+              <a:gd name="connsiteY2" fmla="*/ 0 h 1830757"/>
+              <a:gd name="connsiteX0" fmla="*/ 4296647 w 4296647"/>
+              <a:gd name="connsiteY0" fmla="*/ 1680624 h 1680624"/>
+              <a:gd name="connsiteX1" fmla="*/ 268344 w 4296647"/>
+              <a:gd name="connsiteY1" fmla="*/ 1023448 h 1680624"/>
+              <a:gd name="connsiteX2" fmla="*/ 704952 w 4296647"/>
+              <a:gd name="connsiteY2" fmla="*/ 0 h 1680624"/>
+              <a:gd name="connsiteX0" fmla="*/ 4024060 w 4024060"/>
+              <a:gd name="connsiteY0" fmla="*/ 1680624 h 1680624"/>
+              <a:gd name="connsiteX1" fmla="*/ 407649 w 4024060"/>
+              <a:gd name="connsiteY1" fmla="*/ 981745 h 1680624"/>
+              <a:gd name="connsiteX2" fmla="*/ 432365 w 4024060"/>
+              <a:gd name="connsiteY2" fmla="*/ 0 h 1680624"/>
+              <a:gd name="connsiteX0" fmla="*/ 3839719 w 3839719"/>
+              <a:gd name="connsiteY0" fmla="*/ 1688965 h 1688965"/>
+              <a:gd name="connsiteX1" fmla="*/ 396303 w 3839719"/>
+              <a:gd name="connsiteY1" fmla="*/ 981745 h 1688965"/>
+              <a:gd name="connsiteX2" fmla="*/ 421019 w 3839719"/>
+              <a:gd name="connsiteY2" fmla="*/ 0 h 1688965"/>
+              <a:gd name="connsiteX0" fmla="*/ 3813393 w 3813393"/>
+              <a:gd name="connsiteY0" fmla="*/ 1688965 h 1688965"/>
+              <a:gd name="connsiteX1" fmla="*/ 394691 w 3813393"/>
+              <a:gd name="connsiteY1" fmla="*/ 981745 h 1688965"/>
+              <a:gd name="connsiteX2" fmla="*/ 419407 w 3813393"/>
+              <a:gd name="connsiteY2" fmla="*/ 0 h 1688965"/>
+            </a:gdLst>
+            <a:ahLst/>
+            <a:cxnLst>
+              <a:cxn ang="0">
+                <a:pos x="connsiteX0" y="connsiteY0"/>
+              </a:cxn>
+              <a:cxn ang="0">
+                <a:pos x="connsiteX1" y="connsiteY1"/>
+              </a:cxn>
+              <a:cxn ang="0">
+                <a:pos x="connsiteX2" y="connsiteY2"/>
+              </a:cxn>
+            </a:cxnLst>
+            <a:rect l="l" t="t" r="r" b="b"/>
+            <a:pathLst>
+              <a:path w="3813393" h="1688965">
+                <a:moveTo>
+                  <a:pt x="3813393" y="1688965"/>
+                </a:moveTo>
+                <a:cubicBezTo>
+                  <a:pt x="3598866" y="1522492"/>
+                  <a:pt x="960355" y="1263239"/>
+                  <a:pt x="394691" y="981745"/>
+                </a:cubicBezTo>
+                <a:cubicBezTo>
+                  <a:pt x="-170973" y="700251"/>
+                  <a:pt x="-98204" y="48054"/>
+                  <a:pt x="419407" y="0"/>
+                </a:cubicBezTo>
+              </a:path>
+            </a:pathLst>
+          </a:custGeom>
+          <a:noFill/>
+          <a:ln>
+            <a:solidFill>
+              <a:schemeClr val="tx1"/>
+            </a:solidFill>
+          </a:ln>
+        </p:spPr>
+        <p:style>
+          <a:lnRef idx="2">
+            <a:schemeClr val="accent1">
+              <a:shade val="50000"/>
+            </a:schemeClr>
+          </a:lnRef>
+          <a:fillRef idx="1">
+            <a:schemeClr val="accent1"/>
+          </a:fillRef>
+          <a:effectRef idx="0">
+            <a:schemeClr val="accent1"/>
+          </a:effectRef>
+          <a:fontRef idx="minor">
+            <a:schemeClr val="lt1"/>
+          </a:fontRef>
+        </p:style>
+        <p:txBody>
+          <a:bodyPr rtlCol="0" anchor="ctr"/>
+          <a:lstStyle/>
+          <a:p>
+            <a:pPr algn="ctr"/>
+            <a:endParaRPr kumimoji="1" lang="ja-JP" altLang="en-US" b="1" dirty="0"/>
+          </a:p>
+        </p:txBody>
+      </p:sp>
+      <p:cxnSp>
+        <p:nvCxnSpPr>
+          <p:cNvPr id="98" name="曲線コネクタ 97"/>
+          <p:cNvCxnSpPr>
+            <a:stCxn id="5" idx="3"/>
+            <a:endCxn id="91" idx="0"/>
+          </p:cNvCxnSpPr>
+          <p:nvPr/>
+        </p:nvCxnSpPr>
+        <p:spPr>
+          <a:xfrm>
+            <a:off x="6379026" y="595308"/>
+            <a:ext cx="2521399" cy="1649771"/>
+          </a:xfrm>
+          <a:prstGeom prst="curvedConnector2">
+            <a:avLst/>
+          </a:prstGeom>
+          <a:ln w="19050">
+            <a:solidFill>
+              <a:schemeClr val="tx1"/>
+            </a:solidFill>
+          </a:ln>
+        </p:spPr>
+        <p:style>
+          <a:lnRef idx="1">
+            <a:schemeClr val="accent1"/>
+          </a:lnRef>
+          <a:fillRef idx="0">
+            <a:schemeClr val="accent1"/>
+          </a:fillRef>
+          <a:effectRef idx="0">
+            <a:schemeClr val="accent1"/>
+          </a:effectRef>
+          <a:fontRef idx="minor">
+            <a:schemeClr val="tx1"/>
+          </a:fontRef>
+        </p:style>
+      </p:cxnSp>
+      <p:sp>
+        <p:nvSpPr>
+          <p:cNvPr id="99" name="テキスト ボックス 98"/>
+          <p:cNvSpPr txBox="1"/>
+          <p:nvPr/>
+        </p:nvSpPr>
+        <p:spPr>
+          <a:xfrm>
+            <a:off x="1921113" y="3761186"/>
+            <a:ext cx="461665" cy="844424"/>
+          </a:xfrm>
+          <a:prstGeom prst="rect">
+            <a:avLst/>
+          </a:prstGeom>
+          <a:noFill/>
+        </p:spPr>
+        <p:txBody>
+          <a:bodyPr vert="eaVert" wrap="square" rtlCol="0">
+            <a:spAutoFit/>
+          </a:bodyPr>
+          <a:lstStyle/>
+          <a:p>
+            <a:r>
+              <a:rPr kumimoji="1" lang="ja-JP" altLang="en-US" dirty="0" smtClean="0"/>
+              <a:t>・・・</a:t>
+            </a:r>
+            <a:endParaRPr kumimoji="1" lang="ja-JP" altLang="en-US" dirty="0"/>
+          </a:p>
+        </p:txBody>
+      </p:sp>
+      <p:sp>
+        <p:nvSpPr>
+          <p:cNvPr id="120" name="テキスト ボックス 119"/>
+          <p:cNvSpPr txBox="1"/>
+          <p:nvPr/>
+        </p:nvSpPr>
+        <p:spPr>
+          <a:xfrm>
+            <a:off x="3561469" y="3761186"/>
+            <a:ext cx="461665" cy="844424"/>
+          </a:xfrm>
+          <a:prstGeom prst="rect">
+            <a:avLst/>
+          </a:prstGeom>
+          <a:noFill/>
+        </p:spPr>
+        <p:txBody>
+          <a:bodyPr vert="eaVert" wrap="square" rtlCol="0">
+            <a:spAutoFit/>
+          </a:bodyPr>
+          <a:lstStyle/>
+          <a:p>
+            <a:r>
+              <a:rPr kumimoji="1" lang="ja-JP" altLang="en-US" dirty="0" smtClean="0"/>
+              <a:t>・・・</a:t>
+            </a:r>
+            <a:endParaRPr kumimoji="1" lang="ja-JP" altLang="en-US" dirty="0"/>
+          </a:p>
+        </p:txBody>
+      </p:sp>
+      <p:sp>
+        <p:nvSpPr>
+          <p:cNvPr id="121" name="テキスト ボックス 120"/>
+          <p:cNvSpPr txBox="1"/>
+          <p:nvPr/>
+        </p:nvSpPr>
+        <p:spPr>
+          <a:xfrm>
+            <a:off x="4770852" y="3044372"/>
+            <a:ext cx="461665" cy="844424"/>
+          </a:xfrm>
+          <a:prstGeom prst="rect">
+            <a:avLst/>
+          </a:prstGeom>
+          <a:noFill/>
+        </p:spPr>
+        <p:txBody>
+          <a:bodyPr vert="eaVert" wrap="square" rtlCol="0">
+            <a:spAutoFit/>
+          </a:bodyPr>
+          <a:lstStyle/>
+          <a:p>
+            <a:r>
+              <a:rPr kumimoji="1" lang="ja-JP" altLang="en-US" dirty="0" smtClean="0"/>
+              <a:t>・・・</a:t>
+            </a:r>
+            <a:endParaRPr kumimoji="1" lang="ja-JP" altLang="en-US" dirty="0"/>
+          </a:p>
+        </p:txBody>
+      </p:sp>
+      <p:sp>
+        <p:nvSpPr>
+          <p:cNvPr id="122" name="テキスト ボックス 121"/>
+          <p:cNvSpPr txBox="1"/>
+          <p:nvPr/>
+        </p:nvSpPr>
+        <p:spPr>
+          <a:xfrm>
+            <a:off x="6599605" y="3044372"/>
+            <a:ext cx="461665" cy="844424"/>
+          </a:xfrm>
+          <a:prstGeom prst="rect">
+            <a:avLst/>
+          </a:prstGeom>
+          <a:noFill/>
+        </p:spPr>
+        <p:txBody>
+          <a:bodyPr vert="eaVert" wrap="square" rtlCol="0">
+            <a:spAutoFit/>
+          </a:bodyPr>
+          <a:lstStyle/>
+          <a:p>
+            <a:r>
+              <a:rPr kumimoji="1" lang="ja-JP" altLang="en-US" dirty="0" smtClean="0"/>
+              <a:t>・・・</a:t>
+            </a:r>
+            <a:endParaRPr kumimoji="1" lang="ja-JP" altLang="en-US" dirty="0"/>
+          </a:p>
+        </p:txBody>
+      </p:sp>
+      <p:sp>
+        <p:nvSpPr>
+          <p:cNvPr id="123" name="テキスト ボックス 122"/>
+          <p:cNvSpPr txBox="1"/>
+          <p:nvPr/>
+        </p:nvSpPr>
+        <p:spPr>
+          <a:xfrm>
+            <a:off x="7921871" y="3761186"/>
+            <a:ext cx="461665" cy="844424"/>
+          </a:xfrm>
+          <a:prstGeom prst="rect">
+            <a:avLst/>
+          </a:prstGeom>
+          <a:noFill/>
+        </p:spPr>
+        <p:txBody>
+          <a:bodyPr vert="eaVert" wrap="square" rtlCol="0">
+            <a:spAutoFit/>
+          </a:bodyPr>
+          <a:lstStyle/>
+          <a:p>
+            <a:r>
+              <a:rPr kumimoji="1" lang="ja-JP" altLang="en-US" dirty="0" smtClean="0"/>
+              <a:t>・・・</a:t>
+            </a:r>
+            <a:endParaRPr kumimoji="1" lang="ja-JP" altLang="en-US" dirty="0"/>
+          </a:p>
+        </p:txBody>
+      </p:sp>
+      <p:sp>
+        <p:nvSpPr>
+          <p:cNvPr id="124" name="テキスト ボックス 123"/>
+          <p:cNvSpPr txBox="1"/>
+          <p:nvPr/>
+        </p:nvSpPr>
+        <p:spPr>
+          <a:xfrm>
+            <a:off x="9491464" y="3761186"/>
+            <a:ext cx="461665" cy="844424"/>
+          </a:xfrm>
+          <a:prstGeom prst="rect">
+            <a:avLst/>
+          </a:prstGeom>
+          <a:noFill/>
+        </p:spPr>
+        <p:txBody>
+          <a:bodyPr vert="eaVert" wrap="square" rtlCol="0">
+            <a:spAutoFit/>
+          </a:bodyPr>
+          <a:lstStyle/>
+          <a:p>
+            <a:r>
+              <a:rPr kumimoji="1" lang="ja-JP" altLang="en-US" dirty="0" smtClean="0"/>
+              <a:t>・・・</a:t>
+            </a:r>
+            <a:endParaRPr kumimoji="1" lang="ja-JP" altLang="en-US" dirty="0"/>
+          </a:p>
+        </p:txBody>
+      </p:sp>
+    </p:spTree>
+    <p:extLst>
+      <p:ext uri="{BB962C8B-B14F-4D97-AF65-F5344CB8AC3E}">
+        <p14:creationId xmlns:p14="http://schemas.microsoft.com/office/powerpoint/2010/main" val="139801691"/>
+      </p:ext>
+    </p:extLst>
+  </p:cSld>
+  <p:clrMapOvr>
+    <a:masterClrMapping/>
+  </p:clrMapOvr>
+</p:sld>
+</file>
+
+<file path=ppt/slides/slide2.xml><?xml version="1.0" encoding="utf-8"?>
+<p:sld xmlns:a="http://schemas.openxmlformats.org/drawingml/2006/main" xmlns:r="http://schemas.openxmlformats.org/officeDocument/2006/relationships" xmlns:p="http://schemas.openxmlformats.org/presentationml/2006/main">
+  <p:cSld>
+    <p:spTree>
+      <p:nvGrpSpPr>
+        <p:cNvPr id="1" name=""/>
+        <p:cNvGrpSpPr/>
+        <p:nvPr/>
+      </p:nvGrpSpPr>
+      <p:grpSpPr>
+        <a:xfrm>
+          <a:off x="0" y="0"/>
+          <a:ext cx="0" cy="0"/>
+          <a:chOff x="0" y="0"/>
+          <a:chExt cx="0" cy="0"/>
+        </a:xfrm>
+      </p:grpSpPr>
+      <p:sp>
+        <p:nvSpPr>
+          <p:cNvPr id="5" name="テキスト ボックス 4"/>
+          <p:cNvSpPr txBox="1"/>
+          <p:nvPr/>
+        </p:nvSpPr>
+        <p:spPr>
+          <a:xfrm>
+            <a:off x="5323112" y="272142"/>
+            <a:ext cx="1055914" cy="646331"/>
+          </a:xfrm>
+          <a:prstGeom prst="rect">
+            <a:avLst/>
+          </a:prstGeom>
+          <a:noFill/>
+          <a:ln>
+            <a:noFill/>
+          </a:ln>
+        </p:spPr>
+        <p:txBody>
+          <a:bodyPr wrap="square" rtlCol="0">
+            <a:spAutoFit/>
+          </a:bodyPr>
+          <a:lstStyle/>
+          <a:p>
+            <a:pPr algn="ctr"/>
+            <a:r>
+              <a:rPr lang="en-US" altLang="ja-JP" dirty="0">
+                <a:latin typeface="ＭＳ Ｐゴシック" panose="020B0600070205080204" pitchFamily="50" charset="-128"/>
+                <a:ea typeface="ＭＳ Ｐゴシック" panose="020B0600070205080204" pitchFamily="50" charset="-128"/>
+              </a:rPr>
+              <a:t>Super Core</a:t>
+            </a:r>
+            <a:endParaRPr kumimoji="1" lang="ja-JP" altLang="en-US" dirty="0">
+              <a:latin typeface="ＭＳ Ｐゴシック" panose="020B0600070205080204" pitchFamily="50" charset="-128"/>
+              <a:ea typeface="ＭＳ Ｐゴシック" panose="020B0600070205080204" pitchFamily="50" charset="-128"/>
+            </a:endParaRPr>
+          </a:p>
+        </p:txBody>
+      </p:sp>
+      <p:sp>
+        <p:nvSpPr>
+          <p:cNvPr id="4" name="正方形/長方形 3"/>
+          <p:cNvSpPr/>
+          <p:nvPr/>
+        </p:nvSpPr>
+        <p:spPr>
+          <a:xfrm>
+            <a:off x="5421084" y="272142"/>
+            <a:ext cx="859972" cy="646331"/>
+          </a:xfrm>
+          <a:prstGeom prst="rect">
+            <a:avLst/>
+          </a:prstGeom>
+          <a:noFill/>
+          <a:ln>
+            <a:solidFill>
+              <a:schemeClr val="tx1"/>
+            </a:solidFill>
+          </a:ln>
+        </p:spPr>
+        <p:style>
+          <a:lnRef idx="2">
+            <a:schemeClr val="accent1">
+              <a:shade val="50000"/>
+            </a:schemeClr>
+          </a:lnRef>
+          <a:fillRef idx="1">
+            <a:schemeClr val="accent1"/>
+          </a:fillRef>
+          <a:effectRef idx="0">
+            <a:schemeClr val="accent1"/>
+          </a:effectRef>
+          <a:fontRef idx="minor">
+            <a:schemeClr val="lt1"/>
+          </a:fontRef>
+        </p:style>
+        <p:txBody>
+          <a:bodyPr rtlCol="0" anchor="ctr"/>
+          <a:lstStyle/>
+          <a:p>
+            <a:pPr algn="ctr"/>
+            <a:endParaRPr kumimoji="1" lang="ja-JP" altLang="en-US"/>
+          </a:p>
+        </p:txBody>
+      </p:sp>
+      <p:grpSp>
+        <p:nvGrpSpPr>
+          <p:cNvPr id="24" name="グループ化 23"/>
+          <p:cNvGrpSpPr/>
+          <p:nvPr/>
+        </p:nvGrpSpPr>
+        <p:grpSpPr>
+          <a:xfrm>
+            <a:off x="6338203" y="1077686"/>
+            <a:ext cx="930730" cy="369332"/>
+            <a:chOff x="6476998" y="1077686"/>
+            <a:chExt cx="653144" cy="369332"/>
+          </a:xfrm>
+          <a:noFill/>
+        </p:grpSpPr>
+        <p:sp>
+          <p:nvSpPr>
+            <p:cNvPr id="8" name="テキスト ボックス 7"/>
+            <p:cNvSpPr txBox="1"/>
+            <p:nvPr/>
+          </p:nvSpPr>
+          <p:spPr>
+            <a:xfrm>
+              <a:off x="6476999" y="1077686"/>
+              <a:ext cx="653143" cy="369332"/>
+            </a:xfrm>
+            <a:prstGeom prst="rect">
+              <a:avLst/>
+            </a:prstGeom>
+            <a:grpFill/>
+            <a:ln>
+              <a:solidFill>
+                <a:schemeClr val="tx1"/>
+              </a:solidFill>
+            </a:ln>
+          </p:spPr>
+          <p:txBody>
+            <a:bodyPr wrap="square" rtlCol="0">
+              <a:spAutoFit/>
+            </a:bodyPr>
+            <a:lstStyle/>
+            <a:p>
+              <a:pPr algn="ctr"/>
+              <a:r>
+                <a:rPr kumimoji="1" lang="en-US" altLang="ja-JP" dirty="0" err="1">
+                  <a:latin typeface="ＭＳ Ｐゴシック" panose="020B0600070205080204" pitchFamily="50" charset="-128"/>
+                  <a:ea typeface="ＭＳ Ｐゴシック" panose="020B0600070205080204" pitchFamily="50" charset="-128"/>
+                </a:rPr>
+                <a:t>OFSw</a:t>
+              </a:r>
+              <a:endParaRPr kumimoji="1" lang="ja-JP" altLang="en-US" dirty="0">
+                <a:latin typeface="ＭＳ Ｐゴシック" panose="020B0600070205080204" pitchFamily="50" charset="-128"/>
+                <a:ea typeface="ＭＳ Ｐゴシック" panose="020B0600070205080204" pitchFamily="50" charset="-128"/>
+              </a:endParaRPr>
+            </a:p>
+          </p:txBody>
+        </p:sp>
+        <p:sp>
+          <p:nvSpPr>
+            <p:cNvPr id="10" name="正方形/長方形 9"/>
+            <p:cNvSpPr/>
+            <p:nvPr/>
+          </p:nvSpPr>
+          <p:spPr>
+            <a:xfrm>
+              <a:off x="6476998" y="1077686"/>
+              <a:ext cx="653143" cy="369332"/>
+            </a:xfrm>
+            <a:prstGeom prst="rect">
+              <a:avLst/>
+            </a:prstGeom>
+            <a:grpFill/>
+            <a:ln>
+              <a:solidFill>
+                <a:schemeClr val="tx1"/>
+              </a:solidFill>
+            </a:ln>
+          </p:spPr>
+          <p:style>
+            <a:lnRef idx="2">
+              <a:schemeClr val="accent1">
+                <a:shade val="50000"/>
+              </a:schemeClr>
+            </a:lnRef>
+            <a:fillRef idx="1">
+              <a:schemeClr val="accent1"/>
+            </a:fillRef>
+            <a:effectRef idx="0">
+              <a:schemeClr val="accent1"/>
+            </a:effectRef>
+            <a:fontRef idx="minor">
+              <a:schemeClr val="lt1"/>
+            </a:fontRef>
+          </p:style>
+          <p:txBody>
+            <a:bodyPr rtlCol="0" anchor="ctr"/>
+            <a:lstStyle/>
+            <a:p>
+              <a:pPr algn="ctr"/>
+              <a:endParaRPr kumimoji="1" lang="ja-JP" altLang="en-US"/>
+            </a:p>
+          </p:txBody>
+        </p:sp>
+      </p:grpSp>
+      <p:cxnSp>
+        <p:nvCxnSpPr>
+          <p:cNvPr id="12" name="直線コネクタ 11"/>
+          <p:cNvCxnSpPr>
+            <a:stCxn id="76" idx="0"/>
+            <a:endCxn id="4" idx="1"/>
+          </p:cNvCxnSpPr>
+          <p:nvPr/>
+        </p:nvCxnSpPr>
+        <p:spPr>
+          <a:xfrm flipV="1">
+            <a:off x="4999260" y="595308"/>
+            <a:ext cx="421824" cy="482378"/>
+          </a:xfrm>
+          <a:prstGeom prst="line">
+            <a:avLst/>
+          </a:prstGeom>
+          <a:ln w="19050">
+            <a:solidFill>
+              <a:schemeClr val="tx1"/>
+            </a:solidFill>
+          </a:ln>
+        </p:spPr>
+        <p:style>
+          <a:lnRef idx="1">
+            <a:schemeClr val="accent1"/>
+          </a:lnRef>
+          <a:fillRef idx="0">
+            <a:schemeClr val="accent1"/>
+          </a:fillRef>
+          <a:effectRef idx="0">
+            <a:schemeClr val="accent1"/>
+          </a:effectRef>
+          <a:fontRef idx="minor">
+            <a:schemeClr val="tx1"/>
+          </a:fontRef>
+        </p:style>
+      </p:cxnSp>
+      <p:cxnSp>
+        <p:nvCxnSpPr>
+          <p:cNvPr id="19" name="直線コネクタ 18"/>
+          <p:cNvCxnSpPr>
+            <a:stCxn id="10" idx="0"/>
+            <a:endCxn id="4" idx="3"/>
+          </p:cNvCxnSpPr>
+          <p:nvPr/>
+        </p:nvCxnSpPr>
+        <p:spPr>
+          <a:xfrm flipH="1" flipV="1">
+            <a:off x="6281056" y="595308"/>
+            <a:ext cx="522512" cy="482378"/>
+          </a:xfrm>
+          <a:prstGeom prst="line">
+            <a:avLst/>
+          </a:prstGeom>
+          <a:ln w="19050">
+            <a:solidFill>
+              <a:schemeClr val="tx1"/>
+            </a:solidFill>
+          </a:ln>
+        </p:spPr>
+        <p:style>
+          <a:lnRef idx="1">
+            <a:schemeClr val="accent1"/>
+          </a:lnRef>
+          <a:fillRef idx="0">
+            <a:schemeClr val="accent1"/>
+          </a:fillRef>
+          <a:effectRef idx="0">
+            <a:schemeClr val="accent1"/>
+          </a:effectRef>
+          <a:fontRef idx="minor">
+            <a:schemeClr val="tx1"/>
+          </a:fontRef>
+        </p:style>
+      </p:cxnSp>
+      <p:grpSp>
+        <p:nvGrpSpPr>
+          <p:cNvPr id="30" name="グループ化 29"/>
+          <p:cNvGrpSpPr/>
+          <p:nvPr/>
+        </p:nvGrpSpPr>
+        <p:grpSpPr>
+          <a:xfrm>
+            <a:off x="2465608" y="2245079"/>
+            <a:ext cx="1023260" cy="646332"/>
+            <a:chOff x="2275111" y="1907622"/>
+            <a:chExt cx="1208317" cy="646332"/>
+          </a:xfrm>
+          <a:noFill/>
+        </p:grpSpPr>
+        <p:sp>
+          <p:nvSpPr>
+            <p:cNvPr id="25" name="テキスト ボックス 24"/>
+            <p:cNvSpPr txBox="1"/>
+            <p:nvPr/>
+          </p:nvSpPr>
+          <p:spPr>
+            <a:xfrm>
+              <a:off x="2275114" y="1907623"/>
+              <a:ext cx="1208314" cy="646331"/>
+            </a:xfrm>
+            <a:prstGeom prst="rect">
+              <a:avLst/>
+            </a:prstGeom>
+            <a:grpFill/>
+            <a:ln>
+              <a:solidFill>
+                <a:schemeClr val="tx1"/>
+              </a:solidFill>
+            </a:ln>
+          </p:spPr>
+          <p:txBody>
+            <a:bodyPr wrap="square" rtlCol="0">
+              <a:spAutoFit/>
+            </a:bodyPr>
+            <a:lstStyle/>
+            <a:p>
+              <a:pPr algn="ctr"/>
+              <a:r>
+                <a:rPr kumimoji="1" lang="en-US" altLang="ja-JP" dirty="0">
+                  <a:latin typeface="ＭＳ Ｐゴシック" panose="020B0600070205080204" pitchFamily="50" charset="-128"/>
+                  <a:ea typeface="ＭＳ Ｐゴシック" panose="020B0600070205080204" pitchFamily="50" charset="-128"/>
+                </a:rPr>
+                <a:t>Core</a:t>
+              </a:r>
+            </a:p>
+            <a:p>
+              <a:pPr algn="ctr"/>
+              <a:r>
+                <a:rPr kumimoji="1" lang="en-US" altLang="ja-JP" dirty="0" err="1" smtClean="0">
+                  <a:latin typeface="ＭＳ Ｐゴシック" panose="020B0600070205080204" pitchFamily="50" charset="-128"/>
+                  <a:ea typeface="ＭＳ Ｐゴシック" panose="020B0600070205080204" pitchFamily="50" charset="-128"/>
+                </a:rPr>
+                <a:t>OFSw</a:t>
+              </a:r>
+              <a:endParaRPr kumimoji="1" lang="ja-JP" altLang="en-US" dirty="0">
+                <a:latin typeface="ＭＳ Ｐゴシック" panose="020B0600070205080204" pitchFamily="50" charset="-128"/>
+                <a:ea typeface="ＭＳ Ｐゴシック" panose="020B0600070205080204" pitchFamily="50" charset="-128"/>
+              </a:endParaRPr>
+            </a:p>
+          </p:txBody>
+        </p:sp>
+        <p:sp>
+          <p:nvSpPr>
+            <p:cNvPr id="29" name="正方形/長方形 28"/>
+            <p:cNvSpPr/>
+            <p:nvPr/>
+          </p:nvSpPr>
+          <p:spPr>
+            <a:xfrm>
+              <a:off x="2275111" y="1907622"/>
+              <a:ext cx="1208317" cy="646331"/>
+            </a:xfrm>
+            <a:prstGeom prst="rect">
+              <a:avLst/>
+            </a:prstGeom>
+            <a:grpFill/>
+            <a:ln>
+              <a:solidFill>
+                <a:schemeClr val="tx1"/>
+              </a:solidFill>
+            </a:ln>
+          </p:spPr>
+          <p:style>
+            <a:lnRef idx="2">
+              <a:schemeClr val="accent1">
+                <a:shade val="50000"/>
+              </a:schemeClr>
+            </a:lnRef>
+            <a:fillRef idx="1">
+              <a:schemeClr val="accent1"/>
+            </a:fillRef>
+            <a:effectRef idx="0">
+              <a:schemeClr val="accent1"/>
+            </a:effectRef>
+            <a:fontRef idx="minor">
+              <a:schemeClr val="lt1"/>
+            </a:fontRef>
+          </p:style>
+          <p:txBody>
+            <a:bodyPr rtlCol="0" anchor="ctr"/>
+            <a:lstStyle/>
+            <a:p>
+              <a:pPr algn="ctr"/>
+              <a:endParaRPr kumimoji="1" lang="ja-JP" altLang="en-US"/>
+            </a:p>
+          </p:txBody>
+        </p:sp>
+      </p:grpSp>
+      <p:cxnSp>
+        <p:nvCxnSpPr>
+          <p:cNvPr id="41" name="直線コネクタ 40"/>
+          <p:cNvCxnSpPr>
+            <a:stCxn id="29" idx="0"/>
+            <a:endCxn id="76" idx="2"/>
+          </p:cNvCxnSpPr>
+          <p:nvPr/>
+        </p:nvCxnSpPr>
+        <p:spPr>
+          <a:xfrm flipV="1">
+            <a:off x="2977238" y="1447018"/>
+            <a:ext cx="2022022" cy="798061"/>
+          </a:xfrm>
+          <a:prstGeom prst="line">
+            <a:avLst/>
+          </a:prstGeom>
+          <a:ln w="19050">
+            <a:solidFill>
+              <a:schemeClr val="tx1"/>
+            </a:solidFill>
+          </a:ln>
+        </p:spPr>
+        <p:style>
+          <a:lnRef idx="1">
+            <a:schemeClr val="accent1"/>
+          </a:lnRef>
+          <a:fillRef idx="0">
+            <a:schemeClr val="accent1"/>
+          </a:fillRef>
+          <a:effectRef idx="0">
+            <a:schemeClr val="accent1"/>
+          </a:effectRef>
+          <a:fontRef idx="minor">
+            <a:schemeClr val="tx1"/>
+          </a:fontRef>
+        </p:style>
+      </p:cxnSp>
+      <p:cxnSp>
+        <p:nvCxnSpPr>
+          <p:cNvPr id="42" name="直線コネクタ 41"/>
+          <p:cNvCxnSpPr>
+            <a:stCxn id="29" idx="0"/>
+            <a:endCxn id="10" idx="2"/>
+          </p:cNvCxnSpPr>
+          <p:nvPr/>
+        </p:nvCxnSpPr>
+        <p:spPr>
+          <a:xfrm flipV="1">
+            <a:off x="2977238" y="1447018"/>
+            <a:ext cx="3826330" cy="798061"/>
+          </a:xfrm>
+          <a:prstGeom prst="line">
+            <a:avLst/>
+          </a:prstGeom>
+          <a:ln w="19050">
+            <a:solidFill>
+              <a:schemeClr val="tx1"/>
+            </a:solidFill>
+          </a:ln>
+        </p:spPr>
+        <p:style>
+          <a:lnRef idx="1">
+            <a:schemeClr val="accent1"/>
+          </a:lnRef>
+          <a:fillRef idx="0">
+            <a:schemeClr val="accent1"/>
+          </a:fillRef>
+          <a:effectRef idx="0">
+            <a:schemeClr val="accent1"/>
+          </a:effectRef>
+          <a:fontRef idx="minor">
+            <a:schemeClr val="tx1"/>
+          </a:fontRef>
+        </p:style>
+      </p:cxnSp>
+      <p:cxnSp>
+        <p:nvCxnSpPr>
+          <p:cNvPr id="45" name="直線コネクタ 44"/>
+          <p:cNvCxnSpPr>
+            <a:stCxn id="33" idx="0"/>
+            <a:endCxn id="76" idx="2"/>
+          </p:cNvCxnSpPr>
+          <p:nvPr/>
+        </p:nvCxnSpPr>
+        <p:spPr>
+          <a:xfrm flipV="1">
+            <a:off x="4996540" y="1447018"/>
+            <a:ext cx="2720" cy="798061"/>
+          </a:xfrm>
+          <a:prstGeom prst="line">
+            <a:avLst/>
+          </a:prstGeom>
+          <a:ln w="19050">
+            <a:solidFill>
+              <a:schemeClr val="tx1"/>
+            </a:solidFill>
+          </a:ln>
+        </p:spPr>
+        <p:style>
+          <a:lnRef idx="1">
+            <a:schemeClr val="accent1"/>
+          </a:lnRef>
+          <a:fillRef idx="0">
+            <a:schemeClr val="accent1"/>
+          </a:fillRef>
+          <a:effectRef idx="0">
+            <a:schemeClr val="accent1"/>
+          </a:effectRef>
+          <a:fontRef idx="minor">
+            <a:schemeClr val="tx1"/>
+          </a:fontRef>
+        </p:style>
+      </p:cxnSp>
+      <p:cxnSp>
+        <p:nvCxnSpPr>
+          <p:cNvPr id="46" name="直線コネクタ 45"/>
+          <p:cNvCxnSpPr>
+            <a:stCxn id="33" idx="0"/>
+            <a:endCxn id="10" idx="2"/>
+          </p:cNvCxnSpPr>
+          <p:nvPr/>
+        </p:nvCxnSpPr>
+        <p:spPr>
+          <a:xfrm flipV="1">
+            <a:off x="4996540" y="1447018"/>
+            <a:ext cx="1807028" cy="798061"/>
+          </a:xfrm>
+          <a:prstGeom prst="line">
+            <a:avLst/>
+          </a:prstGeom>
+          <a:ln w="19050">
+            <a:solidFill>
+              <a:schemeClr val="tx1"/>
+            </a:solidFill>
+          </a:ln>
+        </p:spPr>
+        <p:style>
+          <a:lnRef idx="1">
+            <a:schemeClr val="accent1"/>
+          </a:lnRef>
+          <a:fillRef idx="0">
+            <a:schemeClr val="accent1"/>
+          </a:fillRef>
+          <a:effectRef idx="0">
+            <a:schemeClr val="accent1"/>
+          </a:effectRef>
+          <a:fontRef idx="minor">
+            <a:schemeClr val="tx1"/>
+          </a:fontRef>
+        </p:style>
+      </p:cxnSp>
+      <p:cxnSp>
+        <p:nvCxnSpPr>
+          <p:cNvPr id="51" name="直線コネクタ 50"/>
+          <p:cNvCxnSpPr>
+            <a:stCxn id="36" idx="0"/>
+            <a:endCxn id="76" idx="2"/>
+          </p:cNvCxnSpPr>
+          <p:nvPr/>
+        </p:nvCxnSpPr>
+        <p:spPr>
+          <a:xfrm flipH="1" flipV="1">
+            <a:off x="4999260" y="1447018"/>
+            <a:ext cx="1804309" cy="798061"/>
+          </a:xfrm>
+          <a:prstGeom prst="line">
+            <a:avLst/>
+          </a:prstGeom>
+          <a:ln w="19050">
+            <a:solidFill>
+              <a:schemeClr val="tx1"/>
+            </a:solidFill>
+          </a:ln>
+        </p:spPr>
+        <p:style>
+          <a:lnRef idx="1">
+            <a:schemeClr val="accent1"/>
+          </a:lnRef>
+          <a:fillRef idx="0">
+            <a:schemeClr val="accent1"/>
+          </a:fillRef>
+          <a:effectRef idx="0">
+            <a:schemeClr val="accent1"/>
+          </a:effectRef>
+          <a:fontRef idx="minor">
+            <a:schemeClr val="tx1"/>
+          </a:fontRef>
+        </p:style>
+      </p:cxnSp>
+      <p:cxnSp>
+        <p:nvCxnSpPr>
+          <p:cNvPr id="52" name="直線コネクタ 51"/>
+          <p:cNvCxnSpPr>
+            <a:stCxn id="36" idx="0"/>
+            <a:endCxn id="10" idx="2"/>
+          </p:cNvCxnSpPr>
+          <p:nvPr/>
+        </p:nvCxnSpPr>
+        <p:spPr>
+          <a:xfrm flipH="1" flipV="1">
+            <a:off x="6803568" y="1447018"/>
+            <a:ext cx="1" cy="798061"/>
+          </a:xfrm>
+          <a:prstGeom prst="line">
+            <a:avLst/>
+          </a:prstGeom>
+          <a:ln w="19050">
+            <a:solidFill>
+              <a:schemeClr val="tx1"/>
+            </a:solidFill>
+          </a:ln>
+        </p:spPr>
+        <p:style>
+          <a:lnRef idx="1">
+            <a:schemeClr val="accent1"/>
+          </a:lnRef>
+          <a:fillRef idx="0">
+            <a:schemeClr val="accent1"/>
+          </a:fillRef>
+          <a:effectRef idx="0">
+            <a:schemeClr val="accent1"/>
+          </a:effectRef>
+          <a:fontRef idx="minor">
+            <a:schemeClr val="tx1"/>
+          </a:fontRef>
+        </p:style>
+      </p:cxnSp>
+      <p:cxnSp>
+        <p:nvCxnSpPr>
+          <p:cNvPr id="57" name="直線コネクタ 56"/>
+          <p:cNvCxnSpPr>
+            <a:stCxn id="39" idx="0"/>
+            <a:endCxn id="76" idx="2"/>
+          </p:cNvCxnSpPr>
+          <p:nvPr/>
+        </p:nvCxnSpPr>
+        <p:spPr>
+          <a:xfrm flipH="1" flipV="1">
+            <a:off x="4999260" y="1447018"/>
+            <a:ext cx="3916137" cy="798061"/>
+          </a:xfrm>
+          <a:prstGeom prst="line">
+            <a:avLst/>
+          </a:prstGeom>
+          <a:ln w="19050">
+            <a:solidFill>
+              <a:schemeClr val="tx1"/>
+            </a:solidFill>
+          </a:ln>
+        </p:spPr>
+        <p:style>
+          <a:lnRef idx="1">
+            <a:schemeClr val="accent1"/>
+          </a:lnRef>
+          <a:fillRef idx="0">
+            <a:schemeClr val="accent1"/>
+          </a:fillRef>
+          <a:effectRef idx="0">
+            <a:schemeClr val="accent1"/>
+          </a:effectRef>
+          <a:fontRef idx="minor">
+            <a:schemeClr val="tx1"/>
+          </a:fontRef>
+        </p:style>
+      </p:cxnSp>
+      <p:cxnSp>
+        <p:nvCxnSpPr>
+          <p:cNvPr id="58" name="直線コネクタ 57"/>
+          <p:cNvCxnSpPr>
+            <a:stCxn id="39" idx="0"/>
+            <a:endCxn id="10" idx="2"/>
+          </p:cNvCxnSpPr>
+          <p:nvPr/>
+        </p:nvCxnSpPr>
+        <p:spPr>
+          <a:xfrm flipH="1" flipV="1">
+            <a:off x="6803568" y="1447018"/>
+            <a:ext cx="2111829" cy="798061"/>
+          </a:xfrm>
+          <a:prstGeom prst="line">
+            <a:avLst/>
+          </a:prstGeom>
+          <a:ln w="19050">
+            <a:solidFill>
+              <a:schemeClr val="tx1"/>
+            </a:solidFill>
+          </a:ln>
+        </p:spPr>
+        <p:style>
+          <a:lnRef idx="1">
+            <a:schemeClr val="accent1"/>
+          </a:lnRef>
+          <a:fillRef idx="0">
+            <a:schemeClr val="accent1"/>
+          </a:fillRef>
+          <a:effectRef idx="0">
+            <a:schemeClr val="accent1"/>
+          </a:effectRef>
+          <a:fontRef idx="minor">
+            <a:schemeClr val="tx1"/>
+          </a:fontRef>
+        </p:style>
+      </p:cxnSp>
+      <p:grpSp>
+        <p:nvGrpSpPr>
+          <p:cNvPr id="74" name="グループ化 73"/>
+          <p:cNvGrpSpPr/>
+          <p:nvPr/>
+        </p:nvGrpSpPr>
+        <p:grpSpPr>
+          <a:xfrm>
+            <a:off x="4533895" y="1077686"/>
+            <a:ext cx="930730" cy="369332"/>
+            <a:chOff x="6476998" y="1077686"/>
+            <a:chExt cx="653144" cy="369332"/>
+          </a:xfrm>
+          <a:noFill/>
+        </p:grpSpPr>
+        <p:sp>
+          <p:nvSpPr>
+            <p:cNvPr id="75" name="テキスト ボックス 74"/>
+            <p:cNvSpPr txBox="1"/>
+            <p:nvPr/>
+          </p:nvSpPr>
+          <p:spPr>
+            <a:xfrm>
+              <a:off x="6476999" y="1077686"/>
+              <a:ext cx="653143" cy="369332"/>
+            </a:xfrm>
+            <a:prstGeom prst="rect">
+              <a:avLst/>
+            </a:prstGeom>
+            <a:grpFill/>
+            <a:ln>
+              <a:solidFill>
+                <a:schemeClr val="tx1"/>
+              </a:solidFill>
+            </a:ln>
+          </p:spPr>
+          <p:txBody>
+            <a:bodyPr wrap="square" rtlCol="0">
+              <a:spAutoFit/>
+            </a:bodyPr>
+            <a:lstStyle/>
+            <a:p>
+              <a:pPr algn="ctr"/>
+              <a:r>
+                <a:rPr kumimoji="1" lang="en-US" altLang="ja-JP" dirty="0" err="1">
+                  <a:latin typeface="ＭＳ Ｐゴシック" panose="020B0600070205080204" pitchFamily="50" charset="-128"/>
+                  <a:ea typeface="ＭＳ Ｐゴシック" panose="020B0600070205080204" pitchFamily="50" charset="-128"/>
+                </a:rPr>
+                <a:t>OFSw</a:t>
+              </a:r>
+              <a:endParaRPr kumimoji="1" lang="ja-JP" altLang="en-US" dirty="0">
+                <a:latin typeface="ＭＳ Ｐゴシック" panose="020B0600070205080204" pitchFamily="50" charset="-128"/>
+                <a:ea typeface="ＭＳ Ｐゴシック" panose="020B0600070205080204" pitchFamily="50" charset="-128"/>
+              </a:endParaRPr>
+            </a:p>
+          </p:txBody>
+        </p:sp>
+        <p:sp>
+          <p:nvSpPr>
+            <p:cNvPr id="76" name="正方形/長方形 75"/>
+            <p:cNvSpPr/>
+            <p:nvPr/>
+          </p:nvSpPr>
+          <p:spPr>
+            <a:xfrm>
+              <a:off x="6476998" y="1077686"/>
+              <a:ext cx="653143" cy="369332"/>
+            </a:xfrm>
+            <a:prstGeom prst="rect">
+              <a:avLst/>
+            </a:prstGeom>
+            <a:grpFill/>
+            <a:ln>
+              <a:solidFill>
+                <a:schemeClr val="tx1"/>
+              </a:solidFill>
+            </a:ln>
+          </p:spPr>
+          <p:style>
+            <a:lnRef idx="2">
+              <a:schemeClr val="accent1">
+                <a:shade val="50000"/>
+              </a:schemeClr>
+            </a:lnRef>
+            <a:fillRef idx="1">
+              <a:schemeClr val="accent1"/>
+            </a:fillRef>
+            <a:effectRef idx="0">
+              <a:schemeClr val="accent1"/>
+            </a:effectRef>
+            <a:fontRef idx="minor">
+              <a:schemeClr val="lt1"/>
+            </a:fontRef>
+          </p:style>
+          <p:txBody>
+            <a:bodyPr rtlCol="0" anchor="ctr"/>
+            <a:lstStyle/>
+            <a:p>
+              <a:pPr algn="ctr"/>
+              <a:endParaRPr kumimoji="1" lang="ja-JP" altLang="en-US"/>
+            </a:p>
+          </p:txBody>
+        </p:sp>
+      </p:grpSp>
+      <p:grpSp>
+        <p:nvGrpSpPr>
+          <p:cNvPr id="84" name="グループ化 83"/>
+          <p:cNvGrpSpPr/>
+          <p:nvPr/>
+        </p:nvGrpSpPr>
+        <p:grpSpPr>
+          <a:xfrm>
+            <a:off x="4484910" y="2245078"/>
+            <a:ext cx="1023260" cy="646332"/>
+            <a:chOff x="2275111" y="1907622"/>
+            <a:chExt cx="1208317" cy="646332"/>
+          </a:xfrm>
+          <a:noFill/>
+        </p:grpSpPr>
+        <p:sp>
+          <p:nvSpPr>
+            <p:cNvPr id="85" name="テキスト ボックス 84"/>
+            <p:cNvSpPr txBox="1"/>
+            <p:nvPr/>
+          </p:nvSpPr>
+          <p:spPr>
+            <a:xfrm>
+              <a:off x="2275114" y="1907623"/>
+              <a:ext cx="1208314" cy="646331"/>
+            </a:xfrm>
+            <a:prstGeom prst="rect">
+              <a:avLst/>
+            </a:prstGeom>
+            <a:grpFill/>
+            <a:ln>
+              <a:solidFill>
+                <a:schemeClr val="tx1"/>
+              </a:solidFill>
+            </a:ln>
+          </p:spPr>
+          <p:txBody>
+            <a:bodyPr wrap="square" rtlCol="0">
+              <a:spAutoFit/>
+            </a:bodyPr>
+            <a:lstStyle/>
+            <a:p>
+              <a:pPr algn="ctr"/>
+              <a:r>
+                <a:rPr kumimoji="1" lang="en-US" altLang="ja-JP" dirty="0">
+                  <a:latin typeface="ＭＳ Ｐゴシック" panose="020B0600070205080204" pitchFamily="50" charset="-128"/>
+                  <a:ea typeface="ＭＳ Ｐゴシック" panose="020B0600070205080204" pitchFamily="50" charset="-128"/>
+                </a:rPr>
+                <a:t>Core</a:t>
+              </a:r>
+            </a:p>
+            <a:p>
+              <a:pPr algn="ctr"/>
+              <a:r>
+                <a:rPr kumimoji="1" lang="en-US" altLang="ja-JP" dirty="0" err="1" smtClean="0">
+                  <a:latin typeface="ＭＳ Ｐゴシック" panose="020B0600070205080204" pitchFamily="50" charset="-128"/>
+                  <a:ea typeface="ＭＳ Ｐゴシック" panose="020B0600070205080204" pitchFamily="50" charset="-128"/>
+                </a:rPr>
+                <a:t>OFSw</a:t>
+              </a:r>
+              <a:endParaRPr kumimoji="1" lang="ja-JP" altLang="en-US" dirty="0">
+                <a:latin typeface="ＭＳ Ｐゴシック" panose="020B0600070205080204" pitchFamily="50" charset="-128"/>
+                <a:ea typeface="ＭＳ Ｐゴシック" panose="020B0600070205080204" pitchFamily="50" charset="-128"/>
+              </a:endParaRPr>
+            </a:p>
+          </p:txBody>
+        </p:sp>
+        <p:sp>
+          <p:nvSpPr>
+            <p:cNvPr id="86" name="正方形/長方形 85"/>
+            <p:cNvSpPr/>
+            <p:nvPr/>
+          </p:nvSpPr>
+          <p:spPr>
+            <a:xfrm>
+              <a:off x="2275111" y="1907622"/>
+              <a:ext cx="1208317" cy="646331"/>
+            </a:xfrm>
+            <a:prstGeom prst="rect">
+              <a:avLst/>
+            </a:prstGeom>
+            <a:grpFill/>
+            <a:ln>
+              <a:solidFill>
+                <a:schemeClr val="tx1"/>
+              </a:solidFill>
+            </a:ln>
+          </p:spPr>
+          <p:style>
+            <a:lnRef idx="2">
+              <a:schemeClr val="accent1">
+                <a:shade val="50000"/>
+              </a:schemeClr>
+            </a:lnRef>
+            <a:fillRef idx="1">
+              <a:schemeClr val="accent1"/>
+            </a:fillRef>
+            <a:effectRef idx="0">
+              <a:schemeClr val="accent1"/>
+            </a:effectRef>
+            <a:fontRef idx="minor">
+              <a:schemeClr val="lt1"/>
+            </a:fontRef>
+          </p:style>
+          <p:txBody>
+            <a:bodyPr rtlCol="0" anchor="ctr"/>
+            <a:lstStyle/>
+            <a:p>
+              <a:pPr algn="ctr"/>
+              <a:endParaRPr kumimoji="1" lang="ja-JP" altLang="en-US"/>
+            </a:p>
+          </p:txBody>
+        </p:sp>
+      </p:grpSp>
+      <p:grpSp>
+        <p:nvGrpSpPr>
+          <p:cNvPr id="87" name="グループ化 86"/>
+          <p:cNvGrpSpPr/>
+          <p:nvPr/>
+        </p:nvGrpSpPr>
+        <p:grpSpPr>
+          <a:xfrm>
+            <a:off x="6291939" y="2245078"/>
+            <a:ext cx="1023260" cy="646332"/>
+            <a:chOff x="2275111" y="1907622"/>
+            <a:chExt cx="1208317" cy="646332"/>
+          </a:xfrm>
+          <a:noFill/>
+        </p:grpSpPr>
+        <p:sp>
+          <p:nvSpPr>
+            <p:cNvPr id="88" name="テキスト ボックス 87"/>
+            <p:cNvSpPr txBox="1"/>
+            <p:nvPr/>
+          </p:nvSpPr>
+          <p:spPr>
+            <a:xfrm>
+              <a:off x="2275114" y="1907623"/>
+              <a:ext cx="1208314" cy="646331"/>
+            </a:xfrm>
+            <a:prstGeom prst="rect">
+              <a:avLst/>
+            </a:prstGeom>
+            <a:grpFill/>
+            <a:ln>
+              <a:solidFill>
+                <a:schemeClr val="tx1"/>
+              </a:solidFill>
+            </a:ln>
+          </p:spPr>
+          <p:txBody>
+            <a:bodyPr wrap="square" rtlCol="0">
+              <a:spAutoFit/>
+            </a:bodyPr>
+            <a:lstStyle/>
+            <a:p>
+              <a:pPr algn="ctr"/>
+              <a:r>
+                <a:rPr kumimoji="1" lang="en-US" altLang="ja-JP" dirty="0">
+                  <a:latin typeface="ＭＳ Ｐゴシック" panose="020B0600070205080204" pitchFamily="50" charset="-128"/>
+                  <a:ea typeface="ＭＳ Ｐゴシック" panose="020B0600070205080204" pitchFamily="50" charset="-128"/>
+                </a:rPr>
+                <a:t>Core</a:t>
+              </a:r>
+            </a:p>
+            <a:p>
+              <a:pPr algn="ctr"/>
+              <a:r>
+                <a:rPr kumimoji="1" lang="en-US" altLang="ja-JP" dirty="0" err="1" smtClean="0">
+                  <a:latin typeface="ＭＳ Ｐゴシック" panose="020B0600070205080204" pitchFamily="50" charset="-128"/>
+                  <a:ea typeface="ＭＳ Ｐゴシック" panose="020B0600070205080204" pitchFamily="50" charset="-128"/>
+                </a:rPr>
+                <a:t>OFSw</a:t>
+              </a:r>
+              <a:endParaRPr kumimoji="1" lang="ja-JP" altLang="en-US" dirty="0">
+                <a:latin typeface="ＭＳ Ｐゴシック" panose="020B0600070205080204" pitchFamily="50" charset="-128"/>
+                <a:ea typeface="ＭＳ Ｐゴシック" panose="020B0600070205080204" pitchFamily="50" charset="-128"/>
+              </a:endParaRPr>
+            </a:p>
+          </p:txBody>
+        </p:sp>
+        <p:sp>
+          <p:nvSpPr>
+            <p:cNvPr id="89" name="正方形/長方形 88"/>
+            <p:cNvSpPr/>
+            <p:nvPr/>
+          </p:nvSpPr>
+          <p:spPr>
+            <a:xfrm>
+              <a:off x="2275111" y="1907622"/>
+              <a:ext cx="1208317" cy="646331"/>
+            </a:xfrm>
+            <a:prstGeom prst="rect">
+              <a:avLst/>
+            </a:prstGeom>
+            <a:grpFill/>
+            <a:ln>
+              <a:solidFill>
+                <a:schemeClr val="tx1"/>
+              </a:solidFill>
+            </a:ln>
+          </p:spPr>
+          <p:style>
+            <a:lnRef idx="2">
+              <a:schemeClr val="accent1">
+                <a:shade val="50000"/>
+              </a:schemeClr>
+            </a:lnRef>
+            <a:fillRef idx="1">
+              <a:schemeClr val="accent1"/>
+            </a:fillRef>
+            <a:effectRef idx="0">
+              <a:schemeClr val="accent1"/>
+            </a:effectRef>
+            <a:fontRef idx="minor">
+              <a:schemeClr val="lt1"/>
+            </a:fontRef>
+          </p:style>
+          <p:txBody>
+            <a:bodyPr rtlCol="0" anchor="ctr"/>
+            <a:lstStyle/>
+            <a:p>
+              <a:pPr algn="ctr"/>
+              <a:endParaRPr kumimoji="1" lang="ja-JP" altLang="en-US"/>
+            </a:p>
+          </p:txBody>
+        </p:sp>
+      </p:grpSp>
+      <p:grpSp>
+        <p:nvGrpSpPr>
+          <p:cNvPr id="90" name="グループ化 89"/>
+          <p:cNvGrpSpPr/>
+          <p:nvPr/>
+        </p:nvGrpSpPr>
+        <p:grpSpPr>
+          <a:xfrm>
+            <a:off x="8388793" y="2245078"/>
+            <a:ext cx="1023260" cy="646332"/>
+            <a:chOff x="2275111" y="1907622"/>
+            <a:chExt cx="1208317" cy="646332"/>
+          </a:xfrm>
+          <a:noFill/>
+        </p:grpSpPr>
+        <p:sp>
+          <p:nvSpPr>
+            <p:cNvPr id="91" name="テキスト ボックス 90"/>
+            <p:cNvSpPr txBox="1"/>
+            <p:nvPr/>
+          </p:nvSpPr>
+          <p:spPr>
+            <a:xfrm>
+              <a:off x="2275114" y="1907623"/>
+              <a:ext cx="1208314" cy="646331"/>
+            </a:xfrm>
+            <a:prstGeom prst="rect">
+              <a:avLst/>
+            </a:prstGeom>
+            <a:grpFill/>
+            <a:ln>
+              <a:solidFill>
+                <a:schemeClr val="tx1"/>
+              </a:solidFill>
+            </a:ln>
+          </p:spPr>
+          <p:txBody>
+            <a:bodyPr wrap="square" rtlCol="0">
+              <a:spAutoFit/>
+            </a:bodyPr>
+            <a:lstStyle/>
+            <a:p>
+              <a:pPr algn="ctr"/>
+              <a:r>
+                <a:rPr kumimoji="1" lang="en-US" altLang="ja-JP" dirty="0">
+                  <a:latin typeface="ＭＳ Ｐゴシック" panose="020B0600070205080204" pitchFamily="50" charset="-128"/>
+                  <a:ea typeface="ＭＳ Ｐゴシック" panose="020B0600070205080204" pitchFamily="50" charset="-128"/>
+                </a:rPr>
+                <a:t>Core</a:t>
+              </a:r>
+            </a:p>
+            <a:p>
+              <a:pPr algn="ctr"/>
+              <a:r>
+                <a:rPr kumimoji="1" lang="en-US" altLang="ja-JP" dirty="0" err="1" smtClean="0">
+                  <a:latin typeface="ＭＳ Ｐゴシック" panose="020B0600070205080204" pitchFamily="50" charset="-128"/>
+                  <a:ea typeface="ＭＳ Ｐゴシック" panose="020B0600070205080204" pitchFamily="50" charset="-128"/>
+                </a:rPr>
+                <a:t>OFSw</a:t>
+              </a:r>
+              <a:endParaRPr kumimoji="1" lang="ja-JP" altLang="en-US" dirty="0">
+                <a:latin typeface="ＭＳ Ｐゴシック" panose="020B0600070205080204" pitchFamily="50" charset="-128"/>
+                <a:ea typeface="ＭＳ Ｐゴシック" panose="020B0600070205080204" pitchFamily="50" charset="-128"/>
+              </a:endParaRPr>
+            </a:p>
+          </p:txBody>
+        </p:sp>
+        <p:sp>
+          <p:nvSpPr>
+            <p:cNvPr id="92" name="正方形/長方形 91"/>
+            <p:cNvSpPr/>
+            <p:nvPr/>
+          </p:nvSpPr>
+          <p:spPr>
+            <a:xfrm>
+              <a:off x="2275111" y="1907622"/>
+              <a:ext cx="1208317" cy="646331"/>
+            </a:xfrm>
+            <a:prstGeom prst="rect">
+              <a:avLst/>
+            </a:prstGeom>
+            <a:grpFill/>
+            <a:ln>
+              <a:solidFill>
+                <a:schemeClr val="tx1"/>
+              </a:solidFill>
+            </a:ln>
+          </p:spPr>
+          <p:style>
+            <a:lnRef idx="2">
+              <a:schemeClr val="accent1">
+                <a:shade val="50000"/>
+              </a:schemeClr>
+            </a:lnRef>
+            <a:fillRef idx="1">
+              <a:schemeClr val="accent1"/>
+            </a:fillRef>
+            <a:effectRef idx="0">
+              <a:schemeClr val="accent1"/>
+            </a:effectRef>
+            <a:fontRef idx="minor">
+              <a:schemeClr val="lt1"/>
+            </a:fontRef>
+          </p:style>
+          <p:txBody>
+            <a:bodyPr rtlCol="0" anchor="ctr"/>
+            <a:lstStyle/>
+            <a:p>
+              <a:pPr algn="ctr"/>
+              <a:endParaRPr kumimoji="1" lang="ja-JP" altLang="en-US"/>
+            </a:p>
+          </p:txBody>
+        </p:sp>
+      </p:grpSp>
+      <p:grpSp>
+        <p:nvGrpSpPr>
+          <p:cNvPr id="101" name="グループ化 100"/>
+          <p:cNvGrpSpPr/>
+          <p:nvPr/>
+        </p:nvGrpSpPr>
+        <p:grpSpPr>
+          <a:xfrm>
+            <a:off x="1634874" y="3320143"/>
+            <a:ext cx="1034145" cy="369332"/>
+            <a:chOff x="1682517" y="3320143"/>
+            <a:chExt cx="1034145" cy="369332"/>
+          </a:xfrm>
+          <a:noFill/>
+        </p:grpSpPr>
+        <p:sp>
+          <p:nvSpPr>
+            <p:cNvPr id="63" name="テキスト ボックス 62"/>
+            <p:cNvSpPr txBox="1"/>
+            <p:nvPr/>
+          </p:nvSpPr>
+          <p:spPr>
+            <a:xfrm>
+              <a:off x="1682517" y="3320143"/>
+              <a:ext cx="1034144" cy="369332"/>
+            </a:xfrm>
+            <a:prstGeom prst="rect">
+              <a:avLst/>
+            </a:prstGeom>
+            <a:grpFill/>
+            <a:ln>
+              <a:solidFill>
+                <a:schemeClr val="tx1"/>
+              </a:solidFill>
+            </a:ln>
+          </p:spPr>
+          <p:txBody>
+            <a:bodyPr wrap="square" rtlCol="0">
+              <a:spAutoFit/>
+            </a:bodyPr>
+            <a:lstStyle/>
+            <a:p>
+              <a:pPr algn="ctr"/>
+              <a:r>
+                <a:rPr kumimoji="1" lang="en-US" altLang="ja-JP" dirty="0" err="1">
+                  <a:latin typeface="ＭＳ Ｐゴシック" panose="020B0600070205080204" pitchFamily="50" charset="-128"/>
+                  <a:ea typeface="ＭＳ Ｐゴシック" panose="020B0600070205080204" pitchFamily="50" charset="-128"/>
+                </a:rPr>
+                <a:t>OFSw</a:t>
+              </a:r>
+              <a:endParaRPr kumimoji="1" lang="ja-JP" altLang="en-US" dirty="0">
+                <a:latin typeface="ＭＳ Ｐゴシック" panose="020B0600070205080204" pitchFamily="50" charset="-128"/>
+                <a:ea typeface="ＭＳ Ｐゴシック" panose="020B0600070205080204" pitchFamily="50" charset="-128"/>
+              </a:endParaRPr>
+            </a:p>
+          </p:txBody>
+        </p:sp>
+        <p:sp>
+          <p:nvSpPr>
+            <p:cNvPr id="100" name="正方形/長方形 99"/>
+            <p:cNvSpPr/>
+            <p:nvPr/>
+          </p:nvSpPr>
+          <p:spPr>
+            <a:xfrm>
+              <a:off x="1682518" y="3320143"/>
+              <a:ext cx="1034144" cy="369332"/>
+            </a:xfrm>
+            <a:prstGeom prst="rect">
+              <a:avLst/>
+            </a:prstGeom>
+            <a:grpFill/>
+            <a:ln>
+              <a:solidFill>
+                <a:schemeClr val="tx1"/>
+              </a:solidFill>
+            </a:ln>
+          </p:spPr>
+          <p:style>
+            <a:lnRef idx="2">
+              <a:schemeClr val="accent1">
+                <a:shade val="50000"/>
+              </a:schemeClr>
+            </a:lnRef>
+            <a:fillRef idx="1">
+              <a:schemeClr val="accent1"/>
+            </a:fillRef>
+            <a:effectRef idx="0">
+              <a:schemeClr val="accent1"/>
+            </a:effectRef>
+            <a:fontRef idx="minor">
+              <a:schemeClr val="lt1"/>
+            </a:fontRef>
+          </p:style>
+          <p:txBody>
+            <a:bodyPr rtlCol="0" anchor="ctr"/>
+            <a:lstStyle/>
+            <a:p>
+              <a:pPr algn="ctr"/>
+              <a:endParaRPr kumimoji="1" lang="ja-JP" altLang="en-US"/>
+            </a:p>
+          </p:txBody>
+        </p:sp>
+      </p:grpSp>
+      <p:grpSp>
+        <p:nvGrpSpPr>
+          <p:cNvPr id="102" name="グループ化 101"/>
+          <p:cNvGrpSpPr/>
+          <p:nvPr/>
+        </p:nvGrpSpPr>
+        <p:grpSpPr>
+          <a:xfrm>
+            <a:off x="3275230" y="3320143"/>
+            <a:ext cx="1034145" cy="369332"/>
+            <a:chOff x="1682517" y="3320143"/>
+            <a:chExt cx="1034145" cy="369332"/>
+          </a:xfrm>
+          <a:noFill/>
+        </p:grpSpPr>
+        <p:sp>
+          <p:nvSpPr>
+            <p:cNvPr id="103" name="テキスト ボックス 102"/>
+            <p:cNvSpPr txBox="1"/>
+            <p:nvPr/>
+          </p:nvSpPr>
+          <p:spPr>
+            <a:xfrm>
+              <a:off x="1682517" y="3320143"/>
+              <a:ext cx="1034144" cy="369332"/>
+            </a:xfrm>
+            <a:prstGeom prst="rect">
+              <a:avLst/>
+            </a:prstGeom>
+            <a:grpFill/>
+            <a:ln>
+              <a:solidFill>
+                <a:schemeClr val="tx1"/>
+              </a:solidFill>
+            </a:ln>
+          </p:spPr>
+          <p:txBody>
+            <a:bodyPr wrap="square" rtlCol="0">
+              <a:spAutoFit/>
+            </a:bodyPr>
+            <a:lstStyle/>
+            <a:p>
+              <a:pPr algn="ctr"/>
+              <a:r>
+                <a:rPr kumimoji="1" lang="en-US" altLang="ja-JP" dirty="0" err="1">
+                  <a:latin typeface="ＭＳ Ｐゴシック" panose="020B0600070205080204" pitchFamily="50" charset="-128"/>
+                  <a:ea typeface="ＭＳ Ｐゴシック" panose="020B0600070205080204" pitchFamily="50" charset="-128"/>
+                </a:rPr>
+                <a:t>OFSw</a:t>
+              </a:r>
+              <a:endParaRPr kumimoji="1" lang="ja-JP" altLang="en-US" dirty="0">
+                <a:latin typeface="ＭＳ Ｐゴシック" panose="020B0600070205080204" pitchFamily="50" charset="-128"/>
+                <a:ea typeface="ＭＳ Ｐゴシック" panose="020B0600070205080204" pitchFamily="50" charset="-128"/>
+              </a:endParaRPr>
+            </a:p>
+          </p:txBody>
+        </p:sp>
+        <p:sp>
+          <p:nvSpPr>
+            <p:cNvPr id="104" name="正方形/長方形 103"/>
+            <p:cNvSpPr/>
+            <p:nvPr/>
+          </p:nvSpPr>
+          <p:spPr>
+            <a:xfrm>
+              <a:off x="1682518" y="3320143"/>
+              <a:ext cx="1034144" cy="369332"/>
+            </a:xfrm>
+            <a:prstGeom prst="rect">
+              <a:avLst/>
+            </a:prstGeom>
+            <a:grpFill/>
+            <a:ln>
+              <a:solidFill>
+                <a:schemeClr val="tx1"/>
+              </a:solidFill>
+            </a:ln>
+          </p:spPr>
+          <p:style>
+            <a:lnRef idx="2">
+              <a:schemeClr val="accent1">
+                <a:shade val="50000"/>
+              </a:schemeClr>
+            </a:lnRef>
+            <a:fillRef idx="1">
+              <a:schemeClr val="accent1"/>
+            </a:fillRef>
+            <a:effectRef idx="0">
+              <a:schemeClr val="accent1"/>
+            </a:effectRef>
+            <a:fontRef idx="minor">
+              <a:schemeClr val="lt1"/>
+            </a:fontRef>
+          </p:style>
+          <p:txBody>
+            <a:bodyPr rtlCol="0" anchor="ctr"/>
+            <a:lstStyle/>
+            <a:p>
+              <a:pPr algn="ctr"/>
+              <a:endParaRPr kumimoji="1" lang="ja-JP" altLang="en-US"/>
+            </a:p>
+          </p:txBody>
+        </p:sp>
+      </p:grpSp>
+      <p:grpSp>
+        <p:nvGrpSpPr>
+          <p:cNvPr id="105" name="グループ化 104"/>
+          <p:cNvGrpSpPr/>
+          <p:nvPr/>
+        </p:nvGrpSpPr>
+        <p:grpSpPr>
+          <a:xfrm>
+            <a:off x="7635632" y="3320143"/>
+            <a:ext cx="1034145" cy="369332"/>
+            <a:chOff x="1682517" y="3320143"/>
+            <a:chExt cx="1034145" cy="369332"/>
+          </a:xfrm>
+          <a:noFill/>
+        </p:grpSpPr>
+        <p:sp>
+          <p:nvSpPr>
+            <p:cNvPr id="106" name="テキスト ボックス 105"/>
+            <p:cNvSpPr txBox="1"/>
+            <p:nvPr/>
+          </p:nvSpPr>
+          <p:spPr>
+            <a:xfrm>
+              <a:off x="1682517" y="3320143"/>
+              <a:ext cx="1034144" cy="369332"/>
+            </a:xfrm>
+            <a:prstGeom prst="rect">
+              <a:avLst/>
+            </a:prstGeom>
+            <a:grpFill/>
+            <a:ln>
+              <a:solidFill>
+                <a:schemeClr val="tx1"/>
+              </a:solidFill>
+            </a:ln>
+          </p:spPr>
+          <p:txBody>
+            <a:bodyPr wrap="square" rtlCol="0">
+              <a:spAutoFit/>
+            </a:bodyPr>
+            <a:lstStyle/>
+            <a:p>
+              <a:pPr algn="ctr"/>
+              <a:r>
+                <a:rPr kumimoji="1" lang="en-US" altLang="ja-JP" dirty="0" err="1">
+                  <a:latin typeface="ＭＳ Ｐゴシック" panose="020B0600070205080204" pitchFamily="50" charset="-128"/>
+                  <a:ea typeface="ＭＳ Ｐゴシック" panose="020B0600070205080204" pitchFamily="50" charset="-128"/>
+                </a:rPr>
+                <a:t>OFSw</a:t>
+              </a:r>
+              <a:endParaRPr kumimoji="1" lang="ja-JP" altLang="en-US" dirty="0">
+                <a:latin typeface="ＭＳ Ｐゴシック" panose="020B0600070205080204" pitchFamily="50" charset="-128"/>
+                <a:ea typeface="ＭＳ Ｐゴシック" panose="020B0600070205080204" pitchFamily="50" charset="-128"/>
+              </a:endParaRPr>
+            </a:p>
+          </p:txBody>
+        </p:sp>
+        <p:sp>
+          <p:nvSpPr>
+            <p:cNvPr id="107" name="正方形/長方形 106"/>
+            <p:cNvSpPr/>
+            <p:nvPr/>
+          </p:nvSpPr>
+          <p:spPr>
+            <a:xfrm>
+              <a:off x="1682518" y="3320143"/>
+              <a:ext cx="1034144" cy="369332"/>
+            </a:xfrm>
+            <a:prstGeom prst="rect">
+              <a:avLst/>
+            </a:prstGeom>
+            <a:grpFill/>
+            <a:ln>
+              <a:solidFill>
+                <a:schemeClr val="tx1"/>
+              </a:solidFill>
+            </a:ln>
+          </p:spPr>
+          <p:style>
+            <a:lnRef idx="2">
+              <a:schemeClr val="accent1">
+                <a:shade val="50000"/>
+              </a:schemeClr>
+            </a:lnRef>
+            <a:fillRef idx="1">
+              <a:schemeClr val="accent1"/>
+            </a:fillRef>
+            <a:effectRef idx="0">
+              <a:schemeClr val="accent1"/>
+            </a:effectRef>
+            <a:fontRef idx="minor">
+              <a:schemeClr val="lt1"/>
+            </a:fontRef>
+          </p:style>
+          <p:txBody>
+            <a:bodyPr rtlCol="0" anchor="ctr"/>
+            <a:lstStyle/>
+            <a:p>
+              <a:pPr algn="ctr"/>
+              <a:endParaRPr kumimoji="1" lang="ja-JP" altLang="en-US"/>
+            </a:p>
+          </p:txBody>
+        </p:sp>
+      </p:grpSp>
+      <p:grpSp>
+        <p:nvGrpSpPr>
+          <p:cNvPr id="108" name="グループ化 107"/>
+          <p:cNvGrpSpPr/>
+          <p:nvPr/>
+        </p:nvGrpSpPr>
+        <p:grpSpPr>
+          <a:xfrm>
+            <a:off x="9205225" y="3320143"/>
+            <a:ext cx="1034145" cy="369332"/>
+            <a:chOff x="1682517" y="3320143"/>
+            <a:chExt cx="1034145" cy="369332"/>
+          </a:xfrm>
+          <a:noFill/>
+        </p:grpSpPr>
+        <p:sp>
+          <p:nvSpPr>
+            <p:cNvPr id="109" name="テキスト ボックス 108"/>
+            <p:cNvSpPr txBox="1"/>
+            <p:nvPr/>
+          </p:nvSpPr>
+          <p:spPr>
+            <a:xfrm>
+              <a:off x="1682517" y="3320143"/>
+              <a:ext cx="1034144" cy="369332"/>
+            </a:xfrm>
+            <a:prstGeom prst="rect">
+              <a:avLst/>
+            </a:prstGeom>
+            <a:grpFill/>
+            <a:ln>
+              <a:solidFill>
+                <a:schemeClr val="tx1"/>
+              </a:solidFill>
+            </a:ln>
+          </p:spPr>
+          <p:txBody>
+            <a:bodyPr wrap="square" rtlCol="0">
+              <a:spAutoFit/>
+            </a:bodyPr>
+            <a:lstStyle/>
+            <a:p>
+              <a:pPr algn="ctr"/>
+              <a:r>
+                <a:rPr kumimoji="1" lang="en-US" altLang="ja-JP" dirty="0" err="1">
+                  <a:latin typeface="ＭＳ Ｐゴシック" panose="020B0600070205080204" pitchFamily="50" charset="-128"/>
+                  <a:ea typeface="ＭＳ Ｐゴシック" panose="020B0600070205080204" pitchFamily="50" charset="-128"/>
+                </a:rPr>
+                <a:t>OFSw</a:t>
+              </a:r>
+              <a:endParaRPr kumimoji="1" lang="ja-JP" altLang="en-US" dirty="0">
+                <a:latin typeface="ＭＳ Ｐゴシック" panose="020B0600070205080204" pitchFamily="50" charset="-128"/>
+                <a:ea typeface="ＭＳ Ｐゴシック" panose="020B0600070205080204" pitchFamily="50" charset="-128"/>
+              </a:endParaRPr>
+            </a:p>
+          </p:txBody>
+        </p:sp>
+        <p:sp>
+          <p:nvSpPr>
+            <p:cNvPr id="110" name="正方形/長方形 109"/>
+            <p:cNvSpPr/>
+            <p:nvPr/>
+          </p:nvSpPr>
+          <p:spPr>
+            <a:xfrm>
+              <a:off x="1682518" y="3320143"/>
+              <a:ext cx="1034144" cy="369332"/>
+            </a:xfrm>
+            <a:prstGeom prst="rect">
+              <a:avLst/>
+            </a:prstGeom>
+            <a:grpFill/>
+            <a:ln>
+              <a:solidFill>
+                <a:schemeClr val="tx1"/>
+              </a:solidFill>
+            </a:ln>
+          </p:spPr>
+          <p:style>
+            <a:lnRef idx="2">
+              <a:schemeClr val="accent1">
+                <a:shade val="50000"/>
+              </a:schemeClr>
+            </a:lnRef>
+            <a:fillRef idx="1">
+              <a:schemeClr val="accent1"/>
+            </a:fillRef>
+            <a:effectRef idx="0">
+              <a:schemeClr val="accent1"/>
+            </a:effectRef>
+            <a:fontRef idx="minor">
+              <a:schemeClr val="lt1"/>
+            </a:fontRef>
+          </p:style>
+          <p:txBody>
+            <a:bodyPr rtlCol="0" anchor="ctr"/>
+            <a:lstStyle/>
+            <a:p>
+              <a:pPr algn="ctr"/>
+              <a:endParaRPr kumimoji="1" lang="ja-JP" altLang="en-US"/>
+            </a:p>
+          </p:txBody>
+        </p:sp>
+      </p:grpSp>
+      <p:cxnSp>
+        <p:nvCxnSpPr>
+          <p:cNvPr id="112" name="直線コネクタ 111"/>
+          <p:cNvCxnSpPr>
+            <a:stCxn id="29" idx="2"/>
+            <a:endCxn id="100" idx="0"/>
+          </p:cNvCxnSpPr>
+          <p:nvPr/>
+        </p:nvCxnSpPr>
+        <p:spPr>
+          <a:xfrm flipH="1">
+            <a:off x="2151947" y="2891410"/>
+            <a:ext cx="825291" cy="428733"/>
+          </a:xfrm>
+          <a:prstGeom prst="line">
+            <a:avLst/>
+          </a:prstGeom>
+          <a:ln w="19050">
+            <a:solidFill>
+              <a:schemeClr val="tx1"/>
+            </a:solidFill>
+          </a:ln>
+        </p:spPr>
+        <p:style>
+          <a:lnRef idx="1">
+            <a:schemeClr val="accent1"/>
+          </a:lnRef>
+          <a:fillRef idx="0">
+            <a:schemeClr val="accent1"/>
+          </a:fillRef>
+          <a:effectRef idx="0">
+            <a:schemeClr val="accent1"/>
+          </a:effectRef>
+          <a:fontRef idx="minor">
+            <a:schemeClr val="tx1"/>
+          </a:fontRef>
+        </p:style>
+      </p:cxnSp>
+      <p:cxnSp>
+        <p:nvCxnSpPr>
+          <p:cNvPr id="113" name="直線コネクタ 112"/>
+          <p:cNvCxnSpPr>
+            <a:stCxn id="29" idx="2"/>
+            <a:endCxn id="104" idx="0"/>
+          </p:cNvCxnSpPr>
+          <p:nvPr/>
+        </p:nvCxnSpPr>
+        <p:spPr>
+          <a:xfrm>
+            <a:off x="2977238" y="2891410"/>
+            <a:ext cx="815065" cy="428733"/>
+          </a:xfrm>
+          <a:prstGeom prst="line">
+            <a:avLst/>
+          </a:prstGeom>
+          <a:ln w="19050">
+            <a:solidFill>
+              <a:schemeClr val="tx1"/>
+            </a:solidFill>
+          </a:ln>
+        </p:spPr>
+        <p:style>
+          <a:lnRef idx="1">
+            <a:schemeClr val="accent1"/>
+          </a:lnRef>
+          <a:fillRef idx="0">
+            <a:schemeClr val="accent1"/>
+          </a:fillRef>
+          <a:effectRef idx="0">
+            <a:schemeClr val="accent1"/>
+          </a:effectRef>
+          <a:fontRef idx="minor">
+            <a:schemeClr val="tx1"/>
+          </a:fontRef>
+        </p:style>
+      </p:cxnSp>
+      <p:cxnSp>
+        <p:nvCxnSpPr>
+          <p:cNvPr id="116" name="直線コネクタ 115"/>
+          <p:cNvCxnSpPr>
+            <a:stCxn id="92" idx="2"/>
+            <a:endCxn id="107" idx="0"/>
+          </p:cNvCxnSpPr>
+          <p:nvPr/>
+        </p:nvCxnSpPr>
+        <p:spPr>
+          <a:xfrm flipH="1">
+            <a:off x="8152705" y="2891409"/>
+            <a:ext cx="747718" cy="428734"/>
+          </a:xfrm>
+          <a:prstGeom prst="line">
+            <a:avLst/>
+          </a:prstGeom>
+          <a:ln w="19050">
+            <a:solidFill>
+              <a:schemeClr val="tx1"/>
+            </a:solidFill>
+          </a:ln>
+        </p:spPr>
+        <p:style>
+          <a:lnRef idx="1">
+            <a:schemeClr val="accent1"/>
+          </a:lnRef>
+          <a:fillRef idx="0">
+            <a:schemeClr val="accent1"/>
+          </a:fillRef>
+          <a:effectRef idx="0">
+            <a:schemeClr val="accent1"/>
+          </a:effectRef>
+          <a:fontRef idx="minor">
+            <a:schemeClr val="tx1"/>
+          </a:fontRef>
+        </p:style>
+      </p:cxnSp>
+      <p:cxnSp>
+        <p:nvCxnSpPr>
+          <p:cNvPr id="119" name="直線コネクタ 118"/>
+          <p:cNvCxnSpPr>
+            <a:stCxn id="92" idx="2"/>
+            <a:endCxn id="110" idx="0"/>
+          </p:cNvCxnSpPr>
+          <p:nvPr/>
+        </p:nvCxnSpPr>
+        <p:spPr>
+          <a:xfrm>
+            <a:off x="8900423" y="2891409"/>
+            <a:ext cx="821875" cy="428734"/>
+          </a:xfrm>
+          <a:prstGeom prst="line">
+            <a:avLst/>
+          </a:prstGeom>
+          <a:ln w="19050">
+            <a:solidFill>
+              <a:schemeClr val="tx1"/>
+            </a:solidFill>
+          </a:ln>
+        </p:spPr>
+        <p:style>
+          <a:lnRef idx="1">
+            <a:schemeClr val="accent1"/>
+          </a:lnRef>
+          <a:fillRef idx="0">
+            <a:schemeClr val="accent1"/>
+          </a:fillRef>
+          <a:effectRef idx="0">
+            <a:schemeClr val="accent1"/>
+          </a:effectRef>
+          <a:fontRef idx="minor">
+            <a:schemeClr val="tx1"/>
+          </a:fontRef>
+        </p:style>
+      </p:cxnSp>
+      <p:sp>
+        <p:nvSpPr>
+          <p:cNvPr id="49" name="テキスト ボックス 48"/>
+          <p:cNvSpPr txBox="1"/>
+          <p:nvPr/>
+        </p:nvSpPr>
+        <p:spPr>
+          <a:xfrm>
+            <a:off x="3561469" y="3748875"/>
+            <a:ext cx="461665" cy="844424"/>
+          </a:xfrm>
+          <a:prstGeom prst="rect">
+            <a:avLst/>
+          </a:prstGeom>
+          <a:noFill/>
+          <a:ln>
+            <a:noFill/>
+          </a:ln>
+        </p:spPr>
+        <p:txBody>
+          <a:bodyPr vert="eaVert" wrap="square" rtlCol="0">
+            <a:spAutoFit/>
+          </a:bodyPr>
+          <a:lstStyle/>
+          <a:p>
+            <a:r>
+              <a:rPr kumimoji="1" lang="ja-JP" altLang="en-US" dirty="0" smtClean="0"/>
+              <a:t>・・・</a:t>
+            </a:r>
+            <a:endParaRPr kumimoji="1" lang="ja-JP" altLang="en-US" dirty="0"/>
+          </a:p>
+        </p:txBody>
+      </p:sp>
+      <p:sp>
+        <p:nvSpPr>
+          <p:cNvPr id="50" name="テキスト ボックス 49"/>
+          <p:cNvSpPr txBox="1"/>
+          <p:nvPr/>
+        </p:nvSpPr>
+        <p:spPr>
+          <a:xfrm>
+            <a:off x="4770852" y="3105776"/>
+            <a:ext cx="461665" cy="844424"/>
+          </a:xfrm>
+          <a:prstGeom prst="rect">
+            <a:avLst/>
+          </a:prstGeom>
+          <a:noFill/>
+          <a:ln>
+            <a:noFill/>
+          </a:ln>
+        </p:spPr>
+        <p:txBody>
+          <a:bodyPr vert="eaVert" wrap="square" rtlCol="0">
+            <a:spAutoFit/>
+          </a:bodyPr>
+          <a:lstStyle/>
+          <a:p>
+            <a:r>
+              <a:rPr kumimoji="1" lang="ja-JP" altLang="en-US" dirty="0" smtClean="0"/>
+              <a:t>・・・</a:t>
+            </a:r>
+            <a:endParaRPr kumimoji="1" lang="ja-JP" altLang="en-US" dirty="0"/>
+          </a:p>
+        </p:txBody>
+      </p:sp>
+      <p:sp>
+        <p:nvSpPr>
+          <p:cNvPr id="53" name="テキスト ボックス 52"/>
+          <p:cNvSpPr txBox="1"/>
+          <p:nvPr/>
+        </p:nvSpPr>
+        <p:spPr>
+          <a:xfrm>
+            <a:off x="6567755" y="3082597"/>
+            <a:ext cx="461665" cy="844424"/>
+          </a:xfrm>
+          <a:prstGeom prst="rect">
+            <a:avLst/>
+          </a:prstGeom>
+          <a:noFill/>
+          <a:ln>
+            <a:noFill/>
+          </a:ln>
+        </p:spPr>
+        <p:txBody>
+          <a:bodyPr vert="eaVert" wrap="square" rtlCol="0">
+            <a:spAutoFit/>
+          </a:bodyPr>
+          <a:lstStyle/>
+          <a:p>
+            <a:r>
+              <a:rPr kumimoji="1" lang="ja-JP" altLang="en-US" dirty="0" smtClean="0"/>
+              <a:t>・・・</a:t>
+            </a:r>
+            <a:endParaRPr kumimoji="1" lang="ja-JP" altLang="en-US" dirty="0"/>
+          </a:p>
+        </p:txBody>
+      </p:sp>
+      <p:sp>
+        <p:nvSpPr>
+          <p:cNvPr id="55" name="テキスト ボックス 54"/>
+          <p:cNvSpPr txBox="1"/>
+          <p:nvPr/>
+        </p:nvSpPr>
+        <p:spPr>
+          <a:xfrm>
+            <a:off x="9491464" y="3748875"/>
+            <a:ext cx="461665" cy="844424"/>
+          </a:xfrm>
+          <a:prstGeom prst="rect">
+            <a:avLst/>
+          </a:prstGeom>
+          <a:noFill/>
+          <a:ln>
+            <a:noFill/>
+          </a:ln>
+        </p:spPr>
+        <p:txBody>
+          <a:bodyPr vert="eaVert" wrap="square" rtlCol="0">
+            <a:spAutoFit/>
+          </a:bodyPr>
+          <a:lstStyle/>
+          <a:p>
+            <a:r>
+              <a:rPr kumimoji="1" lang="ja-JP" altLang="en-US" dirty="0" smtClean="0"/>
+              <a:t>・・・</a:t>
+            </a:r>
+            <a:endParaRPr kumimoji="1" lang="ja-JP" altLang="en-US" dirty="0"/>
+          </a:p>
+        </p:txBody>
+      </p:sp>
+      <p:sp>
+        <p:nvSpPr>
+          <p:cNvPr id="95" name="テキスト ボックス 94"/>
+          <p:cNvSpPr txBox="1"/>
+          <p:nvPr/>
+        </p:nvSpPr>
+        <p:spPr>
+          <a:xfrm>
+            <a:off x="1921113" y="3748875"/>
+            <a:ext cx="461665" cy="844424"/>
+          </a:xfrm>
+          <a:prstGeom prst="rect">
+            <a:avLst/>
+          </a:prstGeom>
+          <a:noFill/>
+          <a:ln>
+            <a:noFill/>
+          </a:ln>
+        </p:spPr>
+        <p:txBody>
+          <a:bodyPr vert="eaVert" wrap="square" rtlCol="0">
+            <a:spAutoFit/>
+          </a:bodyPr>
+          <a:lstStyle/>
+          <a:p>
+            <a:r>
+              <a:rPr kumimoji="1" lang="ja-JP" altLang="en-US" dirty="0" smtClean="0"/>
+              <a:t>・・・</a:t>
+            </a:r>
+            <a:endParaRPr kumimoji="1" lang="ja-JP" altLang="en-US" dirty="0"/>
+          </a:p>
+        </p:txBody>
+      </p:sp>
+      <p:sp>
+        <p:nvSpPr>
+          <p:cNvPr id="96" name="テキスト ボックス 95"/>
+          <p:cNvSpPr txBox="1"/>
+          <p:nvPr/>
+        </p:nvSpPr>
+        <p:spPr>
+          <a:xfrm>
+            <a:off x="7927128" y="3748875"/>
+            <a:ext cx="461665" cy="844424"/>
+          </a:xfrm>
+          <a:prstGeom prst="rect">
+            <a:avLst/>
+          </a:prstGeom>
+          <a:noFill/>
+          <a:ln>
+            <a:noFill/>
+          </a:ln>
+        </p:spPr>
+        <p:txBody>
+          <a:bodyPr vert="eaVert" wrap="square" rtlCol="0">
+            <a:spAutoFit/>
+          </a:bodyPr>
+          <a:lstStyle/>
+          <a:p>
+            <a:r>
+              <a:rPr kumimoji="1" lang="ja-JP" altLang="en-US" dirty="0" smtClean="0"/>
+              <a:t>・・・</a:t>
+            </a:r>
+            <a:endParaRPr kumimoji="1" lang="ja-JP" altLang="en-US" dirty="0"/>
+          </a:p>
+        </p:txBody>
+      </p:sp>
+    </p:spTree>
+    <p:extLst>
+      <p:ext uri="{BB962C8B-B14F-4D97-AF65-F5344CB8AC3E}">
+        <p14:creationId xmlns:p14="http://schemas.microsoft.com/office/powerpoint/2010/main" val="3231667900"/>
+      </p:ext>
+    </p:extLst>
+  </p:cSld>
+  <p:clrMapOvr>
+    <a:masterClrMapping/>
+  </p:clrMapOvr>
+</p:sld>
+</file>
+
+<file path=ppt/slides/slide3.xml><?xml version="1.0" encoding="utf-8"?>
+<p:sld xmlns:a="http://schemas.openxmlformats.org/drawingml/2006/main" xmlns:r="http://schemas.openxmlformats.org/officeDocument/2006/relationships" xmlns:p="http://schemas.openxmlformats.org/presentationml/2006/main">
+  <p:cSld>
+    <p:spTree>
+      <p:nvGrpSpPr>
+        <p:cNvPr id="1" name=""/>
+        <p:cNvGrpSpPr/>
+        <p:nvPr/>
+      </p:nvGrpSpPr>
+      <p:grpSpPr>
+        <a:xfrm>
+          <a:off x="0" y="0"/>
+          <a:ext cx="0" cy="0"/>
+          <a:chOff x="0" y="0"/>
+          <a:chExt cx="0" cy="0"/>
+        </a:xfrm>
+      </p:grpSpPr>
+      <p:sp>
+        <p:nvSpPr>
+          <p:cNvPr id="5" name="テキスト ボックス 4"/>
+          <p:cNvSpPr txBox="1"/>
+          <p:nvPr/>
+        </p:nvSpPr>
+        <p:spPr>
+          <a:xfrm>
+            <a:off x="5323112" y="272142"/>
+            <a:ext cx="1055914" cy="646331"/>
+          </a:xfrm>
+          <a:prstGeom prst="rect">
+            <a:avLst/>
+          </a:prstGeom>
+          <a:noFill/>
         </p:spPr>
         <p:txBody>
           <a:bodyPr wrap="square" rtlCol="0">
@@ -3468,7 +7714,7 @@
           </a:prstGeom>
           <a:ln w="19050">
             <a:solidFill>
-              <a:schemeClr val="tx1"/>
+              <a:srgbClr val="FF0000"/>
             </a:solidFill>
           </a:ln>
         </p:spPr>
@@ -3506,7 +7752,7 @@
           </a:prstGeom>
           <a:ln w="19050">
             <a:solidFill>
-              <a:schemeClr val="tx1"/>
+              <a:srgbClr val="FF0000"/>
             </a:solidFill>
           </a:ln>
         </p:spPr>
@@ -3573,11 +7819,11 @@
             <a:p>
               <a:pPr algn="ctr"/>
               <a:r>
-                <a:rPr kumimoji="1" lang="en-US" altLang="ja-JP" dirty="0">
+                <a:rPr kumimoji="1" lang="en-US" altLang="ja-JP" dirty="0" err="1" smtClean="0">
                   <a:latin typeface="ＭＳ Ｐゴシック" panose="020B0600070205080204" pitchFamily="50" charset="-128"/>
                   <a:ea typeface="ＭＳ Ｐゴシック" panose="020B0600070205080204" pitchFamily="50" charset="-128"/>
                 </a:rPr>
-                <a:t>OFL3Sw</a:t>
+                <a:t>OFSw</a:t>
               </a:r>
               <a:endParaRPr kumimoji="1" lang="ja-JP" altLang="en-US" dirty="0">
                 <a:latin typeface="ＭＳ Ｐゴシック" panose="020B0600070205080204" pitchFamily="50" charset="-128"/>
@@ -3652,7 +7898,7 @@
           </a:prstGeom>
           <a:ln w="19050">
             <a:solidFill>
-              <a:schemeClr val="tx1"/>
+              <a:srgbClr val="FF0000"/>
             </a:solidFill>
           </a:ln>
         </p:spPr>
@@ -3713,7 +7959,6 @@
         <p:nvCxnSpPr>
           <p:cNvPr id="45" name="直線コネクタ 44"/>
           <p:cNvCxnSpPr>
-            <a:stCxn id="33" idx="0"/>
             <a:endCxn id="76" idx="2"/>
           </p:cNvCxnSpPr>
           <p:nvPr/>
@@ -3751,7 +7996,6 @@
         <p:nvCxnSpPr>
           <p:cNvPr id="46" name="直線コネクタ 45"/>
           <p:cNvCxnSpPr>
-            <a:stCxn id="33" idx="0"/>
             <a:endCxn id="10" idx="2"/>
           </p:cNvCxnSpPr>
           <p:nvPr/>
@@ -3789,7 +8033,6 @@
         <p:nvCxnSpPr>
           <p:cNvPr id="51" name="直線コネクタ 50"/>
           <p:cNvCxnSpPr>
-            <a:stCxn id="36" idx="0"/>
             <a:endCxn id="76" idx="2"/>
           </p:cNvCxnSpPr>
           <p:nvPr/>
@@ -3827,7 +8070,6 @@
         <p:nvCxnSpPr>
           <p:cNvPr id="52" name="直線コネクタ 51"/>
           <p:cNvCxnSpPr>
-            <a:stCxn id="36" idx="0"/>
             <a:endCxn id="10" idx="2"/>
           </p:cNvCxnSpPr>
           <p:nvPr/>
@@ -3865,7 +8107,6 @@
         <p:nvCxnSpPr>
           <p:cNvPr id="57" name="直線コネクタ 56"/>
           <p:cNvCxnSpPr>
-            <a:stCxn id="39" idx="0"/>
             <a:endCxn id="76" idx="2"/>
           </p:cNvCxnSpPr>
           <p:nvPr/>
@@ -3903,7 +8144,6 @@
         <p:nvCxnSpPr>
           <p:cNvPr id="58" name="直線コネクタ 57"/>
           <p:cNvCxnSpPr>
-            <a:stCxn id="39" idx="0"/>
             <a:endCxn id="10" idx="2"/>
           </p:cNvCxnSpPr>
           <p:nvPr/>
@@ -3918,7 +8158,7 @@
           </a:prstGeom>
           <a:ln w="19050">
             <a:solidFill>
-              <a:schemeClr val="tx1"/>
+              <a:srgbClr val="FF0000"/>
             </a:solidFill>
           </a:ln>
         </p:spPr>
@@ -4083,11 +8323,11 @@
             <a:p>
               <a:pPr algn="ctr"/>
               <a:r>
-                <a:rPr kumimoji="1" lang="en-US" altLang="ja-JP" dirty="0">
+                <a:rPr kumimoji="1" lang="en-US" altLang="ja-JP" dirty="0" err="1" smtClean="0">
                   <a:latin typeface="ＭＳ Ｐゴシック" panose="020B0600070205080204" pitchFamily="50" charset="-128"/>
                   <a:ea typeface="ＭＳ Ｐゴシック" panose="020B0600070205080204" pitchFamily="50" charset="-128"/>
                 </a:rPr>
-                <a:t>OFL3Sw</a:t>
+                <a:t>OFSw</a:t>
               </a:r>
               <a:endParaRPr kumimoji="1" lang="ja-JP" altLang="en-US" dirty="0">
                 <a:latin typeface="ＭＳ Ｐゴシック" panose="020B0600070205080204" pitchFamily="50" charset="-128"/>
@@ -4191,11 +8431,11 @@
             <a:p>
               <a:pPr algn="ctr"/>
               <a:r>
-                <a:rPr kumimoji="1" lang="en-US" altLang="ja-JP" dirty="0">
+                <a:rPr kumimoji="1" lang="en-US" altLang="ja-JP" dirty="0" err="1" smtClean="0">
                   <a:latin typeface="ＭＳ Ｐゴシック" panose="020B0600070205080204" pitchFamily="50" charset="-128"/>
                   <a:ea typeface="ＭＳ Ｐゴシック" panose="020B0600070205080204" pitchFamily="50" charset="-128"/>
                 </a:rPr>
-                <a:t>OFL3Sw</a:t>
+                <a:t>OFSw</a:t>
               </a:r>
               <a:endParaRPr kumimoji="1" lang="ja-JP" altLang="en-US" dirty="0">
                 <a:latin typeface="ＭＳ Ｐゴシック" panose="020B0600070205080204" pitchFamily="50" charset="-128"/>
@@ -4299,11 +8539,11 @@
             <a:p>
               <a:pPr algn="ctr"/>
               <a:r>
-                <a:rPr kumimoji="1" lang="en-US" altLang="ja-JP" dirty="0">
+                <a:rPr kumimoji="1" lang="en-US" altLang="ja-JP" dirty="0" err="1" smtClean="0">
                   <a:latin typeface="ＭＳ Ｐゴシック" panose="020B0600070205080204" pitchFamily="50" charset="-128"/>
                   <a:ea typeface="ＭＳ Ｐゴシック" panose="020B0600070205080204" pitchFamily="50" charset="-128"/>
                 </a:rPr>
-                <a:t>OFL3Sw</a:t>
+                <a:t>OFSw</a:t>
               </a:r>
               <a:endParaRPr kumimoji="1" lang="ja-JP" altLang="en-US" dirty="0">
                 <a:latin typeface="ＭＳ Ｐゴシック" panose="020B0600070205080204" pitchFamily="50" charset="-128"/>
@@ -4770,7 +9010,7 @@
           </a:prstGeom>
           <a:ln w="19050">
             <a:solidFill>
-              <a:schemeClr val="tx1"/>
+              <a:srgbClr val="FF0000"/>
             </a:solidFill>
           </a:ln>
         </p:spPr>
@@ -4846,7 +9086,7 @@
           </a:prstGeom>
           <a:ln w="19050">
             <a:solidFill>
-              <a:schemeClr val="tx1"/>
+              <a:srgbClr val="FF0000"/>
             </a:solidFill>
           </a:ln>
         </p:spPr>
@@ -4903,10 +9143,3882 @@
           </a:fontRef>
         </p:style>
       </p:cxnSp>
+      <p:sp>
+        <p:nvSpPr>
+          <p:cNvPr id="49" name="テキスト ボックス 48"/>
+          <p:cNvSpPr txBox="1"/>
+          <p:nvPr/>
+        </p:nvSpPr>
+        <p:spPr>
+          <a:xfrm>
+            <a:off x="3561469" y="3748875"/>
+            <a:ext cx="461665" cy="844424"/>
+          </a:xfrm>
+          <a:prstGeom prst="rect">
+            <a:avLst/>
+          </a:prstGeom>
+          <a:noFill/>
+        </p:spPr>
+        <p:txBody>
+          <a:bodyPr vert="eaVert" wrap="square" rtlCol="0">
+            <a:spAutoFit/>
+          </a:bodyPr>
+          <a:lstStyle/>
+          <a:p>
+            <a:r>
+              <a:rPr kumimoji="1" lang="ja-JP" altLang="en-US" dirty="0" smtClean="0"/>
+              <a:t>・・・</a:t>
+            </a:r>
+            <a:endParaRPr kumimoji="1" lang="ja-JP" altLang="en-US" dirty="0"/>
+          </a:p>
+        </p:txBody>
+      </p:sp>
+      <p:sp>
+        <p:nvSpPr>
+          <p:cNvPr id="50" name="テキスト ボックス 49"/>
+          <p:cNvSpPr txBox="1"/>
+          <p:nvPr/>
+        </p:nvSpPr>
+        <p:spPr>
+          <a:xfrm>
+            <a:off x="4770852" y="3105776"/>
+            <a:ext cx="461665" cy="844424"/>
+          </a:xfrm>
+          <a:prstGeom prst="rect">
+            <a:avLst/>
+          </a:prstGeom>
+          <a:noFill/>
+        </p:spPr>
+        <p:txBody>
+          <a:bodyPr vert="eaVert" wrap="square" rtlCol="0">
+            <a:spAutoFit/>
+          </a:bodyPr>
+          <a:lstStyle/>
+          <a:p>
+            <a:r>
+              <a:rPr kumimoji="1" lang="ja-JP" altLang="en-US" dirty="0" smtClean="0"/>
+              <a:t>・・・</a:t>
+            </a:r>
+            <a:endParaRPr kumimoji="1" lang="ja-JP" altLang="en-US" dirty="0"/>
+          </a:p>
+        </p:txBody>
+      </p:sp>
+      <p:sp>
+        <p:nvSpPr>
+          <p:cNvPr id="53" name="テキスト ボックス 52"/>
+          <p:cNvSpPr txBox="1"/>
+          <p:nvPr/>
+        </p:nvSpPr>
+        <p:spPr>
+          <a:xfrm>
+            <a:off x="6567755" y="3082597"/>
+            <a:ext cx="461665" cy="844424"/>
+          </a:xfrm>
+          <a:prstGeom prst="rect">
+            <a:avLst/>
+          </a:prstGeom>
+          <a:noFill/>
+        </p:spPr>
+        <p:txBody>
+          <a:bodyPr vert="eaVert" wrap="square" rtlCol="0">
+            <a:spAutoFit/>
+          </a:bodyPr>
+          <a:lstStyle/>
+          <a:p>
+            <a:r>
+              <a:rPr kumimoji="1" lang="ja-JP" altLang="en-US" dirty="0" smtClean="0"/>
+              <a:t>・・・</a:t>
+            </a:r>
+            <a:endParaRPr kumimoji="1" lang="ja-JP" altLang="en-US" dirty="0"/>
+          </a:p>
+        </p:txBody>
+      </p:sp>
+      <p:sp>
+        <p:nvSpPr>
+          <p:cNvPr id="55" name="テキスト ボックス 54"/>
+          <p:cNvSpPr txBox="1"/>
+          <p:nvPr/>
+        </p:nvSpPr>
+        <p:spPr>
+          <a:xfrm>
+            <a:off x="9491464" y="3748875"/>
+            <a:ext cx="461665" cy="844424"/>
+          </a:xfrm>
+          <a:prstGeom prst="rect">
+            <a:avLst/>
+          </a:prstGeom>
+          <a:noFill/>
+        </p:spPr>
+        <p:txBody>
+          <a:bodyPr vert="eaVert" wrap="square" rtlCol="0">
+            <a:spAutoFit/>
+          </a:bodyPr>
+          <a:lstStyle/>
+          <a:p>
+            <a:r>
+              <a:rPr kumimoji="1" lang="ja-JP" altLang="en-US" dirty="0" smtClean="0"/>
+              <a:t>・・・</a:t>
+            </a:r>
+            <a:endParaRPr kumimoji="1" lang="ja-JP" altLang="en-US" dirty="0"/>
+          </a:p>
+        </p:txBody>
+      </p:sp>
+      <p:grpSp>
+        <p:nvGrpSpPr>
+          <p:cNvPr id="56" name="グループ化 55"/>
+          <p:cNvGrpSpPr/>
+          <p:nvPr/>
+        </p:nvGrpSpPr>
+        <p:grpSpPr>
+          <a:xfrm>
+            <a:off x="779230" y="4535927"/>
+            <a:ext cx="1034145" cy="369332"/>
+            <a:chOff x="1682517" y="3320143"/>
+            <a:chExt cx="1034145" cy="369332"/>
+          </a:xfrm>
+        </p:grpSpPr>
+        <p:sp>
+          <p:nvSpPr>
+            <p:cNvPr id="59" name="テキスト ボックス 58"/>
+            <p:cNvSpPr txBox="1"/>
+            <p:nvPr/>
+          </p:nvSpPr>
+          <p:spPr>
+            <a:xfrm>
+              <a:off x="1682517" y="3320143"/>
+              <a:ext cx="1034144" cy="369332"/>
+            </a:xfrm>
+            <a:prstGeom prst="rect">
+              <a:avLst/>
+            </a:prstGeom>
+            <a:noFill/>
+            <a:ln>
+              <a:solidFill>
+                <a:srgbClr val="FF0000"/>
+              </a:solidFill>
+            </a:ln>
+          </p:spPr>
+          <p:txBody>
+            <a:bodyPr wrap="square" rtlCol="0">
+              <a:spAutoFit/>
+            </a:bodyPr>
+            <a:lstStyle/>
+            <a:p>
+              <a:pPr algn="ctr"/>
+              <a:r>
+                <a:rPr kumimoji="1" lang="en-US" altLang="ja-JP" dirty="0" smtClean="0">
+                  <a:solidFill>
+                    <a:srgbClr val="FF0000"/>
+                  </a:solidFill>
+                  <a:latin typeface="ＭＳ Ｐゴシック" panose="020B0600070205080204" pitchFamily="50" charset="-128"/>
+                  <a:ea typeface="ＭＳ Ｐゴシック" panose="020B0600070205080204" pitchFamily="50" charset="-128"/>
+                </a:rPr>
+                <a:t>Host</a:t>
+              </a:r>
+              <a:endParaRPr kumimoji="1" lang="ja-JP" altLang="en-US" dirty="0">
+                <a:solidFill>
+                  <a:srgbClr val="FF0000"/>
+                </a:solidFill>
+                <a:latin typeface="ＭＳ Ｐゴシック" panose="020B0600070205080204" pitchFamily="50" charset="-128"/>
+                <a:ea typeface="ＭＳ Ｐゴシック" panose="020B0600070205080204" pitchFamily="50" charset="-128"/>
+              </a:endParaRPr>
+            </a:p>
+          </p:txBody>
+        </p:sp>
+        <p:sp>
+          <p:nvSpPr>
+            <p:cNvPr id="60" name="正方形/長方形 59"/>
+            <p:cNvSpPr/>
+            <p:nvPr/>
+          </p:nvSpPr>
+          <p:spPr>
+            <a:xfrm>
+              <a:off x="1682518" y="3320143"/>
+              <a:ext cx="1034144" cy="369332"/>
+            </a:xfrm>
+            <a:prstGeom prst="rect">
+              <a:avLst/>
+            </a:prstGeom>
+            <a:noFill/>
+            <a:ln>
+              <a:solidFill>
+                <a:srgbClr val="FF0000"/>
+              </a:solidFill>
+            </a:ln>
+          </p:spPr>
+          <p:style>
+            <a:lnRef idx="2">
+              <a:schemeClr val="accent1">
+                <a:shade val="50000"/>
+              </a:schemeClr>
+            </a:lnRef>
+            <a:fillRef idx="1">
+              <a:schemeClr val="accent1"/>
+            </a:fillRef>
+            <a:effectRef idx="0">
+              <a:schemeClr val="accent1"/>
+            </a:effectRef>
+            <a:fontRef idx="minor">
+              <a:schemeClr val="lt1"/>
+            </a:fontRef>
+          </p:style>
+          <p:txBody>
+            <a:bodyPr rtlCol="0" anchor="ctr"/>
+            <a:lstStyle/>
+            <a:p>
+              <a:pPr algn="ctr"/>
+              <a:endParaRPr kumimoji="1" lang="ja-JP" altLang="en-US">
+                <a:solidFill>
+                  <a:srgbClr val="FF0000"/>
+                </a:solidFill>
+              </a:endParaRPr>
+            </a:p>
+          </p:txBody>
+        </p:sp>
+      </p:grpSp>
+      <p:grpSp>
+        <p:nvGrpSpPr>
+          <p:cNvPr id="61" name="グループ化 60"/>
+          <p:cNvGrpSpPr/>
+          <p:nvPr/>
+        </p:nvGrpSpPr>
+        <p:grpSpPr>
+          <a:xfrm>
+            <a:off x="2485168" y="4535927"/>
+            <a:ext cx="1034145" cy="369332"/>
+            <a:chOff x="1682517" y="3320143"/>
+            <a:chExt cx="1034145" cy="369332"/>
+          </a:xfrm>
+        </p:grpSpPr>
+        <p:sp>
+          <p:nvSpPr>
+            <p:cNvPr id="62" name="テキスト ボックス 61"/>
+            <p:cNvSpPr txBox="1"/>
+            <p:nvPr/>
+          </p:nvSpPr>
+          <p:spPr>
+            <a:xfrm>
+              <a:off x="1682517" y="3320143"/>
+              <a:ext cx="1034144" cy="369332"/>
+            </a:xfrm>
+            <a:prstGeom prst="rect">
+              <a:avLst/>
+            </a:prstGeom>
+            <a:noFill/>
+          </p:spPr>
+          <p:txBody>
+            <a:bodyPr wrap="square" rtlCol="0">
+              <a:spAutoFit/>
+            </a:bodyPr>
+            <a:lstStyle/>
+            <a:p>
+              <a:pPr algn="ctr"/>
+              <a:r>
+                <a:rPr kumimoji="1" lang="en-US" altLang="ja-JP" dirty="0" smtClean="0">
+                  <a:latin typeface="ＭＳ Ｐゴシック" panose="020B0600070205080204" pitchFamily="50" charset="-128"/>
+                  <a:ea typeface="ＭＳ Ｐゴシック" panose="020B0600070205080204" pitchFamily="50" charset="-128"/>
+                </a:rPr>
+                <a:t>Host</a:t>
+              </a:r>
+              <a:endParaRPr kumimoji="1" lang="ja-JP" altLang="en-US" dirty="0">
+                <a:latin typeface="ＭＳ Ｐゴシック" panose="020B0600070205080204" pitchFamily="50" charset="-128"/>
+                <a:ea typeface="ＭＳ Ｐゴシック" panose="020B0600070205080204" pitchFamily="50" charset="-128"/>
+              </a:endParaRPr>
+            </a:p>
+          </p:txBody>
+        </p:sp>
+        <p:sp>
+          <p:nvSpPr>
+            <p:cNvPr id="64" name="正方形/長方形 63"/>
+            <p:cNvSpPr/>
+            <p:nvPr/>
+          </p:nvSpPr>
+          <p:spPr>
+            <a:xfrm>
+              <a:off x="1682518" y="3320143"/>
+              <a:ext cx="1034144" cy="369332"/>
+            </a:xfrm>
+            <a:prstGeom prst="rect">
+              <a:avLst/>
+            </a:prstGeom>
+            <a:noFill/>
+            <a:ln>
+              <a:solidFill>
+                <a:schemeClr val="tx1"/>
+              </a:solidFill>
+            </a:ln>
+          </p:spPr>
+          <p:style>
+            <a:lnRef idx="2">
+              <a:schemeClr val="accent1">
+                <a:shade val="50000"/>
+              </a:schemeClr>
+            </a:lnRef>
+            <a:fillRef idx="1">
+              <a:schemeClr val="accent1"/>
+            </a:fillRef>
+            <a:effectRef idx="0">
+              <a:schemeClr val="accent1"/>
+            </a:effectRef>
+            <a:fontRef idx="minor">
+              <a:schemeClr val="lt1"/>
+            </a:fontRef>
+          </p:style>
+          <p:txBody>
+            <a:bodyPr rtlCol="0" anchor="ctr"/>
+            <a:lstStyle/>
+            <a:p>
+              <a:pPr algn="ctr"/>
+              <a:endParaRPr kumimoji="1" lang="ja-JP" altLang="en-US"/>
+            </a:p>
+          </p:txBody>
+        </p:sp>
+      </p:grpSp>
+      <p:grpSp>
+        <p:nvGrpSpPr>
+          <p:cNvPr id="65" name="グループ化 64"/>
+          <p:cNvGrpSpPr/>
+          <p:nvPr/>
+        </p:nvGrpSpPr>
+        <p:grpSpPr>
+          <a:xfrm>
+            <a:off x="6751381" y="4535927"/>
+            <a:ext cx="1034145" cy="369332"/>
+            <a:chOff x="1682517" y="3320143"/>
+            <a:chExt cx="1034145" cy="369332"/>
+          </a:xfrm>
+        </p:grpSpPr>
+        <p:sp>
+          <p:nvSpPr>
+            <p:cNvPr id="66" name="テキスト ボックス 65"/>
+            <p:cNvSpPr txBox="1"/>
+            <p:nvPr/>
+          </p:nvSpPr>
+          <p:spPr>
+            <a:xfrm>
+              <a:off x="1682517" y="3320143"/>
+              <a:ext cx="1034144" cy="369332"/>
+            </a:xfrm>
+            <a:prstGeom prst="rect">
+              <a:avLst/>
+            </a:prstGeom>
+            <a:noFill/>
+          </p:spPr>
+          <p:txBody>
+            <a:bodyPr wrap="square" rtlCol="0">
+              <a:spAutoFit/>
+            </a:bodyPr>
+            <a:lstStyle/>
+            <a:p>
+              <a:pPr algn="ctr"/>
+              <a:r>
+                <a:rPr kumimoji="1" lang="en-US" altLang="ja-JP" dirty="0" smtClean="0">
+                  <a:latin typeface="ＭＳ Ｐゴシック" panose="020B0600070205080204" pitchFamily="50" charset="-128"/>
+                  <a:ea typeface="ＭＳ Ｐゴシック" panose="020B0600070205080204" pitchFamily="50" charset="-128"/>
+                </a:rPr>
+                <a:t>Host</a:t>
+              </a:r>
+              <a:endParaRPr kumimoji="1" lang="ja-JP" altLang="en-US" dirty="0">
+                <a:latin typeface="ＭＳ Ｐゴシック" panose="020B0600070205080204" pitchFamily="50" charset="-128"/>
+                <a:ea typeface="ＭＳ Ｐゴシック" panose="020B0600070205080204" pitchFamily="50" charset="-128"/>
+              </a:endParaRPr>
+            </a:p>
+          </p:txBody>
+        </p:sp>
+        <p:sp>
+          <p:nvSpPr>
+            <p:cNvPr id="67" name="正方形/長方形 66"/>
+            <p:cNvSpPr/>
+            <p:nvPr/>
+          </p:nvSpPr>
+          <p:spPr>
+            <a:xfrm>
+              <a:off x="1682518" y="3320143"/>
+              <a:ext cx="1034144" cy="369332"/>
+            </a:xfrm>
+            <a:prstGeom prst="rect">
+              <a:avLst/>
+            </a:prstGeom>
+            <a:noFill/>
+            <a:ln>
+              <a:solidFill>
+                <a:schemeClr val="tx1"/>
+              </a:solidFill>
+            </a:ln>
+          </p:spPr>
+          <p:style>
+            <a:lnRef idx="2">
+              <a:schemeClr val="accent1">
+                <a:shade val="50000"/>
+              </a:schemeClr>
+            </a:lnRef>
+            <a:fillRef idx="1">
+              <a:schemeClr val="accent1"/>
+            </a:fillRef>
+            <a:effectRef idx="0">
+              <a:schemeClr val="accent1"/>
+            </a:effectRef>
+            <a:fontRef idx="minor">
+              <a:schemeClr val="lt1"/>
+            </a:fontRef>
+          </p:style>
+          <p:txBody>
+            <a:bodyPr rtlCol="0" anchor="ctr"/>
+            <a:lstStyle/>
+            <a:p>
+              <a:pPr algn="ctr"/>
+              <a:endParaRPr kumimoji="1" lang="ja-JP" altLang="en-US"/>
+            </a:p>
+          </p:txBody>
+        </p:sp>
+      </p:grpSp>
+      <p:grpSp>
+        <p:nvGrpSpPr>
+          <p:cNvPr id="68" name="グループ化 67"/>
+          <p:cNvGrpSpPr/>
+          <p:nvPr/>
+        </p:nvGrpSpPr>
+        <p:grpSpPr>
+          <a:xfrm>
+            <a:off x="8457319" y="4535927"/>
+            <a:ext cx="1034145" cy="369332"/>
+            <a:chOff x="1682517" y="3320143"/>
+            <a:chExt cx="1034145" cy="369332"/>
+          </a:xfrm>
+        </p:grpSpPr>
+        <p:sp>
+          <p:nvSpPr>
+            <p:cNvPr id="69" name="テキスト ボックス 68"/>
+            <p:cNvSpPr txBox="1"/>
+            <p:nvPr/>
+          </p:nvSpPr>
+          <p:spPr>
+            <a:xfrm>
+              <a:off x="1682517" y="3320143"/>
+              <a:ext cx="1034144" cy="369332"/>
+            </a:xfrm>
+            <a:prstGeom prst="rect">
+              <a:avLst/>
+            </a:prstGeom>
+            <a:noFill/>
+            <a:ln>
+              <a:solidFill>
+                <a:srgbClr val="FF0000"/>
+              </a:solidFill>
+            </a:ln>
+          </p:spPr>
+          <p:txBody>
+            <a:bodyPr wrap="square" rtlCol="0">
+              <a:spAutoFit/>
+            </a:bodyPr>
+            <a:lstStyle/>
+            <a:p>
+              <a:pPr algn="ctr"/>
+              <a:r>
+                <a:rPr kumimoji="1" lang="en-US" altLang="ja-JP" dirty="0" smtClean="0">
+                  <a:solidFill>
+                    <a:srgbClr val="FF0000"/>
+                  </a:solidFill>
+                  <a:latin typeface="ＭＳ Ｐゴシック" panose="020B0600070205080204" pitchFamily="50" charset="-128"/>
+                  <a:ea typeface="ＭＳ Ｐゴシック" panose="020B0600070205080204" pitchFamily="50" charset="-128"/>
+                </a:rPr>
+                <a:t>Host</a:t>
+              </a:r>
+              <a:endParaRPr kumimoji="1" lang="ja-JP" altLang="en-US" dirty="0">
+                <a:solidFill>
+                  <a:srgbClr val="FF0000"/>
+                </a:solidFill>
+                <a:latin typeface="ＭＳ Ｐゴシック" panose="020B0600070205080204" pitchFamily="50" charset="-128"/>
+                <a:ea typeface="ＭＳ Ｐゴシック" panose="020B0600070205080204" pitchFamily="50" charset="-128"/>
+              </a:endParaRPr>
+            </a:p>
+          </p:txBody>
+        </p:sp>
+        <p:sp>
+          <p:nvSpPr>
+            <p:cNvPr id="70" name="正方形/長方形 69"/>
+            <p:cNvSpPr/>
+            <p:nvPr/>
+          </p:nvSpPr>
+          <p:spPr>
+            <a:xfrm>
+              <a:off x="1682518" y="3320143"/>
+              <a:ext cx="1034144" cy="369332"/>
+            </a:xfrm>
+            <a:prstGeom prst="rect">
+              <a:avLst/>
+            </a:prstGeom>
+            <a:noFill/>
+            <a:ln>
+              <a:solidFill>
+                <a:srgbClr val="FF0000"/>
+              </a:solidFill>
+            </a:ln>
+          </p:spPr>
+          <p:style>
+            <a:lnRef idx="2">
+              <a:schemeClr val="accent1">
+                <a:shade val="50000"/>
+              </a:schemeClr>
+            </a:lnRef>
+            <a:fillRef idx="1">
+              <a:schemeClr val="accent1"/>
+            </a:fillRef>
+            <a:effectRef idx="0">
+              <a:schemeClr val="accent1"/>
+            </a:effectRef>
+            <a:fontRef idx="minor">
+              <a:schemeClr val="lt1"/>
+            </a:fontRef>
+          </p:style>
+          <p:txBody>
+            <a:bodyPr rtlCol="0" anchor="ctr"/>
+            <a:lstStyle/>
+            <a:p>
+              <a:pPr algn="ctr"/>
+              <a:endParaRPr kumimoji="1" lang="ja-JP" altLang="en-US">
+                <a:solidFill>
+                  <a:srgbClr val="FF0000"/>
+                </a:solidFill>
+              </a:endParaRPr>
+            </a:p>
+          </p:txBody>
+        </p:sp>
+      </p:grpSp>
+      <p:cxnSp>
+        <p:nvCxnSpPr>
+          <p:cNvPr id="71" name="直線コネクタ 70"/>
+          <p:cNvCxnSpPr>
+            <a:stCxn id="106" idx="2"/>
+            <a:endCxn id="66" idx="0"/>
+          </p:cNvCxnSpPr>
+          <p:nvPr/>
+        </p:nvCxnSpPr>
+        <p:spPr>
+          <a:xfrm flipH="1">
+            <a:off x="7268453" y="3689475"/>
+            <a:ext cx="884251" cy="846452"/>
+          </a:xfrm>
+          <a:prstGeom prst="line">
+            <a:avLst/>
+          </a:prstGeom>
+          <a:ln w="19050">
+            <a:solidFill>
+              <a:schemeClr val="tx1"/>
+            </a:solidFill>
+          </a:ln>
+        </p:spPr>
+        <p:style>
+          <a:lnRef idx="1">
+            <a:schemeClr val="accent1"/>
+          </a:lnRef>
+          <a:fillRef idx="0">
+            <a:schemeClr val="accent1"/>
+          </a:fillRef>
+          <a:effectRef idx="0">
+            <a:schemeClr val="accent1"/>
+          </a:effectRef>
+          <a:fontRef idx="minor">
+            <a:schemeClr val="tx1"/>
+          </a:fontRef>
+        </p:style>
+      </p:cxnSp>
+      <p:cxnSp>
+        <p:nvCxnSpPr>
+          <p:cNvPr id="72" name="直線コネクタ 71"/>
+          <p:cNvCxnSpPr>
+            <a:stCxn id="106" idx="2"/>
+            <a:endCxn id="69" idx="0"/>
+          </p:cNvCxnSpPr>
+          <p:nvPr/>
+        </p:nvCxnSpPr>
+        <p:spPr>
+          <a:xfrm>
+            <a:off x="8152704" y="3689475"/>
+            <a:ext cx="821687" cy="846452"/>
+          </a:xfrm>
+          <a:prstGeom prst="line">
+            <a:avLst/>
+          </a:prstGeom>
+          <a:ln w="19050">
+            <a:solidFill>
+              <a:srgbClr val="FF0000"/>
+            </a:solidFill>
+          </a:ln>
+        </p:spPr>
+        <p:style>
+          <a:lnRef idx="1">
+            <a:schemeClr val="accent1"/>
+          </a:lnRef>
+          <a:fillRef idx="0">
+            <a:schemeClr val="accent1"/>
+          </a:fillRef>
+          <a:effectRef idx="0">
+            <a:schemeClr val="accent1"/>
+          </a:effectRef>
+          <a:fontRef idx="minor">
+            <a:schemeClr val="tx1"/>
+          </a:fontRef>
+        </p:style>
+      </p:cxnSp>
+      <p:cxnSp>
+        <p:nvCxnSpPr>
+          <p:cNvPr id="73" name="直線コネクタ 72"/>
+          <p:cNvCxnSpPr>
+            <a:stCxn id="63" idx="2"/>
+            <a:endCxn id="64" idx="0"/>
+          </p:cNvCxnSpPr>
+          <p:nvPr/>
+        </p:nvCxnSpPr>
+        <p:spPr>
+          <a:xfrm>
+            <a:off x="2151946" y="3689475"/>
+            <a:ext cx="850295" cy="846452"/>
+          </a:xfrm>
+          <a:prstGeom prst="line">
+            <a:avLst/>
+          </a:prstGeom>
+          <a:ln w="19050">
+            <a:solidFill>
+              <a:schemeClr val="tx1"/>
+            </a:solidFill>
+          </a:ln>
+        </p:spPr>
+        <p:style>
+          <a:lnRef idx="1">
+            <a:schemeClr val="accent1"/>
+          </a:lnRef>
+          <a:fillRef idx="0">
+            <a:schemeClr val="accent1"/>
+          </a:fillRef>
+          <a:effectRef idx="0">
+            <a:schemeClr val="accent1"/>
+          </a:effectRef>
+          <a:fontRef idx="minor">
+            <a:schemeClr val="tx1"/>
+          </a:fontRef>
+        </p:style>
+      </p:cxnSp>
+      <p:cxnSp>
+        <p:nvCxnSpPr>
+          <p:cNvPr id="77" name="直線コネクタ 76"/>
+          <p:cNvCxnSpPr>
+            <a:stCxn id="100" idx="2"/>
+            <a:endCxn id="60" idx="0"/>
+          </p:cNvCxnSpPr>
+          <p:nvPr/>
+        </p:nvCxnSpPr>
+        <p:spPr>
+          <a:xfrm flipH="1">
+            <a:off x="1296303" y="3689475"/>
+            <a:ext cx="855644" cy="846452"/>
+          </a:xfrm>
+          <a:prstGeom prst="line">
+            <a:avLst/>
+          </a:prstGeom>
+          <a:ln w="19050">
+            <a:solidFill>
+              <a:srgbClr val="FF0000"/>
+            </a:solidFill>
+          </a:ln>
+        </p:spPr>
+        <p:style>
+          <a:lnRef idx="1">
+            <a:schemeClr val="accent1"/>
+          </a:lnRef>
+          <a:fillRef idx="0">
+            <a:schemeClr val="accent1"/>
+          </a:fillRef>
+          <a:effectRef idx="0">
+            <a:schemeClr val="accent1"/>
+          </a:effectRef>
+          <a:fontRef idx="minor">
+            <a:schemeClr val="tx1"/>
+          </a:fontRef>
+        </p:style>
+      </p:cxnSp>
+      <p:sp>
+        <p:nvSpPr>
+          <p:cNvPr id="78" name="右矢印 77"/>
+          <p:cNvSpPr/>
+          <p:nvPr/>
+        </p:nvSpPr>
+        <p:spPr>
+          <a:xfrm rot="19830536">
+            <a:off x="2135488" y="3000914"/>
+            <a:ext cx="423456" cy="150323"/>
+          </a:xfrm>
+          <a:prstGeom prst="rightArrow">
+            <a:avLst>
+              <a:gd name="adj1" fmla="val 50000"/>
+              <a:gd name="adj2" fmla="val 71428"/>
+            </a:avLst>
+          </a:prstGeom>
+          <a:solidFill>
+            <a:schemeClr val="tx1"/>
+          </a:solidFill>
+          <a:ln>
+            <a:solidFill>
+              <a:schemeClr val="tx1"/>
+            </a:solidFill>
+          </a:ln>
+        </p:spPr>
+        <p:style>
+          <a:lnRef idx="2">
+            <a:schemeClr val="accent1">
+              <a:shade val="50000"/>
+            </a:schemeClr>
+          </a:lnRef>
+          <a:fillRef idx="1">
+            <a:schemeClr val="accent1"/>
+          </a:fillRef>
+          <a:effectRef idx="0">
+            <a:schemeClr val="accent1"/>
+          </a:effectRef>
+          <a:fontRef idx="minor">
+            <a:schemeClr val="lt1"/>
+          </a:fontRef>
+        </p:style>
+        <p:txBody>
+          <a:bodyPr rtlCol="0" anchor="ctr"/>
+          <a:lstStyle/>
+          <a:p>
+            <a:pPr algn="ctr"/>
+            <a:endParaRPr kumimoji="1" lang="ja-JP" altLang="en-US"/>
+          </a:p>
+        </p:txBody>
+      </p:sp>
+      <p:sp>
+        <p:nvSpPr>
+          <p:cNvPr id="79" name="右矢印 78"/>
+          <p:cNvSpPr/>
+          <p:nvPr/>
+        </p:nvSpPr>
+        <p:spPr>
+          <a:xfrm rot="20303707">
+            <a:off x="3574270" y="1687941"/>
+            <a:ext cx="423456" cy="150323"/>
+          </a:xfrm>
+          <a:prstGeom prst="rightArrow">
+            <a:avLst>
+              <a:gd name="adj1" fmla="val 50000"/>
+              <a:gd name="adj2" fmla="val 71428"/>
+            </a:avLst>
+          </a:prstGeom>
+          <a:solidFill>
+            <a:schemeClr val="tx1"/>
+          </a:solidFill>
+          <a:ln>
+            <a:solidFill>
+              <a:schemeClr val="tx1"/>
+            </a:solidFill>
+          </a:ln>
+        </p:spPr>
+        <p:style>
+          <a:lnRef idx="2">
+            <a:schemeClr val="accent1">
+              <a:shade val="50000"/>
+            </a:schemeClr>
+          </a:lnRef>
+          <a:fillRef idx="1">
+            <a:schemeClr val="accent1"/>
+          </a:fillRef>
+          <a:effectRef idx="0">
+            <a:schemeClr val="accent1"/>
+          </a:effectRef>
+          <a:fontRef idx="minor">
+            <a:schemeClr val="lt1"/>
+          </a:fontRef>
+        </p:style>
+        <p:txBody>
+          <a:bodyPr rtlCol="0" anchor="ctr"/>
+          <a:lstStyle/>
+          <a:p>
+            <a:pPr algn="ctr"/>
+            <a:endParaRPr kumimoji="1" lang="ja-JP" altLang="en-US"/>
+          </a:p>
+        </p:txBody>
+      </p:sp>
+      <p:sp>
+        <p:nvSpPr>
+          <p:cNvPr id="80" name="右矢印 79"/>
+          <p:cNvSpPr/>
+          <p:nvPr/>
+        </p:nvSpPr>
+        <p:spPr>
+          <a:xfrm rot="18499493">
+            <a:off x="4832252" y="690577"/>
+            <a:ext cx="423456" cy="150323"/>
+          </a:xfrm>
+          <a:prstGeom prst="rightArrow">
+            <a:avLst>
+              <a:gd name="adj1" fmla="val 50000"/>
+              <a:gd name="adj2" fmla="val 71428"/>
+            </a:avLst>
+          </a:prstGeom>
+          <a:solidFill>
+            <a:schemeClr val="tx1"/>
+          </a:solidFill>
+          <a:ln>
+            <a:solidFill>
+              <a:schemeClr val="tx1"/>
+            </a:solidFill>
+          </a:ln>
+        </p:spPr>
+        <p:style>
+          <a:lnRef idx="2">
+            <a:schemeClr val="accent1">
+              <a:shade val="50000"/>
+            </a:schemeClr>
+          </a:lnRef>
+          <a:fillRef idx="1">
+            <a:schemeClr val="accent1"/>
+          </a:fillRef>
+          <a:effectRef idx="0">
+            <a:schemeClr val="accent1"/>
+          </a:effectRef>
+          <a:fontRef idx="minor">
+            <a:schemeClr val="lt1"/>
+          </a:fontRef>
+        </p:style>
+        <p:txBody>
+          <a:bodyPr rtlCol="0" anchor="ctr"/>
+          <a:lstStyle/>
+          <a:p>
+            <a:pPr algn="ctr"/>
+            <a:endParaRPr kumimoji="1" lang="ja-JP" altLang="en-US"/>
+          </a:p>
+        </p:txBody>
+      </p:sp>
+      <p:sp>
+        <p:nvSpPr>
+          <p:cNvPr id="81" name="右矢印 80"/>
+          <p:cNvSpPr/>
+          <p:nvPr/>
+        </p:nvSpPr>
+        <p:spPr>
+          <a:xfrm rot="2579433">
+            <a:off x="6427791" y="664927"/>
+            <a:ext cx="423456" cy="150323"/>
+          </a:xfrm>
+          <a:prstGeom prst="rightArrow">
+            <a:avLst>
+              <a:gd name="adj1" fmla="val 50000"/>
+              <a:gd name="adj2" fmla="val 71428"/>
+            </a:avLst>
+          </a:prstGeom>
+          <a:solidFill>
+            <a:schemeClr val="tx1"/>
+          </a:solidFill>
+          <a:ln>
+            <a:solidFill>
+              <a:schemeClr val="tx1"/>
+            </a:solidFill>
+          </a:ln>
+        </p:spPr>
+        <p:style>
+          <a:lnRef idx="2">
+            <a:schemeClr val="accent1">
+              <a:shade val="50000"/>
+            </a:schemeClr>
+          </a:lnRef>
+          <a:fillRef idx="1">
+            <a:schemeClr val="accent1"/>
+          </a:fillRef>
+          <a:effectRef idx="0">
+            <a:schemeClr val="accent1"/>
+          </a:effectRef>
+          <a:fontRef idx="minor">
+            <a:schemeClr val="lt1"/>
+          </a:fontRef>
+        </p:style>
+        <p:txBody>
+          <a:bodyPr rtlCol="0" anchor="ctr"/>
+          <a:lstStyle/>
+          <a:p>
+            <a:pPr algn="ctr"/>
+            <a:endParaRPr kumimoji="1" lang="ja-JP" altLang="en-US"/>
+          </a:p>
+        </p:txBody>
+      </p:sp>
+      <p:sp>
+        <p:nvSpPr>
+          <p:cNvPr id="82" name="右矢印 81"/>
+          <p:cNvSpPr/>
+          <p:nvPr/>
+        </p:nvSpPr>
+        <p:spPr>
+          <a:xfrm rot="1462992">
+            <a:off x="7674314" y="1573227"/>
+            <a:ext cx="423456" cy="150323"/>
+          </a:xfrm>
+          <a:prstGeom prst="rightArrow">
+            <a:avLst>
+              <a:gd name="adj1" fmla="val 50000"/>
+              <a:gd name="adj2" fmla="val 71428"/>
+            </a:avLst>
+          </a:prstGeom>
+          <a:solidFill>
+            <a:schemeClr val="tx1"/>
+          </a:solidFill>
+          <a:ln>
+            <a:solidFill>
+              <a:schemeClr val="tx1"/>
+            </a:solidFill>
+          </a:ln>
+        </p:spPr>
+        <p:style>
+          <a:lnRef idx="2">
+            <a:schemeClr val="accent1">
+              <a:shade val="50000"/>
+            </a:schemeClr>
+          </a:lnRef>
+          <a:fillRef idx="1">
+            <a:schemeClr val="accent1"/>
+          </a:fillRef>
+          <a:effectRef idx="0">
+            <a:schemeClr val="accent1"/>
+          </a:effectRef>
+          <a:fontRef idx="minor">
+            <a:schemeClr val="lt1"/>
+          </a:fontRef>
+        </p:style>
+        <p:txBody>
+          <a:bodyPr rtlCol="0" anchor="ctr"/>
+          <a:lstStyle/>
+          <a:p>
+            <a:pPr algn="ctr"/>
+            <a:endParaRPr kumimoji="1" lang="ja-JP" altLang="en-US"/>
+          </a:p>
+        </p:txBody>
+      </p:sp>
+      <p:sp>
+        <p:nvSpPr>
+          <p:cNvPr id="83" name="右矢印 82"/>
+          <p:cNvSpPr/>
+          <p:nvPr/>
+        </p:nvSpPr>
+        <p:spPr>
+          <a:xfrm rot="8946521">
+            <a:off x="8094554" y="3016369"/>
+            <a:ext cx="423456" cy="150323"/>
+          </a:xfrm>
+          <a:prstGeom prst="rightArrow">
+            <a:avLst>
+              <a:gd name="adj1" fmla="val 50000"/>
+              <a:gd name="adj2" fmla="val 71428"/>
+            </a:avLst>
+          </a:prstGeom>
+          <a:solidFill>
+            <a:schemeClr val="tx1"/>
+          </a:solidFill>
+          <a:ln>
+            <a:solidFill>
+              <a:schemeClr val="tx1"/>
+            </a:solidFill>
+          </a:ln>
+        </p:spPr>
+        <p:style>
+          <a:lnRef idx="2">
+            <a:schemeClr val="accent1">
+              <a:shade val="50000"/>
+            </a:schemeClr>
+          </a:lnRef>
+          <a:fillRef idx="1">
+            <a:schemeClr val="accent1"/>
+          </a:fillRef>
+          <a:effectRef idx="0">
+            <a:schemeClr val="accent1"/>
+          </a:effectRef>
+          <a:fontRef idx="minor">
+            <a:schemeClr val="lt1"/>
+          </a:fontRef>
+        </p:style>
+        <p:txBody>
+          <a:bodyPr rtlCol="0" anchor="ctr"/>
+          <a:lstStyle/>
+          <a:p>
+            <a:pPr algn="ctr"/>
+            <a:endParaRPr kumimoji="1" lang="ja-JP" altLang="en-US"/>
+          </a:p>
+        </p:txBody>
+      </p:sp>
+      <p:sp>
+        <p:nvSpPr>
+          <p:cNvPr id="93" name="右矢印 92"/>
+          <p:cNvSpPr/>
+          <p:nvPr/>
+        </p:nvSpPr>
+        <p:spPr>
+          <a:xfrm rot="2739267">
+            <a:off x="8560918" y="4067239"/>
+            <a:ext cx="423456" cy="150323"/>
+          </a:xfrm>
+          <a:prstGeom prst="rightArrow">
+            <a:avLst>
+              <a:gd name="adj1" fmla="val 50000"/>
+              <a:gd name="adj2" fmla="val 71428"/>
+            </a:avLst>
+          </a:prstGeom>
+          <a:solidFill>
+            <a:schemeClr val="tx1"/>
+          </a:solidFill>
+          <a:ln>
+            <a:solidFill>
+              <a:schemeClr val="tx1"/>
+            </a:solidFill>
+          </a:ln>
+        </p:spPr>
+        <p:style>
+          <a:lnRef idx="2">
+            <a:schemeClr val="accent1">
+              <a:shade val="50000"/>
+            </a:schemeClr>
+          </a:lnRef>
+          <a:fillRef idx="1">
+            <a:schemeClr val="accent1"/>
+          </a:fillRef>
+          <a:effectRef idx="0">
+            <a:schemeClr val="accent1"/>
+          </a:effectRef>
+          <a:fontRef idx="minor">
+            <a:schemeClr val="lt1"/>
+          </a:fontRef>
+        </p:style>
+        <p:txBody>
+          <a:bodyPr rtlCol="0" anchor="ctr"/>
+          <a:lstStyle/>
+          <a:p>
+            <a:pPr algn="ctr"/>
+            <a:endParaRPr kumimoji="1" lang="ja-JP" altLang="en-US"/>
+          </a:p>
+        </p:txBody>
+      </p:sp>
+      <p:sp>
+        <p:nvSpPr>
+          <p:cNvPr id="94" name="右矢印 93"/>
+          <p:cNvSpPr/>
+          <p:nvPr/>
+        </p:nvSpPr>
+        <p:spPr>
+          <a:xfrm rot="19143343">
+            <a:off x="1339796" y="3983646"/>
+            <a:ext cx="423456" cy="150323"/>
+          </a:xfrm>
+          <a:prstGeom prst="rightArrow">
+            <a:avLst>
+              <a:gd name="adj1" fmla="val 50000"/>
+              <a:gd name="adj2" fmla="val 71428"/>
+            </a:avLst>
+          </a:prstGeom>
+          <a:solidFill>
+            <a:schemeClr val="tx1"/>
+          </a:solidFill>
+          <a:ln>
+            <a:solidFill>
+              <a:schemeClr val="tx1"/>
+            </a:solidFill>
+          </a:ln>
+        </p:spPr>
+        <p:style>
+          <a:lnRef idx="2">
+            <a:schemeClr val="accent1">
+              <a:shade val="50000"/>
+            </a:schemeClr>
+          </a:lnRef>
+          <a:fillRef idx="1">
+            <a:schemeClr val="accent1"/>
+          </a:fillRef>
+          <a:effectRef idx="0">
+            <a:schemeClr val="accent1"/>
+          </a:effectRef>
+          <a:fontRef idx="minor">
+            <a:schemeClr val="lt1"/>
+          </a:fontRef>
+        </p:style>
+        <p:txBody>
+          <a:bodyPr rtlCol="0" anchor="ctr"/>
+          <a:lstStyle/>
+          <a:p>
+            <a:pPr algn="ctr"/>
+            <a:endParaRPr kumimoji="1" lang="ja-JP" altLang="en-US"/>
+          </a:p>
+        </p:txBody>
+      </p:sp>
     </p:spTree>
     <p:extLst>
       <p:ext uri="{BB962C8B-B14F-4D97-AF65-F5344CB8AC3E}">
-        <p14:creationId xmlns:p14="http://schemas.microsoft.com/office/powerpoint/2010/main" val="3231667900"/>
+        <p14:creationId xmlns:p14="http://schemas.microsoft.com/office/powerpoint/2010/main" val="2076097905"/>
+      </p:ext>
+    </p:extLst>
+  </p:cSld>
+  <p:clrMapOvr>
+    <a:masterClrMapping/>
+  </p:clrMapOvr>
+</p:sld>
+</file>
+
+<file path=ppt/slides/slide4.xml><?xml version="1.0" encoding="utf-8"?>
+<p:sld xmlns:a="http://schemas.openxmlformats.org/drawingml/2006/main" xmlns:r="http://schemas.openxmlformats.org/officeDocument/2006/relationships" xmlns:p="http://schemas.openxmlformats.org/presentationml/2006/main">
+  <p:cSld>
+    <p:spTree>
+      <p:nvGrpSpPr>
+        <p:cNvPr id="1" name=""/>
+        <p:cNvGrpSpPr/>
+        <p:nvPr/>
+      </p:nvGrpSpPr>
+      <p:grpSpPr>
+        <a:xfrm>
+          <a:off x="0" y="0"/>
+          <a:ext cx="0" cy="0"/>
+          <a:chOff x="0" y="0"/>
+          <a:chExt cx="0" cy="0"/>
+        </a:xfrm>
+      </p:grpSpPr>
+      <p:sp>
+        <p:nvSpPr>
+          <p:cNvPr id="5" name="テキスト ボックス 4"/>
+          <p:cNvSpPr txBox="1"/>
+          <p:nvPr/>
+        </p:nvSpPr>
+        <p:spPr>
+          <a:xfrm>
+            <a:off x="5323112" y="272142"/>
+            <a:ext cx="1055914" cy="646331"/>
+          </a:xfrm>
+          <a:prstGeom prst="rect">
+            <a:avLst/>
+          </a:prstGeom>
+          <a:noFill/>
+        </p:spPr>
+        <p:txBody>
+          <a:bodyPr wrap="square" rtlCol="0">
+            <a:spAutoFit/>
+          </a:bodyPr>
+          <a:lstStyle/>
+          <a:p>
+            <a:pPr algn="ctr"/>
+            <a:r>
+              <a:rPr lang="en-US" altLang="ja-JP" dirty="0">
+                <a:latin typeface="ＭＳ Ｐゴシック" panose="020B0600070205080204" pitchFamily="50" charset="-128"/>
+                <a:ea typeface="ＭＳ Ｐゴシック" panose="020B0600070205080204" pitchFamily="50" charset="-128"/>
+              </a:rPr>
+              <a:t>Super Core</a:t>
+            </a:r>
+            <a:endParaRPr kumimoji="1" lang="ja-JP" altLang="en-US" dirty="0">
+              <a:latin typeface="ＭＳ Ｐゴシック" panose="020B0600070205080204" pitchFamily="50" charset="-128"/>
+              <a:ea typeface="ＭＳ Ｐゴシック" panose="020B0600070205080204" pitchFamily="50" charset="-128"/>
+            </a:endParaRPr>
+          </a:p>
+        </p:txBody>
+      </p:sp>
+      <p:sp>
+        <p:nvSpPr>
+          <p:cNvPr id="4" name="正方形/長方形 3"/>
+          <p:cNvSpPr/>
+          <p:nvPr/>
+        </p:nvSpPr>
+        <p:spPr>
+          <a:xfrm>
+            <a:off x="5421084" y="272142"/>
+            <a:ext cx="859972" cy="646331"/>
+          </a:xfrm>
+          <a:prstGeom prst="rect">
+            <a:avLst/>
+          </a:prstGeom>
+          <a:noFill/>
+          <a:ln>
+            <a:solidFill>
+              <a:schemeClr val="tx1"/>
+            </a:solidFill>
+          </a:ln>
+        </p:spPr>
+        <p:style>
+          <a:lnRef idx="2">
+            <a:schemeClr val="accent1">
+              <a:shade val="50000"/>
+            </a:schemeClr>
+          </a:lnRef>
+          <a:fillRef idx="1">
+            <a:schemeClr val="accent1"/>
+          </a:fillRef>
+          <a:effectRef idx="0">
+            <a:schemeClr val="accent1"/>
+          </a:effectRef>
+          <a:fontRef idx="minor">
+            <a:schemeClr val="lt1"/>
+          </a:fontRef>
+        </p:style>
+        <p:txBody>
+          <a:bodyPr rtlCol="0" anchor="ctr"/>
+          <a:lstStyle/>
+          <a:p>
+            <a:pPr algn="ctr"/>
+            <a:endParaRPr kumimoji="1" lang="ja-JP" altLang="en-US"/>
+          </a:p>
+        </p:txBody>
+      </p:sp>
+      <p:grpSp>
+        <p:nvGrpSpPr>
+          <p:cNvPr id="24" name="グループ化 23"/>
+          <p:cNvGrpSpPr/>
+          <p:nvPr/>
+        </p:nvGrpSpPr>
+        <p:grpSpPr>
+          <a:xfrm>
+            <a:off x="6338203" y="1077686"/>
+            <a:ext cx="930730" cy="369332"/>
+            <a:chOff x="6476998" y="1077686"/>
+            <a:chExt cx="653144" cy="369332"/>
+          </a:xfrm>
+        </p:grpSpPr>
+        <p:sp>
+          <p:nvSpPr>
+            <p:cNvPr id="8" name="テキスト ボックス 7"/>
+            <p:cNvSpPr txBox="1"/>
+            <p:nvPr/>
+          </p:nvSpPr>
+          <p:spPr>
+            <a:xfrm>
+              <a:off x="6476999" y="1077686"/>
+              <a:ext cx="653143" cy="369332"/>
+            </a:xfrm>
+            <a:prstGeom prst="rect">
+              <a:avLst/>
+            </a:prstGeom>
+            <a:noFill/>
+          </p:spPr>
+          <p:txBody>
+            <a:bodyPr wrap="square" rtlCol="0">
+              <a:spAutoFit/>
+            </a:bodyPr>
+            <a:lstStyle/>
+            <a:p>
+              <a:pPr algn="ctr"/>
+              <a:r>
+                <a:rPr kumimoji="1" lang="en-US" altLang="ja-JP" dirty="0" err="1">
+                  <a:latin typeface="ＭＳ Ｐゴシック" panose="020B0600070205080204" pitchFamily="50" charset="-128"/>
+                  <a:ea typeface="ＭＳ Ｐゴシック" panose="020B0600070205080204" pitchFamily="50" charset="-128"/>
+                </a:rPr>
+                <a:t>OFSw</a:t>
+              </a:r>
+              <a:endParaRPr kumimoji="1" lang="ja-JP" altLang="en-US" dirty="0">
+                <a:latin typeface="ＭＳ Ｐゴシック" panose="020B0600070205080204" pitchFamily="50" charset="-128"/>
+                <a:ea typeface="ＭＳ Ｐゴシック" panose="020B0600070205080204" pitchFamily="50" charset="-128"/>
+              </a:endParaRPr>
+            </a:p>
+          </p:txBody>
+        </p:sp>
+        <p:sp>
+          <p:nvSpPr>
+            <p:cNvPr id="10" name="正方形/長方形 9"/>
+            <p:cNvSpPr/>
+            <p:nvPr/>
+          </p:nvSpPr>
+          <p:spPr>
+            <a:xfrm>
+              <a:off x="6476998" y="1077686"/>
+              <a:ext cx="653143" cy="369332"/>
+            </a:xfrm>
+            <a:prstGeom prst="rect">
+              <a:avLst/>
+            </a:prstGeom>
+            <a:noFill/>
+            <a:ln>
+              <a:solidFill>
+                <a:schemeClr val="tx1"/>
+              </a:solidFill>
+            </a:ln>
+          </p:spPr>
+          <p:style>
+            <a:lnRef idx="2">
+              <a:schemeClr val="accent1">
+                <a:shade val="50000"/>
+              </a:schemeClr>
+            </a:lnRef>
+            <a:fillRef idx="1">
+              <a:schemeClr val="accent1"/>
+            </a:fillRef>
+            <a:effectRef idx="0">
+              <a:schemeClr val="accent1"/>
+            </a:effectRef>
+            <a:fontRef idx="minor">
+              <a:schemeClr val="lt1"/>
+            </a:fontRef>
+          </p:style>
+          <p:txBody>
+            <a:bodyPr rtlCol="0" anchor="ctr"/>
+            <a:lstStyle/>
+            <a:p>
+              <a:pPr algn="ctr"/>
+              <a:endParaRPr kumimoji="1" lang="ja-JP" altLang="en-US"/>
+            </a:p>
+          </p:txBody>
+        </p:sp>
+      </p:grpSp>
+      <p:cxnSp>
+        <p:nvCxnSpPr>
+          <p:cNvPr id="12" name="直線コネクタ 11"/>
+          <p:cNvCxnSpPr>
+            <a:stCxn id="76" idx="0"/>
+            <a:endCxn id="4" idx="1"/>
+          </p:cNvCxnSpPr>
+          <p:nvPr/>
+        </p:nvCxnSpPr>
+        <p:spPr>
+          <a:xfrm flipV="1">
+            <a:off x="4999260" y="595308"/>
+            <a:ext cx="421824" cy="482378"/>
+          </a:xfrm>
+          <a:prstGeom prst="line">
+            <a:avLst/>
+          </a:prstGeom>
+          <a:ln w="19050">
+            <a:solidFill>
+              <a:srgbClr val="FF0000"/>
+            </a:solidFill>
+          </a:ln>
+        </p:spPr>
+        <p:style>
+          <a:lnRef idx="1">
+            <a:schemeClr val="accent1"/>
+          </a:lnRef>
+          <a:fillRef idx="0">
+            <a:schemeClr val="accent1"/>
+          </a:fillRef>
+          <a:effectRef idx="0">
+            <a:schemeClr val="accent1"/>
+          </a:effectRef>
+          <a:fontRef idx="minor">
+            <a:schemeClr val="tx1"/>
+          </a:fontRef>
+        </p:style>
+      </p:cxnSp>
+      <p:cxnSp>
+        <p:nvCxnSpPr>
+          <p:cNvPr id="19" name="直線コネクタ 18"/>
+          <p:cNvCxnSpPr>
+            <a:stCxn id="10" idx="0"/>
+            <a:endCxn id="4" idx="3"/>
+          </p:cNvCxnSpPr>
+          <p:nvPr/>
+        </p:nvCxnSpPr>
+        <p:spPr>
+          <a:xfrm flipH="1" flipV="1">
+            <a:off x="6281056" y="595308"/>
+            <a:ext cx="522512" cy="482378"/>
+          </a:xfrm>
+          <a:prstGeom prst="line">
+            <a:avLst/>
+          </a:prstGeom>
+          <a:ln w="19050">
+            <a:solidFill>
+              <a:srgbClr val="FF0000"/>
+            </a:solidFill>
+          </a:ln>
+        </p:spPr>
+        <p:style>
+          <a:lnRef idx="1">
+            <a:schemeClr val="accent1"/>
+          </a:lnRef>
+          <a:fillRef idx="0">
+            <a:schemeClr val="accent1"/>
+          </a:fillRef>
+          <a:effectRef idx="0">
+            <a:schemeClr val="accent1"/>
+          </a:effectRef>
+          <a:fontRef idx="minor">
+            <a:schemeClr val="tx1"/>
+          </a:fontRef>
+        </p:style>
+      </p:cxnSp>
+      <p:grpSp>
+        <p:nvGrpSpPr>
+          <p:cNvPr id="30" name="グループ化 29"/>
+          <p:cNvGrpSpPr/>
+          <p:nvPr/>
+        </p:nvGrpSpPr>
+        <p:grpSpPr>
+          <a:xfrm>
+            <a:off x="2465608" y="2245079"/>
+            <a:ext cx="1023260" cy="646332"/>
+            <a:chOff x="2275111" y="1907622"/>
+            <a:chExt cx="1208317" cy="646332"/>
+          </a:xfrm>
+        </p:grpSpPr>
+        <p:sp>
+          <p:nvSpPr>
+            <p:cNvPr id="25" name="テキスト ボックス 24"/>
+            <p:cNvSpPr txBox="1"/>
+            <p:nvPr/>
+          </p:nvSpPr>
+          <p:spPr>
+            <a:xfrm>
+              <a:off x="2275114" y="1907623"/>
+              <a:ext cx="1208314" cy="646331"/>
+            </a:xfrm>
+            <a:prstGeom prst="rect">
+              <a:avLst/>
+            </a:prstGeom>
+            <a:noFill/>
+          </p:spPr>
+          <p:txBody>
+            <a:bodyPr wrap="square" rtlCol="0">
+              <a:spAutoFit/>
+            </a:bodyPr>
+            <a:lstStyle/>
+            <a:p>
+              <a:pPr algn="ctr"/>
+              <a:r>
+                <a:rPr kumimoji="1" lang="en-US" altLang="ja-JP" dirty="0">
+                  <a:latin typeface="ＭＳ Ｐゴシック" panose="020B0600070205080204" pitchFamily="50" charset="-128"/>
+                  <a:ea typeface="ＭＳ Ｐゴシック" panose="020B0600070205080204" pitchFamily="50" charset="-128"/>
+                </a:rPr>
+                <a:t>Core</a:t>
+              </a:r>
+            </a:p>
+            <a:p>
+              <a:pPr algn="ctr"/>
+              <a:r>
+                <a:rPr kumimoji="1" lang="en-US" altLang="ja-JP" dirty="0" err="1" smtClean="0">
+                  <a:latin typeface="ＭＳ Ｐゴシック" panose="020B0600070205080204" pitchFamily="50" charset="-128"/>
+                  <a:ea typeface="ＭＳ Ｐゴシック" panose="020B0600070205080204" pitchFamily="50" charset="-128"/>
+                </a:rPr>
+                <a:t>OFSw</a:t>
+              </a:r>
+              <a:endParaRPr kumimoji="1" lang="ja-JP" altLang="en-US" dirty="0">
+                <a:latin typeface="ＭＳ Ｐゴシック" panose="020B0600070205080204" pitchFamily="50" charset="-128"/>
+                <a:ea typeface="ＭＳ Ｐゴシック" panose="020B0600070205080204" pitchFamily="50" charset="-128"/>
+              </a:endParaRPr>
+            </a:p>
+          </p:txBody>
+        </p:sp>
+        <p:sp>
+          <p:nvSpPr>
+            <p:cNvPr id="29" name="正方形/長方形 28"/>
+            <p:cNvSpPr/>
+            <p:nvPr/>
+          </p:nvSpPr>
+          <p:spPr>
+            <a:xfrm>
+              <a:off x="2275111" y="1907622"/>
+              <a:ext cx="1208317" cy="646331"/>
+            </a:xfrm>
+            <a:prstGeom prst="rect">
+              <a:avLst/>
+            </a:prstGeom>
+            <a:noFill/>
+            <a:ln>
+              <a:solidFill>
+                <a:schemeClr val="tx1"/>
+              </a:solidFill>
+            </a:ln>
+          </p:spPr>
+          <p:style>
+            <a:lnRef idx="2">
+              <a:schemeClr val="accent1">
+                <a:shade val="50000"/>
+              </a:schemeClr>
+            </a:lnRef>
+            <a:fillRef idx="1">
+              <a:schemeClr val="accent1"/>
+            </a:fillRef>
+            <a:effectRef idx="0">
+              <a:schemeClr val="accent1"/>
+            </a:effectRef>
+            <a:fontRef idx="minor">
+              <a:schemeClr val="lt1"/>
+            </a:fontRef>
+          </p:style>
+          <p:txBody>
+            <a:bodyPr rtlCol="0" anchor="ctr"/>
+            <a:lstStyle/>
+            <a:p>
+              <a:pPr algn="ctr"/>
+              <a:endParaRPr kumimoji="1" lang="ja-JP" altLang="en-US"/>
+            </a:p>
+          </p:txBody>
+        </p:sp>
+      </p:grpSp>
+      <p:cxnSp>
+        <p:nvCxnSpPr>
+          <p:cNvPr id="41" name="直線コネクタ 40"/>
+          <p:cNvCxnSpPr>
+            <a:stCxn id="29" idx="0"/>
+            <a:endCxn id="76" idx="2"/>
+          </p:cNvCxnSpPr>
+          <p:nvPr/>
+        </p:nvCxnSpPr>
+        <p:spPr>
+          <a:xfrm flipV="1">
+            <a:off x="2977238" y="1447018"/>
+            <a:ext cx="2022022" cy="798061"/>
+          </a:xfrm>
+          <a:prstGeom prst="line">
+            <a:avLst/>
+          </a:prstGeom>
+          <a:ln w="19050">
+            <a:solidFill>
+              <a:srgbClr val="FF0000"/>
+            </a:solidFill>
+          </a:ln>
+        </p:spPr>
+        <p:style>
+          <a:lnRef idx="1">
+            <a:schemeClr val="accent1"/>
+          </a:lnRef>
+          <a:fillRef idx="0">
+            <a:schemeClr val="accent1"/>
+          </a:fillRef>
+          <a:effectRef idx="0">
+            <a:schemeClr val="accent1"/>
+          </a:effectRef>
+          <a:fontRef idx="minor">
+            <a:schemeClr val="tx1"/>
+          </a:fontRef>
+        </p:style>
+      </p:cxnSp>
+      <p:cxnSp>
+        <p:nvCxnSpPr>
+          <p:cNvPr id="42" name="直線コネクタ 41"/>
+          <p:cNvCxnSpPr>
+            <a:stCxn id="29" idx="0"/>
+            <a:endCxn id="10" idx="2"/>
+          </p:cNvCxnSpPr>
+          <p:nvPr/>
+        </p:nvCxnSpPr>
+        <p:spPr>
+          <a:xfrm flipV="1">
+            <a:off x="2977238" y="1447018"/>
+            <a:ext cx="3826330" cy="798061"/>
+          </a:xfrm>
+          <a:prstGeom prst="line">
+            <a:avLst/>
+          </a:prstGeom>
+          <a:ln w="19050">
+            <a:solidFill>
+              <a:srgbClr val="FF0000"/>
+            </a:solidFill>
+          </a:ln>
+        </p:spPr>
+        <p:style>
+          <a:lnRef idx="1">
+            <a:schemeClr val="accent1"/>
+          </a:lnRef>
+          <a:fillRef idx="0">
+            <a:schemeClr val="accent1"/>
+          </a:fillRef>
+          <a:effectRef idx="0">
+            <a:schemeClr val="accent1"/>
+          </a:effectRef>
+          <a:fontRef idx="minor">
+            <a:schemeClr val="tx1"/>
+          </a:fontRef>
+        </p:style>
+      </p:cxnSp>
+      <p:cxnSp>
+        <p:nvCxnSpPr>
+          <p:cNvPr id="45" name="直線コネクタ 44"/>
+          <p:cNvCxnSpPr>
+            <a:endCxn id="76" idx="2"/>
+          </p:cNvCxnSpPr>
+          <p:nvPr/>
+        </p:nvCxnSpPr>
+        <p:spPr>
+          <a:xfrm flipV="1">
+            <a:off x="4996540" y="1447018"/>
+            <a:ext cx="2720" cy="798061"/>
+          </a:xfrm>
+          <a:prstGeom prst="line">
+            <a:avLst/>
+          </a:prstGeom>
+          <a:ln w="19050">
+            <a:solidFill>
+              <a:schemeClr val="tx1"/>
+            </a:solidFill>
+          </a:ln>
+        </p:spPr>
+        <p:style>
+          <a:lnRef idx="1">
+            <a:schemeClr val="accent1"/>
+          </a:lnRef>
+          <a:fillRef idx="0">
+            <a:schemeClr val="accent1"/>
+          </a:fillRef>
+          <a:effectRef idx="0">
+            <a:schemeClr val="accent1"/>
+          </a:effectRef>
+          <a:fontRef idx="minor">
+            <a:schemeClr val="tx1"/>
+          </a:fontRef>
+        </p:style>
+      </p:cxnSp>
+      <p:cxnSp>
+        <p:nvCxnSpPr>
+          <p:cNvPr id="46" name="直線コネクタ 45"/>
+          <p:cNvCxnSpPr>
+            <a:endCxn id="10" idx="2"/>
+          </p:cNvCxnSpPr>
+          <p:nvPr/>
+        </p:nvCxnSpPr>
+        <p:spPr>
+          <a:xfrm flipV="1">
+            <a:off x="4996540" y="1447018"/>
+            <a:ext cx="1807028" cy="798061"/>
+          </a:xfrm>
+          <a:prstGeom prst="line">
+            <a:avLst/>
+          </a:prstGeom>
+          <a:ln w="19050">
+            <a:solidFill>
+              <a:schemeClr val="tx1"/>
+            </a:solidFill>
+          </a:ln>
+        </p:spPr>
+        <p:style>
+          <a:lnRef idx="1">
+            <a:schemeClr val="accent1"/>
+          </a:lnRef>
+          <a:fillRef idx="0">
+            <a:schemeClr val="accent1"/>
+          </a:fillRef>
+          <a:effectRef idx="0">
+            <a:schemeClr val="accent1"/>
+          </a:effectRef>
+          <a:fontRef idx="minor">
+            <a:schemeClr val="tx1"/>
+          </a:fontRef>
+        </p:style>
+      </p:cxnSp>
+      <p:cxnSp>
+        <p:nvCxnSpPr>
+          <p:cNvPr id="51" name="直線コネクタ 50"/>
+          <p:cNvCxnSpPr>
+            <a:endCxn id="76" idx="2"/>
+          </p:cNvCxnSpPr>
+          <p:nvPr/>
+        </p:nvCxnSpPr>
+        <p:spPr>
+          <a:xfrm flipH="1" flipV="1">
+            <a:off x="4999260" y="1447018"/>
+            <a:ext cx="1804309" cy="798061"/>
+          </a:xfrm>
+          <a:prstGeom prst="line">
+            <a:avLst/>
+          </a:prstGeom>
+          <a:ln w="19050">
+            <a:solidFill>
+              <a:schemeClr val="tx1"/>
+            </a:solidFill>
+          </a:ln>
+        </p:spPr>
+        <p:style>
+          <a:lnRef idx="1">
+            <a:schemeClr val="accent1"/>
+          </a:lnRef>
+          <a:fillRef idx="0">
+            <a:schemeClr val="accent1"/>
+          </a:fillRef>
+          <a:effectRef idx="0">
+            <a:schemeClr val="accent1"/>
+          </a:effectRef>
+          <a:fontRef idx="minor">
+            <a:schemeClr val="tx1"/>
+          </a:fontRef>
+        </p:style>
+      </p:cxnSp>
+      <p:cxnSp>
+        <p:nvCxnSpPr>
+          <p:cNvPr id="52" name="直線コネクタ 51"/>
+          <p:cNvCxnSpPr>
+            <a:endCxn id="10" idx="2"/>
+          </p:cNvCxnSpPr>
+          <p:nvPr/>
+        </p:nvCxnSpPr>
+        <p:spPr>
+          <a:xfrm flipH="1" flipV="1">
+            <a:off x="6803568" y="1447018"/>
+            <a:ext cx="1" cy="798061"/>
+          </a:xfrm>
+          <a:prstGeom prst="line">
+            <a:avLst/>
+          </a:prstGeom>
+          <a:ln w="19050">
+            <a:solidFill>
+              <a:schemeClr val="tx1"/>
+            </a:solidFill>
+          </a:ln>
+        </p:spPr>
+        <p:style>
+          <a:lnRef idx="1">
+            <a:schemeClr val="accent1"/>
+          </a:lnRef>
+          <a:fillRef idx="0">
+            <a:schemeClr val="accent1"/>
+          </a:fillRef>
+          <a:effectRef idx="0">
+            <a:schemeClr val="accent1"/>
+          </a:effectRef>
+          <a:fontRef idx="minor">
+            <a:schemeClr val="tx1"/>
+          </a:fontRef>
+        </p:style>
+      </p:cxnSp>
+      <p:cxnSp>
+        <p:nvCxnSpPr>
+          <p:cNvPr id="57" name="直線コネクタ 56"/>
+          <p:cNvCxnSpPr>
+            <a:endCxn id="76" idx="2"/>
+          </p:cNvCxnSpPr>
+          <p:nvPr/>
+        </p:nvCxnSpPr>
+        <p:spPr>
+          <a:xfrm flipH="1" flipV="1">
+            <a:off x="4999260" y="1447018"/>
+            <a:ext cx="3916137" cy="798061"/>
+          </a:xfrm>
+          <a:prstGeom prst="line">
+            <a:avLst/>
+          </a:prstGeom>
+          <a:ln w="19050">
+            <a:solidFill>
+              <a:schemeClr val="tx1"/>
+            </a:solidFill>
+          </a:ln>
+        </p:spPr>
+        <p:style>
+          <a:lnRef idx="1">
+            <a:schemeClr val="accent1"/>
+          </a:lnRef>
+          <a:fillRef idx="0">
+            <a:schemeClr val="accent1"/>
+          </a:fillRef>
+          <a:effectRef idx="0">
+            <a:schemeClr val="accent1"/>
+          </a:effectRef>
+          <a:fontRef idx="minor">
+            <a:schemeClr val="tx1"/>
+          </a:fontRef>
+        </p:style>
+      </p:cxnSp>
+      <p:cxnSp>
+        <p:nvCxnSpPr>
+          <p:cNvPr id="58" name="直線コネクタ 57"/>
+          <p:cNvCxnSpPr>
+            <a:endCxn id="10" idx="2"/>
+          </p:cNvCxnSpPr>
+          <p:nvPr/>
+        </p:nvCxnSpPr>
+        <p:spPr>
+          <a:xfrm flipH="1" flipV="1">
+            <a:off x="6803568" y="1447018"/>
+            <a:ext cx="2111829" cy="798061"/>
+          </a:xfrm>
+          <a:prstGeom prst="line">
+            <a:avLst/>
+          </a:prstGeom>
+          <a:ln w="19050">
+            <a:solidFill>
+              <a:schemeClr val="tx1"/>
+            </a:solidFill>
+          </a:ln>
+        </p:spPr>
+        <p:style>
+          <a:lnRef idx="1">
+            <a:schemeClr val="accent1"/>
+          </a:lnRef>
+          <a:fillRef idx="0">
+            <a:schemeClr val="accent1"/>
+          </a:fillRef>
+          <a:effectRef idx="0">
+            <a:schemeClr val="accent1"/>
+          </a:effectRef>
+          <a:fontRef idx="minor">
+            <a:schemeClr val="tx1"/>
+          </a:fontRef>
+        </p:style>
+      </p:cxnSp>
+      <p:grpSp>
+        <p:nvGrpSpPr>
+          <p:cNvPr id="74" name="グループ化 73"/>
+          <p:cNvGrpSpPr/>
+          <p:nvPr/>
+        </p:nvGrpSpPr>
+        <p:grpSpPr>
+          <a:xfrm>
+            <a:off x="4533895" y="1077686"/>
+            <a:ext cx="930730" cy="369332"/>
+            <a:chOff x="6476998" y="1077686"/>
+            <a:chExt cx="653144" cy="369332"/>
+          </a:xfrm>
+        </p:grpSpPr>
+        <p:sp>
+          <p:nvSpPr>
+            <p:cNvPr id="75" name="テキスト ボックス 74"/>
+            <p:cNvSpPr txBox="1"/>
+            <p:nvPr/>
+          </p:nvSpPr>
+          <p:spPr>
+            <a:xfrm>
+              <a:off x="6476999" y="1077686"/>
+              <a:ext cx="653143" cy="369332"/>
+            </a:xfrm>
+            <a:prstGeom prst="rect">
+              <a:avLst/>
+            </a:prstGeom>
+            <a:noFill/>
+          </p:spPr>
+          <p:txBody>
+            <a:bodyPr wrap="square" rtlCol="0">
+              <a:spAutoFit/>
+            </a:bodyPr>
+            <a:lstStyle/>
+            <a:p>
+              <a:pPr algn="ctr"/>
+              <a:r>
+                <a:rPr kumimoji="1" lang="en-US" altLang="ja-JP" dirty="0" err="1">
+                  <a:latin typeface="ＭＳ Ｐゴシック" panose="020B0600070205080204" pitchFamily="50" charset="-128"/>
+                  <a:ea typeface="ＭＳ Ｐゴシック" panose="020B0600070205080204" pitchFamily="50" charset="-128"/>
+                </a:rPr>
+                <a:t>OFSw</a:t>
+              </a:r>
+              <a:endParaRPr kumimoji="1" lang="ja-JP" altLang="en-US" dirty="0">
+                <a:latin typeface="ＭＳ Ｐゴシック" panose="020B0600070205080204" pitchFamily="50" charset="-128"/>
+                <a:ea typeface="ＭＳ Ｐゴシック" panose="020B0600070205080204" pitchFamily="50" charset="-128"/>
+              </a:endParaRPr>
+            </a:p>
+          </p:txBody>
+        </p:sp>
+        <p:sp>
+          <p:nvSpPr>
+            <p:cNvPr id="76" name="正方形/長方形 75"/>
+            <p:cNvSpPr/>
+            <p:nvPr/>
+          </p:nvSpPr>
+          <p:spPr>
+            <a:xfrm>
+              <a:off x="6476998" y="1077686"/>
+              <a:ext cx="653143" cy="369332"/>
+            </a:xfrm>
+            <a:prstGeom prst="rect">
+              <a:avLst/>
+            </a:prstGeom>
+            <a:noFill/>
+            <a:ln>
+              <a:solidFill>
+                <a:schemeClr val="tx1"/>
+              </a:solidFill>
+            </a:ln>
+          </p:spPr>
+          <p:style>
+            <a:lnRef idx="2">
+              <a:schemeClr val="accent1">
+                <a:shade val="50000"/>
+              </a:schemeClr>
+            </a:lnRef>
+            <a:fillRef idx="1">
+              <a:schemeClr val="accent1"/>
+            </a:fillRef>
+            <a:effectRef idx="0">
+              <a:schemeClr val="accent1"/>
+            </a:effectRef>
+            <a:fontRef idx="minor">
+              <a:schemeClr val="lt1"/>
+            </a:fontRef>
+          </p:style>
+          <p:txBody>
+            <a:bodyPr rtlCol="0" anchor="ctr"/>
+            <a:lstStyle/>
+            <a:p>
+              <a:pPr algn="ctr"/>
+              <a:endParaRPr kumimoji="1" lang="ja-JP" altLang="en-US"/>
+            </a:p>
+          </p:txBody>
+        </p:sp>
+      </p:grpSp>
+      <p:grpSp>
+        <p:nvGrpSpPr>
+          <p:cNvPr id="84" name="グループ化 83"/>
+          <p:cNvGrpSpPr/>
+          <p:nvPr/>
+        </p:nvGrpSpPr>
+        <p:grpSpPr>
+          <a:xfrm>
+            <a:off x="4484910" y="2245078"/>
+            <a:ext cx="1023260" cy="646332"/>
+            <a:chOff x="2275111" y="1907622"/>
+            <a:chExt cx="1208317" cy="646332"/>
+          </a:xfrm>
+        </p:grpSpPr>
+        <p:sp>
+          <p:nvSpPr>
+            <p:cNvPr id="85" name="テキスト ボックス 84"/>
+            <p:cNvSpPr txBox="1"/>
+            <p:nvPr/>
+          </p:nvSpPr>
+          <p:spPr>
+            <a:xfrm>
+              <a:off x="2275114" y="1907623"/>
+              <a:ext cx="1208314" cy="646331"/>
+            </a:xfrm>
+            <a:prstGeom prst="rect">
+              <a:avLst/>
+            </a:prstGeom>
+            <a:noFill/>
+          </p:spPr>
+          <p:txBody>
+            <a:bodyPr wrap="square" rtlCol="0">
+              <a:spAutoFit/>
+            </a:bodyPr>
+            <a:lstStyle/>
+            <a:p>
+              <a:pPr algn="ctr"/>
+              <a:r>
+                <a:rPr kumimoji="1" lang="en-US" altLang="ja-JP" dirty="0">
+                  <a:latin typeface="ＭＳ Ｐゴシック" panose="020B0600070205080204" pitchFamily="50" charset="-128"/>
+                  <a:ea typeface="ＭＳ Ｐゴシック" panose="020B0600070205080204" pitchFamily="50" charset="-128"/>
+                </a:rPr>
+                <a:t>Core</a:t>
+              </a:r>
+            </a:p>
+            <a:p>
+              <a:pPr algn="ctr"/>
+              <a:r>
+                <a:rPr kumimoji="1" lang="en-US" altLang="ja-JP" dirty="0" err="1" smtClean="0">
+                  <a:latin typeface="ＭＳ Ｐゴシック" panose="020B0600070205080204" pitchFamily="50" charset="-128"/>
+                  <a:ea typeface="ＭＳ Ｐゴシック" panose="020B0600070205080204" pitchFamily="50" charset="-128"/>
+                </a:rPr>
+                <a:t>OFSw</a:t>
+              </a:r>
+              <a:endParaRPr kumimoji="1" lang="ja-JP" altLang="en-US" dirty="0">
+                <a:latin typeface="ＭＳ Ｐゴシック" panose="020B0600070205080204" pitchFamily="50" charset="-128"/>
+                <a:ea typeface="ＭＳ Ｐゴシック" panose="020B0600070205080204" pitchFamily="50" charset="-128"/>
+              </a:endParaRPr>
+            </a:p>
+          </p:txBody>
+        </p:sp>
+        <p:sp>
+          <p:nvSpPr>
+            <p:cNvPr id="86" name="正方形/長方形 85"/>
+            <p:cNvSpPr/>
+            <p:nvPr/>
+          </p:nvSpPr>
+          <p:spPr>
+            <a:xfrm>
+              <a:off x="2275111" y="1907622"/>
+              <a:ext cx="1208317" cy="646331"/>
+            </a:xfrm>
+            <a:prstGeom prst="rect">
+              <a:avLst/>
+            </a:prstGeom>
+            <a:noFill/>
+            <a:ln>
+              <a:solidFill>
+                <a:schemeClr val="tx1"/>
+              </a:solidFill>
+            </a:ln>
+          </p:spPr>
+          <p:style>
+            <a:lnRef idx="2">
+              <a:schemeClr val="accent1">
+                <a:shade val="50000"/>
+              </a:schemeClr>
+            </a:lnRef>
+            <a:fillRef idx="1">
+              <a:schemeClr val="accent1"/>
+            </a:fillRef>
+            <a:effectRef idx="0">
+              <a:schemeClr val="accent1"/>
+            </a:effectRef>
+            <a:fontRef idx="minor">
+              <a:schemeClr val="lt1"/>
+            </a:fontRef>
+          </p:style>
+          <p:txBody>
+            <a:bodyPr rtlCol="0" anchor="ctr"/>
+            <a:lstStyle/>
+            <a:p>
+              <a:pPr algn="ctr"/>
+              <a:endParaRPr kumimoji="1" lang="ja-JP" altLang="en-US"/>
+            </a:p>
+          </p:txBody>
+        </p:sp>
+      </p:grpSp>
+      <p:grpSp>
+        <p:nvGrpSpPr>
+          <p:cNvPr id="87" name="グループ化 86"/>
+          <p:cNvGrpSpPr/>
+          <p:nvPr/>
+        </p:nvGrpSpPr>
+        <p:grpSpPr>
+          <a:xfrm>
+            <a:off x="6291939" y="2245078"/>
+            <a:ext cx="1023260" cy="646332"/>
+            <a:chOff x="2275111" y="1907622"/>
+            <a:chExt cx="1208317" cy="646332"/>
+          </a:xfrm>
+        </p:grpSpPr>
+        <p:sp>
+          <p:nvSpPr>
+            <p:cNvPr id="88" name="テキスト ボックス 87"/>
+            <p:cNvSpPr txBox="1"/>
+            <p:nvPr/>
+          </p:nvSpPr>
+          <p:spPr>
+            <a:xfrm>
+              <a:off x="2275114" y="1907623"/>
+              <a:ext cx="1208314" cy="646331"/>
+            </a:xfrm>
+            <a:prstGeom prst="rect">
+              <a:avLst/>
+            </a:prstGeom>
+            <a:noFill/>
+          </p:spPr>
+          <p:txBody>
+            <a:bodyPr wrap="square" rtlCol="0">
+              <a:spAutoFit/>
+            </a:bodyPr>
+            <a:lstStyle/>
+            <a:p>
+              <a:pPr algn="ctr"/>
+              <a:r>
+                <a:rPr kumimoji="1" lang="en-US" altLang="ja-JP" dirty="0">
+                  <a:latin typeface="ＭＳ Ｐゴシック" panose="020B0600070205080204" pitchFamily="50" charset="-128"/>
+                  <a:ea typeface="ＭＳ Ｐゴシック" panose="020B0600070205080204" pitchFamily="50" charset="-128"/>
+                </a:rPr>
+                <a:t>Core</a:t>
+              </a:r>
+            </a:p>
+            <a:p>
+              <a:pPr algn="ctr"/>
+              <a:r>
+                <a:rPr kumimoji="1" lang="en-US" altLang="ja-JP" dirty="0" err="1" smtClean="0">
+                  <a:latin typeface="ＭＳ Ｐゴシック" panose="020B0600070205080204" pitchFamily="50" charset="-128"/>
+                  <a:ea typeface="ＭＳ Ｐゴシック" panose="020B0600070205080204" pitchFamily="50" charset="-128"/>
+                </a:rPr>
+                <a:t>OFSw</a:t>
+              </a:r>
+              <a:endParaRPr kumimoji="1" lang="ja-JP" altLang="en-US" dirty="0">
+                <a:latin typeface="ＭＳ Ｐゴシック" panose="020B0600070205080204" pitchFamily="50" charset="-128"/>
+                <a:ea typeface="ＭＳ Ｐゴシック" panose="020B0600070205080204" pitchFamily="50" charset="-128"/>
+              </a:endParaRPr>
+            </a:p>
+          </p:txBody>
+        </p:sp>
+        <p:sp>
+          <p:nvSpPr>
+            <p:cNvPr id="89" name="正方形/長方形 88"/>
+            <p:cNvSpPr/>
+            <p:nvPr/>
+          </p:nvSpPr>
+          <p:spPr>
+            <a:xfrm>
+              <a:off x="2275111" y="1907622"/>
+              <a:ext cx="1208317" cy="646331"/>
+            </a:xfrm>
+            <a:prstGeom prst="rect">
+              <a:avLst/>
+            </a:prstGeom>
+            <a:noFill/>
+            <a:ln>
+              <a:solidFill>
+                <a:schemeClr val="tx1"/>
+              </a:solidFill>
+            </a:ln>
+          </p:spPr>
+          <p:style>
+            <a:lnRef idx="2">
+              <a:schemeClr val="accent1">
+                <a:shade val="50000"/>
+              </a:schemeClr>
+            </a:lnRef>
+            <a:fillRef idx="1">
+              <a:schemeClr val="accent1"/>
+            </a:fillRef>
+            <a:effectRef idx="0">
+              <a:schemeClr val="accent1"/>
+            </a:effectRef>
+            <a:fontRef idx="minor">
+              <a:schemeClr val="lt1"/>
+            </a:fontRef>
+          </p:style>
+          <p:txBody>
+            <a:bodyPr rtlCol="0" anchor="ctr"/>
+            <a:lstStyle/>
+            <a:p>
+              <a:pPr algn="ctr"/>
+              <a:endParaRPr kumimoji="1" lang="ja-JP" altLang="en-US"/>
+            </a:p>
+          </p:txBody>
+        </p:sp>
+      </p:grpSp>
+      <p:grpSp>
+        <p:nvGrpSpPr>
+          <p:cNvPr id="90" name="グループ化 89"/>
+          <p:cNvGrpSpPr/>
+          <p:nvPr/>
+        </p:nvGrpSpPr>
+        <p:grpSpPr>
+          <a:xfrm>
+            <a:off x="8388793" y="2245078"/>
+            <a:ext cx="1023260" cy="646332"/>
+            <a:chOff x="2275111" y="1907622"/>
+            <a:chExt cx="1208317" cy="646332"/>
+          </a:xfrm>
+        </p:grpSpPr>
+        <p:sp>
+          <p:nvSpPr>
+            <p:cNvPr id="91" name="テキスト ボックス 90"/>
+            <p:cNvSpPr txBox="1"/>
+            <p:nvPr/>
+          </p:nvSpPr>
+          <p:spPr>
+            <a:xfrm>
+              <a:off x="2275114" y="1907623"/>
+              <a:ext cx="1208314" cy="646331"/>
+            </a:xfrm>
+            <a:prstGeom prst="rect">
+              <a:avLst/>
+            </a:prstGeom>
+            <a:noFill/>
+          </p:spPr>
+          <p:txBody>
+            <a:bodyPr wrap="square" rtlCol="0">
+              <a:spAutoFit/>
+            </a:bodyPr>
+            <a:lstStyle/>
+            <a:p>
+              <a:pPr algn="ctr"/>
+              <a:r>
+                <a:rPr kumimoji="1" lang="en-US" altLang="ja-JP" dirty="0">
+                  <a:latin typeface="ＭＳ Ｐゴシック" panose="020B0600070205080204" pitchFamily="50" charset="-128"/>
+                  <a:ea typeface="ＭＳ Ｐゴシック" panose="020B0600070205080204" pitchFamily="50" charset="-128"/>
+                </a:rPr>
+                <a:t>Core</a:t>
+              </a:r>
+            </a:p>
+            <a:p>
+              <a:pPr algn="ctr"/>
+              <a:r>
+                <a:rPr kumimoji="1" lang="en-US" altLang="ja-JP" dirty="0" err="1" smtClean="0">
+                  <a:latin typeface="ＭＳ Ｐゴシック" panose="020B0600070205080204" pitchFamily="50" charset="-128"/>
+                  <a:ea typeface="ＭＳ Ｐゴシック" panose="020B0600070205080204" pitchFamily="50" charset="-128"/>
+                </a:rPr>
+                <a:t>OFSw</a:t>
+              </a:r>
+              <a:endParaRPr kumimoji="1" lang="ja-JP" altLang="en-US" dirty="0">
+                <a:latin typeface="ＭＳ Ｐゴシック" panose="020B0600070205080204" pitchFamily="50" charset="-128"/>
+                <a:ea typeface="ＭＳ Ｐゴシック" panose="020B0600070205080204" pitchFamily="50" charset="-128"/>
+              </a:endParaRPr>
+            </a:p>
+          </p:txBody>
+        </p:sp>
+        <p:sp>
+          <p:nvSpPr>
+            <p:cNvPr id="92" name="正方形/長方形 91"/>
+            <p:cNvSpPr/>
+            <p:nvPr/>
+          </p:nvSpPr>
+          <p:spPr>
+            <a:xfrm>
+              <a:off x="2275111" y="1907622"/>
+              <a:ext cx="1208317" cy="646331"/>
+            </a:xfrm>
+            <a:prstGeom prst="rect">
+              <a:avLst/>
+            </a:prstGeom>
+            <a:noFill/>
+            <a:ln>
+              <a:solidFill>
+                <a:schemeClr val="tx1"/>
+              </a:solidFill>
+            </a:ln>
+          </p:spPr>
+          <p:style>
+            <a:lnRef idx="2">
+              <a:schemeClr val="accent1">
+                <a:shade val="50000"/>
+              </a:schemeClr>
+            </a:lnRef>
+            <a:fillRef idx="1">
+              <a:schemeClr val="accent1"/>
+            </a:fillRef>
+            <a:effectRef idx="0">
+              <a:schemeClr val="accent1"/>
+            </a:effectRef>
+            <a:fontRef idx="minor">
+              <a:schemeClr val="lt1"/>
+            </a:fontRef>
+          </p:style>
+          <p:txBody>
+            <a:bodyPr rtlCol="0" anchor="ctr"/>
+            <a:lstStyle/>
+            <a:p>
+              <a:pPr algn="ctr"/>
+              <a:endParaRPr kumimoji="1" lang="ja-JP" altLang="en-US"/>
+            </a:p>
+          </p:txBody>
+        </p:sp>
+      </p:grpSp>
+      <p:grpSp>
+        <p:nvGrpSpPr>
+          <p:cNvPr id="101" name="グループ化 100"/>
+          <p:cNvGrpSpPr/>
+          <p:nvPr/>
+        </p:nvGrpSpPr>
+        <p:grpSpPr>
+          <a:xfrm>
+            <a:off x="1634874" y="3320143"/>
+            <a:ext cx="1034145" cy="369332"/>
+            <a:chOff x="1682517" y="3320143"/>
+            <a:chExt cx="1034145" cy="369332"/>
+          </a:xfrm>
+        </p:grpSpPr>
+        <p:sp>
+          <p:nvSpPr>
+            <p:cNvPr id="63" name="テキスト ボックス 62"/>
+            <p:cNvSpPr txBox="1"/>
+            <p:nvPr/>
+          </p:nvSpPr>
+          <p:spPr>
+            <a:xfrm>
+              <a:off x="1682517" y="3320143"/>
+              <a:ext cx="1034144" cy="369332"/>
+            </a:xfrm>
+            <a:prstGeom prst="rect">
+              <a:avLst/>
+            </a:prstGeom>
+            <a:noFill/>
+          </p:spPr>
+          <p:txBody>
+            <a:bodyPr wrap="square" rtlCol="0">
+              <a:spAutoFit/>
+            </a:bodyPr>
+            <a:lstStyle/>
+            <a:p>
+              <a:pPr algn="ctr"/>
+              <a:r>
+                <a:rPr kumimoji="1" lang="en-US" altLang="ja-JP" dirty="0" err="1">
+                  <a:latin typeface="ＭＳ Ｐゴシック" panose="020B0600070205080204" pitchFamily="50" charset="-128"/>
+                  <a:ea typeface="ＭＳ Ｐゴシック" panose="020B0600070205080204" pitchFamily="50" charset="-128"/>
+                </a:rPr>
+                <a:t>OFSw</a:t>
+              </a:r>
+              <a:endParaRPr kumimoji="1" lang="ja-JP" altLang="en-US" dirty="0">
+                <a:latin typeface="ＭＳ Ｐゴシック" panose="020B0600070205080204" pitchFamily="50" charset="-128"/>
+                <a:ea typeface="ＭＳ Ｐゴシック" panose="020B0600070205080204" pitchFamily="50" charset="-128"/>
+              </a:endParaRPr>
+            </a:p>
+          </p:txBody>
+        </p:sp>
+        <p:sp>
+          <p:nvSpPr>
+            <p:cNvPr id="100" name="正方形/長方形 99"/>
+            <p:cNvSpPr/>
+            <p:nvPr/>
+          </p:nvSpPr>
+          <p:spPr>
+            <a:xfrm>
+              <a:off x="1682518" y="3320143"/>
+              <a:ext cx="1034144" cy="369332"/>
+            </a:xfrm>
+            <a:prstGeom prst="rect">
+              <a:avLst/>
+            </a:prstGeom>
+            <a:noFill/>
+            <a:ln>
+              <a:solidFill>
+                <a:schemeClr val="tx1"/>
+              </a:solidFill>
+            </a:ln>
+          </p:spPr>
+          <p:style>
+            <a:lnRef idx="2">
+              <a:schemeClr val="accent1">
+                <a:shade val="50000"/>
+              </a:schemeClr>
+            </a:lnRef>
+            <a:fillRef idx="1">
+              <a:schemeClr val="accent1"/>
+            </a:fillRef>
+            <a:effectRef idx="0">
+              <a:schemeClr val="accent1"/>
+            </a:effectRef>
+            <a:fontRef idx="minor">
+              <a:schemeClr val="lt1"/>
+            </a:fontRef>
+          </p:style>
+          <p:txBody>
+            <a:bodyPr rtlCol="0" anchor="ctr"/>
+            <a:lstStyle/>
+            <a:p>
+              <a:pPr algn="ctr"/>
+              <a:endParaRPr kumimoji="1" lang="ja-JP" altLang="en-US"/>
+            </a:p>
+          </p:txBody>
+        </p:sp>
+      </p:grpSp>
+      <p:grpSp>
+        <p:nvGrpSpPr>
+          <p:cNvPr id="102" name="グループ化 101"/>
+          <p:cNvGrpSpPr/>
+          <p:nvPr/>
+        </p:nvGrpSpPr>
+        <p:grpSpPr>
+          <a:xfrm>
+            <a:off x="3275230" y="3320143"/>
+            <a:ext cx="1034145" cy="369332"/>
+            <a:chOff x="1682517" y="3320143"/>
+            <a:chExt cx="1034145" cy="369332"/>
+          </a:xfrm>
+        </p:grpSpPr>
+        <p:sp>
+          <p:nvSpPr>
+            <p:cNvPr id="103" name="テキスト ボックス 102"/>
+            <p:cNvSpPr txBox="1"/>
+            <p:nvPr/>
+          </p:nvSpPr>
+          <p:spPr>
+            <a:xfrm>
+              <a:off x="1682517" y="3320143"/>
+              <a:ext cx="1034144" cy="369332"/>
+            </a:xfrm>
+            <a:prstGeom prst="rect">
+              <a:avLst/>
+            </a:prstGeom>
+            <a:noFill/>
+          </p:spPr>
+          <p:txBody>
+            <a:bodyPr wrap="square" rtlCol="0">
+              <a:spAutoFit/>
+            </a:bodyPr>
+            <a:lstStyle/>
+            <a:p>
+              <a:pPr algn="ctr"/>
+              <a:r>
+                <a:rPr kumimoji="1" lang="en-US" altLang="ja-JP" dirty="0" err="1">
+                  <a:latin typeface="ＭＳ Ｐゴシック" panose="020B0600070205080204" pitchFamily="50" charset="-128"/>
+                  <a:ea typeface="ＭＳ Ｐゴシック" panose="020B0600070205080204" pitchFamily="50" charset="-128"/>
+                </a:rPr>
+                <a:t>OFSw</a:t>
+              </a:r>
+              <a:endParaRPr kumimoji="1" lang="ja-JP" altLang="en-US" dirty="0">
+                <a:latin typeface="ＭＳ Ｐゴシック" panose="020B0600070205080204" pitchFamily="50" charset="-128"/>
+                <a:ea typeface="ＭＳ Ｐゴシック" panose="020B0600070205080204" pitchFamily="50" charset="-128"/>
+              </a:endParaRPr>
+            </a:p>
+          </p:txBody>
+        </p:sp>
+        <p:sp>
+          <p:nvSpPr>
+            <p:cNvPr id="104" name="正方形/長方形 103"/>
+            <p:cNvSpPr/>
+            <p:nvPr/>
+          </p:nvSpPr>
+          <p:spPr>
+            <a:xfrm>
+              <a:off x="1682518" y="3320143"/>
+              <a:ext cx="1034144" cy="369332"/>
+            </a:xfrm>
+            <a:prstGeom prst="rect">
+              <a:avLst/>
+            </a:prstGeom>
+            <a:noFill/>
+            <a:ln>
+              <a:solidFill>
+                <a:schemeClr val="tx1"/>
+              </a:solidFill>
+            </a:ln>
+          </p:spPr>
+          <p:style>
+            <a:lnRef idx="2">
+              <a:schemeClr val="accent1">
+                <a:shade val="50000"/>
+              </a:schemeClr>
+            </a:lnRef>
+            <a:fillRef idx="1">
+              <a:schemeClr val="accent1"/>
+            </a:fillRef>
+            <a:effectRef idx="0">
+              <a:schemeClr val="accent1"/>
+            </a:effectRef>
+            <a:fontRef idx="minor">
+              <a:schemeClr val="lt1"/>
+            </a:fontRef>
+          </p:style>
+          <p:txBody>
+            <a:bodyPr rtlCol="0" anchor="ctr"/>
+            <a:lstStyle/>
+            <a:p>
+              <a:pPr algn="ctr"/>
+              <a:endParaRPr kumimoji="1" lang="ja-JP" altLang="en-US"/>
+            </a:p>
+          </p:txBody>
+        </p:sp>
+      </p:grpSp>
+      <p:grpSp>
+        <p:nvGrpSpPr>
+          <p:cNvPr id="105" name="グループ化 104"/>
+          <p:cNvGrpSpPr/>
+          <p:nvPr/>
+        </p:nvGrpSpPr>
+        <p:grpSpPr>
+          <a:xfrm>
+            <a:off x="7635632" y="3320143"/>
+            <a:ext cx="1034145" cy="369332"/>
+            <a:chOff x="1682517" y="3320143"/>
+            <a:chExt cx="1034145" cy="369332"/>
+          </a:xfrm>
+        </p:grpSpPr>
+        <p:sp>
+          <p:nvSpPr>
+            <p:cNvPr id="106" name="テキスト ボックス 105"/>
+            <p:cNvSpPr txBox="1"/>
+            <p:nvPr/>
+          </p:nvSpPr>
+          <p:spPr>
+            <a:xfrm>
+              <a:off x="1682517" y="3320143"/>
+              <a:ext cx="1034144" cy="369332"/>
+            </a:xfrm>
+            <a:prstGeom prst="rect">
+              <a:avLst/>
+            </a:prstGeom>
+            <a:noFill/>
+          </p:spPr>
+          <p:txBody>
+            <a:bodyPr wrap="square" rtlCol="0">
+              <a:spAutoFit/>
+            </a:bodyPr>
+            <a:lstStyle/>
+            <a:p>
+              <a:pPr algn="ctr"/>
+              <a:r>
+                <a:rPr kumimoji="1" lang="en-US" altLang="ja-JP" dirty="0" err="1">
+                  <a:latin typeface="ＭＳ Ｐゴシック" panose="020B0600070205080204" pitchFamily="50" charset="-128"/>
+                  <a:ea typeface="ＭＳ Ｐゴシック" panose="020B0600070205080204" pitchFamily="50" charset="-128"/>
+                </a:rPr>
+                <a:t>OFSw</a:t>
+              </a:r>
+              <a:endParaRPr kumimoji="1" lang="ja-JP" altLang="en-US" dirty="0">
+                <a:latin typeface="ＭＳ Ｐゴシック" panose="020B0600070205080204" pitchFamily="50" charset="-128"/>
+                <a:ea typeface="ＭＳ Ｐゴシック" panose="020B0600070205080204" pitchFamily="50" charset="-128"/>
+              </a:endParaRPr>
+            </a:p>
+          </p:txBody>
+        </p:sp>
+        <p:sp>
+          <p:nvSpPr>
+            <p:cNvPr id="107" name="正方形/長方形 106"/>
+            <p:cNvSpPr/>
+            <p:nvPr/>
+          </p:nvSpPr>
+          <p:spPr>
+            <a:xfrm>
+              <a:off x="1682518" y="3320143"/>
+              <a:ext cx="1034144" cy="369332"/>
+            </a:xfrm>
+            <a:prstGeom prst="rect">
+              <a:avLst/>
+            </a:prstGeom>
+            <a:noFill/>
+            <a:ln>
+              <a:solidFill>
+                <a:schemeClr val="tx1"/>
+              </a:solidFill>
+            </a:ln>
+          </p:spPr>
+          <p:style>
+            <a:lnRef idx="2">
+              <a:schemeClr val="accent1">
+                <a:shade val="50000"/>
+              </a:schemeClr>
+            </a:lnRef>
+            <a:fillRef idx="1">
+              <a:schemeClr val="accent1"/>
+            </a:fillRef>
+            <a:effectRef idx="0">
+              <a:schemeClr val="accent1"/>
+            </a:effectRef>
+            <a:fontRef idx="minor">
+              <a:schemeClr val="lt1"/>
+            </a:fontRef>
+          </p:style>
+          <p:txBody>
+            <a:bodyPr rtlCol="0" anchor="ctr"/>
+            <a:lstStyle/>
+            <a:p>
+              <a:pPr algn="ctr"/>
+              <a:endParaRPr kumimoji="1" lang="ja-JP" altLang="en-US"/>
+            </a:p>
+          </p:txBody>
+        </p:sp>
+      </p:grpSp>
+      <p:grpSp>
+        <p:nvGrpSpPr>
+          <p:cNvPr id="108" name="グループ化 107"/>
+          <p:cNvGrpSpPr/>
+          <p:nvPr/>
+        </p:nvGrpSpPr>
+        <p:grpSpPr>
+          <a:xfrm>
+            <a:off x="9205225" y="3320143"/>
+            <a:ext cx="1034145" cy="369332"/>
+            <a:chOff x="1682517" y="3320143"/>
+            <a:chExt cx="1034145" cy="369332"/>
+          </a:xfrm>
+        </p:grpSpPr>
+        <p:sp>
+          <p:nvSpPr>
+            <p:cNvPr id="109" name="テキスト ボックス 108"/>
+            <p:cNvSpPr txBox="1"/>
+            <p:nvPr/>
+          </p:nvSpPr>
+          <p:spPr>
+            <a:xfrm>
+              <a:off x="1682517" y="3320143"/>
+              <a:ext cx="1034144" cy="369332"/>
+            </a:xfrm>
+            <a:prstGeom prst="rect">
+              <a:avLst/>
+            </a:prstGeom>
+            <a:noFill/>
+          </p:spPr>
+          <p:txBody>
+            <a:bodyPr wrap="square" rtlCol="0">
+              <a:spAutoFit/>
+            </a:bodyPr>
+            <a:lstStyle/>
+            <a:p>
+              <a:pPr algn="ctr"/>
+              <a:r>
+                <a:rPr kumimoji="1" lang="en-US" altLang="ja-JP" dirty="0" err="1">
+                  <a:latin typeface="ＭＳ Ｐゴシック" panose="020B0600070205080204" pitchFamily="50" charset="-128"/>
+                  <a:ea typeface="ＭＳ Ｐゴシック" panose="020B0600070205080204" pitchFamily="50" charset="-128"/>
+                </a:rPr>
+                <a:t>OFSw</a:t>
+              </a:r>
+              <a:endParaRPr kumimoji="1" lang="ja-JP" altLang="en-US" dirty="0">
+                <a:latin typeface="ＭＳ Ｐゴシック" panose="020B0600070205080204" pitchFamily="50" charset="-128"/>
+                <a:ea typeface="ＭＳ Ｐゴシック" panose="020B0600070205080204" pitchFamily="50" charset="-128"/>
+              </a:endParaRPr>
+            </a:p>
+          </p:txBody>
+        </p:sp>
+        <p:sp>
+          <p:nvSpPr>
+            <p:cNvPr id="110" name="正方形/長方形 109"/>
+            <p:cNvSpPr/>
+            <p:nvPr/>
+          </p:nvSpPr>
+          <p:spPr>
+            <a:xfrm>
+              <a:off x="1682518" y="3320143"/>
+              <a:ext cx="1034144" cy="369332"/>
+            </a:xfrm>
+            <a:prstGeom prst="rect">
+              <a:avLst/>
+            </a:prstGeom>
+            <a:noFill/>
+            <a:ln>
+              <a:solidFill>
+                <a:schemeClr val="tx1"/>
+              </a:solidFill>
+            </a:ln>
+          </p:spPr>
+          <p:style>
+            <a:lnRef idx="2">
+              <a:schemeClr val="accent1">
+                <a:shade val="50000"/>
+              </a:schemeClr>
+            </a:lnRef>
+            <a:fillRef idx="1">
+              <a:schemeClr val="accent1"/>
+            </a:fillRef>
+            <a:effectRef idx="0">
+              <a:schemeClr val="accent1"/>
+            </a:effectRef>
+            <a:fontRef idx="minor">
+              <a:schemeClr val="lt1"/>
+            </a:fontRef>
+          </p:style>
+          <p:txBody>
+            <a:bodyPr rtlCol="0" anchor="ctr"/>
+            <a:lstStyle/>
+            <a:p>
+              <a:pPr algn="ctr"/>
+              <a:endParaRPr kumimoji="1" lang="ja-JP" altLang="en-US"/>
+            </a:p>
+          </p:txBody>
+        </p:sp>
+      </p:grpSp>
+      <p:cxnSp>
+        <p:nvCxnSpPr>
+          <p:cNvPr id="112" name="直線コネクタ 111"/>
+          <p:cNvCxnSpPr>
+            <a:stCxn id="29" idx="2"/>
+            <a:endCxn id="100" idx="0"/>
+          </p:cNvCxnSpPr>
+          <p:nvPr/>
+        </p:nvCxnSpPr>
+        <p:spPr>
+          <a:xfrm flipH="1">
+            <a:off x="2151947" y="2891410"/>
+            <a:ext cx="825291" cy="428733"/>
+          </a:xfrm>
+          <a:prstGeom prst="line">
+            <a:avLst/>
+          </a:prstGeom>
+          <a:ln w="19050">
+            <a:solidFill>
+              <a:srgbClr val="FF0000"/>
+            </a:solidFill>
+          </a:ln>
+        </p:spPr>
+        <p:style>
+          <a:lnRef idx="1">
+            <a:schemeClr val="accent1"/>
+          </a:lnRef>
+          <a:fillRef idx="0">
+            <a:schemeClr val="accent1"/>
+          </a:fillRef>
+          <a:effectRef idx="0">
+            <a:schemeClr val="accent1"/>
+          </a:effectRef>
+          <a:fontRef idx="minor">
+            <a:schemeClr val="tx1"/>
+          </a:fontRef>
+        </p:style>
+      </p:cxnSp>
+      <p:cxnSp>
+        <p:nvCxnSpPr>
+          <p:cNvPr id="113" name="直線コネクタ 112"/>
+          <p:cNvCxnSpPr>
+            <a:stCxn id="29" idx="2"/>
+            <a:endCxn id="104" idx="0"/>
+          </p:cNvCxnSpPr>
+          <p:nvPr/>
+        </p:nvCxnSpPr>
+        <p:spPr>
+          <a:xfrm>
+            <a:off x="2977238" y="2891410"/>
+            <a:ext cx="815065" cy="428733"/>
+          </a:xfrm>
+          <a:prstGeom prst="line">
+            <a:avLst/>
+          </a:prstGeom>
+          <a:ln w="19050">
+            <a:solidFill>
+              <a:schemeClr val="tx1"/>
+            </a:solidFill>
+          </a:ln>
+        </p:spPr>
+        <p:style>
+          <a:lnRef idx="1">
+            <a:schemeClr val="accent1"/>
+          </a:lnRef>
+          <a:fillRef idx="0">
+            <a:schemeClr val="accent1"/>
+          </a:fillRef>
+          <a:effectRef idx="0">
+            <a:schemeClr val="accent1"/>
+          </a:effectRef>
+          <a:fontRef idx="minor">
+            <a:schemeClr val="tx1"/>
+          </a:fontRef>
+        </p:style>
+      </p:cxnSp>
+      <p:cxnSp>
+        <p:nvCxnSpPr>
+          <p:cNvPr id="116" name="直線コネクタ 115"/>
+          <p:cNvCxnSpPr>
+            <a:stCxn id="92" idx="2"/>
+            <a:endCxn id="107" idx="0"/>
+          </p:cNvCxnSpPr>
+          <p:nvPr/>
+        </p:nvCxnSpPr>
+        <p:spPr>
+          <a:xfrm flipH="1">
+            <a:off x="8152705" y="2891409"/>
+            <a:ext cx="747718" cy="428734"/>
+          </a:xfrm>
+          <a:prstGeom prst="line">
+            <a:avLst/>
+          </a:prstGeom>
+          <a:ln w="19050">
+            <a:solidFill>
+              <a:schemeClr val="tx1"/>
+            </a:solidFill>
+          </a:ln>
+        </p:spPr>
+        <p:style>
+          <a:lnRef idx="1">
+            <a:schemeClr val="accent1"/>
+          </a:lnRef>
+          <a:fillRef idx="0">
+            <a:schemeClr val="accent1"/>
+          </a:fillRef>
+          <a:effectRef idx="0">
+            <a:schemeClr val="accent1"/>
+          </a:effectRef>
+          <a:fontRef idx="minor">
+            <a:schemeClr val="tx1"/>
+          </a:fontRef>
+        </p:style>
+      </p:cxnSp>
+      <p:cxnSp>
+        <p:nvCxnSpPr>
+          <p:cNvPr id="119" name="直線コネクタ 118"/>
+          <p:cNvCxnSpPr>
+            <a:stCxn id="92" idx="2"/>
+            <a:endCxn id="110" idx="0"/>
+          </p:cNvCxnSpPr>
+          <p:nvPr/>
+        </p:nvCxnSpPr>
+        <p:spPr>
+          <a:xfrm>
+            <a:off x="8900423" y="2891409"/>
+            <a:ext cx="821875" cy="428734"/>
+          </a:xfrm>
+          <a:prstGeom prst="line">
+            <a:avLst/>
+          </a:prstGeom>
+          <a:ln w="19050">
+            <a:solidFill>
+              <a:schemeClr val="tx1"/>
+            </a:solidFill>
+          </a:ln>
+        </p:spPr>
+        <p:style>
+          <a:lnRef idx="1">
+            <a:schemeClr val="accent1"/>
+          </a:lnRef>
+          <a:fillRef idx="0">
+            <a:schemeClr val="accent1"/>
+          </a:fillRef>
+          <a:effectRef idx="0">
+            <a:schemeClr val="accent1"/>
+          </a:effectRef>
+          <a:fontRef idx="minor">
+            <a:schemeClr val="tx1"/>
+          </a:fontRef>
+        </p:style>
+      </p:cxnSp>
+      <p:sp>
+        <p:nvSpPr>
+          <p:cNvPr id="49" name="テキスト ボックス 48"/>
+          <p:cNvSpPr txBox="1"/>
+          <p:nvPr/>
+        </p:nvSpPr>
+        <p:spPr>
+          <a:xfrm>
+            <a:off x="3561469" y="3748875"/>
+            <a:ext cx="461665" cy="844424"/>
+          </a:xfrm>
+          <a:prstGeom prst="rect">
+            <a:avLst/>
+          </a:prstGeom>
+          <a:noFill/>
+        </p:spPr>
+        <p:txBody>
+          <a:bodyPr vert="eaVert" wrap="square" rtlCol="0">
+            <a:spAutoFit/>
+          </a:bodyPr>
+          <a:lstStyle/>
+          <a:p>
+            <a:r>
+              <a:rPr kumimoji="1" lang="ja-JP" altLang="en-US" dirty="0" smtClean="0"/>
+              <a:t>・・・</a:t>
+            </a:r>
+            <a:endParaRPr kumimoji="1" lang="ja-JP" altLang="en-US" dirty="0"/>
+          </a:p>
+        </p:txBody>
+      </p:sp>
+      <p:sp>
+        <p:nvSpPr>
+          <p:cNvPr id="50" name="テキスト ボックス 49"/>
+          <p:cNvSpPr txBox="1"/>
+          <p:nvPr/>
+        </p:nvSpPr>
+        <p:spPr>
+          <a:xfrm>
+            <a:off x="4770852" y="3105776"/>
+            <a:ext cx="461665" cy="844424"/>
+          </a:xfrm>
+          <a:prstGeom prst="rect">
+            <a:avLst/>
+          </a:prstGeom>
+          <a:noFill/>
+        </p:spPr>
+        <p:txBody>
+          <a:bodyPr vert="eaVert" wrap="square" rtlCol="0">
+            <a:spAutoFit/>
+          </a:bodyPr>
+          <a:lstStyle/>
+          <a:p>
+            <a:r>
+              <a:rPr kumimoji="1" lang="ja-JP" altLang="en-US" dirty="0" smtClean="0"/>
+              <a:t>・・・</a:t>
+            </a:r>
+            <a:endParaRPr kumimoji="1" lang="ja-JP" altLang="en-US" dirty="0"/>
+          </a:p>
+        </p:txBody>
+      </p:sp>
+      <p:sp>
+        <p:nvSpPr>
+          <p:cNvPr id="53" name="テキスト ボックス 52"/>
+          <p:cNvSpPr txBox="1"/>
+          <p:nvPr/>
+        </p:nvSpPr>
+        <p:spPr>
+          <a:xfrm>
+            <a:off x="6567755" y="3082597"/>
+            <a:ext cx="461665" cy="844424"/>
+          </a:xfrm>
+          <a:prstGeom prst="rect">
+            <a:avLst/>
+          </a:prstGeom>
+          <a:noFill/>
+        </p:spPr>
+        <p:txBody>
+          <a:bodyPr vert="eaVert" wrap="square" rtlCol="0">
+            <a:spAutoFit/>
+          </a:bodyPr>
+          <a:lstStyle/>
+          <a:p>
+            <a:r>
+              <a:rPr kumimoji="1" lang="ja-JP" altLang="en-US" dirty="0" smtClean="0"/>
+              <a:t>・・・</a:t>
+            </a:r>
+            <a:endParaRPr kumimoji="1" lang="ja-JP" altLang="en-US" dirty="0"/>
+          </a:p>
+        </p:txBody>
+      </p:sp>
+      <p:sp>
+        <p:nvSpPr>
+          <p:cNvPr id="55" name="テキスト ボックス 54"/>
+          <p:cNvSpPr txBox="1"/>
+          <p:nvPr/>
+        </p:nvSpPr>
+        <p:spPr>
+          <a:xfrm>
+            <a:off x="9491464" y="3748875"/>
+            <a:ext cx="461665" cy="844424"/>
+          </a:xfrm>
+          <a:prstGeom prst="rect">
+            <a:avLst/>
+          </a:prstGeom>
+          <a:noFill/>
+        </p:spPr>
+        <p:txBody>
+          <a:bodyPr vert="eaVert" wrap="square" rtlCol="0">
+            <a:spAutoFit/>
+          </a:bodyPr>
+          <a:lstStyle/>
+          <a:p>
+            <a:r>
+              <a:rPr kumimoji="1" lang="ja-JP" altLang="en-US" dirty="0" smtClean="0"/>
+              <a:t>・・・</a:t>
+            </a:r>
+            <a:endParaRPr kumimoji="1" lang="ja-JP" altLang="en-US" dirty="0"/>
+          </a:p>
+        </p:txBody>
+      </p:sp>
+      <p:grpSp>
+        <p:nvGrpSpPr>
+          <p:cNvPr id="56" name="グループ化 55"/>
+          <p:cNvGrpSpPr/>
+          <p:nvPr/>
+        </p:nvGrpSpPr>
+        <p:grpSpPr>
+          <a:xfrm>
+            <a:off x="779230" y="4535927"/>
+            <a:ext cx="1034145" cy="369332"/>
+            <a:chOff x="1682517" y="3320143"/>
+            <a:chExt cx="1034145" cy="369332"/>
+          </a:xfrm>
+        </p:grpSpPr>
+        <p:sp>
+          <p:nvSpPr>
+            <p:cNvPr id="59" name="テキスト ボックス 58"/>
+            <p:cNvSpPr txBox="1"/>
+            <p:nvPr/>
+          </p:nvSpPr>
+          <p:spPr>
+            <a:xfrm>
+              <a:off x="1682517" y="3320143"/>
+              <a:ext cx="1034144" cy="369332"/>
+            </a:xfrm>
+            <a:prstGeom prst="rect">
+              <a:avLst/>
+            </a:prstGeom>
+            <a:noFill/>
+            <a:ln>
+              <a:solidFill>
+                <a:srgbClr val="FF0000"/>
+              </a:solidFill>
+            </a:ln>
+          </p:spPr>
+          <p:txBody>
+            <a:bodyPr wrap="square" rtlCol="0">
+              <a:spAutoFit/>
+            </a:bodyPr>
+            <a:lstStyle/>
+            <a:p>
+              <a:pPr algn="ctr"/>
+              <a:r>
+                <a:rPr kumimoji="1" lang="en-US" altLang="ja-JP" dirty="0" smtClean="0">
+                  <a:solidFill>
+                    <a:srgbClr val="FF0000"/>
+                  </a:solidFill>
+                  <a:latin typeface="ＭＳ Ｐゴシック" panose="020B0600070205080204" pitchFamily="50" charset="-128"/>
+                  <a:ea typeface="ＭＳ Ｐゴシック" panose="020B0600070205080204" pitchFamily="50" charset="-128"/>
+                </a:rPr>
+                <a:t>Host</a:t>
+              </a:r>
+              <a:endParaRPr kumimoji="1" lang="ja-JP" altLang="en-US" dirty="0">
+                <a:solidFill>
+                  <a:srgbClr val="FF0000"/>
+                </a:solidFill>
+                <a:latin typeface="ＭＳ Ｐゴシック" panose="020B0600070205080204" pitchFamily="50" charset="-128"/>
+                <a:ea typeface="ＭＳ Ｐゴシック" panose="020B0600070205080204" pitchFamily="50" charset="-128"/>
+              </a:endParaRPr>
+            </a:p>
+          </p:txBody>
+        </p:sp>
+        <p:sp>
+          <p:nvSpPr>
+            <p:cNvPr id="60" name="正方形/長方形 59"/>
+            <p:cNvSpPr/>
+            <p:nvPr/>
+          </p:nvSpPr>
+          <p:spPr>
+            <a:xfrm>
+              <a:off x="1682518" y="3320143"/>
+              <a:ext cx="1034144" cy="369332"/>
+            </a:xfrm>
+            <a:prstGeom prst="rect">
+              <a:avLst/>
+            </a:prstGeom>
+            <a:noFill/>
+            <a:ln>
+              <a:solidFill>
+                <a:srgbClr val="FF0000"/>
+              </a:solidFill>
+            </a:ln>
+          </p:spPr>
+          <p:style>
+            <a:lnRef idx="2">
+              <a:schemeClr val="accent1">
+                <a:shade val="50000"/>
+              </a:schemeClr>
+            </a:lnRef>
+            <a:fillRef idx="1">
+              <a:schemeClr val="accent1"/>
+            </a:fillRef>
+            <a:effectRef idx="0">
+              <a:schemeClr val="accent1"/>
+            </a:effectRef>
+            <a:fontRef idx="minor">
+              <a:schemeClr val="lt1"/>
+            </a:fontRef>
+          </p:style>
+          <p:txBody>
+            <a:bodyPr rtlCol="0" anchor="ctr"/>
+            <a:lstStyle/>
+            <a:p>
+              <a:pPr algn="ctr"/>
+              <a:endParaRPr kumimoji="1" lang="ja-JP" altLang="en-US">
+                <a:solidFill>
+                  <a:srgbClr val="FF0000"/>
+                </a:solidFill>
+              </a:endParaRPr>
+            </a:p>
+          </p:txBody>
+        </p:sp>
+      </p:grpSp>
+      <p:grpSp>
+        <p:nvGrpSpPr>
+          <p:cNvPr id="61" name="グループ化 60"/>
+          <p:cNvGrpSpPr/>
+          <p:nvPr/>
+        </p:nvGrpSpPr>
+        <p:grpSpPr>
+          <a:xfrm>
+            <a:off x="2485168" y="4535927"/>
+            <a:ext cx="1034145" cy="369332"/>
+            <a:chOff x="1682517" y="3320143"/>
+            <a:chExt cx="1034145" cy="369332"/>
+          </a:xfrm>
+        </p:grpSpPr>
+        <p:sp>
+          <p:nvSpPr>
+            <p:cNvPr id="62" name="テキスト ボックス 61"/>
+            <p:cNvSpPr txBox="1"/>
+            <p:nvPr/>
+          </p:nvSpPr>
+          <p:spPr>
+            <a:xfrm>
+              <a:off x="1682517" y="3320143"/>
+              <a:ext cx="1034144" cy="369332"/>
+            </a:xfrm>
+            <a:prstGeom prst="rect">
+              <a:avLst/>
+            </a:prstGeom>
+            <a:noFill/>
+            <a:ln>
+              <a:solidFill>
+                <a:srgbClr val="FF0000"/>
+              </a:solidFill>
+            </a:ln>
+          </p:spPr>
+          <p:txBody>
+            <a:bodyPr wrap="square" rtlCol="0">
+              <a:spAutoFit/>
+            </a:bodyPr>
+            <a:lstStyle/>
+            <a:p>
+              <a:pPr algn="ctr"/>
+              <a:r>
+                <a:rPr kumimoji="1" lang="en-US" altLang="ja-JP" dirty="0" smtClean="0">
+                  <a:solidFill>
+                    <a:srgbClr val="FF0000"/>
+                  </a:solidFill>
+                  <a:latin typeface="ＭＳ Ｐゴシック" panose="020B0600070205080204" pitchFamily="50" charset="-128"/>
+                  <a:ea typeface="ＭＳ Ｐゴシック" panose="020B0600070205080204" pitchFamily="50" charset="-128"/>
+                </a:rPr>
+                <a:t>Host</a:t>
+              </a:r>
+              <a:endParaRPr kumimoji="1" lang="ja-JP" altLang="en-US" dirty="0">
+                <a:solidFill>
+                  <a:srgbClr val="FF0000"/>
+                </a:solidFill>
+                <a:latin typeface="ＭＳ Ｐゴシック" panose="020B0600070205080204" pitchFamily="50" charset="-128"/>
+                <a:ea typeface="ＭＳ Ｐゴシック" panose="020B0600070205080204" pitchFamily="50" charset="-128"/>
+              </a:endParaRPr>
+            </a:p>
+          </p:txBody>
+        </p:sp>
+        <p:sp>
+          <p:nvSpPr>
+            <p:cNvPr id="64" name="正方形/長方形 63"/>
+            <p:cNvSpPr/>
+            <p:nvPr/>
+          </p:nvSpPr>
+          <p:spPr>
+            <a:xfrm>
+              <a:off x="1682518" y="3320143"/>
+              <a:ext cx="1034144" cy="369332"/>
+            </a:xfrm>
+            <a:prstGeom prst="rect">
+              <a:avLst/>
+            </a:prstGeom>
+            <a:noFill/>
+            <a:ln>
+              <a:solidFill>
+                <a:srgbClr val="FF0000"/>
+              </a:solidFill>
+            </a:ln>
+          </p:spPr>
+          <p:style>
+            <a:lnRef idx="2">
+              <a:schemeClr val="accent1">
+                <a:shade val="50000"/>
+              </a:schemeClr>
+            </a:lnRef>
+            <a:fillRef idx="1">
+              <a:schemeClr val="accent1"/>
+            </a:fillRef>
+            <a:effectRef idx="0">
+              <a:schemeClr val="accent1"/>
+            </a:effectRef>
+            <a:fontRef idx="minor">
+              <a:schemeClr val="lt1"/>
+            </a:fontRef>
+          </p:style>
+          <p:txBody>
+            <a:bodyPr rtlCol="0" anchor="ctr"/>
+            <a:lstStyle/>
+            <a:p>
+              <a:pPr algn="ctr"/>
+              <a:endParaRPr kumimoji="1" lang="ja-JP" altLang="en-US">
+                <a:solidFill>
+                  <a:srgbClr val="FF0000"/>
+                </a:solidFill>
+              </a:endParaRPr>
+            </a:p>
+          </p:txBody>
+        </p:sp>
+      </p:grpSp>
+      <p:grpSp>
+        <p:nvGrpSpPr>
+          <p:cNvPr id="65" name="グループ化 64"/>
+          <p:cNvGrpSpPr/>
+          <p:nvPr/>
+        </p:nvGrpSpPr>
+        <p:grpSpPr>
+          <a:xfrm>
+            <a:off x="6751381" y="4535927"/>
+            <a:ext cx="1034145" cy="369332"/>
+            <a:chOff x="1682517" y="3320143"/>
+            <a:chExt cx="1034145" cy="369332"/>
+          </a:xfrm>
+        </p:grpSpPr>
+        <p:sp>
+          <p:nvSpPr>
+            <p:cNvPr id="66" name="テキスト ボックス 65"/>
+            <p:cNvSpPr txBox="1"/>
+            <p:nvPr/>
+          </p:nvSpPr>
+          <p:spPr>
+            <a:xfrm>
+              <a:off x="1682517" y="3320143"/>
+              <a:ext cx="1034144" cy="369332"/>
+            </a:xfrm>
+            <a:prstGeom prst="rect">
+              <a:avLst/>
+            </a:prstGeom>
+            <a:noFill/>
+          </p:spPr>
+          <p:txBody>
+            <a:bodyPr wrap="square" rtlCol="0">
+              <a:spAutoFit/>
+            </a:bodyPr>
+            <a:lstStyle/>
+            <a:p>
+              <a:pPr algn="ctr"/>
+              <a:r>
+                <a:rPr kumimoji="1" lang="en-US" altLang="ja-JP" dirty="0" smtClean="0">
+                  <a:latin typeface="ＭＳ Ｐゴシック" panose="020B0600070205080204" pitchFamily="50" charset="-128"/>
+                  <a:ea typeface="ＭＳ Ｐゴシック" panose="020B0600070205080204" pitchFamily="50" charset="-128"/>
+                </a:rPr>
+                <a:t>Host</a:t>
+              </a:r>
+              <a:endParaRPr kumimoji="1" lang="ja-JP" altLang="en-US" dirty="0">
+                <a:latin typeface="ＭＳ Ｐゴシック" panose="020B0600070205080204" pitchFamily="50" charset="-128"/>
+                <a:ea typeface="ＭＳ Ｐゴシック" panose="020B0600070205080204" pitchFamily="50" charset="-128"/>
+              </a:endParaRPr>
+            </a:p>
+          </p:txBody>
+        </p:sp>
+        <p:sp>
+          <p:nvSpPr>
+            <p:cNvPr id="67" name="正方形/長方形 66"/>
+            <p:cNvSpPr/>
+            <p:nvPr/>
+          </p:nvSpPr>
+          <p:spPr>
+            <a:xfrm>
+              <a:off x="1682518" y="3320143"/>
+              <a:ext cx="1034144" cy="369332"/>
+            </a:xfrm>
+            <a:prstGeom prst="rect">
+              <a:avLst/>
+            </a:prstGeom>
+            <a:noFill/>
+            <a:ln>
+              <a:solidFill>
+                <a:schemeClr val="tx1"/>
+              </a:solidFill>
+            </a:ln>
+          </p:spPr>
+          <p:style>
+            <a:lnRef idx="2">
+              <a:schemeClr val="accent1">
+                <a:shade val="50000"/>
+              </a:schemeClr>
+            </a:lnRef>
+            <a:fillRef idx="1">
+              <a:schemeClr val="accent1"/>
+            </a:fillRef>
+            <a:effectRef idx="0">
+              <a:schemeClr val="accent1"/>
+            </a:effectRef>
+            <a:fontRef idx="minor">
+              <a:schemeClr val="lt1"/>
+            </a:fontRef>
+          </p:style>
+          <p:txBody>
+            <a:bodyPr rtlCol="0" anchor="ctr"/>
+            <a:lstStyle/>
+            <a:p>
+              <a:pPr algn="ctr"/>
+              <a:endParaRPr kumimoji="1" lang="ja-JP" altLang="en-US"/>
+            </a:p>
+          </p:txBody>
+        </p:sp>
+      </p:grpSp>
+      <p:grpSp>
+        <p:nvGrpSpPr>
+          <p:cNvPr id="68" name="グループ化 67"/>
+          <p:cNvGrpSpPr/>
+          <p:nvPr/>
+        </p:nvGrpSpPr>
+        <p:grpSpPr>
+          <a:xfrm>
+            <a:off x="8457319" y="4535927"/>
+            <a:ext cx="1034145" cy="369332"/>
+            <a:chOff x="1682517" y="3320143"/>
+            <a:chExt cx="1034145" cy="369332"/>
+          </a:xfrm>
+        </p:grpSpPr>
+        <p:sp>
+          <p:nvSpPr>
+            <p:cNvPr id="69" name="テキスト ボックス 68"/>
+            <p:cNvSpPr txBox="1"/>
+            <p:nvPr/>
+          </p:nvSpPr>
+          <p:spPr>
+            <a:xfrm>
+              <a:off x="1682517" y="3320143"/>
+              <a:ext cx="1034144" cy="369332"/>
+            </a:xfrm>
+            <a:prstGeom prst="rect">
+              <a:avLst/>
+            </a:prstGeom>
+            <a:noFill/>
+            <a:ln>
+              <a:solidFill>
+                <a:schemeClr val="tx1"/>
+              </a:solidFill>
+            </a:ln>
+          </p:spPr>
+          <p:txBody>
+            <a:bodyPr wrap="square" rtlCol="0">
+              <a:spAutoFit/>
+            </a:bodyPr>
+            <a:lstStyle/>
+            <a:p>
+              <a:pPr algn="ctr"/>
+              <a:r>
+                <a:rPr kumimoji="1" lang="en-US" altLang="ja-JP" dirty="0" smtClean="0">
+                  <a:latin typeface="ＭＳ Ｐゴシック" panose="020B0600070205080204" pitchFamily="50" charset="-128"/>
+                  <a:ea typeface="ＭＳ Ｐゴシック" panose="020B0600070205080204" pitchFamily="50" charset="-128"/>
+                </a:rPr>
+                <a:t>Host</a:t>
+              </a:r>
+              <a:endParaRPr kumimoji="1" lang="ja-JP" altLang="en-US" dirty="0">
+                <a:latin typeface="ＭＳ Ｐゴシック" panose="020B0600070205080204" pitchFamily="50" charset="-128"/>
+                <a:ea typeface="ＭＳ Ｐゴシック" panose="020B0600070205080204" pitchFamily="50" charset="-128"/>
+              </a:endParaRPr>
+            </a:p>
+          </p:txBody>
+        </p:sp>
+        <p:sp>
+          <p:nvSpPr>
+            <p:cNvPr id="70" name="正方形/長方形 69"/>
+            <p:cNvSpPr/>
+            <p:nvPr/>
+          </p:nvSpPr>
+          <p:spPr>
+            <a:xfrm>
+              <a:off x="1682518" y="3320143"/>
+              <a:ext cx="1034144" cy="369332"/>
+            </a:xfrm>
+            <a:prstGeom prst="rect">
+              <a:avLst/>
+            </a:prstGeom>
+            <a:noFill/>
+            <a:ln>
+              <a:solidFill>
+                <a:schemeClr val="tx1"/>
+              </a:solidFill>
+            </a:ln>
+          </p:spPr>
+          <p:style>
+            <a:lnRef idx="2">
+              <a:schemeClr val="accent1">
+                <a:shade val="50000"/>
+              </a:schemeClr>
+            </a:lnRef>
+            <a:fillRef idx="1">
+              <a:schemeClr val="accent1"/>
+            </a:fillRef>
+            <a:effectRef idx="0">
+              <a:schemeClr val="accent1"/>
+            </a:effectRef>
+            <a:fontRef idx="minor">
+              <a:schemeClr val="lt1"/>
+            </a:fontRef>
+          </p:style>
+          <p:txBody>
+            <a:bodyPr rtlCol="0" anchor="ctr"/>
+            <a:lstStyle/>
+            <a:p>
+              <a:pPr algn="ctr"/>
+              <a:endParaRPr kumimoji="1" lang="ja-JP" altLang="en-US">
+                <a:solidFill>
+                  <a:schemeClr val="tx1"/>
+                </a:solidFill>
+              </a:endParaRPr>
+            </a:p>
+          </p:txBody>
+        </p:sp>
+      </p:grpSp>
+      <p:cxnSp>
+        <p:nvCxnSpPr>
+          <p:cNvPr id="71" name="直線コネクタ 70"/>
+          <p:cNvCxnSpPr>
+            <a:stCxn id="106" idx="2"/>
+            <a:endCxn id="66" idx="0"/>
+          </p:cNvCxnSpPr>
+          <p:nvPr/>
+        </p:nvCxnSpPr>
+        <p:spPr>
+          <a:xfrm flipH="1">
+            <a:off x="7268453" y="3689475"/>
+            <a:ext cx="884251" cy="846452"/>
+          </a:xfrm>
+          <a:prstGeom prst="line">
+            <a:avLst/>
+          </a:prstGeom>
+          <a:ln w="19050">
+            <a:solidFill>
+              <a:schemeClr val="tx1"/>
+            </a:solidFill>
+          </a:ln>
+        </p:spPr>
+        <p:style>
+          <a:lnRef idx="1">
+            <a:schemeClr val="accent1"/>
+          </a:lnRef>
+          <a:fillRef idx="0">
+            <a:schemeClr val="accent1"/>
+          </a:fillRef>
+          <a:effectRef idx="0">
+            <a:schemeClr val="accent1"/>
+          </a:effectRef>
+          <a:fontRef idx="minor">
+            <a:schemeClr val="tx1"/>
+          </a:fontRef>
+        </p:style>
+      </p:cxnSp>
+      <p:cxnSp>
+        <p:nvCxnSpPr>
+          <p:cNvPr id="72" name="直線コネクタ 71"/>
+          <p:cNvCxnSpPr>
+            <a:stCxn id="106" idx="2"/>
+            <a:endCxn id="69" idx="0"/>
+          </p:cNvCxnSpPr>
+          <p:nvPr/>
+        </p:nvCxnSpPr>
+        <p:spPr>
+          <a:xfrm>
+            <a:off x="8152704" y="3689475"/>
+            <a:ext cx="821687" cy="846452"/>
+          </a:xfrm>
+          <a:prstGeom prst="line">
+            <a:avLst/>
+          </a:prstGeom>
+          <a:ln w="19050">
+            <a:solidFill>
+              <a:schemeClr val="tx1"/>
+            </a:solidFill>
+          </a:ln>
+        </p:spPr>
+        <p:style>
+          <a:lnRef idx="1">
+            <a:schemeClr val="accent1"/>
+          </a:lnRef>
+          <a:fillRef idx="0">
+            <a:schemeClr val="accent1"/>
+          </a:fillRef>
+          <a:effectRef idx="0">
+            <a:schemeClr val="accent1"/>
+          </a:effectRef>
+          <a:fontRef idx="minor">
+            <a:schemeClr val="tx1"/>
+          </a:fontRef>
+        </p:style>
+      </p:cxnSp>
+      <p:cxnSp>
+        <p:nvCxnSpPr>
+          <p:cNvPr id="73" name="直線コネクタ 72"/>
+          <p:cNvCxnSpPr>
+            <a:stCxn id="63" idx="2"/>
+            <a:endCxn id="64" idx="0"/>
+          </p:cNvCxnSpPr>
+          <p:nvPr/>
+        </p:nvCxnSpPr>
+        <p:spPr>
+          <a:xfrm>
+            <a:off x="2151946" y="3689475"/>
+            <a:ext cx="850295" cy="846452"/>
+          </a:xfrm>
+          <a:prstGeom prst="line">
+            <a:avLst/>
+          </a:prstGeom>
+          <a:ln w="19050">
+            <a:solidFill>
+              <a:srgbClr val="FF0000"/>
+            </a:solidFill>
+          </a:ln>
+        </p:spPr>
+        <p:style>
+          <a:lnRef idx="1">
+            <a:schemeClr val="accent1"/>
+          </a:lnRef>
+          <a:fillRef idx="0">
+            <a:schemeClr val="accent1"/>
+          </a:fillRef>
+          <a:effectRef idx="0">
+            <a:schemeClr val="accent1"/>
+          </a:effectRef>
+          <a:fontRef idx="minor">
+            <a:schemeClr val="tx1"/>
+          </a:fontRef>
+        </p:style>
+      </p:cxnSp>
+      <p:cxnSp>
+        <p:nvCxnSpPr>
+          <p:cNvPr id="77" name="直線コネクタ 76"/>
+          <p:cNvCxnSpPr>
+            <a:stCxn id="100" idx="2"/>
+            <a:endCxn id="60" idx="0"/>
+          </p:cNvCxnSpPr>
+          <p:nvPr/>
+        </p:nvCxnSpPr>
+        <p:spPr>
+          <a:xfrm flipH="1">
+            <a:off x="1296303" y="3689475"/>
+            <a:ext cx="855644" cy="846452"/>
+          </a:xfrm>
+          <a:prstGeom prst="line">
+            <a:avLst/>
+          </a:prstGeom>
+          <a:ln w="19050">
+            <a:solidFill>
+              <a:srgbClr val="FF0000"/>
+            </a:solidFill>
+          </a:ln>
+        </p:spPr>
+        <p:style>
+          <a:lnRef idx="1">
+            <a:schemeClr val="accent1"/>
+          </a:lnRef>
+          <a:fillRef idx="0">
+            <a:schemeClr val="accent1"/>
+          </a:fillRef>
+          <a:effectRef idx="0">
+            <a:schemeClr val="accent1"/>
+          </a:effectRef>
+          <a:fontRef idx="minor">
+            <a:schemeClr val="tx1"/>
+          </a:fontRef>
+        </p:style>
+      </p:cxnSp>
+      <p:sp>
+        <p:nvSpPr>
+          <p:cNvPr id="78" name="右矢印 77"/>
+          <p:cNvSpPr/>
+          <p:nvPr/>
+        </p:nvSpPr>
+        <p:spPr>
+          <a:xfrm rot="19830536">
+            <a:off x="2135488" y="3000914"/>
+            <a:ext cx="423456" cy="150323"/>
+          </a:xfrm>
+          <a:prstGeom prst="rightArrow">
+            <a:avLst>
+              <a:gd name="adj1" fmla="val 50000"/>
+              <a:gd name="adj2" fmla="val 71428"/>
+            </a:avLst>
+          </a:prstGeom>
+          <a:solidFill>
+            <a:schemeClr val="tx1"/>
+          </a:solidFill>
+          <a:ln>
+            <a:solidFill>
+              <a:schemeClr val="tx1"/>
+            </a:solidFill>
+          </a:ln>
+        </p:spPr>
+        <p:style>
+          <a:lnRef idx="2">
+            <a:schemeClr val="accent1">
+              <a:shade val="50000"/>
+            </a:schemeClr>
+          </a:lnRef>
+          <a:fillRef idx="1">
+            <a:schemeClr val="accent1"/>
+          </a:fillRef>
+          <a:effectRef idx="0">
+            <a:schemeClr val="accent1"/>
+          </a:effectRef>
+          <a:fontRef idx="minor">
+            <a:schemeClr val="lt1"/>
+          </a:fontRef>
+        </p:style>
+        <p:txBody>
+          <a:bodyPr rtlCol="0" anchor="ctr"/>
+          <a:lstStyle/>
+          <a:p>
+            <a:pPr algn="ctr"/>
+            <a:endParaRPr kumimoji="1" lang="ja-JP" altLang="en-US"/>
+          </a:p>
+        </p:txBody>
+      </p:sp>
+      <p:sp>
+        <p:nvSpPr>
+          <p:cNvPr id="79" name="右矢印 78"/>
+          <p:cNvSpPr/>
+          <p:nvPr/>
+        </p:nvSpPr>
+        <p:spPr>
+          <a:xfrm rot="20303707">
+            <a:off x="3574270" y="1687941"/>
+            <a:ext cx="423456" cy="150323"/>
+          </a:xfrm>
+          <a:prstGeom prst="rightArrow">
+            <a:avLst>
+              <a:gd name="adj1" fmla="val 50000"/>
+              <a:gd name="adj2" fmla="val 71428"/>
+            </a:avLst>
+          </a:prstGeom>
+          <a:solidFill>
+            <a:schemeClr val="tx1"/>
+          </a:solidFill>
+          <a:ln>
+            <a:solidFill>
+              <a:schemeClr val="tx1"/>
+            </a:solidFill>
+          </a:ln>
+        </p:spPr>
+        <p:style>
+          <a:lnRef idx="2">
+            <a:schemeClr val="accent1">
+              <a:shade val="50000"/>
+            </a:schemeClr>
+          </a:lnRef>
+          <a:fillRef idx="1">
+            <a:schemeClr val="accent1"/>
+          </a:fillRef>
+          <a:effectRef idx="0">
+            <a:schemeClr val="accent1"/>
+          </a:effectRef>
+          <a:fontRef idx="minor">
+            <a:schemeClr val="lt1"/>
+          </a:fontRef>
+        </p:style>
+        <p:txBody>
+          <a:bodyPr rtlCol="0" anchor="ctr"/>
+          <a:lstStyle/>
+          <a:p>
+            <a:pPr algn="ctr"/>
+            <a:endParaRPr kumimoji="1" lang="ja-JP" altLang="en-US"/>
+          </a:p>
+        </p:txBody>
+      </p:sp>
+      <p:sp>
+        <p:nvSpPr>
+          <p:cNvPr id="80" name="右矢印 79"/>
+          <p:cNvSpPr/>
+          <p:nvPr/>
+        </p:nvSpPr>
+        <p:spPr>
+          <a:xfrm rot="18499493">
+            <a:off x="4832252" y="690577"/>
+            <a:ext cx="423456" cy="150323"/>
+          </a:xfrm>
+          <a:prstGeom prst="rightArrow">
+            <a:avLst>
+              <a:gd name="adj1" fmla="val 50000"/>
+              <a:gd name="adj2" fmla="val 71428"/>
+            </a:avLst>
+          </a:prstGeom>
+          <a:solidFill>
+            <a:schemeClr val="tx1"/>
+          </a:solidFill>
+          <a:ln>
+            <a:solidFill>
+              <a:schemeClr val="tx1"/>
+            </a:solidFill>
+          </a:ln>
+        </p:spPr>
+        <p:style>
+          <a:lnRef idx="2">
+            <a:schemeClr val="accent1">
+              <a:shade val="50000"/>
+            </a:schemeClr>
+          </a:lnRef>
+          <a:fillRef idx="1">
+            <a:schemeClr val="accent1"/>
+          </a:fillRef>
+          <a:effectRef idx="0">
+            <a:schemeClr val="accent1"/>
+          </a:effectRef>
+          <a:fontRef idx="minor">
+            <a:schemeClr val="lt1"/>
+          </a:fontRef>
+        </p:style>
+        <p:txBody>
+          <a:bodyPr rtlCol="0" anchor="ctr"/>
+          <a:lstStyle/>
+          <a:p>
+            <a:pPr algn="ctr"/>
+            <a:endParaRPr kumimoji="1" lang="ja-JP" altLang="en-US"/>
+          </a:p>
+        </p:txBody>
+      </p:sp>
+      <p:sp>
+        <p:nvSpPr>
+          <p:cNvPr id="81" name="右矢印 80"/>
+          <p:cNvSpPr/>
+          <p:nvPr/>
+        </p:nvSpPr>
+        <p:spPr>
+          <a:xfrm rot="2579433">
+            <a:off x="6427791" y="664927"/>
+            <a:ext cx="423456" cy="150323"/>
+          </a:xfrm>
+          <a:prstGeom prst="rightArrow">
+            <a:avLst>
+              <a:gd name="adj1" fmla="val 50000"/>
+              <a:gd name="adj2" fmla="val 71428"/>
+            </a:avLst>
+          </a:prstGeom>
+          <a:solidFill>
+            <a:schemeClr val="tx1"/>
+          </a:solidFill>
+          <a:ln>
+            <a:solidFill>
+              <a:schemeClr val="tx1"/>
+            </a:solidFill>
+          </a:ln>
+        </p:spPr>
+        <p:style>
+          <a:lnRef idx="2">
+            <a:schemeClr val="accent1">
+              <a:shade val="50000"/>
+            </a:schemeClr>
+          </a:lnRef>
+          <a:fillRef idx="1">
+            <a:schemeClr val="accent1"/>
+          </a:fillRef>
+          <a:effectRef idx="0">
+            <a:schemeClr val="accent1"/>
+          </a:effectRef>
+          <a:fontRef idx="minor">
+            <a:schemeClr val="lt1"/>
+          </a:fontRef>
+        </p:style>
+        <p:txBody>
+          <a:bodyPr rtlCol="0" anchor="ctr"/>
+          <a:lstStyle/>
+          <a:p>
+            <a:pPr algn="ctr"/>
+            <a:endParaRPr kumimoji="1" lang="ja-JP" altLang="en-US"/>
+          </a:p>
+        </p:txBody>
+      </p:sp>
+      <p:sp>
+        <p:nvSpPr>
+          <p:cNvPr id="82" name="右矢印 81"/>
+          <p:cNvSpPr/>
+          <p:nvPr/>
+        </p:nvSpPr>
+        <p:spPr>
+          <a:xfrm rot="10056469">
+            <a:off x="4012055" y="2051071"/>
+            <a:ext cx="423456" cy="150323"/>
+          </a:xfrm>
+          <a:prstGeom prst="rightArrow">
+            <a:avLst>
+              <a:gd name="adj1" fmla="val 50000"/>
+              <a:gd name="adj2" fmla="val 71428"/>
+            </a:avLst>
+          </a:prstGeom>
+          <a:solidFill>
+            <a:schemeClr val="tx1"/>
+          </a:solidFill>
+          <a:ln>
+            <a:solidFill>
+              <a:schemeClr val="tx1"/>
+            </a:solidFill>
+          </a:ln>
+        </p:spPr>
+        <p:style>
+          <a:lnRef idx="2">
+            <a:schemeClr val="accent1">
+              <a:shade val="50000"/>
+            </a:schemeClr>
+          </a:lnRef>
+          <a:fillRef idx="1">
+            <a:schemeClr val="accent1"/>
+          </a:fillRef>
+          <a:effectRef idx="0">
+            <a:schemeClr val="accent1"/>
+          </a:effectRef>
+          <a:fontRef idx="minor">
+            <a:schemeClr val="lt1"/>
+          </a:fontRef>
+        </p:style>
+        <p:txBody>
+          <a:bodyPr rtlCol="0" anchor="ctr"/>
+          <a:lstStyle/>
+          <a:p>
+            <a:pPr algn="ctr"/>
+            <a:endParaRPr kumimoji="1" lang="ja-JP" altLang="en-US"/>
+          </a:p>
+        </p:txBody>
+      </p:sp>
+      <p:sp>
+        <p:nvSpPr>
+          <p:cNvPr id="83" name="右矢印 82"/>
+          <p:cNvSpPr/>
+          <p:nvPr/>
+        </p:nvSpPr>
+        <p:spPr>
+          <a:xfrm rot="8946521">
+            <a:off x="2616253" y="3048852"/>
+            <a:ext cx="423456" cy="150323"/>
+          </a:xfrm>
+          <a:prstGeom prst="rightArrow">
+            <a:avLst>
+              <a:gd name="adj1" fmla="val 50000"/>
+              <a:gd name="adj2" fmla="val 71428"/>
+            </a:avLst>
+          </a:prstGeom>
+          <a:solidFill>
+            <a:schemeClr val="tx1"/>
+          </a:solidFill>
+          <a:ln>
+            <a:solidFill>
+              <a:schemeClr val="tx1"/>
+            </a:solidFill>
+          </a:ln>
+        </p:spPr>
+        <p:style>
+          <a:lnRef idx="2">
+            <a:schemeClr val="accent1">
+              <a:shade val="50000"/>
+            </a:schemeClr>
+          </a:lnRef>
+          <a:fillRef idx="1">
+            <a:schemeClr val="accent1"/>
+          </a:fillRef>
+          <a:effectRef idx="0">
+            <a:schemeClr val="accent1"/>
+          </a:effectRef>
+          <a:fontRef idx="minor">
+            <a:schemeClr val="lt1"/>
+          </a:fontRef>
+        </p:style>
+        <p:txBody>
+          <a:bodyPr rtlCol="0" anchor="ctr"/>
+          <a:lstStyle/>
+          <a:p>
+            <a:pPr algn="ctr"/>
+            <a:endParaRPr kumimoji="1" lang="ja-JP" altLang="en-US"/>
+          </a:p>
+        </p:txBody>
+      </p:sp>
+      <p:sp>
+        <p:nvSpPr>
+          <p:cNvPr id="93" name="右矢印 92"/>
+          <p:cNvSpPr/>
+          <p:nvPr/>
+        </p:nvSpPr>
+        <p:spPr>
+          <a:xfrm rot="2739267">
+            <a:off x="2613836" y="4052324"/>
+            <a:ext cx="423456" cy="150323"/>
+          </a:xfrm>
+          <a:prstGeom prst="rightArrow">
+            <a:avLst>
+              <a:gd name="adj1" fmla="val 50000"/>
+              <a:gd name="adj2" fmla="val 71428"/>
+            </a:avLst>
+          </a:prstGeom>
+          <a:solidFill>
+            <a:schemeClr val="tx1"/>
+          </a:solidFill>
+          <a:ln>
+            <a:solidFill>
+              <a:schemeClr val="tx1"/>
+            </a:solidFill>
+          </a:ln>
+        </p:spPr>
+        <p:style>
+          <a:lnRef idx="2">
+            <a:schemeClr val="accent1">
+              <a:shade val="50000"/>
+            </a:schemeClr>
+          </a:lnRef>
+          <a:fillRef idx="1">
+            <a:schemeClr val="accent1"/>
+          </a:fillRef>
+          <a:effectRef idx="0">
+            <a:schemeClr val="accent1"/>
+          </a:effectRef>
+          <a:fontRef idx="minor">
+            <a:schemeClr val="lt1"/>
+          </a:fontRef>
+        </p:style>
+        <p:txBody>
+          <a:bodyPr rtlCol="0" anchor="ctr"/>
+          <a:lstStyle/>
+          <a:p>
+            <a:pPr algn="ctr"/>
+            <a:endParaRPr kumimoji="1" lang="ja-JP" altLang="en-US"/>
+          </a:p>
+        </p:txBody>
+      </p:sp>
+      <p:sp>
+        <p:nvSpPr>
+          <p:cNvPr id="94" name="右矢印 93"/>
+          <p:cNvSpPr/>
+          <p:nvPr/>
+        </p:nvSpPr>
+        <p:spPr>
+          <a:xfrm rot="19143343">
+            <a:off x="1339796" y="3983646"/>
+            <a:ext cx="423456" cy="150323"/>
+          </a:xfrm>
+          <a:prstGeom prst="rightArrow">
+            <a:avLst>
+              <a:gd name="adj1" fmla="val 50000"/>
+              <a:gd name="adj2" fmla="val 71428"/>
+            </a:avLst>
+          </a:prstGeom>
+          <a:solidFill>
+            <a:schemeClr val="tx1"/>
+          </a:solidFill>
+          <a:ln>
+            <a:solidFill>
+              <a:schemeClr val="tx1"/>
+            </a:solidFill>
+          </a:ln>
+        </p:spPr>
+        <p:style>
+          <a:lnRef idx="2">
+            <a:schemeClr val="accent1">
+              <a:shade val="50000"/>
+            </a:schemeClr>
+          </a:lnRef>
+          <a:fillRef idx="1">
+            <a:schemeClr val="accent1"/>
+          </a:fillRef>
+          <a:effectRef idx="0">
+            <a:schemeClr val="accent1"/>
+          </a:effectRef>
+          <a:fontRef idx="minor">
+            <a:schemeClr val="lt1"/>
+          </a:fontRef>
+        </p:style>
+        <p:txBody>
+          <a:bodyPr rtlCol="0" anchor="ctr"/>
+          <a:lstStyle/>
+          <a:p>
+            <a:pPr algn="ctr"/>
+            <a:endParaRPr kumimoji="1" lang="ja-JP" altLang="en-US"/>
+          </a:p>
+        </p:txBody>
+      </p:sp>
+    </p:spTree>
+    <p:extLst>
+      <p:ext uri="{BB962C8B-B14F-4D97-AF65-F5344CB8AC3E}">
+        <p14:creationId xmlns:p14="http://schemas.microsoft.com/office/powerpoint/2010/main" val="776815095"/>
       </p:ext>
     </p:extLst>
   </p:cSld>

--- a/Figure.pptx
+++ b/Figure.pptx
@@ -7,8 +7,10 @@
   <p:sldIdLst>
     <p:sldId id="257" r:id="rId2"/>
     <p:sldId id="256" r:id="rId3"/>
-    <p:sldId id="258" r:id="rId4"/>
-    <p:sldId id="259" r:id="rId5"/>
+    <p:sldId id="260" r:id="rId4"/>
+    <p:sldId id="261" r:id="rId5"/>
+    <p:sldId id="258" r:id="rId6"/>
+    <p:sldId id="259" r:id="rId7"/>
   </p:sldIdLst>
   <p:sldSz cx="12192000" cy="6858000"/>
   <p:notesSz cx="6858000" cy="9144000"/>
@@ -255,7 +257,7 @@
           <a:p>
             <a:fld id="{AD44FA29-5F0F-4BC4-B6C9-5CBB24FAE695}" type="datetimeFigureOut">
               <a:rPr kumimoji="1" lang="ja-JP" altLang="en-US" smtClean="0"/>
-              <a:t>2017/1/16</a:t>
+              <a:t>2017/1/25</a:t>
             </a:fld>
             <a:endParaRPr kumimoji="1" lang="ja-JP" altLang="en-US"/>
           </a:p>
@@ -455,7 +457,7 @@
           <a:p>
             <a:fld id="{AD44FA29-5F0F-4BC4-B6C9-5CBB24FAE695}" type="datetimeFigureOut">
               <a:rPr kumimoji="1" lang="ja-JP" altLang="en-US" smtClean="0"/>
-              <a:t>2017/1/16</a:t>
+              <a:t>2017/1/25</a:t>
             </a:fld>
             <a:endParaRPr kumimoji="1" lang="ja-JP" altLang="en-US"/>
           </a:p>
@@ -665,7 +667,7 @@
           <a:p>
             <a:fld id="{AD44FA29-5F0F-4BC4-B6C9-5CBB24FAE695}" type="datetimeFigureOut">
               <a:rPr kumimoji="1" lang="ja-JP" altLang="en-US" smtClean="0"/>
-              <a:t>2017/1/16</a:t>
+              <a:t>2017/1/25</a:t>
             </a:fld>
             <a:endParaRPr kumimoji="1" lang="ja-JP" altLang="en-US"/>
           </a:p>
@@ -865,7 +867,7 @@
           <a:p>
             <a:fld id="{AD44FA29-5F0F-4BC4-B6C9-5CBB24FAE695}" type="datetimeFigureOut">
               <a:rPr kumimoji="1" lang="ja-JP" altLang="en-US" smtClean="0"/>
-              <a:t>2017/1/16</a:t>
+              <a:t>2017/1/25</a:t>
             </a:fld>
             <a:endParaRPr kumimoji="1" lang="ja-JP" altLang="en-US"/>
           </a:p>
@@ -1110,7 +1112,7 @@
           <a:p>
             <a:fld id="{AD44FA29-5F0F-4BC4-B6C9-5CBB24FAE695}" type="datetimeFigureOut">
               <a:rPr kumimoji="1" lang="ja-JP" altLang="en-US" smtClean="0"/>
-              <a:t>2017/1/16</a:t>
+              <a:t>2017/1/25</a:t>
             </a:fld>
             <a:endParaRPr kumimoji="1" lang="ja-JP" altLang="en-US"/>
           </a:p>
@@ -1403,7 +1405,7 @@
           <a:p>
             <a:fld id="{AD44FA29-5F0F-4BC4-B6C9-5CBB24FAE695}" type="datetimeFigureOut">
               <a:rPr kumimoji="1" lang="ja-JP" altLang="en-US" smtClean="0"/>
-              <a:t>2017/1/16</a:t>
+              <a:t>2017/1/25</a:t>
             </a:fld>
             <a:endParaRPr kumimoji="1" lang="ja-JP" altLang="en-US"/>
           </a:p>
@@ -1831,7 +1833,7 @@
           <a:p>
             <a:fld id="{AD44FA29-5F0F-4BC4-B6C9-5CBB24FAE695}" type="datetimeFigureOut">
               <a:rPr kumimoji="1" lang="ja-JP" altLang="en-US" smtClean="0"/>
-              <a:t>2017/1/16</a:t>
+              <a:t>2017/1/25</a:t>
             </a:fld>
             <a:endParaRPr kumimoji="1" lang="ja-JP" altLang="en-US"/>
           </a:p>
@@ -1948,7 +1950,7 @@
           <a:p>
             <a:fld id="{AD44FA29-5F0F-4BC4-B6C9-5CBB24FAE695}" type="datetimeFigureOut">
               <a:rPr kumimoji="1" lang="ja-JP" altLang="en-US" smtClean="0"/>
-              <a:t>2017/1/16</a:t>
+              <a:t>2017/1/25</a:t>
             </a:fld>
             <a:endParaRPr kumimoji="1" lang="ja-JP" altLang="en-US"/>
           </a:p>
@@ -2043,7 +2045,7 @@
           <a:p>
             <a:fld id="{AD44FA29-5F0F-4BC4-B6C9-5CBB24FAE695}" type="datetimeFigureOut">
               <a:rPr kumimoji="1" lang="ja-JP" altLang="en-US" smtClean="0"/>
-              <a:t>2017/1/16</a:t>
+              <a:t>2017/1/25</a:t>
             </a:fld>
             <a:endParaRPr kumimoji="1" lang="ja-JP" altLang="en-US"/>
           </a:p>
@@ -2350,7 +2352,7 @@
           <a:p>
             <a:fld id="{AD44FA29-5F0F-4BC4-B6C9-5CBB24FAE695}" type="datetimeFigureOut">
               <a:rPr kumimoji="1" lang="ja-JP" altLang="en-US" smtClean="0"/>
-              <a:t>2017/1/16</a:t>
+              <a:t>2017/1/25</a:t>
             </a:fld>
             <a:endParaRPr kumimoji="1" lang="ja-JP" altLang="en-US"/>
           </a:p>
@@ -2602,7 +2604,7 @@
           <a:p>
             <a:fld id="{AD44FA29-5F0F-4BC4-B6C9-5CBB24FAE695}" type="datetimeFigureOut">
               <a:rPr kumimoji="1" lang="ja-JP" altLang="en-US" smtClean="0"/>
-              <a:t>2017/1/16</a:t>
+              <a:t>2017/1/25</a:t>
             </a:fld>
             <a:endParaRPr kumimoji="1" lang="ja-JP" altLang="en-US"/>
           </a:p>
@@ -2845,7 +2847,7 @@
           <a:p>
             <a:fld id="{AD44FA29-5F0F-4BC4-B6C9-5CBB24FAE695}" type="datetimeFigureOut">
               <a:rPr kumimoji="1" lang="ja-JP" altLang="en-US" smtClean="0"/>
-              <a:t>2017/1/16</a:t>
+              <a:t>2017/1/25</a:t>
             </a:fld>
             <a:endParaRPr kumimoji="1" lang="ja-JP" altLang="en-US"/>
           </a:p>
@@ -3384,7 +3386,7 @@
             <a:p>
               <a:pPr algn="ctr"/>
               <a:r>
-                <a:rPr kumimoji="1" lang="en-US" altLang="ja-JP" dirty="0" smtClean="0">
+                <a:rPr kumimoji="1" lang="en-US" altLang="ja-JP" dirty="0">
                   <a:latin typeface="ＭＳ Ｐゴシック" panose="020B0600070205080204" pitchFamily="50" charset="-128"/>
                   <a:ea typeface="ＭＳ Ｐゴシック" panose="020B0600070205080204" pitchFamily="50" charset="-128"/>
                 </a:rPr>
@@ -3492,7 +3494,7 @@
             <a:p>
               <a:pPr algn="ctr"/>
               <a:r>
-                <a:rPr kumimoji="1" lang="en-US" altLang="ja-JP" dirty="0" smtClean="0">
+                <a:rPr kumimoji="1" lang="en-US" altLang="ja-JP" dirty="0">
                   <a:latin typeface="ＭＳ Ｐゴシック" panose="020B0600070205080204" pitchFamily="50" charset="-128"/>
                   <a:ea typeface="ＭＳ Ｐゴシック" panose="020B0600070205080204" pitchFamily="50" charset="-128"/>
                 </a:rPr>
@@ -3600,7 +3602,7 @@
             <a:p>
               <a:pPr algn="ctr"/>
               <a:r>
-                <a:rPr kumimoji="1" lang="en-US" altLang="ja-JP" dirty="0" smtClean="0">
+                <a:rPr kumimoji="1" lang="en-US" altLang="ja-JP" dirty="0">
                   <a:latin typeface="ＭＳ Ｐゴシック" panose="020B0600070205080204" pitchFamily="50" charset="-128"/>
                   <a:ea typeface="ＭＳ Ｐゴシック" panose="020B0600070205080204" pitchFamily="50" charset="-128"/>
                 </a:rPr>
@@ -3708,7 +3710,7 @@
             <a:p>
               <a:pPr algn="ctr"/>
               <a:r>
-                <a:rPr kumimoji="1" lang="en-US" altLang="ja-JP" dirty="0" smtClean="0">
+                <a:rPr kumimoji="1" lang="en-US" altLang="ja-JP" dirty="0">
                   <a:latin typeface="ＭＳ Ｐゴシック" panose="020B0600070205080204" pitchFamily="50" charset="-128"/>
                   <a:ea typeface="ＭＳ Ｐゴシック" panose="020B0600070205080204" pitchFamily="50" charset="-128"/>
                 </a:rPr>
@@ -3806,7 +3808,7 @@
             <a:p>
               <a:pPr algn="ctr"/>
               <a:r>
-                <a:rPr kumimoji="1" lang="en-US" altLang="ja-JP" dirty="0" err="1" smtClean="0">
+                <a:rPr kumimoji="1" lang="en-US" altLang="ja-JP" dirty="0" err="1">
                   <a:latin typeface="ＭＳ Ｐゴシック" panose="020B0600070205080204" pitchFamily="50" charset="-128"/>
                   <a:ea typeface="ＭＳ Ｐゴシック" panose="020B0600070205080204" pitchFamily="50" charset="-128"/>
                 </a:rPr>
@@ -3904,7 +3906,7 @@
             <a:p>
               <a:pPr algn="ctr"/>
               <a:r>
-                <a:rPr kumimoji="1" lang="en-US" altLang="ja-JP" dirty="0" err="1" smtClean="0">
+                <a:rPr kumimoji="1" lang="en-US" altLang="ja-JP" dirty="0" err="1">
                   <a:latin typeface="ＭＳ Ｐゴシック" panose="020B0600070205080204" pitchFamily="50" charset="-128"/>
                   <a:ea typeface="ＭＳ Ｐゴシック" panose="020B0600070205080204" pitchFamily="50" charset="-128"/>
                 </a:rPr>
@@ -4002,7 +4004,7 @@
             <a:p>
               <a:pPr algn="ctr"/>
               <a:r>
-                <a:rPr kumimoji="1" lang="en-US" altLang="ja-JP" dirty="0" err="1" smtClean="0">
+                <a:rPr kumimoji="1" lang="en-US" altLang="ja-JP" dirty="0" err="1">
                   <a:latin typeface="ＭＳ Ｐゴシック" panose="020B0600070205080204" pitchFamily="50" charset="-128"/>
                   <a:ea typeface="ＭＳ Ｐゴシック" panose="020B0600070205080204" pitchFamily="50" charset="-128"/>
                 </a:rPr>
@@ -4100,7 +4102,7 @@
             <a:p>
               <a:pPr algn="ctr"/>
               <a:r>
-                <a:rPr kumimoji="1" lang="en-US" altLang="ja-JP" dirty="0" err="1" smtClean="0">
+                <a:rPr kumimoji="1" lang="en-US" altLang="ja-JP" dirty="0" err="1">
                   <a:latin typeface="ＭＳ Ｐゴシック" panose="020B0600070205080204" pitchFamily="50" charset="-128"/>
                   <a:ea typeface="ＭＳ Ｐゴシック" panose="020B0600070205080204" pitchFamily="50" charset="-128"/>
                 </a:rPr>
@@ -4459,7 +4461,7 @@
             </a:pathLst>
           </a:custGeom>
           <a:noFill/>
-          <a:ln>
+          <a:ln w="19050">
             <a:solidFill>
               <a:schemeClr val="tx1"/>
             </a:solidFill>
@@ -4611,7 +4613,7 @@
             </a:pathLst>
           </a:custGeom>
           <a:noFill/>
-          <a:ln>
+          <a:ln w="19050">
             <a:solidFill>
               <a:schemeClr val="tx1"/>
             </a:solidFill>
@@ -4787,7 +4789,7 @@
             </a:pathLst>
           </a:custGeom>
           <a:noFill/>
-          <a:ln>
+          <a:ln w="19050">
             <a:solidFill>
               <a:schemeClr val="tx1"/>
             </a:solidFill>
@@ -4957,7 +4959,7 @@
             </a:pathLst>
           </a:custGeom>
           <a:noFill/>
-          <a:ln>
+          <a:ln w="19050">
             <a:solidFill>
               <a:schemeClr val="tx1"/>
             </a:solidFill>
@@ -5121,7 +5123,7 @@
             </a:pathLst>
           </a:custGeom>
           <a:noFill/>
-          <a:ln>
+          <a:ln w="19050">
             <a:solidFill>
               <a:schemeClr val="tx1"/>
             </a:solidFill>
@@ -5309,6 +5311,269 @@
             </a:pathLst>
           </a:custGeom>
           <a:noFill/>
+          <a:ln w="19050">
+            <a:solidFill>
+              <a:schemeClr val="tx1"/>
+            </a:solidFill>
+          </a:ln>
+        </p:spPr>
+        <p:style>
+          <a:lnRef idx="2">
+            <a:schemeClr val="accent1">
+              <a:shade val="50000"/>
+            </a:schemeClr>
+          </a:lnRef>
+          <a:fillRef idx="1">
+            <a:schemeClr val="accent1"/>
+          </a:fillRef>
+          <a:effectRef idx="0">
+            <a:schemeClr val="accent1"/>
+          </a:effectRef>
+          <a:fontRef idx="minor">
+            <a:schemeClr val="lt1"/>
+          </a:fontRef>
+        </p:style>
+        <p:txBody>
+          <a:bodyPr rtlCol="0" anchor="ctr"/>
+          <a:lstStyle/>
+          <a:p>
+            <a:pPr algn="ctr"/>
+            <a:endParaRPr kumimoji="1" lang="ja-JP" altLang="en-US" b="1" dirty="0"/>
+          </a:p>
+        </p:txBody>
+      </p:sp>
+      <p:cxnSp>
+        <p:nvCxnSpPr>
+          <p:cNvPr id="98" name="曲線コネクタ 97"/>
+          <p:cNvCxnSpPr>
+            <a:stCxn id="5" idx="3"/>
+            <a:endCxn id="91" idx="0"/>
+          </p:cNvCxnSpPr>
+          <p:nvPr/>
+        </p:nvCxnSpPr>
+        <p:spPr>
+          <a:xfrm>
+            <a:off x="6379026" y="595308"/>
+            <a:ext cx="2521399" cy="1649771"/>
+          </a:xfrm>
+          <a:prstGeom prst="curvedConnector2">
+            <a:avLst/>
+          </a:prstGeom>
+          <a:ln w="19050">
+            <a:solidFill>
+              <a:schemeClr val="tx1"/>
+            </a:solidFill>
+          </a:ln>
+        </p:spPr>
+        <p:style>
+          <a:lnRef idx="1">
+            <a:schemeClr val="accent1"/>
+          </a:lnRef>
+          <a:fillRef idx="0">
+            <a:schemeClr val="accent1"/>
+          </a:fillRef>
+          <a:effectRef idx="0">
+            <a:schemeClr val="accent1"/>
+          </a:effectRef>
+          <a:fontRef idx="minor">
+            <a:schemeClr val="tx1"/>
+          </a:fontRef>
+        </p:style>
+      </p:cxnSp>
+      <p:sp>
+        <p:nvSpPr>
+          <p:cNvPr id="99" name="テキスト ボックス 98"/>
+          <p:cNvSpPr txBox="1"/>
+          <p:nvPr/>
+        </p:nvSpPr>
+        <p:spPr>
+          <a:xfrm>
+            <a:off x="1921113" y="3761186"/>
+            <a:ext cx="461665" cy="844424"/>
+          </a:xfrm>
+          <a:prstGeom prst="rect">
+            <a:avLst/>
+          </a:prstGeom>
+          <a:noFill/>
+        </p:spPr>
+        <p:txBody>
+          <a:bodyPr vert="eaVert" wrap="square" rtlCol="0">
+            <a:spAutoFit/>
+          </a:bodyPr>
+          <a:lstStyle/>
+          <a:p>
+            <a:r>
+              <a:rPr kumimoji="1" lang="ja-JP" altLang="en-US" dirty="0"/>
+              <a:t>・・・</a:t>
+            </a:r>
+          </a:p>
+        </p:txBody>
+      </p:sp>
+      <p:sp>
+        <p:nvSpPr>
+          <p:cNvPr id="120" name="テキスト ボックス 119"/>
+          <p:cNvSpPr txBox="1"/>
+          <p:nvPr/>
+        </p:nvSpPr>
+        <p:spPr>
+          <a:xfrm>
+            <a:off x="3561469" y="3761186"/>
+            <a:ext cx="461665" cy="844424"/>
+          </a:xfrm>
+          <a:prstGeom prst="rect">
+            <a:avLst/>
+          </a:prstGeom>
+          <a:noFill/>
+        </p:spPr>
+        <p:txBody>
+          <a:bodyPr vert="eaVert" wrap="square" rtlCol="0">
+            <a:spAutoFit/>
+          </a:bodyPr>
+          <a:lstStyle/>
+          <a:p>
+            <a:r>
+              <a:rPr kumimoji="1" lang="ja-JP" altLang="en-US" dirty="0"/>
+              <a:t>・・・</a:t>
+            </a:r>
+          </a:p>
+        </p:txBody>
+      </p:sp>
+      <p:sp>
+        <p:nvSpPr>
+          <p:cNvPr id="121" name="テキスト ボックス 120"/>
+          <p:cNvSpPr txBox="1"/>
+          <p:nvPr/>
+        </p:nvSpPr>
+        <p:spPr>
+          <a:xfrm>
+            <a:off x="4770852" y="3044372"/>
+            <a:ext cx="461665" cy="844424"/>
+          </a:xfrm>
+          <a:prstGeom prst="rect">
+            <a:avLst/>
+          </a:prstGeom>
+          <a:noFill/>
+        </p:spPr>
+        <p:txBody>
+          <a:bodyPr vert="eaVert" wrap="square" rtlCol="0">
+            <a:spAutoFit/>
+          </a:bodyPr>
+          <a:lstStyle/>
+          <a:p>
+            <a:r>
+              <a:rPr kumimoji="1" lang="ja-JP" altLang="en-US" dirty="0"/>
+              <a:t>・・・</a:t>
+            </a:r>
+          </a:p>
+        </p:txBody>
+      </p:sp>
+      <p:sp>
+        <p:nvSpPr>
+          <p:cNvPr id="122" name="テキスト ボックス 121"/>
+          <p:cNvSpPr txBox="1"/>
+          <p:nvPr/>
+        </p:nvSpPr>
+        <p:spPr>
+          <a:xfrm>
+            <a:off x="6599605" y="3044372"/>
+            <a:ext cx="461665" cy="844424"/>
+          </a:xfrm>
+          <a:prstGeom prst="rect">
+            <a:avLst/>
+          </a:prstGeom>
+          <a:noFill/>
+        </p:spPr>
+        <p:txBody>
+          <a:bodyPr vert="eaVert" wrap="square" rtlCol="0">
+            <a:spAutoFit/>
+          </a:bodyPr>
+          <a:lstStyle/>
+          <a:p>
+            <a:r>
+              <a:rPr kumimoji="1" lang="ja-JP" altLang="en-US" dirty="0"/>
+              <a:t>・・・</a:t>
+            </a:r>
+          </a:p>
+        </p:txBody>
+      </p:sp>
+      <p:sp>
+        <p:nvSpPr>
+          <p:cNvPr id="123" name="テキスト ボックス 122"/>
+          <p:cNvSpPr txBox="1"/>
+          <p:nvPr/>
+        </p:nvSpPr>
+        <p:spPr>
+          <a:xfrm>
+            <a:off x="7921871" y="3761186"/>
+            <a:ext cx="461665" cy="844424"/>
+          </a:xfrm>
+          <a:prstGeom prst="rect">
+            <a:avLst/>
+          </a:prstGeom>
+          <a:noFill/>
+        </p:spPr>
+        <p:txBody>
+          <a:bodyPr vert="eaVert" wrap="square" rtlCol="0">
+            <a:spAutoFit/>
+          </a:bodyPr>
+          <a:lstStyle/>
+          <a:p>
+            <a:r>
+              <a:rPr kumimoji="1" lang="ja-JP" altLang="en-US" dirty="0"/>
+              <a:t>・・・</a:t>
+            </a:r>
+          </a:p>
+        </p:txBody>
+      </p:sp>
+      <p:sp>
+        <p:nvSpPr>
+          <p:cNvPr id="124" name="テキスト ボックス 123"/>
+          <p:cNvSpPr txBox="1"/>
+          <p:nvPr/>
+        </p:nvSpPr>
+        <p:spPr>
+          <a:xfrm>
+            <a:off x="9491464" y="3761186"/>
+            <a:ext cx="461665" cy="844424"/>
+          </a:xfrm>
+          <a:prstGeom prst="rect">
+            <a:avLst/>
+          </a:prstGeom>
+          <a:noFill/>
+        </p:spPr>
+        <p:txBody>
+          <a:bodyPr vert="eaVert" wrap="square" rtlCol="0">
+            <a:spAutoFit/>
+          </a:bodyPr>
+          <a:lstStyle/>
+          <a:p>
+            <a:r>
+              <a:rPr kumimoji="1" lang="ja-JP" altLang="en-US" dirty="0"/>
+              <a:t>・・・</a:t>
+            </a:r>
+          </a:p>
+        </p:txBody>
+      </p:sp>
+      <p:sp>
+        <p:nvSpPr>
+          <p:cNvPr id="46" name="右矢印 79"/>
+          <p:cNvSpPr/>
+          <p:nvPr/>
+        </p:nvSpPr>
+        <p:spPr>
+          <a:xfrm rot="20868552">
+            <a:off x="4522237" y="429420"/>
+            <a:ext cx="423456" cy="150323"/>
+          </a:xfrm>
+          <a:prstGeom prst="rightArrow">
+            <a:avLst>
+              <a:gd name="adj1" fmla="val 50000"/>
+              <a:gd name="adj2" fmla="val 71428"/>
+            </a:avLst>
+          </a:prstGeom>
+          <a:solidFill>
+            <a:schemeClr val="tx1"/>
+          </a:solidFill>
           <a:ln>
             <a:solidFill>
               <a:schemeClr val="tx1"/>
@@ -5336,225 +5601,58 @@
           <a:lstStyle/>
           <a:p>
             <a:pPr algn="ctr"/>
-            <a:endParaRPr kumimoji="1" lang="ja-JP" altLang="en-US" b="1" dirty="0"/>
+            <a:endParaRPr kumimoji="1" lang="ja-JP" altLang="en-US"/>
           </a:p>
         </p:txBody>
       </p:sp>
-      <p:cxnSp>
-        <p:nvCxnSpPr>
-          <p:cNvPr id="98" name="曲線コネクタ 97"/>
-          <p:cNvCxnSpPr>
-            <a:stCxn id="5" idx="3"/>
-            <a:endCxn id="91" idx="0"/>
-          </p:cNvCxnSpPr>
-          <p:nvPr/>
-        </p:nvCxnSpPr>
+      <p:sp>
+        <p:nvSpPr>
+          <p:cNvPr id="47" name="右矢印 79"/>
+          <p:cNvSpPr/>
+          <p:nvPr/>
+        </p:nvSpPr>
         <p:spPr>
-          <a:xfrm>
-            <a:off x="6379026" y="595308"/>
-            <a:ext cx="2521399" cy="1649771"/>
-          </a:xfrm>
-          <a:prstGeom prst="curvedConnector2">
-            <a:avLst/>
+          <a:xfrm rot="429194">
+            <a:off x="6671806" y="433978"/>
+            <a:ext cx="423456" cy="150323"/>
+          </a:xfrm>
+          <a:prstGeom prst="rightArrow">
+            <a:avLst>
+              <a:gd name="adj1" fmla="val 50000"/>
+              <a:gd name="adj2" fmla="val 71428"/>
+            </a:avLst>
           </a:prstGeom>
-          <a:ln w="19050">
+          <a:solidFill>
+            <a:schemeClr val="tx1"/>
+          </a:solidFill>
+          <a:ln>
             <a:solidFill>
               <a:schemeClr val="tx1"/>
             </a:solidFill>
           </a:ln>
         </p:spPr>
         <p:style>
-          <a:lnRef idx="1">
-            <a:schemeClr val="accent1"/>
+          <a:lnRef idx="2">
+            <a:schemeClr val="accent1">
+              <a:shade val="50000"/>
+            </a:schemeClr>
           </a:lnRef>
-          <a:fillRef idx="0">
+          <a:fillRef idx="1">
             <a:schemeClr val="accent1"/>
           </a:fillRef>
           <a:effectRef idx="0">
             <a:schemeClr val="accent1"/>
           </a:effectRef>
           <a:fontRef idx="minor">
-            <a:schemeClr val="tx1"/>
+            <a:schemeClr val="lt1"/>
           </a:fontRef>
         </p:style>
-      </p:cxnSp>
-      <p:sp>
-        <p:nvSpPr>
-          <p:cNvPr id="99" name="テキスト ボックス 98"/>
-          <p:cNvSpPr txBox="1"/>
-          <p:nvPr/>
-        </p:nvSpPr>
-        <p:spPr>
-          <a:xfrm>
-            <a:off x="1921113" y="3761186"/>
-            <a:ext cx="461665" cy="844424"/>
-          </a:xfrm>
-          <a:prstGeom prst="rect">
-            <a:avLst/>
-          </a:prstGeom>
-          <a:noFill/>
-        </p:spPr>
         <p:txBody>
-          <a:bodyPr vert="eaVert" wrap="square" rtlCol="0">
-            <a:spAutoFit/>
-          </a:bodyPr>
+          <a:bodyPr rtlCol="0" anchor="ctr"/>
           <a:lstStyle/>
           <a:p>
-            <a:r>
-              <a:rPr kumimoji="1" lang="ja-JP" altLang="en-US" dirty="0" smtClean="0"/>
-              <a:t>・・・</a:t>
-            </a:r>
-            <a:endParaRPr kumimoji="1" lang="ja-JP" altLang="en-US" dirty="0"/>
-          </a:p>
-        </p:txBody>
-      </p:sp>
-      <p:sp>
-        <p:nvSpPr>
-          <p:cNvPr id="120" name="テキスト ボックス 119"/>
-          <p:cNvSpPr txBox="1"/>
-          <p:nvPr/>
-        </p:nvSpPr>
-        <p:spPr>
-          <a:xfrm>
-            <a:off x="3561469" y="3761186"/>
-            <a:ext cx="461665" cy="844424"/>
-          </a:xfrm>
-          <a:prstGeom prst="rect">
-            <a:avLst/>
-          </a:prstGeom>
-          <a:noFill/>
-        </p:spPr>
-        <p:txBody>
-          <a:bodyPr vert="eaVert" wrap="square" rtlCol="0">
-            <a:spAutoFit/>
-          </a:bodyPr>
-          <a:lstStyle/>
-          <a:p>
-            <a:r>
-              <a:rPr kumimoji="1" lang="ja-JP" altLang="en-US" dirty="0" smtClean="0"/>
-              <a:t>・・・</a:t>
-            </a:r>
-            <a:endParaRPr kumimoji="1" lang="ja-JP" altLang="en-US" dirty="0"/>
-          </a:p>
-        </p:txBody>
-      </p:sp>
-      <p:sp>
-        <p:nvSpPr>
-          <p:cNvPr id="121" name="テキスト ボックス 120"/>
-          <p:cNvSpPr txBox="1"/>
-          <p:nvPr/>
-        </p:nvSpPr>
-        <p:spPr>
-          <a:xfrm>
-            <a:off x="4770852" y="3044372"/>
-            <a:ext cx="461665" cy="844424"/>
-          </a:xfrm>
-          <a:prstGeom prst="rect">
-            <a:avLst/>
-          </a:prstGeom>
-          <a:noFill/>
-        </p:spPr>
-        <p:txBody>
-          <a:bodyPr vert="eaVert" wrap="square" rtlCol="0">
-            <a:spAutoFit/>
-          </a:bodyPr>
-          <a:lstStyle/>
-          <a:p>
-            <a:r>
-              <a:rPr kumimoji="1" lang="ja-JP" altLang="en-US" dirty="0" smtClean="0"/>
-              <a:t>・・・</a:t>
-            </a:r>
-            <a:endParaRPr kumimoji="1" lang="ja-JP" altLang="en-US" dirty="0"/>
-          </a:p>
-        </p:txBody>
-      </p:sp>
-      <p:sp>
-        <p:nvSpPr>
-          <p:cNvPr id="122" name="テキスト ボックス 121"/>
-          <p:cNvSpPr txBox="1"/>
-          <p:nvPr/>
-        </p:nvSpPr>
-        <p:spPr>
-          <a:xfrm>
-            <a:off x="6599605" y="3044372"/>
-            <a:ext cx="461665" cy="844424"/>
-          </a:xfrm>
-          <a:prstGeom prst="rect">
-            <a:avLst/>
-          </a:prstGeom>
-          <a:noFill/>
-        </p:spPr>
-        <p:txBody>
-          <a:bodyPr vert="eaVert" wrap="square" rtlCol="0">
-            <a:spAutoFit/>
-          </a:bodyPr>
-          <a:lstStyle/>
-          <a:p>
-            <a:r>
-              <a:rPr kumimoji="1" lang="ja-JP" altLang="en-US" dirty="0" smtClean="0"/>
-              <a:t>・・・</a:t>
-            </a:r>
-            <a:endParaRPr kumimoji="1" lang="ja-JP" altLang="en-US" dirty="0"/>
-          </a:p>
-        </p:txBody>
-      </p:sp>
-      <p:sp>
-        <p:nvSpPr>
-          <p:cNvPr id="123" name="テキスト ボックス 122"/>
-          <p:cNvSpPr txBox="1"/>
-          <p:nvPr/>
-        </p:nvSpPr>
-        <p:spPr>
-          <a:xfrm>
-            <a:off x="7921871" y="3761186"/>
-            <a:ext cx="461665" cy="844424"/>
-          </a:xfrm>
-          <a:prstGeom prst="rect">
-            <a:avLst/>
-          </a:prstGeom>
-          <a:noFill/>
-        </p:spPr>
-        <p:txBody>
-          <a:bodyPr vert="eaVert" wrap="square" rtlCol="0">
-            <a:spAutoFit/>
-          </a:bodyPr>
-          <a:lstStyle/>
-          <a:p>
-            <a:r>
-              <a:rPr kumimoji="1" lang="ja-JP" altLang="en-US" dirty="0" smtClean="0"/>
-              <a:t>・・・</a:t>
-            </a:r>
-            <a:endParaRPr kumimoji="1" lang="ja-JP" altLang="en-US" dirty="0"/>
-          </a:p>
-        </p:txBody>
-      </p:sp>
-      <p:sp>
-        <p:nvSpPr>
-          <p:cNvPr id="124" name="テキスト ボックス 123"/>
-          <p:cNvSpPr txBox="1"/>
-          <p:nvPr/>
-        </p:nvSpPr>
-        <p:spPr>
-          <a:xfrm>
-            <a:off x="9491464" y="3761186"/>
-            <a:ext cx="461665" cy="844424"/>
-          </a:xfrm>
-          <a:prstGeom prst="rect">
-            <a:avLst/>
-          </a:prstGeom>
-          <a:noFill/>
-        </p:spPr>
-        <p:txBody>
-          <a:bodyPr vert="eaVert" wrap="square" rtlCol="0">
-            <a:spAutoFit/>
-          </a:bodyPr>
-          <a:lstStyle/>
-          <a:p>
-            <a:r>
-              <a:rPr kumimoji="1" lang="ja-JP" altLang="en-US" dirty="0" smtClean="0"/>
-              <a:t>・・・</a:t>
-            </a:r>
-            <a:endParaRPr kumimoji="1" lang="ja-JP" altLang="en-US" dirty="0"/>
+            <a:pPr algn="ctr"/>
+            <a:endParaRPr kumimoji="1" lang="ja-JP" altLang="en-US"/>
           </a:p>
         </p:txBody>
       </p:sp>
@@ -5908,7 +6006,7 @@
             <a:p>
               <a:pPr algn="ctr"/>
               <a:r>
-                <a:rPr kumimoji="1" lang="en-US" altLang="ja-JP" dirty="0" err="1" smtClean="0">
+                <a:rPr kumimoji="1" lang="en-US" altLang="ja-JP" dirty="0" err="1">
                   <a:latin typeface="ＭＳ Ｐゴシック" panose="020B0600070205080204" pitchFamily="50" charset="-128"/>
                   <a:ea typeface="ＭＳ Ｐゴシック" panose="020B0600070205080204" pitchFamily="50" charset="-128"/>
                 </a:rPr>
@@ -6430,7 +6528,7 @@
             <a:p>
               <a:pPr algn="ctr"/>
               <a:r>
-                <a:rPr kumimoji="1" lang="en-US" altLang="ja-JP" dirty="0" err="1" smtClean="0">
+                <a:rPr kumimoji="1" lang="en-US" altLang="ja-JP" dirty="0" err="1">
                   <a:latin typeface="ＭＳ Ｐゴシック" panose="020B0600070205080204" pitchFamily="50" charset="-128"/>
                   <a:ea typeface="ＭＳ Ｐゴシック" panose="020B0600070205080204" pitchFamily="50" charset="-128"/>
                 </a:rPr>
@@ -6544,7 +6642,7 @@
             <a:p>
               <a:pPr algn="ctr"/>
               <a:r>
-                <a:rPr kumimoji="1" lang="en-US" altLang="ja-JP" dirty="0" err="1" smtClean="0">
+                <a:rPr kumimoji="1" lang="en-US" altLang="ja-JP" dirty="0" err="1">
                   <a:latin typeface="ＭＳ Ｐゴシック" panose="020B0600070205080204" pitchFamily="50" charset="-128"/>
                   <a:ea typeface="ＭＳ Ｐゴシック" panose="020B0600070205080204" pitchFamily="50" charset="-128"/>
                 </a:rPr>
@@ -6658,7 +6756,7 @@
             <a:p>
               <a:pPr algn="ctr"/>
               <a:r>
-                <a:rPr kumimoji="1" lang="en-US" altLang="ja-JP" dirty="0" err="1" smtClean="0">
+                <a:rPr kumimoji="1" lang="en-US" altLang="ja-JP" dirty="0" err="1">
                   <a:latin typeface="ＭＳ Ｐゴシック" panose="020B0600070205080204" pitchFamily="50" charset="-128"/>
                   <a:ea typeface="ＭＳ Ｐゴシック" panose="020B0600070205080204" pitchFamily="50" charset="-128"/>
                 </a:rPr>
@@ -7312,10 +7410,9 @@
           <a:lstStyle/>
           <a:p>
             <a:r>
-              <a:rPr kumimoji="1" lang="ja-JP" altLang="en-US" dirty="0" smtClean="0"/>
+              <a:rPr kumimoji="1" lang="ja-JP" altLang="en-US" dirty="0"/>
               <a:t>・・・</a:t>
             </a:r>
-            <a:endParaRPr kumimoji="1" lang="ja-JP" altLang="en-US" dirty="0"/>
           </a:p>
         </p:txBody>
       </p:sp>
@@ -7345,10 +7442,9 @@
           <a:lstStyle/>
           <a:p>
             <a:r>
-              <a:rPr kumimoji="1" lang="ja-JP" altLang="en-US" dirty="0" smtClean="0"/>
+              <a:rPr kumimoji="1" lang="ja-JP" altLang="en-US" dirty="0"/>
               <a:t>・・・</a:t>
             </a:r>
-            <a:endParaRPr kumimoji="1" lang="ja-JP" altLang="en-US" dirty="0"/>
           </a:p>
         </p:txBody>
       </p:sp>
@@ -7378,10 +7474,9 @@
           <a:lstStyle/>
           <a:p>
             <a:r>
-              <a:rPr kumimoji="1" lang="ja-JP" altLang="en-US" dirty="0" smtClean="0"/>
+              <a:rPr kumimoji="1" lang="ja-JP" altLang="en-US" dirty="0"/>
               <a:t>・・・</a:t>
             </a:r>
-            <a:endParaRPr kumimoji="1" lang="ja-JP" altLang="en-US" dirty="0"/>
           </a:p>
         </p:txBody>
       </p:sp>
@@ -7411,10 +7506,9 @@
           <a:lstStyle/>
           <a:p>
             <a:r>
-              <a:rPr kumimoji="1" lang="ja-JP" altLang="en-US" dirty="0" smtClean="0"/>
+              <a:rPr kumimoji="1" lang="ja-JP" altLang="en-US" dirty="0"/>
               <a:t>・・・</a:t>
             </a:r>
-            <a:endParaRPr kumimoji="1" lang="ja-JP" altLang="en-US" dirty="0"/>
           </a:p>
         </p:txBody>
       </p:sp>
@@ -7444,10 +7538,9 @@
           <a:lstStyle/>
           <a:p>
             <a:r>
-              <a:rPr kumimoji="1" lang="ja-JP" altLang="en-US" dirty="0" smtClean="0"/>
+              <a:rPr kumimoji="1" lang="ja-JP" altLang="en-US" dirty="0"/>
               <a:t>・・・</a:t>
             </a:r>
-            <a:endParaRPr kumimoji="1" lang="ja-JP" altLang="en-US" dirty="0"/>
           </a:p>
         </p:txBody>
       </p:sp>
@@ -7477,10 +7570,9 @@
           <a:lstStyle/>
           <a:p>
             <a:r>
-              <a:rPr kumimoji="1" lang="ja-JP" altLang="en-US" dirty="0" smtClean="0"/>
+              <a:rPr kumimoji="1" lang="ja-JP" altLang="en-US" dirty="0"/>
               <a:t>・・・</a:t>
             </a:r>
-            <a:endParaRPr kumimoji="1" lang="ja-JP" altLang="en-US" dirty="0"/>
           </a:p>
         </p:txBody>
       </p:sp>
@@ -7498,6 +7590,1985 @@
 </file>
 
 <file path=ppt/slides/slide3.xml><?xml version="1.0" encoding="utf-8"?>
+<p:sld xmlns:a="http://schemas.openxmlformats.org/drawingml/2006/main" xmlns:r="http://schemas.openxmlformats.org/officeDocument/2006/relationships" xmlns:p="http://schemas.openxmlformats.org/presentationml/2006/main">
+  <p:cSld>
+    <p:spTree>
+      <p:nvGrpSpPr>
+        <p:cNvPr id="1" name=""/>
+        <p:cNvGrpSpPr/>
+        <p:nvPr/>
+      </p:nvGrpSpPr>
+      <p:grpSpPr>
+        <a:xfrm>
+          <a:off x="0" y="0"/>
+          <a:ext cx="0" cy="0"/>
+          <a:chOff x="0" y="0"/>
+          <a:chExt cx="0" cy="0"/>
+        </a:xfrm>
+      </p:grpSpPr>
+      <p:sp>
+        <p:nvSpPr>
+          <p:cNvPr id="5" name="テキスト ボックス 4"/>
+          <p:cNvSpPr txBox="1"/>
+          <p:nvPr/>
+        </p:nvSpPr>
+        <p:spPr>
+          <a:xfrm>
+            <a:off x="5323112" y="1687284"/>
+            <a:ext cx="1055914" cy="369332"/>
+          </a:xfrm>
+          <a:prstGeom prst="rect">
+            <a:avLst/>
+          </a:prstGeom>
+          <a:noFill/>
+          <a:ln>
+            <a:noFill/>
+          </a:ln>
+        </p:spPr>
+        <p:txBody>
+          <a:bodyPr wrap="square" rtlCol="0">
+            <a:spAutoFit/>
+          </a:bodyPr>
+          <a:lstStyle/>
+          <a:p>
+            <a:pPr algn="ctr"/>
+            <a:endParaRPr kumimoji="1" lang="ja-JP" altLang="en-US" dirty="0">
+              <a:latin typeface="ＭＳ Ｐゴシック" panose="020B0600070205080204" pitchFamily="50" charset="-128"/>
+              <a:ea typeface="ＭＳ Ｐゴシック" panose="020B0600070205080204" pitchFamily="50" charset="-128"/>
+            </a:endParaRPr>
+          </a:p>
+        </p:txBody>
+      </p:sp>
+      <p:sp>
+        <p:nvSpPr>
+          <p:cNvPr id="4" name="正方形/長方形 3"/>
+          <p:cNvSpPr/>
+          <p:nvPr/>
+        </p:nvSpPr>
+        <p:spPr>
+          <a:xfrm>
+            <a:off x="5200644" y="1487401"/>
+            <a:ext cx="1055914" cy="436211"/>
+          </a:xfrm>
+          <a:prstGeom prst="rect">
+            <a:avLst/>
+          </a:prstGeom>
+          <a:noFill/>
+          <a:ln>
+            <a:solidFill>
+              <a:schemeClr val="tx1"/>
+            </a:solidFill>
+          </a:ln>
+        </p:spPr>
+        <p:style>
+          <a:lnRef idx="2">
+            <a:schemeClr val="accent1">
+              <a:shade val="50000"/>
+            </a:schemeClr>
+          </a:lnRef>
+          <a:fillRef idx="1">
+            <a:schemeClr val="accent1"/>
+          </a:fillRef>
+          <a:effectRef idx="0">
+            <a:schemeClr val="accent1"/>
+          </a:effectRef>
+          <a:fontRef idx="minor">
+            <a:schemeClr val="lt1"/>
+          </a:fontRef>
+        </p:style>
+        <p:txBody>
+          <a:bodyPr rtlCol="0" anchor="ctr"/>
+          <a:lstStyle/>
+          <a:p>
+            <a:pPr algn="ctr"/>
+            <a:endParaRPr kumimoji="1" lang="ja-JP" altLang="en-US"/>
+          </a:p>
+        </p:txBody>
+      </p:sp>
+      <p:grpSp>
+        <p:nvGrpSpPr>
+          <p:cNvPr id="24" name="グループ化 23"/>
+          <p:cNvGrpSpPr/>
+          <p:nvPr/>
+        </p:nvGrpSpPr>
+        <p:grpSpPr>
+          <a:xfrm>
+            <a:off x="6514190" y="2492826"/>
+            <a:ext cx="930730" cy="369332"/>
+            <a:chOff x="6476998" y="1077686"/>
+            <a:chExt cx="653144" cy="369332"/>
+          </a:xfrm>
+          <a:noFill/>
+        </p:grpSpPr>
+        <p:sp>
+          <p:nvSpPr>
+            <p:cNvPr id="8" name="テキスト ボックス 7"/>
+            <p:cNvSpPr txBox="1"/>
+            <p:nvPr/>
+          </p:nvSpPr>
+          <p:spPr>
+            <a:xfrm>
+              <a:off x="6476999" y="1077686"/>
+              <a:ext cx="653143" cy="369332"/>
+            </a:xfrm>
+            <a:prstGeom prst="rect">
+              <a:avLst/>
+            </a:prstGeom>
+            <a:grpFill/>
+            <a:ln>
+              <a:solidFill>
+                <a:schemeClr val="tx1"/>
+              </a:solidFill>
+            </a:ln>
+          </p:spPr>
+          <p:txBody>
+            <a:bodyPr wrap="square" rtlCol="0">
+              <a:spAutoFit/>
+            </a:bodyPr>
+            <a:lstStyle/>
+            <a:p>
+              <a:pPr algn="ctr"/>
+              <a:endParaRPr kumimoji="1" lang="ja-JP" altLang="en-US" dirty="0">
+                <a:latin typeface="ＭＳ Ｐゴシック" panose="020B0600070205080204" pitchFamily="50" charset="-128"/>
+                <a:ea typeface="ＭＳ Ｐゴシック" panose="020B0600070205080204" pitchFamily="50" charset="-128"/>
+              </a:endParaRPr>
+            </a:p>
+          </p:txBody>
+        </p:sp>
+        <p:sp>
+          <p:nvSpPr>
+            <p:cNvPr id="10" name="正方形/長方形 9"/>
+            <p:cNvSpPr/>
+            <p:nvPr/>
+          </p:nvSpPr>
+          <p:spPr>
+            <a:xfrm>
+              <a:off x="6476998" y="1077686"/>
+              <a:ext cx="653143" cy="369332"/>
+            </a:xfrm>
+            <a:prstGeom prst="rect">
+              <a:avLst/>
+            </a:prstGeom>
+            <a:grpFill/>
+            <a:ln>
+              <a:solidFill>
+                <a:schemeClr val="tx1"/>
+              </a:solidFill>
+            </a:ln>
+          </p:spPr>
+          <p:style>
+            <a:lnRef idx="2">
+              <a:schemeClr val="accent1">
+                <a:shade val="50000"/>
+              </a:schemeClr>
+            </a:lnRef>
+            <a:fillRef idx="1">
+              <a:schemeClr val="accent1"/>
+            </a:fillRef>
+            <a:effectRef idx="0">
+              <a:schemeClr val="accent1"/>
+            </a:effectRef>
+            <a:fontRef idx="minor">
+              <a:schemeClr val="lt1"/>
+            </a:fontRef>
+          </p:style>
+          <p:txBody>
+            <a:bodyPr rtlCol="0" anchor="ctr"/>
+            <a:lstStyle/>
+            <a:p>
+              <a:pPr algn="ctr"/>
+              <a:endParaRPr kumimoji="1" lang="ja-JP" altLang="en-US"/>
+            </a:p>
+          </p:txBody>
+        </p:sp>
+      </p:grpSp>
+      <p:cxnSp>
+        <p:nvCxnSpPr>
+          <p:cNvPr id="12" name="直線コネクタ 11"/>
+          <p:cNvCxnSpPr>
+            <a:cxnSpLocks/>
+            <a:stCxn id="76" idx="0"/>
+            <a:endCxn id="4" idx="2"/>
+          </p:cNvCxnSpPr>
+          <p:nvPr/>
+        </p:nvCxnSpPr>
+        <p:spPr>
+          <a:xfrm flipV="1">
+            <a:off x="4404945" y="1923612"/>
+            <a:ext cx="1323656" cy="569214"/>
+          </a:xfrm>
+          <a:prstGeom prst="line">
+            <a:avLst/>
+          </a:prstGeom>
+          <a:ln w="19050">
+            <a:solidFill>
+              <a:schemeClr val="tx1"/>
+            </a:solidFill>
+          </a:ln>
+        </p:spPr>
+        <p:style>
+          <a:lnRef idx="1">
+            <a:schemeClr val="accent1"/>
+          </a:lnRef>
+          <a:fillRef idx="0">
+            <a:schemeClr val="accent1"/>
+          </a:fillRef>
+          <a:effectRef idx="0">
+            <a:schemeClr val="accent1"/>
+          </a:effectRef>
+          <a:fontRef idx="minor">
+            <a:schemeClr val="tx1"/>
+          </a:fontRef>
+        </p:style>
+      </p:cxnSp>
+      <p:cxnSp>
+        <p:nvCxnSpPr>
+          <p:cNvPr id="19" name="直線コネクタ 18"/>
+          <p:cNvCxnSpPr>
+            <a:cxnSpLocks/>
+            <a:stCxn id="10" idx="0"/>
+            <a:endCxn id="4" idx="2"/>
+          </p:cNvCxnSpPr>
+          <p:nvPr/>
+        </p:nvCxnSpPr>
+        <p:spPr>
+          <a:xfrm flipH="1" flipV="1">
+            <a:off x="5728601" y="1923612"/>
+            <a:ext cx="1250954" cy="569214"/>
+          </a:xfrm>
+          <a:prstGeom prst="line">
+            <a:avLst/>
+          </a:prstGeom>
+          <a:ln w="19050">
+            <a:solidFill>
+              <a:schemeClr val="tx1"/>
+            </a:solidFill>
+          </a:ln>
+        </p:spPr>
+        <p:style>
+          <a:lnRef idx="1">
+            <a:schemeClr val="accent1"/>
+          </a:lnRef>
+          <a:fillRef idx="0">
+            <a:schemeClr val="accent1"/>
+          </a:fillRef>
+          <a:effectRef idx="0">
+            <a:schemeClr val="accent1"/>
+          </a:effectRef>
+          <a:fontRef idx="minor">
+            <a:schemeClr val="tx1"/>
+          </a:fontRef>
+        </p:style>
+      </p:cxnSp>
+      <p:grpSp>
+        <p:nvGrpSpPr>
+          <p:cNvPr id="30" name="グループ化 29"/>
+          <p:cNvGrpSpPr/>
+          <p:nvPr/>
+        </p:nvGrpSpPr>
+        <p:grpSpPr>
+          <a:xfrm>
+            <a:off x="3253466" y="3660218"/>
+            <a:ext cx="1023260" cy="369333"/>
+            <a:chOff x="2275111" y="1907622"/>
+            <a:chExt cx="1208317" cy="369333"/>
+          </a:xfrm>
+          <a:noFill/>
+        </p:grpSpPr>
+        <p:sp>
+          <p:nvSpPr>
+            <p:cNvPr id="25" name="テキスト ボックス 24"/>
+            <p:cNvSpPr txBox="1"/>
+            <p:nvPr/>
+          </p:nvSpPr>
+          <p:spPr>
+            <a:xfrm>
+              <a:off x="2275115" y="1907623"/>
+              <a:ext cx="1208313" cy="369332"/>
+            </a:xfrm>
+            <a:prstGeom prst="rect">
+              <a:avLst/>
+            </a:prstGeom>
+            <a:grpFill/>
+            <a:ln>
+              <a:solidFill>
+                <a:schemeClr val="tx1"/>
+              </a:solidFill>
+            </a:ln>
+          </p:spPr>
+          <p:txBody>
+            <a:bodyPr wrap="square" rtlCol="0">
+              <a:spAutoFit/>
+            </a:bodyPr>
+            <a:lstStyle/>
+            <a:p>
+              <a:pPr algn="ctr"/>
+              <a:endParaRPr kumimoji="1" lang="ja-JP" altLang="en-US" dirty="0">
+                <a:latin typeface="ＭＳ Ｐゴシック" panose="020B0600070205080204" pitchFamily="50" charset="-128"/>
+                <a:ea typeface="ＭＳ Ｐゴシック" panose="020B0600070205080204" pitchFamily="50" charset="-128"/>
+              </a:endParaRPr>
+            </a:p>
+          </p:txBody>
+        </p:sp>
+        <p:sp>
+          <p:nvSpPr>
+            <p:cNvPr id="29" name="正方形/長方形 28"/>
+            <p:cNvSpPr/>
+            <p:nvPr/>
+          </p:nvSpPr>
+          <p:spPr>
+            <a:xfrm>
+              <a:off x="2275111" y="1907622"/>
+              <a:ext cx="1208317" cy="369333"/>
+            </a:xfrm>
+            <a:prstGeom prst="rect">
+              <a:avLst/>
+            </a:prstGeom>
+            <a:grpFill/>
+            <a:ln>
+              <a:solidFill>
+                <a:schemeClr val="tx1"/>
+              </a:solidFill>
+            </a:ln>
+          </p:spPr>
+          <p:style>
+            <a:lnRef idx="2">
+              <a:schemeClr val="accent1">
+                <a:shade val="50000"/>
+              </a:schemeClr>
+            </a:lnRef>
+            <a:fillRef idx="1">
+              <a:schemeClr val="accent1"/>
+            </a:fillRef>
+            <a:effectRef idx="0">
+              <a:schemeClr val="accent1"/>
+            </a:effectRef>
+            <a:fontRef idx="minor">
+              <a:schemeClr val="lt1"/>
+            </a:fontRef>
+          </p:style>
+          <p:txBody>
+            <a:bodyPr rtlCol="0" anchor="ctr"/>
+            <a:lstStyle/>
+            <a:p>
+              <a:pPr algn="ctr"/>
+              <a:endParaRPr kumimoji="1" lang="ja-JP" altLang="en-US"/>
+            </a:p>
+          </p:txBody>
+        </p:sp>
+      </p:grpSp>
+      <p:cxnSp>
+        <p:nvCxnSpPr>
+          <p:cNvPr id="41" name="直線コネクタ 40"/>
+          <p:cNvCxnSpPr>
+            <a:cxnSpLocks/>
+            <a:stCxn id="29" idx="0"/>
+            <a:endCxn id="76" idx="2"/>
+          </p:cNvCxnSpPr>
+          <p:nvPr/>
+        </p:nvCxnSpPr>
+        <p:spPr>
+          <a:xfrm flipV="1">
+            <a:off x="3765096" y="2862158"/>
+            <a:ext cx="639849" cy="798060"/>
+          </a:xfrm>
+          <a:prstGeom prst="line">
+            <a:avLst/>
+          </a:prstGeom>
+          <a:ln w="19050">
+            <a:solidFill>
+              <a:schemeClr val="tx1"/>
+            </a:solidFill>
+          </a:ln>
+        </p:spPr>
+        <p:style>
+          <a:lnRef idx="1">
+            <a:schemeClr val="accent1"/>
+          </a:lnRef>
+          <a:fillRef idx="0">
+            <a:schemeClr val="accent1"/>
+          </a:fillRef>
+          <a:effectRef idx="0">
+            <a:schemeClr val="accent1"/>
+          </a:effectRef>
+          <a:fontRef idx="minor">
+            <a:schemeClr val="tx1"/>
+          </a:fontRef>
+        </p:style>
+      </p:cxnSp>
+      <p:cxnSp>
+        <p:nvCxnSpPr>
+          <p:cNvPr id="46" name="直線コネクタ 45"/>
+          <p:cNvCxnSpPr>
+            <a:cxnSpLocks/>
+            <a:stCxn id="89" idx="0"/>
+            <a:endCxn id="10" idx="2"/>
+          </p:cNvCxnSpPr>
+          <p:nvPr/>
+        </p:nvCxnSpPr>
+        <p:spPr>
+          <a:xfrm flipV="1">
+            <a:off x="6402149" y="2862158"/>
+            <a:ext cx="577406" cy="800681"/>
+          </a:xfrm>
+          <a:prstGeom prst="line">
+            <a:avLst/>
+          </a:prstGeom>
+          <a:ln w="19050">
+            <a:solidFill>
+              <a:schemeClr val="tx1"/>
+            </a:solidFill>
+          </a:ln>
+        </p:spPr>
+        <p:style>
+          <a:lnRef idx="1">
+            <a:schemeClr val="accent1"/>
+          </a:lnRef>
+          <a:fillRef idx="0">
+            <a:schemeClr val="accent1"/>
+          </a:fillRef>
+          <a:effectRef idx="0">
+            <a:schemeClr val="accent1"/>
+          </a:effectRef>
+          <a:fontRef idx="minor">
+            <a:schemeClr val="tx1"/>
+          </a:fontRef>
+        </p:style>
+      </p:cxnSp>
+      <p:cxnSp>
+        <p:nvCxnSpPr>
+          <p:cNvPr id="51" name="直線コネクタ 50"/>
+          <p:cNvCxnSpPr>
+            <a:cxnSpLocks/>
+            <a:stCxn id="86" idx="0"/>
+            <a:endCxn id="76" idx="2"/>
+          </p:cNvCxnSpPr>
+          <p:nvPr/>
+        </p:nvCxnSpPr>
+        <p:spPr>
+          <a:xfrm flipH="1" flipV="1">
+            <a:off x="4404945" y="2862158"/>
+            <a:ext cx="678679" cy="798061"/>
+          </a:xfrm>
+          <a:prstGeom prst="line">
+            <a:avLst/>
+          </a:prstGeom>
+          <a:ln w="19050">
+            <a:solidFill>
+              <a:schemeClr val="tx1"/>
+            </a:solidFill>
+          </a:ln>
+        </p:spPr>
+        <p:style>
+          <a:lnRef idx="1">
+            <a:schemeClr val="accent1"/>
+          </a:lnRef>
+          <a:fillRef idx="0">
+            <a:schemeClr val="accent1"/>
+          </a:fillRef>
+          <a:effectRef idx="0">
+            <a:schemeClr val="accent1"/>
+          </a:effectRef>
+          <a:fontRef idx="minor">
+            <a:schemeClr val="tx1"/>
+          </a:fontRef>
+        </p:style>
+      </p:cxnSp>
+      <p:cxnSp>
+        <p:nvCxnSpPr>
+          <p:cNvPr id="58" name="直線コネクタ 57"/>
+          <p:cNvCxnSpPr>
+            <a:cxnSpLocks/>
+            <a:stCxn id="92" idx="0"/>
+            <a:endCxn id="10" idx="2"/>
+          </p:cNvCxnSpPr>
+          <p:nvPr/>
+        </p:nvCxnSpPr>
+        <p:spPr>
+          <a:xfrm flipH="1" flipV="1">
+            <a:off x="6979555" y="2862158"/>
+            <a:ext cx="741119" cy="798060"/>
+          </a:xfrm>
+          <a:prstGeom prst="line">
+            <a:avLst/>
+          </a:prstGeom>
+          <a:ln w="19050">
+            <a:solidFill>
+              <a:schemeClr val="tx1"/>
+            </a:solidFill>
+          </a:ln>
+        </p:spPr>
+        <p:style>
+          <a:lnRef idx="1">
+            <a:schemeClr val="accent1"/>
+          </a:lnRef>
+          <a:fillRef idx="0">
+            <a:schemeClr val="accent1"/>
+          </a:fillRef>
+          <a:effectRef idx="0">
+            <a:schemeClr val="accent1"/>
+          </a:effectRef>
+          <a:fontRef idx="minor">
+            <a:schemeClr val="tx1"/>
+          </a:fontRef>
+        </p:style>
+      </p:cxnSp>
+      <p:grpSp>
+        <p:nvGrpSpPr>
+          <p:cNvPr id="74" name="グループ化 73"/>
+          <p:cNvGrpSpPr/>
+          <p:nvPr/>
+        </p:nvGrpSpPr>
+        <p:grpSpPr>
+          <a:xfrm>
+            <a:off x="3949260" y="2492826"/>
+            <a:ext cx="911370" cy="369332"/>
+            <a:chOff x="6395835" y="1077686"/>
+            <a:chExt cx="653145" cy="369332"/>
+          </a:xfrm>
+          <a:noFill/>
+        </p:grpSpPr>
+        <p:sp>
+          <p:nvSpPr>
+            <p:cNvPr id="75" name="テキスト ボックス 74"/>
+            <p:cNvSpPr txBox="1"/>
+            <p:nvPr/>
+          </p:nvSpPr>
+          <p:spPr>
+            <a:xfrm>
+              <a:off x="6395835" y="1077686"/>
+              <a:ext cx="653145" cy="369332"/>
+            </a:xfrm>
+            <a:prstGeom prst="rect">
+              <a:avLst/>
+            </a:prstGeom>
+            <a:grpFill/>
+            <a:ln>
+              <a:solidFill>
+                <a:schemeClr val="tx1"/>
+              </a:solidFill>
+            </a:ln>
+          </p:spPr>
+          <p:txBody>
+            <a:bodyPr wrap="square" rtlCol="0">
+              <a:spAutoFit/>
+            </a:bodyPr>
+            <a:lstStyle/>
+            <a:p>
+              <a:pPr algn="ctr"/>
+              <a:endParaRPr kumimoji="1" lang="ja-JP" altLang="en-US" dirty="0">
+                <a:latin typeface="ＭＳ Ｐゴシック" panose="020B0600070205080204" pitchFamily="50" charset="-128"/>
+                <a:ea typeface="ＭＳ Ｐゴシック" panose="020B0600070205080204" pitchFamily="50" charset="-128"/>
+              </a:endParaRPr>
+            </a:p>
+          </p:txBody>
+        </p:sp>
+        <p:sp>
+          <p:nvSpPr>
+            <p:cNvPr id="76" name="正方形/長方形 75"/>
+            <p:cNvSpPr/>
+            <p:nvPr/>
+          </p:nvSpPr>
+          <p:spPr>
+            <a:xfrm>
+              <a:off x="6395836" y="1077686"/>
+              <a:ext cx="653143" cy="369332"/>
+            </a:xfrm>
+            <a:prstGeom prst="rect">
+              <a:avLst/>
+            </a:prstGeom>
+            <a:grpFill/>
+            <a:ln>
+              <a:solidFill>
+                <a:schemeClr val="tx1"/>
+              </a:solidFill>
+            </a:ln>
+          </p:spPr>
+          <p:style>
+            <a:lnRef idx="2">
+              <a:schemeClr val="accent1">
+                <a:shade val="50000"/>
+              </a:schemeClr>
+            </a:lnRef>
+            <a:fillRef idx="1">
+              <a:schemeClr val="accent1"/>
+            </a:fillRef>
+            <a:effectRef idx="0">
+              <a:schemeClr val="accent1"/>
+            </a:effectRef>
+            <a:fontRef idx="minor">
+              <a:schemeClr val="lt1"/>
+            </a:fontRef>
+          </p:style>
+          <p:txBody>
+            <a:bodyPr rtlCol="0" anchor="ctr"/>
+            <a:lstStyle/>
+            <a:p>
+              <a:pPr algn="ctr"/>
+              <a:endParaRPr kumimoji="1" lang="ja-JP" altLang="en-US" dirty="0"/>
+            </a:p>
+          </p:txBody>
+        </p:sp>
+      </p:grpSp>
+      <p:grpSp>
+        <p:nvGrpSpPr>
+          <p:cNvPr id="84" name="グループ化 83"/>
+          <p:cNvGrpSpPr/>
+          <p:nvPr/>
+        </p:nvGrpSpPr>
+        <p:grpSpPr>
+          <a:xfrm>
+            <a:off x="4571994" y="3660219"/>
+            <a:ext cx="1023260" cy="369333"/>
+            <a:chOff x="2275111" y="1907622"/>
+            <a:chExt cx="1208317" cy="369333"/>
+          </a:xfrm>
+          <a:noFill/>
+        </p:grpSpPr>
+        <p:sp>
+          <p:nvSpPr>
+            <p:cNvPr id="85" name="テキスト ボックス 84"/>
+            <p:cNvSpPr txBox="1"/>
+            <p:nvPr/>
+          </p:nvSpPr>
+          <p:spPr>
+            <a:xfrm>
+              <a:off x="2275115" y="1907623"/>
+              <a:ext cx="1208313" cy="369332"/>
+            </a:xfrm>
+            <a:prstGeom prst="rect">
+              <a:avLst/>
+            </a:prstGeom>
+            <a:grpFill/>
+            <a:ln>
+              <a:solidFill>
+                <a:schemeClr val="tx1"/>
+              </a:solidFill>
+            </a:ln>
+          </p:spPr>
+          <p:txBody>
+            <a:bodyPr wrap="square" rtlCol="0">
+              <a:spAutoFit/>
+            </a:bodyPr>
+            <a:lstStyle/>
+            <a:p>
+              <a:pPr algn="ctr"/>
+              <a:endParaRPr kumimoji="1" lang="ja-JP" altLang="en-US" dirty="0">
+                <a:latin typeface="ＭＳ Ｐゴシック" panose="020B0600070205080204" pitchFamily="50" charset="-128"/>
+                <a:ea typeface="ＭＳ Ｐゴシック" panose="020B0600070205080204" pitchFamily="50" charset="-128"/>
+              </a:endParaRPr>
+            </a:p>
+          </p:txBody>
+        </p:sp>
+        <p:sp>
+          <p:nvSpPr>
+            <p:cNvPr id="86" name="正方形/長方形 85"/>
+            <p:cNvSpPr/>
+            <p:nvPr/>
+          </p:nvSpPr>
+          <p:spPr>
+            <a:xfrm>
+              <a:off x="2275111" y="1907622"/>
+              <a:ext cx="1208317" cy="369333"/>
+            </a:xfrm>
+            <a:prstGeom prst="rect">
+              <a:avLst/>
+            </a:prstGeom>
+            <a:grpFill/>
+            <a:ln>
+              <a:solidFill>
+                <a:schemeClr val="tx1"/>
+              </a:solidFill>
+            </a:ln>
+          </p:spPr>
+          <p:style>
+            <a:lnRef idx="2">
+              <a:schemeClr val="accent1">
+                <a:shade val="50000"/>
+              </a:schemeClr>
+            </a:lnRef>
+            <a:fillRef idx="1">
+              <a:schemeClr val="accent1"/>
+            </a:fillRef>
+            <a:effectRef idx="0">
+              <a:schemeClr val="accent1"/>
+            </a:effectRef>
+            <a:fontRef idx="minor">
+              <a:schemeClr val="lt1"/>
+            </a:fontRef>
+          </p:style>
+          <p:txBody>
+            <a:bodyPr rtlCol="0" anchor="ctr"/>
+            <a:lstStyle/>
+            <a:p>
+              <a:pPr algn="ctr"/>
+              <a:endParaRPr kumimoji="1" lang="ja-JP" altLang="en-US"/>
+            </a:p>
+          </p:txBody>
+        </p:sp>
+      </p:grpSp>
+      <p:grpSp>
+        <p:nvGrpSpPr>
+          <p:cNvPr id="87" name="グループ化 86"/>
+          <p:cNvGrpSpPr/>
+          <p:nvPr/>
+        </p:nvGrpSpPr>
+        <p:grpSpPr>
+          <a:xfrm>
+            <a:off x="5890519" y="3662839"/>
+            <a:ext cx="1023260" cy="369333"/>
+            <a:chOff x="2275111" y="1907622"/>
+            <a:chExt cx="1208317" cy="369333"/>
+          </a:xfrm>
+          <a:noFill/>
+        </p:grpSpPr>
+        <p:sp>
+          <p:nvSpPr>
+            <p:cNvPr id="88" name="テキスト ボックス 87"/>
+            <p:cNvSpPr txBox="1"/>
+            <p:nvPr/>
+          </p:nvSpPr>
+          <p:spPr>
+            <a:xfrm>
+              <a:off x="2275115" y="1907623"/>
+              <a:ext cx="1208313" cy="369332"/>
+            </a:xfrm>
+            <a:prstGeom prst="rect">
+              <a:avLst/>
+            </a:prstGeom>
+            <a:grpFill/>
+            <a:ln>
+              <a:solidFill>
+                <a:schemeClr val="tx1"/>
+              </a:solidFill>
+            </a:ln>
+          </p:spPr>
+          <p:txBody>
+            <a:bodyPr wrap="square" rtlCol="0">
+              <a:spAutoFit/>
+            </a:bodyPr>
+            <a:lstStyle/>
+            <a:p>
+              <a:pPr algn="ctr"/>
+              <a:endParaRPr kumimoji="1" lang="ja-JP" altLang="en-US" dirty="0">
+                <a:latin typeface="ＭＳ Ｐゴシック" panose="020B0600070205080204" pitchFamily="50" charset="-128"/>
+                <a:ea typeface="ＭＳ Ｐゴシック" panose="020B0600070205080204" pitchFamily="50" charset="-128"/>
+              </a:endParaRPr>
+            </a:p>
+          </p:txBody>
+        </p:sp>
+        <p:sp>
+          <p:nvSpPr>
+            <p:cNvPr id="89" name="正方形/長方形 88"/>
+            <p:cNvSpPr/>
+            <p:nvPr/>
+          </p:nvSpPr>
+          <p:spPr>
+            <a:xfrm>
+              <a:off x="2275111" y="1907622"/>
+              <a:ext cx="1208317" cy="369333"/>
+            </a:xfrm>
+            <a:prstGeom prst="rect">
+              <a:avLst/>
+            </a:prstGeom>
+            <a:grpFill/>
+            <a:ln>
+              <a:solidFill>
+                <a:schemeClr val="tx1"/>
+              </a:solidFill>
+            </a:ln>
+          </p:spPr>
+          <p:style>
+            <a:lnRef idx="2">
+              <a:schemeClr val="accent1">
+                <a:shade val="50000"/>
+              </a:schemeClr>
+            </a:lnRef>
+            <a:fillRef idx="1">
+              <a:schemeClr val="accent1"/>
+            </a:fillRef>
+            <a:effectRef idx="0">
+              <a:schemeClr val="accent1"/>
+            </a:effectRef>
+            <a:fontRef idx="minor">
+              <a:schemeClr val="lt1"/>
+            </a:fontRef>
+          </p:style>
+          <p:txBody>
+            <a:bodyPr rtlCol="0" anchor="ctr"/>
+            <a:lstStyle/>
+            <a:p>
+              <a:pPr algn="ctr"/>
+              <a:endParaRPr kumimoji="1" lang="ja-JP" altLang="en-US"/>
+            </a:p>
+          </p:txBody>
+        </p:sp>
+      </p:grpSp>
+      <p:grpSp>
+        <p:nvGrpSpPr>
+          <p:cNvPr id="90" name="グループ化 89"/>
+          <p:cNvGrpSpPr/>
+          <p:nvPr/>
+        </p:nvGrpSpPr>
+        <p:grpSpPr>
+          <a:xfrm>
+            <a:off x="7209044" y="3660218"/>
+            <a:ext cx="1023260" cy="369333"/>
+            <a:chOff x="2275111" y="1907622"/>
+            <a:chExt cx="1208317" cy="369333"/>
+          </a:xfrm>
+          <a:noFill/>
+        </p:grpSpPr>
+        <p:sp>
+          <p:nvSpPr>
+            <p:cNvPr id="91" name="テキスト ボックス 90"/>
+            <p:cNvSpPr txBox="1"/>
+            <p:nvPr/>
+          </p:nvSpPr>
+          <p:spPr>
+            <a:xfrm>
+              <a:off x="2275115" y="1907623"/>
+              <a:ext cx="1208313" cy="369332"/>
+            </a:xfrm>
+            <a:prstGeom prst="rect">
+              <a:avLst/>
+            </a:prstGeom>
+            <a:grpFill/>
+            <a:ln>
+              <a:solidFill>
+                <a:schemeClr val="tx1"/>
+              </a:solidFill>
+            </a:ln>
+          </p:spPr>
+          <p:txBody>
+            <a:bodyPr wrap="square" rtlCol="0">
+              <a:spAutoFit/>
+            </a:bodyPr>
+            <a:lstStyle/>
+            <a:p>
+              <a:pPr algn="ctr"/>
+              <a:endParaRPr kumimoji="1" lang="ja-JP" altLang="en-US" dirty="0">
+                <a:latin typeface="ＭＳ Ｐゴシック" panose="020B0600070205080204" pitchFamily="50" charset="-128"/>
+                <a:ea typeface="ＭＳ Ｐゴシック" panose="020B0600070205080204" pitchFamily="50" charset="-128"/>
+              </a:endParaRPr>
+            </a:p>
+          </p:txBody>
+        </p:sp>
+        <p:sp>
+          <p:nvSpPr>
+            <p:cNvPr id="92" name="正方形/長方形 91"/>
+            <p:cNvSpPr/>
+            <p:nvPr/>
+          </p:nvSpPr>
+          <p:spPr>
+            <a:xfrm>
+              <a:off x="2275111" y="1907622"/>
+              <a:ext cx="1208317" cy="369333"/>
+            </a:xfrm>
+            <a:prstGeom prst="rect">
+              <a:avLst/>
+            </a:prstGeom>
+            <a:grpFill/>
+            <a:ln>
+              <a:solidFill>
+                <a:schemeClr val="tx1"/>
+              </a:solidFill>
+            </a:ln>
+          </p:spPr>
+          <p:style>
+            <a:lnRef idx="2">
+              <a:schemeClr val="accent1">
+                <a:shade val="50000"/>
+              </a:schemeClr>
+            </a:lnRef>
+            <a:fillRef idx="1">
+              <a:schemeClr val="accent1"/>
+            </a:fillRef>
+            <a:effectRef idx="0">
+              <a:schemeClr val="accent1"/>
+            </a:effectRef>
+            <a:fontRef idx="minor">
+              <a:schemeClr val="lt1"/>
+            </a:fontRef>
+          </p:style>
+          <p:txBody>
+            <a:bodyPr rtlCol="0" anchor="ctr"/>
+            <a:lstStyle/>
+            <a:p>
+              <a:pPr algn="ctr"/>
+              <a:endParaRPr kumimoji="1" lang="ja-JP" altLang="en-US"/>
+            </a:p>
+          </p:txBody>
+        </p:sp>
+      </p:grpSp>
+      <p:sp>
+        <p:nvSpPr>
+          <p:cNvPr id="28" name="正方形/長方形 27"/>
+          <p:cNvSpPr/>
+          <p:nvPr/>
+        </p:nvSpPr>
+        <p:spPr>
+          <a:xfrm>
+            <a:off x="5200643" y="684585"/>
+            <a:ext cx="1055915" cy="435619"/>
+          </a:xfrm>
+          <a:prstGeom prst="rect">
+            <a:avLst/>
+          </a:prstGeom>
+          <a:noFill/>
+          <a:ln>
+            <a:solidFill>
+              <a:schemeClr val="tx1"/>
+            </a:solidFill>
+          </a:ln>
+        </p:spPr>
+        <p:style>
+          <a:lnRef idx="2">
+            <a:schemeClr val="accent1">
+              <a:shade val="50000"/>
+            </a:schemeClr>
+          </a:lnRef>
+          <a:fillRef idx="1">
+            <a:schemeClr val="accent1"/>
+          </a:fillRef>
+          <a:effectRef idx="0">
+            <a:schemeClr val="accent1"/>
+          </a:effectRef>
+          <a:fontRef idx="minor">
+            <a:schemeClr val="lt1"/>
+          </a:fontRef>
+        </p:style>
+        <p:txBody>
+          <a:bodyPr rtlCol="0" anchor="ctr"/>
+          <a:lstStyle/>
+          <a:p>
+            <a:pPr algn="ctr"/>
+            <a:endParaRPr kumimoji="1" lang="ja-JP" altLang="en-US"/>
+          </a:p>
+        </p:txBody>
+      </p:sp>
+      <p:sp>
+        <p:nvSpPr>
+          <p:cNvPr id="31" name="テキスト ボックス 30"/>
+          <p:cNvSpPr txBox="1"/>
+          <p:nvPr/>
+        </p:nvSpPr>
+        <p:spPr>
+          <a:xfrm>
+            <a:off x="5461898" y="717433"/>
+            <a:ext cx="533403" cy="369332"/>
+          </a:xfrm>
+          <a:prstGeom prst="rect">
+            <a:avLst/>
+          </a:prstGeom>
+          <a:noFill/>
+        </p:spPr>
+        <p:txBody>
+          <a:bodyPr wrap="square" rtlCol="0">
+            <a:spAutoFit/>
+          </a:bodyPr>
+          <a:lstStyle/>
+          <a:p>
+            <a:r>
+              <a:rPr kumimoji="1" lang="en-US" altLang="ja-JP" dirty="0">
+                <a:latin typeface="ＭＳ Ｐゴシック" panose="020B0600070205080204" pitchFamily="50" charset="-128"/>
+                <a:ea typeface="ＭＳ Ｐゴシック" panose="020B0600070205080204" pitchFamily="50" charset="-128"/>
+              </a:rPr>
+              <a:t>IPS</a:t>
+            </a:r>
+            <a:endParaRPr kumimoji="1" lang="ja-JP" altLang="en-US" dirty="0">
+              <a:latin typeface="ＭＳ Ｐゴシック" panose="020B0600070205080204" pitchFamily="50" charset="-128"/>
+              <a:ea typeface="ＭＳ Ｐゴシック" panose="020B0600070205080204" pitchFamily="50" charset="-128"/>
+            </a:endParaRPr>
+          </a:p>
+        </p:txBody>
+      </p:sp>
+      <p:cxnSp>
+        <p:nvCxnSpPr>
+          <p:cNvPr id="33" name="直線コネクタ 32"/>
+          <p:cNvCxnSpPr>
+            <a:cxnSpLocks/>
+            <a:stCxn id="28" idx="2"/>
+            <a:endCxn id="4" idx="0"/>
+          </p:cNvCxnSpPr>
+          <p:nvPr/>
+        </p:nvCxnSpPr>
+        <p:spPr>
+          <a:xfrm>
+            <a:off x="5728601" y="1120204"/>
+            <a:ext cx="0" cy="367197"/>
+          </a:xfrm>
+          <a:prstGeom prst="line">
+            <a:avLst/>
+          </a:prstGeom>
+          <a:ln w="19050">
+            <a:solidFill>
+              <a:schemeClr val="tx1"/>
+            </a:solidFill>
+            <a:prstDash val="sysDash"/>
+          </a:ln>
+        </p:spPr>
+        <p:style>
+          <a:lnRef idx="1">
+            <a:schemeClr val="accent1"/>
+          </a:lnRef>
+          <a:fillRef idx="0">
+            <a:schemeClr val="accent1"/>
+          </a:fillRef>
+          <a:effectRef idx="0">
+            <a:schemeClr val="accent1"/>
+          </a:effectRef>
+          <a:fontRef idx="minor">
+            <a:schemeClr val="tx1"/>
+          </a:fontRef>
+        </p:style>
+      </p:cxnSp>
+    </p:spTree>
+    <p:extLst>
+      <p:ext uri="{BB962C8B-B14F-4D97-AF65-F5344CB8AC3E}">
+        <p14:creationId xmlns:p14="http://schemas.microsoft.com/office/powerpoint/2010/main" val="3616269094"/>
+      </p:ext>
+    </p:extLst>
+  </p:cSld>
+  <p:clrMapOvr>
+    <a:masterClrMapping/>
+  </p:clrMapOvr>
+</p:sld>
+</file>
+
+<file path=ppt/slides/slide4.xml><?xml version="1.0" encoding="utf-8"?>
+<p:sld xmlns:a="http://schemas.openxmlformats.org/drawingml/2006/main" xmlns:r="http://schemas.openxmlformats.org/officeDocument/2006/relationships" xmlns:p="http://schemas.openxmlformats.org/presentationml/2006/main">
+  <p:cSld>
+    <p:spTree>
+      <p:nvGrpSpPr>
+        <p:cNvPr id="1" name=""/>
+        <p:cNvGrpSpPr/>
+        <p:nvPr/>
+      </p:nvGrpSpPr>
+      <p:grpSpPr>
+        <a:xfrm>
+          <a:off x="0" y="0"/>
+          <a:ext cx="0" cy="0"/>
+          <a:chOff x="0" y="0"/>
+          <a:chExt cx="0" cy="0"/>
+        </a:xfrm>
+      </p:grpSpPr>
+      <p:sp>
+        <p:nvSpPr>
+          <p:cNvPr id="5" name="テキスト ボックス 4"/>
+          <p:cNvSpPr txBox="1"/>
+          <p:nvPr/>
+        </p:nvSpPr>
+        <p:spPr>
+          <a:xfrm>
+            <a:off x="5200644" y="1517099"/>
+            <a:ext cx="1055914" cy="369332"/>
+          </a:xfrm>
+          <a:prstGeom prst="rect">
+            <a:avLst/>
+          </a:prstGeom>
+          <a:noFill/>
+          <a:ln>
+            <a:noFill/>
+          </a:ln>
+        </p:spPr>
+        <p:txBody>
+          <a:bodyPr wrap="square" rtlCol="0">
+            <a:spAutoFit/>
+          </a:bodyPr>
+          <a:lstStyle/>
+          <a:p>
+            <a:pPr algn="ctr"/>
+            <a:r>
+              <a:rPr kumimoji="1" lang="en-US" altLang="ja-JP" dirty="0">
+                <a:latin typeface="ＭＳ Ｐゴシック" panose="020B0600070205080204" pitchFamily="50" charset="-128"/>
+                <a:ea typeface="ＭＳ Ｐゴシック" panose="020B0600070205080204" pitchFamily="50" charset="-128"/>
+              </a:rPr>
+              <a:t>IPS</a:t>
+            </a:r>
+            <a:endParaRPr kumimoji="1" lang="ja-JP" altLang="en-US" dirty="0">
+              <a:latin typeface="ＭＳ Ｐゴシック" panose="020B0600070205080204" pitchFamily="50" charset="-128"/>
+              <a:ea typeface="ＭＳ Ｐゴシック" panose="020B0600070205080204" pitchFamily="50" charset="-128"/>
+            </a:endParaRPr>
+          </a:p>
+        </p:txBody>
+      </p:sp>
+      <p:sp>
+        <p:nvSpPr>
+          <p:cNvPr id="4" name="正方形/長方形 3"/>
+          <p:cNvSpPr/>
+          <p:nvPr/>
+        </p:nvSpPr>
+        <p:spPr>
+          <a:xfrm>
+            <a:off x="5200644" y="1487401"/>
+            <a:ext cx="1055914" cy="436211"/>
+          </a:xfrm>
+          <a:prstGeom prst="rect">
+            <a:avLst/>
+          </a:prstGeom>
+          <a:noFill/>
+          <a:ln>
+            <a:solidFill>
+              <a:schemeClr val="tx1"/>
+            </a:solidFill>
+          </a:ln>
+        </p:spPr>
+        <p:style>
+          <a:lnRef idx="2">
+            <a:schemeClr val="accent1">
+              <a:shade val="50000"/>
+            </a:schemeClr>
+          </a:lnRef>
+          <a:fillRef idx="1">
+            <a:schemeClr val="accent1"/>
+          </a:fillRef>
+          <a:effectRef idx="0">
+            <a:schemeClr val="accent1"/>
+          </a:effectRef>
+          <a:fontRef idx="minor">
+            <a:schemeClr val="lt1"/>
+          </a:fontRef>
+        </p:style>
+        <p:txBody>
+          <a:bodyPr rtlCol="0" anchor="ctr"/>
+          <a:lstStyle/>
+          <a:p>
+            <a:pPr algn="ctr"/>
+            <a:endParaRPr kumimoji="1" lang="ja-JP" altLang="en-US"/>
+          </a:p>
+        </p:txBody>
+      </p:sp>
+      <p:grpSp>
+        <p:nvGrpSpPr>
+          <p:cNvPr id="24" name="グループ化 23"/>
+          <p:cNvGrpSpPr/>
+          <p:nvPr/>
+        </p:nvGrpSpPr>
+        <p:grpSpPr>
+          <a:xfrm>
+            <a:off x="6514190" y="2492826"/>
+            <a:ext cx="930730" cy="369332"/>
+            <a:chOff x="6476998" y="1077686"/>
+            <a:chExt cx="653144" cy="369332"/>
+          </a:xfrm>
+          <a:noFill/>
+        </p:grpSpPr>
+        <p:sp>
+          <p:nvSpPr>
+            <p:cNvPr id="8" name="テキスト ボックス 7"/>
+            <p:cNvSpPr txBox="1"/>
+            <p:nvPr/>
+          </p:nvSpPr>
+          <p:spPr>
+            <a:xfrm>
+              <a:off x="6476999" y="1077686"/>
+              <a:ext cx="653143" cy="369332"/>
+            </a:xfrm>
+            <a:prstGeom prst="rect">
+              <a:avLst/>
+            </a:prstGeom>
+            <a:grpFill/>
+            <a:ln>
+              <a:solidFill>
+                <a:schemeClr val="tx1"/>
+              </a:solidFill>
+            </a:ln>
+          </p:spPr>
+          <p:txBody>
+            <a:bodyPr wrap="square" rtlCol="0">
+              <a:spAutoFit/>
+            </a:bodyPr>
+            <a:lstStyle/>
+            <a:p>
+              <a:pPr algn="ctr"/>
+              <a:endParaRPr kumimoji="1" lang="ja-JP" altLang="en-US" dirty="0">
+                <a:latin typeface="ＭＳ Ｐゴシック" panose="020B0600070205080204" pitchFamily="50" charset="-128"/>
+                <a:ea typeface="ＭＳ Ｐゴシック" panose="020B0600070205080204" pitchFamily="50" charset="-128"/>
+              </a:endParaRPr>
+            </a:p>
+          </p:txBody>
+        </p:sp>
+        <p:sp>
+          <p:nvSpPr>
+            <p:cNvPr id="10" name="正方形/長方形 9"/>
+            <p:cNvSpPr/>
+            <p:nvPr/>
+          </p:nvSpPr>
+          <p:spPr>
+            <a:xfrm>
+              <a:off x="6476998" y="1077686"/>
+              <a:ext cx="653143" cy="369332"/>
+            </a:xfrm>
+            <a:prstGeom prst="rect">
+              <a:avLst/>
+            </a:prstGeom>
+            <a:grpFill/>
+            <a:ln>
+              <a:solidFill>
+                <a:schemeClr val="tx1"/>
+              </a:solidFill>
+            </a:ln>
+          </p:spPr>
+          <p:style>
+            <a:lnRef idx="2">
+              <a:schemeClr val="accent1">
+                <a:shade val="50000"/>
+              </a:schemeClr>
+            </a:lnRef>
+            <a:fillRef idx="1">
+              <a:schemeClr val="accent1"/>
+            </a:fillRef>
+            <a:effectRef idx="0">
+              <a:schemeClr val="accent1"/>
+            </a:effectRef>
+            <a:fontRef idx="minor">
+              <a:schemeClr val="lt1"/>
+            </a:fontRef>
+          </p:style>
+          <p:txBody>
+            <a:bodyPr rtlCol="0" anchor="ctr"/>
+            <a:lstStyle/>
+            <a:p>
+              <a:pPr algn="ctr"/>
+              <a:endParaRPr kumimoji="1" lang="ja-JP" altLang="en-US"/>
+            </a:p>
+          </p:txBody>
+        </p:sp>
+      </p:grpSp>
+      <p:cxnSp>
+        <p:nvCxnSpPr>
+          <p:cNvPr id="12" name="直線コネクタ 11"/>
+          <p:cNvCxnSpPr>
+            <a:cxnSpLocks/>
+            <a:stCxn id="76" idx="0"/>
+            <a:endCxn id="4" idx="2"/>
+          </p:cNvCxnSpPr>
+          <p:nvPr/>
+        </p:nvCxnSpPr>
+        <p:spPr>
+          <a:xfrm flipV="1">
+            <a:off x="4404945" y="1923612"/>
+            <a:ext cx="1323656" cy="569214"/>
+          </a:xfrm>
+          <a:prstGeom prst="line">
+            <a:avLst/>
+          </a:prstGeom>
+          <a:ln w="19050">
+            <a:solidFill>
+              <a:schemeClr val="tx1"/>
+            </a:solidFill>
+          </a:ln>
+        </p:spPr>
+        <p:style>
+          <a:lnRef idx="1">
+            <a:schemeClr val="accent1"/>
+          </a:lnRef>
+          <a:fillRef idx="0">
+            <a:schemeClr val="accent1"/>
+          </a:fillRef>
+          <a:effectRef idx="0">
+            <a:schemeClr val="accent1"/>
+          </a:effectRef>
+          <a:fontRef idx="minor">
+            <a:schemeClr val="tx1"/>
+          </a:fontRef>
+        </p:style>
+      </p:cxnSp>
+      <p:cxnSp>
+        <p:nvCxnSpPr>
+          <p:cNvPr id="19" name="直線コネクタ 18"/>
+          <p:cNvCxnSpPr>
+            <a:cxnSpLocks/>
+            <a:stCxn id="10" idx="0"/>
+            <a:endCxn id="4" idx="2"/>
+          </p:cNvCxnSpPr>
+          <p:nvPr/>
+        </p:nvCxnSpPr>
+        <p:spPr>
+          <a:xfrm flipH="1" flipV="1">
+            <a:off x="5728601" y="1923612"/>
+            <a:ext cx="1250954" cy="569214"/>
+          </a:xfrm>
+          <a:prstGeom prst="line">
+            <a:avLst/>
+          </a:prstGeom>
+          <a:ln w="19050">
+            <a:solidFill>
+              <a:schemeClr val="tx1"/>
+            </a:solidFill>
+          </a:ln>
+        </p:spPr>
+        <p:style>
+          <a:lnRef idx="1">
+            <a:schemeClr val="accent1"/>
+          </a:lnRef>
+          <a:fillRef idx="0">
+            <a:schemeClr val="accent1"/>
+          </a:fillRef>
+          <a:effectRef idx="0">
+            <a:schemeClr val="accent1"/>
+          </a:effectRef>
+          <a:fontRef idx="minor">
+            <a:schemeClr val="tx1"/>
+          </a:fontRef>
+        </p:style>
+      </p:cxnSp>
+      <p:grpSp>
+        <p:nvGrpSpPr>
+          <p:cNvPr id="30" name="グループ化 29"/>
+          <p:cNvGrpSpPr/>
+          <p:nvPr/>
+        </p:nvGrpSpPr>
+        <p:grpSpPr>
+          <a:xfrm>
+            <a:off x="3253466" y="3660218"/>
+            <a:ext cx="1023260" cy="369333"/>
+            <a:chOff x="2275111" y="1907622"/>
+            <a:chExt cx="1208317" cy="369333"/>
+          </a:xfrm>
+          <a:noFill/>
+        </p:grpSpPr>
+        <p:sp>
+          <p:nvSpPr>
+            <p:cNvPr id="25" name="テキスト ボックス 24"/>
+            <p:cNvSpPr txBox="1"/>
+            <p:nvPr/>
+          </p:nvSpPr>
+          <p:spPr>
+            <a:xfrm>
+              <a:off x="2275115" y="1907623"/>
+              <a:ext cx="1208313" cy="369332"/>
+            </a:xfrm>
+            <a:prstGeom prst="rect">
+              <a:avLst/>
+            </a:prstGeom>
+            <a:grpFill/>
+            <a:ln>
+              <a:solidFill>
+                <a:schemeClr val="tx1"/>
+              </a:solidFill>
+            </a:ln>
+          </p:spPr>
+          <p:txBody>
+            <a:bodyPr wrap="square" rtlCol="0">
+              <a:spAutoFit/>
+            </a:bodyPr>
+            <a:lstStyle/>
+            <a:p>
+              <a:pPr algn="ctr"/>
+              <a:endParaRPr kumimoji="1" lang="ja-JP" altLang="en-US" dirty="0">
+                <a:latin typeface="ＭＳ Ｐゴシック" panose="020B0600070205080204" pitchFamily="50" charset="-128"/>
+                <a:ea typeface="ＭＳ Ｐゴシック" panose="020B0600070205080204" pitchFamily="50" charset="-128"/>
+              </a:endParaRPr>
+            </a:p>
+          </p:txBody>
+        </p:sp>
+        <p:sp>
+          <p:nvSpPr>
+            <p:cNvPr id="29" name="正方形/長方形 28"/>
+            <p:cNvSpPr/>
+            <p:nvPr/>
+          </p:nvSpPr>
+          <p:spPr>
+            <a:xfrm>
+              <a:off x="2275111" y="1907622"/>
+              <a:ext cx="1208317" cy="369333"/>
+            </a:xfrm>
+            <a:prstGeom prst="rect">
+              <a:avLst/>
+            </a:prstGeom>
+            <a:grpFill/>
+            <a:ln>
+              <a:solidFill>
+                <a:schemeClr val="tx1"/>
+              </a:solidFill>
+            </a:ln>
+          </p:spPr>
+          <p:style>
+            <a:lnRef idx="2">
+              <a:schemeClr val="accent1">
+                <a:shade val="50000"/>
+              </a:schemeClr>
+            </a:lnRef>
+            <a:fillRef idx="1">
+              <a:schemeClr val="accent1"/>
+            </a:fillRef>
+            <a:effectRef idx="0">
+              <a:schemeClr val="accent1"/>
+            </a:effectRef>
+            <a:fontRef idx="minor">
+              <a:schemeClr val="lt1"/>
+            </a:fontRef>
+          </p:style>
+          <p:txBody>
+            <a:bodyPr rtlCol="0" anchor="ctr"/>
+            <a:lstStyle/>
+            <a:p>
+              <a:pPr algn="ctr"/>
+              <a:endParaRPr kumimoji="1" lang="ja-JP" altLang="en-US"/>
+            </a:p>
+          </p:txBody>
+        </p:sp>
+      </p:grpSp>
+      <p:cxnSp>
+        <p:nvCxnSpPr>
+          <p:cNvPr id="41" name="直線コネクタ 40"/>
+          <p:cNvCxnSpPr>
+            <a:cxnSpLocks/>
+            <a:stCxn id="29" idx="0"/>
+            <a:endCxn id="76" idx="2"/>
+          </p:cNvCxnSpPr>
+          <p:nvPr/>
+        </p:nvCxnSpPr>
+        <p:spPr>
+          <a:xfrm flipV="1">
+            <a:off x="3765096" y="2862158"/>
+            <a:ext cx="639849" cy="798060"/>
+          </a:xfrm>
+          <a:prstGeom prst="line">
+            <a:avLst/>
+          </a:prstGeom>
+          <a:ln w="19050">
+            <a:solidFill>
+              <a:schemeClr val="tx1"/>
+            </a:solidFill>
+          </a:ln>
+        </p:spPr>
+        <p:style>
+          <a:lnRef idx="1">
+            <a:schemeClr val="accent1"/>
+          </a:lnRef>
+          <a:fillRef idx="0">
+            <a:schemeClr val="accent1"/>
+          </a:fillRef>
+          <a:effectRef idx="0">
+            <a:schemeClr val="accent1"/>
+          </a:effectRef>
+          <a:fontRef idx="minor">
+            <a:schemeClr val="tx1"/>
+          </a:fontRef>
+        </p:style>
+      </p:cxnSp>
+      <p:cxnSp>
+        <p:nvCxnSpPr>
+          <p:cNvPr id="46" name="直線コネクタ 45"/>
+          <p:cNvCxnSpPr>
+            <a:cxnSpLocks/>
+            <a:stCxn id="89" idx="0"/>
+            <a:endCxn id="10" idx="2"/>
+          </p:cNvCxnSpPr>
+          <p:nvPr/>
+        </p:nvCxnSpPr>
+        <p:spPr>
+          <a:xfrm flipV="1">
+            <a:off x="6402149" y="2862158"/>
+            <a:ext cx="577406" cy="800681"/>
+          </a:xfrm>
+          <a:prstGeom prst="line">
+            <a:avLst/>
+          </a:prstGeom>
+          <a:ln w="19050">
+            <a:solidFill>
+              <a:schemeClr val="tx1"/>
+            </a:solidFill>
+          </a:ln>
+        </p:spPr>
+        <p:style>
+          <a:lnRef idx="1">
+            <a:schemeClr val="accent1"/>
+          </a:lnRef>
+          <a:fillRef idx="0">
+            <a:schemeClr val="accent1"/>
+          </a:fillRef>
+          <a:effectRef idx="0">
+            <a:schemeClr val="accent1"/>
+          </a:effectRef>
+          <a:fontRef idx="minor">
+            <a:schemeClr val="tx1"/>
+          </a:fontRef>
+        </p:style>
+      </p:cxnSp>
+      <p:cxnSp>
+        <p:nvCxnSpPr>
+          <p:cNvPr id="51" name="直線コネクタ 50"/>
+          <p:cNvCxnSpPr>
+            <a:cxnSpLocks/>
+            <a:stCxn id="86" idx="0"/>
+            <a:endCxn id="76" idx="2"/>
+          </p:cNvCxnSpPr>
+          <p:nvPr/>
+        </p:nvCxnSpPr>
+        <p:spPr>
+          <a:xfrm flipH="1" flipV="1">
+            <a:off x="4404945" y="2862158"/>
+            <a:ext cx="678679" cy="798061"/>
+          </a:xfrm>
+          <a:prstGeom prst="line">
+            <a:avLst/>
+          </a:prstGeom>
+          <a:ln w="19050">
+            <a:solidFill>
+              <a:schemeClr val="tx1"/>
+            </a:solidFill>
+          </a:ln>
+        </p:spPr>
+        <p:style>
+          <a:lnRef idx="1">
+            <a:schemeClr val="accent1"/>
+          </a:lnRef>
+          <a:fillRef idx="0">
+            <a:schemeClr val="accent1"/>
+          </a:fillRef>
+          <a:effectRef idx="0">
+            <a:schemeClr val="accent1"/>
+          </a:effectRef>
+          <a:fontRef idx="minor">
+            <a:schemeClr val="tx1"/>
+          </a:fontRef>
+        </p:style>
+      </p:cxnSp>
+      <p:cxnSp>
+        <p:nvCxnSpPr>
+          <p:cNvPr id="58" name="直線コネクタ 57"/>
+          <p:cNvCxnSpPr>
+            <a:cxnSpLocks/>
+            <a:stCxn id="92" idx="0"/>
+            <a:endCxn id="10" idx="2"/>
+          </p:cNvCxnSpPr>
+          <p:nvPr/>
+        </p:nvCxnSpPr>
+        <p:spPr>
+          <a:xfrm flipH="1" flipV="1">
+            <a:off x="6979555" y="2862158"/>
+            <a:ext cx="741119" cy="798060"/>
+          </a:xfrm>
+          <a:prstGeom prst="line">
+            <a:avLst/>
+          </a:prstGeom>
+          <a:ln w="19050">
+            <a:solidFill>
+              <a:schemeClr val="tx1"/>
+            </a:solidFill>
+          </a:ln>
+        </p:spPr>
+        <p:style>
+          <a:lnRef idx="1">
+            <a:schemeClr val="accent1"/>
+          </a:lnRef>
+          <a:fillRef idx="0">
+            <a:schemeClr val="accent1"/>
+          </a:fillRef>
+          <a:effectRef idx="0">
+            <a:schemeClr val="accent1"/>
+          </a:effectRef>
+          <a:fontRef idx="minor">
+            <a:schemeClr val="tx1"/>
+          </a:fontRef>
+        </p:style>
+      </p:cxnSp>
+      <p:grpSp>
+        <p:nvGrpSpPr>
+          <p:cNvPr id="74" name="グループ化 73"/>
+          <p:cNvGrpSpPr/>
+          <p:nvPr/>
+        </p:nvGrpSpPr>
+        <p:grpSpPr>
+          <a:xfrm>
+            <a:off x="3949260" y="2492826"/>
+            <a:ext cx="911370" cy="369332"/>
+            <a:chOff x="6395835" y="1077686"/>
+            <a:chExt cx="653145" cy="369332"/>
+          </a:xfrm>
+          <a:noFill/>
+        </p:grpSpPr>
+        <p:sp>
+          <p:nvSpPr>
+            <p:cNvPr id="75" name="テキスト ボックス 74"/>
+            <p:cNvSpPr txBox="1"/>
+            <p:nvPr/>
+          </p:nvSpPr>
+          <p:spPr>
+            <a:xfrm>
+              <a:off x="6395835" y="1077686"/>
+              <a:ext cx="653145" cy="369332"/>
+            </a:xfrm>
+            <a:prstGeom prst="rect">
+              <a:avLst/>
+            </a:prstGeom>
+            <a:grpFill/>
+            <a:ln>
+              <a:solidFill>
+                <a:schemeClr val="tx1"/>
+              </a:solidFill>
+            </a:ln>
+          </p:spPr>
+          <p:txBody>
+            <a:bodyPr wrap="square" rtlCol="0">
+              <a:spAutoFit/>
+            </a:bodyPr>
+            <a:lstStyle/>
+            <a:p>
+              <a:pPr algn="ctr"/>
+              <a:endParaRPr kumimoji="1" lang="ja-JP" altLang="en-US" dirty="0">
+                <a:latin typeface="ＭＳ Ｐゴシック" panose="020B0600070205080204" pitchFamily="50" charset="-128"/>
+                <a:ea typeface="ＭＳ Ｐゴシック" panose="020B0600070205080204" pitchFamily="50" charset="-128"/>
+              </a:endParaRPr>
+            </a:p>
+          </p:txBody>
+        </p:sp>
+        <p:sp>
+          <p:nvSpPr>
+            <p:cNvPr id="76" name="正方形/長方形 75"/>
+            <p:cNvSpPr/>
+            <p:nvPr/>
+          </p:nvSpPr>
+          <p:spPr>
+            <a:xfrm>
+              <a:off x="6395836" y="1077686"/>
+              <a:ext cx="653143" cy="369332"/>
+            </a:xfrm>
+            <a:prstGeom prst="rect">
+              <a:avLst/>
+            </a:prstGeom>
+            <a:grpFill/>
+            <a:ln>
+              <a:solidFill>
+                <a:schemeClr val="tx1"/>
+              </a:solidFill>
+            </a:ln>
+          </p:spPr>
+          <p:style>
+            <a:lnRef idx="2">
+              <a:schemeClr val="accent1">
+                <a:shade val="50000"/>
+              </a:schemeClr>
+            </a:lnRef>
+            <a:fillRef idx="1">
+              <a:schemeClr val="accent1"/>
+            </a:fillRef>
+            <a:effectRef idx="0">
+              <a:schemeClr val="accent1"/>
+            </a:effectRef>
+            <a:fontRef idx="minor">
+              <a:schemeClr val="lt1"/>
+            </a:fontRef>
+          </p:style>
+          <p:txBody>
+            <a:bodyPr rtlCol="0" anchor="ctr"/>
+            <a:lstStyle/>
+            <a:p>
+              <a:pPr algn="ctr"/>
+              <a:endParaRPr kumimoji="1" lang="ja-JP" altLang="en-US" dirty="0"/>
+            </a:p>
+          </p:txBody>
+        </p:sp>
+      </p:grpSp>
+      <p:grpSp>
+        <p:nvGrpSpPr>
+          <p:cNvPr id="84" name="グループ化 83"/>
+          <p:cNvGrpSpPr/>
+          <p:nvPr/>
+        </p:nvGrpSpPr>
+        <p:grpSpPr>
+          <a:xfrm>
+            <a:off x="4571994" y="3660219"/>
+            <a:ext cx="1023260" cy="369333"/>
+            <a:chOff x="2275111" y="1907622"/>
+            <a:chExt cx="1208317" cy="369333"/>
+          </a:xfrm>
+          <a:noFill/>
+        </p:grpSpPr>
+        <p:sp>
+          <p:nvSpPr>
+            <p:cNvPr id="85" name="テキスト ボックス 84"/>
+            <p:cNvSpPr txBox="1"/>
+            <p:nvPr/>
+          </p:nvSpPr>
+          <p:spPr>
+            <a:xfrm>
+              <a:off x="2275115" y="1907623"/>
+              <a:ext cx="1208313" cy="369332"/>
+            </a:xfrm>
+            <a:prstGeom prst="rect">
+              <a:avLst/>
+            </a:prstGeom>
+            <a:grpFill/>
+            <a:ln>
+              <a:solidFill>
+                <a:schemeClr val="tx1"/>
+              </a:solidFill>
+            </a:ln>
+          </p:spPr>
+          <p:txBody>
+            <a:bodyPr wrap="square" rtlCol="0">
+              <a:spAutoFit/>
+            </a:bodyPr>
+            <a:lstStyle/>
+            <a:p>
+              <a:pPr algn="ctr"/>
+              <a:endParaRPr kumimoji="1" lang="ja-JP" altLang="en-US" dirty="0">
+                <a:latin typeface="ＭＳ Ｐゴシック" panose="020B0600070205080204" pitchFamily="50" charset="-128"/>
+                <a:ea typeface="ＭＳ Ｐゴシック" panose="020B0600070205080204" pitchFamily="50" charset="-128"/>
+              </a:endParaRPr>
+            </a:p>
+          </p:txBody>
+        </p:sp>
+        <p:sp>
+          <p:nvSpPr>
+            <p:cNvPr id="86" name="正方形/長方形 85"/>
+            <p:cNvSpPr/>
+            <p:nvPr/>
+          </p:nvSpPr>
+          <p:spPr>
+            <a:xfrm>
+              <a:off x="2275111" y="1907622"/>
+              <a:ext cx="1208317" cy="369333"/>
+            </a:xfrm>
+            <a:prstGeom prst="rect">
+              <a:avLst/>
+            </a:prstGeom>
+            <a:grpFill/>
+            <a:ln>
+              <a:solidFill>
+                <a:schemeClr val="tx1"/>
+              </a:solidFill>
+            </a:ln>
+          </p:spPr>
+          <p:style>
+            <a:lnRef idx="2">
+              <a:schemeClr val="accent1">
+                <a:shade val="50000"/>
+              </a:schemeClr>
+            </a:lnRef>
+            <a:fillRef idx="1">
+              <a:schemeClr val="accent1"/>
+            </a:fillRef>
+            <a:effectRef idx="0">
+              <a:schemeClr val="accent1"/>
+            </a:effectRef>
+            <a:fontRef idx="minor">
+              <a:schemeClr val="lt1"/>
+            </a:fontRef>
+          </p:style>
+          <p:txBody>
+            <a:bodyPr rtlCol="0" anchor="ctr"/>
+            <a:lstStyle/>
+            <a:p>
+              <a:pPr algn="ctr"/>
+              <a:endParaRPr kumimoji="1" lang="ja-JP" altLang="en-US"/>
+            </a:p>
+          </p:txBody>
+        </p:sp>
+      </p:grpSp>
+      <p:grpSp>
+        <p:nvGrpSpPr>
+          <p:cNvPr id="87" name="グループ化 86"/>
+          <p:cNvGrpSpPr/>
+          <p:nvPr/>
+        </p:nvGrpSpPr>
+        <p:grpSpPr>
+          <a:xfrm>
+            <a:off x="5890519" y="3662839"/>
+            <a:ext cx="1023260" cy="369333"/>
+            <a:chOff x="2275111" y="1907622"/>
+            <a:chExt cx="1208317" cy="369333"/>
+          </a:xfrm>
+          <a:noFill/>
+        </p:grpSpPr>
+        <p:sp>
+          <p:nvSpPr>
+            <p:cNvPr id="88" name="テキスト ボックス 87"/>
+            <p:cNvSpPr txBox="1"/>
+            <p:nvPr/>
+          </p:nvSpPr>
+          <p:spPr>
+            <a:xfrm>
+              <a:off x="2275115" y="1907623"/>
+              <a:ext cx="1208313" cy="369332"/>
+            </a:xfrm>
+            <a:prstGeom prst="rect">
+              <a:avLst/>
+            </a:prstGeom>
+            <a:grpFill/>
+            <a:ln>
+              <a:solidFill>
+                <a:schemeClr val="tx1"/>
+              </a:solidFill>
+            </a:ln>
+          </p:spPr>
+          <p:txBody>
+            <a:bodyPr wrap="square" rtlCol="0">
+              <a:spAutoFit/>
+            </a:bodyPr>
+            <a:lstStyle/>
+            <a:p>
+              <a:pPr algn="ctr"/>
+              <a:endParaRPr kumimoji="1" lang="ja-JP" altLang="en-US" dirty="0">
+                <a:latin typeface="ＭＳ Ｐゴシック" panose="020B0600070205080204" pitchFamily="50" charset="-128"/>
+                <a:ea typeface="ＭＳ Ｐゴシック" panose="020B0600070205080204" pitchFamily="50" charset="-128"/>
+              </a:endParaRPr>
+            </a:p>
+          </p:txBody>
+        </p:sp>
+        <p:sp>
+          <p:nvSpPr>
+            <p:cNvPr id="89" name="正方形/長方形 88"/>
+            <p:cNvSpPr/>
+            <p:nvPr/>
+          </p:nvSpPr>
+          <p:spPr>
+            <a:xfrm>
+              <a:off x="2275111" y="1907622"/>
+              <a:ext cx="1208317" cy="369333"/>
+            </a:xfrm>
+            <a:prstGeom prst="rect">
+              <a:avLst/>
+            </a:prstGeom>
+            <a:grpFill/>
+            <a:ln>
+              <a:solidFill>
+                <a:schemeClr val="tx1"/>
+              </a:solidFill>
+            </a:ln>
+          </p:spPr>
+          <p:style>
+            <a:lnRef idx="2">
+              <a:schemeClr val="accent1">
+                <a:shade val="50000"/>
+              </a:schemeClr>
+            </a:lnRef>
+            <a:fillRef idx="1">
+              <a:schemeClr val="accent1"/>
+            </a:fillRef>
+            <a:effectRef idx="0">
+              <a:schemeClr val="accent1"/>
+            </a:effectRef>
+            <a:fontRef idx="minor">
+              <a:schemeClr val="lt1"/>
+            </a:fontRef>
+          </p:style>
+          <p:txBody>
+            <a:bodyPr rtlCol="0" anchor="ctr"/>
+            <a:lstStyle/>
+            <a:p>
+              <a:pPr algn="ctr"/>
+              <a:endParaRPr kumimoji="1" lang="ja-JP" altLang="en-US"/>
+            </a:p>
+          </p:txBody>
+        </p:sp>
+      </p:grpSp>
+      <p:grpSp>
+        <p:nvGrpSpPr>
+          <p:cNvPr id="90" name="グループ化 89"/>
+          <p:cNvGrpSpPr/>
+          <p:nvPr/>
+        </p:nvGrpSpPr>
+        <p:grpSpPr>
+          <a:xfrm>
+            <a:off x="7209044" y="3660218"/>
+            <a:ext cx="1023260" cy="369333"/>
+            <a:chOff x="2275111" y="1907622"/>
+            <a:chExt cx="1208317" cy="369333"/>
+          </a:xfrm>
+          <a:noFill/>
+        </p:grpSpPr>
+        <p:sp>
+          <p:nvSpPr>
+            <p:cNvPr id="91" name="テキスト ボックス 90"/>
+            <p:cNvSpPr txBox="1"/>
+            <p:nvPr/>
+          </p:nvSpPr>
+          <p:spPr>
+            <a:xfrm>
+              <a:off x="2275115" y="1907623"/>
+              <a:ext cx="1208313" cy="369332"/>
+            </a:xfrm>
+            <a:prstGeom prst="rect">
+              <a:avLst/>
+            </a:prstGeom>
+            <a:grpFill/>
+            <a:ln>
+              <a:solidFill>
+                <a:schemeClr val="tx1"/>
+              </a:solidFill>
+            </a:ln>
+          </p:spPr>
+          <p:txBody>
+            <a:bodyPr wrap="square" rtlCol="0">
+              <a:spAutoFit/>
+            </a:bodyPr>
+            <a:lstStyle/>
+            <a:p>
+              <a:pPr algn="ctr"/>
+              <a:endParaRPr kumimoji="1" lang="ja-JP" altLang="en-US" dirty="0">
+                <a:latin typeface="ＭＳ Ｐゴシック" panose="020B0600070205080204" pitchFamily="50" charset="-128"/>
+                <a:ea typeface="ＭＳ Ｐゴシック" panose="020B0600070205080204" pitchFamily="50" charset="-128"/>
+              </a:endParaRPr>
+            </a:p>
+          </p:txBody>
+        </p:sp>
+        <p:sp>
+          <p:nvSpPr>
+            <p:cNvPr id="92" name="正方形/長方形 91"/>
+            <p:cNvSpPr/>
+            <p:nvPr/>
+          </p:nvSpPr>
+          <p:spPr>
+            <a:xfrm>
+              <a:off x="2275111" y="1907622"/>
+              <a:ext cx="1208317" cy="369333"/>
+            </a:xfrm>
+            <a:prstGeom prst="rect">
+              <a:avLst/>
+            </a:prstGeom>
+            <a:grpFill/>
+            <a:ln>
+              <a:solidFill>
+                <a:schemeClr val="tx1"/>
+              </a:solidFill>
+            </a:ln>
+          </p:spPr>
+          <p:style>
+            <a:lnRef idx="2">
+              <a:schemeClr val="accent1">
+                <a:shade val="50000"/>
+              </a:schemeClr>
+            </a:lnRef>
+            <a:fillRef idx="1">
+              <a:schemeClr val="accent1"/>
+            </a:fillRef>
+            <a:effectRef idx="0">
+              <a:schemeClr val="accent1"/>
+            </a:effectRef>
+            <a:fontRef idx="minor">
+              <a:schemeClr val="lt1"/>
+            </a:fontRef>
+          </p:style>
+          <p:txBody>
+            <a:bodyPr rtlCol="0" anchor="ctr"/>
+            <a:lstStyle/>
+            <a:p>
+              <a:pPr algn="ctr"/>
+              <a:endParaRPr kumimoji="1" lang="ja-JP" altLang="en-US"/>
+            </a:p>
+          </p:txBody>
+        </p:sp>
+      </p:grpSp>
+    </p:spTree>
+    <p:extLst>
+      <p:ext uri="{BB962C8B-B14F-4D97-AF65-F5344CB8AC3E}">
+        <p14:creationId xmlns:p14="http://schemas.microsoft.com/office/powerpoint/2010/main" val="1186996044"/>
+      </p:ext>
+    </p:extLst>
+  </p:cSld>
+  <p:clrMapOvr>
+    <a:masterClrMapping/>
+  </p:clrMapOvr>
+</p:sld>
+</file>
+
+<file path=ppt/slides/slide5.xml><?xml version="1.0" encoding="utf-8"?>
 <p:sld xmlns:a="http://schemas.openxmlformats.org/drawingml/2006/main" xmlns:r="http://schemas.openxmlformats.org/officeDocument/2006/relationships" xmlns:p="http://schemas.openxmlformats.org/presentationml/2006/main">
   <p:cSld>
     <p:spTree>
@@ -7819,7 +9890,7 @@
             <a:p>
               <a:pPr algn="ctr"/>
               <a:r>
-                <a:rPr kumimoji="1" lang="en-US" altLang="ja-JP" dirty="0" err="1" smtClean="0">
+                <a:rPr kumimoji="1" lang="en-US" altLang="ja-JP" dirty="0" err="1">
                   <a:latin typeface="ＭＳ Ｐゴシック" panose="020B0600070205080204" pitchFamily="50" charset="-128"/>
                   <a:ea typeface="ＭＳ Ｐゴシック" panose="020B0600070205080204" pitchFamily="50" charset="-128"/>
                 </a:rPr>
@@ -8323,7 +10394,7 @@
             <a:p>
               <a:pPr algn="ctr"/>
               <a:r>
-                <a:rPr kumimoji="1" lang="en-US" altLang="ja-JP" dirty="0" err="1" smtClean="0">
+                <a:rPr kumimoji="1" lang="en-US" altLang="ja-JP" dirty="0" err="1">
                   <a:latin typeface="ＭＳ Ｐゴシック" panose="020B0600070205080204" pitchFamily="50" charset="-128"/>
                   <a:ea typeface="ＭＳ Ｐゴシック" panose="020B0600070205080204" pitchFamily="50" charset="-128"/>
                 </a:rPr>
@@ -8431,7 +10502,7 @@
             <a:p>
               <a:pPr algn="ctr"/>
               <a:r>
-                <a:rPr kumimoji="1" lang="en-US" altLang="ja-JP" dirty="0" err="1" smtClean="0">
+                <a:rPr kumimoji="1" lang="en-US" altLang="ja-JP" dirty="0" err="1">
                   <a:latin typeface="ＭＳ Ｐゴシック" panose="020B0600070205080204" pitchFamily="50" charset="-128"/>
                   <a:ea typeface="ＭＳ Ｐゴシック" panose="020B0600070205080204" pitchFamily="50" charset="-128"/>
                 </a:rPr>
@@ -8539,7 +10610,7 @@
             <a:p>
               <a:pPr algn="ctr"/>
               <a:r>
-                <a:rPr kumimoji="1" lang="en-US" altLang="ja-JP" dirty="0" err="1" smtClean="0">
+                <a:rPr kumimoji="1" lang="en-US" altLang="ja-JP" dirty="0" err="1">
                   <a:latin typeface="ＭＳ Ｐゴシック" panose="020B0600070205080204" pitchFamily="50" charset="-128"/>
                   <a:ea typeface="ＭＳ Ｐゴシック" panose="020B0600070205080204" pitchFamily="50" charset="-128"/>
                 </a:rPr>
@@ -9166,10 +11237,9 @@
           <a:lstStyle/>
           <a:p>
             <a:r>
-              <a:rPr kumimoji="1" lang="ja-JP" altLang="en-US" dirty="0" smtClean="0"/>
+              <a:rPr kumimoji="1" lang="ja-JP" altLang="en-US" dirty="0"/>
               <a:t>・・・</a:t>
             </a:r>
-            <a:endParaRPr kumimoji="1" lang="ja-JP" altLang="en-US" dirty="0"/>
           </a:p>
         </p:txBody>
       </p:sp>
@@ -9196,10 +11266,9 @@
           <a:lstStyle/>
           <a:p>
             <a:r>
-              <a:rPr kumimoji="1" lang="ja-JP" altLang="en-US" dirty="0" smtClean="0"/>
+              <a:rPr kumimoji="1" lang="ja-JP" altLang="en-US" dirty="0"/>
               <a:t>・・・</a:t>
             </a:r>
-            <a:endParaRPr kumimoji="1" lang="ja-JP" altLang="en-US" dirty="0"/>
           </a:p>
         </p:txBody>
       </p:sp>
@@ -9226,10 +11295,9 @@
           <a:lstStyle/>
           <a:p>
             <a:r>
-              <a:rPr kumimoji="1" lang="ja-JP" altLang="en-US" dirty="0" smtClean="0"/>
+              <a:rPr kumimoji="1" lang="ja-JP" altLang="en-US" dirty="0"/>
               <a:t>・・・</a:t>
             </a:r>
-            <a:endParaRPr kumimoji="1" lang="ja-JP" altLang="en-US" dirty="0"/>
           </a:p>
         </p:txBody>
       </p:sp>
@@ -9256,10 +11324,9 @@
           <a:lstStyle/>
           <a:p>
             <a:r>
-              <a:rPr kumimoji="1" lang="ja-JP" altLang="en-US" dirty="0" smtClean="0"/>
+              <a:rPr kumimoji="1" lang="ja-JP" altLang="en-US" dirty="0"/>
               <a:t>・・・</a:t>
             </a:r>
-            <a:endParaRPr kumimoji="1" lang="ja-JP" altLang="en-US" dirty="0"/>
           </a:p>
         </p:txBody>
       </p:sp>
@@ -9306,7 +11373,7 @@
             <a:p>
               <a:pPr algn="ctr"/>
               <a:r>
-                <a:rPr kumimoji="1" lang="en-US" altLang="ja-JP" dirty="0" smtClean="0">
+                <a:rPr kumimoji="1" lang="en-US" altLang="ja-JP" dirty="0">
                   <a:solidFill>
                     <a:srgbClr val="FF0000"/>
                   </a:solidFill>
@@ -9414,7 +11481,7 @@
             <a:p>
               <a:pPr algn="ctr"/>
               <a:r>
-                <a:rPr kumimoji="1" lang="en-US" altLang="ja-JP" dirty="0" smtClean="0">
+                <a:rPr kumimoji="1" lang="en-US" altLang="ja-JP" dirty="0">
                   <a:latin typeface="ＭＳ Ｐゴシック" panose="020B0600070205080204" pitchFamily="50" charset="-128"/>
                   <a:ea typeface="ＭＳ Ｐゴシック" panose="020B0600070205080204" pitchFamily="50" charset="-128"/>
                 </a:rPr>
@@ -9512,7 +11579,7 @@
             <a:p>
               <a:pPr algn="ctr"/>
               <a:r>
-                <a:rPr kumimoji="1" lang="en-US" altLang="ja-JP" dirty="0" smtClean="0">
+                <a:rPr kumimoji="1" lang="en-US" altLang="ja-JP" dirty="0">
                   <a:latin typeface="ＭＳ Ｐゴシック" panose="020B0600070205080204" pitchFamily="50" charset="-128"/>
                   <a:ea typeface="ＭＳ Ｐゴシック" panose="020B0600070205080204" pitchFamily="50" charset="-128"/>
                 </a:rPr>
@@ -9615,7 +11682,7 @@
             <a:p>
               <a:pPr algn="ctr"/>
               <a:r>
-                <a:rPr kumimoji="1" lang="en-US" altLang="ja-JP" dirty="0" smtClean="0">
+                <a:rPr kumimoji="1" lang="en-US" altLang="ja-JP" dirty="0">
                   <a:solidFill>
                     <a:srgbClr val="FF0000"/>
                   </a:solidFill>
@@ -10258,7 +12325,7 @@
 </p:sld>
 </file>
 
-<file path=ppt/slides/slide4.xml><?xml version="1.0" encoding="utf-8"?>
+<file path=ppt/slides/slide6.xml><?xml version="1.0" encoding="utf-8"?>
 <p:sld xmlns:a="http://schemas.openxmlformats.org/drawingml/2006/main" xmlns:r="http://schemas.openxmlformats.org/officeDocument/2006/relationships" xmlns:p="http://schemas.openxmlformats.org/presentationml/2006/main">
   <p:cSld>
     <p:spTree>
@@ -10580,7 +12647,7 @@
             <a:p>
               <a:pPr algn="ctr"/>
               <a:r>
-                <a:rPr kumimoji="1" lang="en-US" altLang="ja-JP" dirty="0" err="1" smtClean="0">
+                <a:rPr kumimoji="1" lang="en-US" altLang="ja-JP" dirty="0" err="1">
                   <a:latin typeface="ＭＳ Ｐゴシック" panose="020B0600070205080204" pitchFamily="50" charset="-128"/>
                   <a:ea typeface="ＭＳ Ｐゴシック" panose="020B0600070205080204" pitchFamily="50" charset="-128"/>
                 </a:rPr>
@@ -11084,7 +13151,7 @@
             <a:p>
               <a:pPr algn="ctr"/>
               <a:r>
-                <a:rPr kumimoji="1" lang="en-US" altLang="ja-JP" dirty="0" err="1" smtClean="0">
+                <a:rPr kumimoji="1" lang="en-US" altLang="ja-JP" dirty="0" err="1">
                   <a:latin typeface="ＭＳ Ｐゴシック" panose="020B0600070205080204" pitchFamily="50" charset="-128"/>
                   <a:ea typeface="ＭＳ Ｐゴシック" panose="020B0600070205080204" pitchFamily="50" charset="-128"/>
                 </a:rPr>
@@ -11192,7 +13259,7 @@
             <a:p>
               <a:pPr algn="ctr"/>
               <a:r>
-                <a:rPr kumimoji="1" lang="en-US" altLang="ja-JP" dirty="0" err="1" smtClean="0">
+                <a:rPr kumimoji="1" lang="en-US" altLang="ja-JP" dirty="0" err="1">
                   <a:latin typeface="ＭＳ Ｐゴシック" panose="020B0600070205080204" pitchFamily="50" charset="-128"/>
                   <a:ea typeface="ＭＳ Ｐゴシック" panose="020B0600070205080204" pitchFamily="50" charset="-128"/>
                 </a:rPr>
@@ -11300,7 +13367,7 @@
             <a:p>
               <a:pPr algn="ctr"/>
               <a:r>
-                <a:rPr kumimoji="1" lang="en-US" altLang="ja-JP" dirty="0" err="1" smtClean="0">
+                <a:rPr kumimoji="1" lang="en-US" altLang="ja-JP" dirty="0" err="1">
                   <a:latin typeface="ＭＳ Ｐゴシック" panose="020B0600070205080204" pitchFamily="50" charset="-128"/>
                   <a:ea typeface="ＭＳ Ｐゴシック" panose="020B0600070205080204" pitchFamily="50" charset="-128"/>
                 </a:rPr>
@@ -11927,10 +13994,9 @@
           <a:lstStyle/>
           <a:p>
             <a:r>
-              <a:rPr kumimoji="1" lang="ja-JP" altLang="en-US" dirty="0" smtClean="0"/>
+              <a:rPr kumimoji="1" lang="ja-JP" altLang="en-US" dirty="0"/>
               <a:t>・・・</a:t>
             </a:r>
-            <a:endParaRPr kumimoji="1" lang="ja-JP" altLang="en-US" dirty="0"/>
           </a:p>
         </p:txBody>
       </p:sp>
@@ -11957,10 +14023,9 @@
           <a:lstStyle/>
           <a:p>
             <a:r>
-              <a:rPr kumimoji="1" lang="ja-JP" altLang="en-US" dirty="0" smtClean="0"/>
+              <a:rPr kumimoji="1" lang="ja-JP" altLang="en-US" dirty="0"/>
               <a:t>・・・</a:t>
             </a:r>
-            <a:endParaRPr kumimoji="1" lang="ja-JP" altLang="en-US" dirty="0"/>
           </a:p>
         </p:txBody>
       </p:sp>
@@ -11987,10 +14052,9 @@
           <a:lstStyle/>
           <a:p>
             <a:r>
-              <a:rPr kumimoji="1" lang="ja-JP" altLang="en-US" dirty="0" smtClean="0"/>
+              <a:rPr kumimoji="1" lang="ja-JP" altLang="en-US" dirty="0"/>
               <a:t>・・・</a:t>
             </a:r>
-            <a:endParaRPr kumimoji="1" lang="ja-JP" altLang="en-US" dirty="0"/>
           </a:p>
         </p:txBody>
       </p:sp>
@@ -12017,10 +14081,9 @@
           <a:lstStyle/>
           <a:p>
             <a:r>
-              <a:rPr kumimoji="1" lang="ja-JP" altLang="en-US" dirty="0" smtClean="0"/>
+              <a:rPr kumimoji="1" lang="ja-JP" altLang="en-US" dirty="0"/>
               <a:t>・・・</a:t>
             </a:r>
-            <a:endParaRPr kumimoji="1" lang="ja-JP" altLang="en-US" dirty="0"/>
           </a:p>
         </p:txBody>
       </p:sp>
@@ -12067,7 +14130,7 @@
             <a:p>
               <a:pPr algn="ctr"/>
               <a:r>
-                <a:rPr kumimoji="1" lang="en-US" altLang="ja-JP" dirty="0" smtClean="0">
+                <a:rPr kumimoji="1" lang="en-US" altLang="ja-JP" dirty="0">
                   <a:solidFill>
                     <a:srgbClr val="FF0000"/>
                   </a:solidFill>
@@ -12180,7 +14243,7 @@
             <a:p>
               <a:pPr algn="ctr"/>
               <a:r>
-                <a:rPr kumimoji="1" lang="en-US" altLang="ja-JP" dirty="0" smtClean="0">
+                <a:rPr kumimoji="1" lang="en-US" altLang="ja-JP" dirty="0">
                   <a:solidFill>
                     <a:srgbClr val="FF0000"/>
                   </a:solidFill>
@@ -12288,7 +14351,7 @@
             <a:p>
               <a:pPr algn="ctr"/>
               <a:r>
-                <a:rPr kumimoji="1" lang="en-US" altLang="ja-JP" dirty="0" smtClean="0">
+                <a:rPr kumimoji="1" lang="en-US" altLang="ja-JP" dirty="0">
                   <a:latin typeface="ＭＳ Ｐゴシック" panose="020B0600070205080204" pitchFamily="50" charset="-128"/>
                   <a:ea typeface="ＭＳ Ｐゴシック" panose="020B0600070205080204" pitchFamily="50" charset="-128"/>
                 </a:rPr>
@@ -12391,7 +14454,7 @@
             <a:p>
               <a:pPr algn="ctr"/>
               <a:r>
-                <a:rPr kumimoji="1" lang="en-US" altLang="ja-JP" dirty="0" smtClean="0">
+                <a:rPr kumimoji="1" lang="en-US" altLang="ja-JP" dirty="0">
                   <a:latin typeface="ＭＳ Ｐゴシック" panose="020B0600070205080204" pitchFamily="50" charset="-128"/>
                   <a:ea typeface="ＭＳ Ｐゴシック" panose="020B0600070205080204" pitchFamily="50" charset="-128"/>
                 </a:rPr>

--- a/Figure.pptx
+++ b/Figure.pptx
@@ -257,7 +257,7 @@
           <a:p>
             <a:fld id="{AD44FA29-5F0F-4BC4-B6C9-5CBB24FAE695}" type="datetimeFigureOut">
               <a:rPr kumimoji="1" lang="ja-JP" altLang="en-US" smtClean="0"/>
-              <a:t>2017/1/25</a:t>
+              <a:t>2017/1/26</a:t>
             </a:fld>
             <a:endParaRPr kumimoji="1" lang="ja-JP" altLang="en-US"/>
           </a:p>
@@ -457,7 +457,7 @@
           <a:p>
             <a:fld id="{AD44FA29-5F0F-4BC4-B6C9-5CBB24FAE695}" type="datetimeFigureOut">
               <a:rPr kumimoji="1" lang="ja-JP" altLang="en-US" smtClean="0"/>
-              <a:t>2017/1/25</a:t>
+              <a:t>2017/1/26</a:t>
             </a:fld>
             <a:endParaRPr kumimoji="1" lang="ja-JP" altLang="en-US"/>
           </a:p>
@@ -667,7 +667,7 @@
           <a:p>
             <a:fld id="{AD44FA29-5F0F-4BC4-B6C9-5CBB24FAE695}" type="datetimeFigureOut">
               <a:rPr kumimoji="1" lang="ja-JP" altLang="en-US" smtClean="0"/>
-              <a:t>2017/1/25</a:t>
+              <a:t>2017/1/26</a:t>
             </a:fld>
             <a:endParaRPr kumimoji="1" lang="ja-JP" altLang="en-US"/>
           </a:p>
@@ -867,7 +867,7 @@
           <a:p>
             <a:fld id="{AD44FA29-5F0F-4BC4-B6C9-5CBB24FAE695}" type="datetimeFigureOut">
               <a:rPr kumimoji="1" lang="ja-JP" altLang="en-US" smtClean="0"/>
-              <a:t>2017/1/25</a:t>
+              <a:t>2017/1/26</a:t>
             </a:fld>
             <a:endParaRPr kumimoji="1" lang="ja-JP" altLang="en-US"/>
           </a:p>
@@ -1112,7 +1112,7 @@
           <a:p>
             <a:fld id="{AD44FA29-5F0F-4BC4-B6C9-5CBB24FAE695}" type="datetimeFigureOut">
               <a:rPr kumimoji="1" lang="ja-JP" altLang="en-US" smtClean="0"/>
-              <a:t>2017/1/25</a:t>
+              <a:t>2017/1/26</a:t>
             </a:fld>
             <a:endParaRPr kumimoji="1" lang="ja-JP" altLang="en-US"/>
           </a:p>
@@ -1405,7 +1405,7 @@
           <a:p>
             <a:fld id="{AD44FA29-5F0F-4BC4-B6C9-5CBB24FAE695}" type="datetimeFigureOut">
               <a:rPr kumimoji="1" lang="ja-JP" altLang="en-US" smtClean="0"/>
-              <a:t>2017/1/25</a:t>
+              <a:t>2017/1/26</a:t>
             </a:fld>
             <a:endParaRPr kumimoji="1" lang="ja-JP" altLang="en-US"/>
           </a:p>
@@ -1833,7 +1833,7 @@
           <a:p>
             <a:fld id="{AD44FA29-5F0F-4BC4-B6C9-5CBB24FAE695}" type="datetimeFigureOut">
               <a:rPr kumimoji="1" lang="ja-JP" altLang="en-US" smtClean="0"/>
-              <a:t>2017/1/25</a:t>
+              <a:t>2017/1/26</a:t>
             </a:fld>
             <a:endParaRPr kumimoji="1" lang="ja-JP" altLang="en-US"/>
           </a:p>
@@ -1950,7 +1950,7 @@
           <a:p>
             <a:fld id="{AD44FA29-5F0F-4BC4-B6C9-5CBB24FAE695}" type="datetimeFigureOut">
               <a:rPr kumimoji="1" lang="ja-JP" altLang="en-US" smtClean="0"/>
-              <a:t>2017/1/25</a:t>
+              <a:t>2017/1/26</a:t>
             </a:fld>
             <a:endParaRPr kumimoji="1" lang="ja-JP" altLang="en-US"/>
           </a:p>
@@ -2045,7 +2045,7 @@
           <a:p>
             <a:fld id="{AD44FA29-5F0F-4BC4-B6C9-5CBB24FAE695}" type="datetimeFigureOut">
               <a:rPr kumimoji="1" lang="ja-JP" altLang="en-US" smtClean="0"/>
-              <a:t>2017/1/25</a:t>
+              <a:t>2017/1/26</a:t>
             </a:fld>
             <a:endParaRPr kumimoji="1" lang="ja-JP" altLang="en-US"/>
           </a:p>
@@ -2352,7 +2352,7 @@
           <a:p>
             <a:fld id="{AD44FA29-5F0F-4BC4-B6C9-5CBB24FAE695}" type="datetimeFigureOut">
               <a:rPr kumimoji="1" lang="ja-JP" altLang="en-US" smtClean="0"/>
-              <a:t>2017/1/25</a:t>
+              <a:t>2017/1/26</a:t>
             </a:fld>
             <a:endParaRPr kumimoji="1" lang="ja-JP" altLang="en-US"/>
           </a:p>
@@ -2604,7 +2604,7 @@
           <a:p>
             <a:fld id="{AD44FA29-5F0F-4BC4-B6C9-5CBB24FAE695}" type="datetimeFigureOut">
               <a:rPr kumimoji="1" lang="ja-JP" altLang="en-US" smtClean="0"/>
-              <a:t>2017/1/25</a:t>
+              <a:t>2017/1/26</a:t>
             </a:fld>
             <a:endParaRPr kumimoji="1" lang="ja-JP" altLang="en-US"/>
           </a:p>
@@ -2847,7 +2847,7 @@
           <a:p>
             <a:fld id="{AD44FA29-5F0F-4BC4-B6C9-5CBB24FAE695}" type="datetimeFigureOut">
               <a:rPr kumimoji="1" lang="ja-JP" altLang="en-US" smtClean="0"/>
-              <a:t>2017/1/25</a:t>
+              <a:t>2017/1/26</a:t>
             </a:fld>
             <a:endParaRPr kumimoji="1" lang="ja-JP" altLang="en-US"/>
           </a:p>
@@ -8661,7 +8661,7 @@
         </p:nvSpPr>
         <p:spPr>
           <a:xfrm>
-            <a:off x="5200644" y="1517099"/>
+            <a:off x="4539340" y="1517099"/>
             <a:ext cx="1055914" cy="369332"/>
           </a:xfrm>
           <a:prstGeom prst="rect">
@@ -8679,13 +8679,6 @@
           <a:lstStyle/>
           <a:p>
             <a:pPr algn="ctr"/>
-            <a:r>
-              <a:rPr kumimoji="1" lang="en-US" altLang="ja-JP" dirty="0">
-                <a:latin typeface="ＭＳ Ｐゴシック" panose="020B0600070205080204" pitchFamily="50" charset="-128"/>
-                <a:ea typeface="ＭＳ Ｐゴシック" panose="020B0600070205080204" pitchFamily="50" charset="-128"/>
-              </a:rPr>
-              <a:t>IPS</a:t>
-            </a:r>
             <a:endParaRPr kumimoji="1" lang="ja-JP" altLang="en-US" dirty="0">
               <a:latin typeface="ＭＳ Ｐゴシック" panose="020B0600070205080204" pitchFamily="50" charset="-128"/>
               <a:ea typeface="ＭＳ Ｐゴシック" panose="020B0600070205080204" pitchFamily="50" charset="-128"/>
@@ -8701,7 +8694,7 @@
         </p:nvSpPr>
         <p:spPr>
           <a:xfrm>
-            <a:off x="5200644" y="1487401"/>
+            <a:off x="4539340" y="1476659"/>
             <a:ext cx="1055914" cy="436211"/>
           </a:xfrm>
           <a:prstGeom prst="rect">
@@ -8848,8 +8841,8 @@
         </p:nvCxnSpPr>
         <p:spPr>
           <a:xfrm flipV="1">
-            <a:off x="4404945" y="1923612"/>
-            <a:ext cx="1323656" cy="569214"/>
+            <a:off x="4404945" y="1912870"/>
+            <a:ext cx="662352" cy="579956"/>
           </a:xfrm>
           <a:prstGeom prst="line">
             <a:avLst/>
@@ -8880,15 +8873,15 @@
           <p:cNvPr id="19" name="直線コネクタ 18"/>
           <p:cNvCxnSpPr>
             <a:cxnSpLocks/>
-            <a:stCxn id="10" idx="0"/>
-            <a:endCxn id="4" idx="2"/>
+            <a:stCxn id="35" idx="1"/>
+            <a:endCxn id="4" idx="3"/>
           </p:cNvCxnSpPr>
           <p:nvPr/>
         </p:nvCxnSpPr>
         <p:spPr>
-          <a:xfrm flipH="1" flipV="1">
-            <a:off x="5728601" y="1923612"/>
-            <a:ext cx="1250954" cy="569214"/>
+          <a:xfrm flipH="1">
+            <a:off x="5595254" y="1694765"/>
+            <a:ext cx="390979" cy="0"/>
           </a:xfrm>
           <a:prstGeom prst="line">
             <a:avLst/>
@@ -9555,6 +9548,131 @@
           </p:txBody>
         </p:sp>
       </p:grpSp>
+      <p:sp>
+        <p:nvSpPr>
+          <p:cNvPr id="34" name="テキスト ボックス 33"/>
+          <p:cNvSpPr txBox="1"/>
+          <p:nvPr/>
+        </p:nvSpPr>
+        <p:spPr>
+          <a:xfrm>
+            <a:off x="5986233" y="1517099"/>
+            <a:ext cx="1055914" cy="369332"/>
+          </a:xfrm>
+          <a:prstGeom prst="rect">
+            <a:avLst/>
+          </a:prstGeom>
+          <a:noFill/>
+          <a:ln>
+            <a:noFill/>
+          </a:ln>
+        </p:spPr>
+        <p:txBody>
+          <a:bodyPr wrap="square" rtlCol="0">
+            <a:spAutoFit/>
+          </a:bodyPr>
+          <a:lstStyle/>
+          <a:p>
+            <a:pPr algn="ctr"/>
+            <a:r>
+              <a:rPr kumimoji="1" lang="en-US" altLang="ja-JP" dirty="0">
+                <a:latin typeface="ＭＳ Ｐゴシック" panose="020B0600070205080204" pitchFamily="50" charset="-128"/>
+                <a:ea typeface="ＭＳ Ｐゴシック" panose="020B0600070205080204" pitchFamily="50" charset="-128"/>
+              </a:rPr>
+              <a:t>IPS</a:t>
+            </a:r>
+            <a:endParaRPr kumimoji="1" lang="ja-JP" altLang="en-US" dirty="0">
+              <a:latin typeface="ＭＳ Ｐゴシック" panose="020B0600070205080204" pitchFamily="50" charset="-128"/>
+              <a:ea typeface="ＭＳ Ｐゴシック" panose="020B0600070205080204" pitchFamily="50" charset="-128"/>
+            </a:endParaRPr>
+          </a:p>
+        </p:txBody>
+      </p:sp>
+      <p:sp>
+        <p:nvSpPr>
+          <p:cNvPr id="35" name="正方形/長方形 34"/>
+          <p:cNvSpPr/>
+          <p:nvPr/>
+        </p:nvSpPr>
+        <p:spPr>
+          <a:xfrm>
+            <a:off x="5986233" y="1476659"/>
+            <a:ext cx="1055914" cy="436211"/>
+          </a:xfrm>
+          <a:prstGeom prst="rect">
+            <a:avLst/>
+          </a:prstGeom>
+          <a:noFill/>
+          <a:ln>
+            <a:solidFill>
+              <a:schemeClr val="tx1"/>
+            </a:solidFill>
+          </a:ln>
+        </p:spPr>
+        <p:style>
+          <a:lnRef idx="2">
+            <a:schemeClr val="accent1">
+              <a:shade val="50000"/>
+            </a:schemeClr>
+          </a:lnRef>
+          <a:fillRef idx="1">
+            <a:schemeClr val="accent1"/>
+          </a:fillRef>
+          <a:effectRef idx="0">
+            <a:schemeClr val="accent1"/>
+          </a:effectRef>
+          <a:fontRef idx="minor">
+            <a:schemeClr val="lt1"/>
+          </a:fontRef>
+        </p:style>
+        <p:txBody>
+          <a:bodyPr rtlCol="0" anchor="ctr"/>
+          <a:lstStyle/>
+          <a:p>
+            <a:pPr algn="ctr"/>
+            <a:endParaRPr kumimoji="1" lang="ja-JP" altLang="en-US"/>
+          </a:p>
+        </p:txBody>
+      </p:sp>
+      <p:cxnSp>
+        <p:nvCxnSpPr>
+          <p:cNvPr id="36" name="直線コネクタ 35"/>
+          <p:cNvCxnSpPr>
+            <a:cxnSpLocks/>
+            <a:stCxn id="10" idx="0"/>
+            <a:endCxn id="35" idx="2"/>
+          </p:cNvCxnSpPr>
+          <p:nvPr/>
+        </p:nvCxnSpPr>
+        <p:spPr>
+          <a:xfrm flipH="1" flipV="1">
+            <a:off x="6514190" y="1912870"/>
+            <a:ext cx="465365" cy="579956"/>
+          </a:xfrm>
+          <a:prstGeom prst="line">
+            <a:avLst/>
+          </a:prstGeom>
+          <a:ln w="19050">
+            <a:solidFill>
+              <a:schemeClr val="tx1"/>
+            </a:solidFill>
+          </a:ln>
+        </p:spPr>
+        <p:style>
+          <a:lnRef idx="1">
+            <a:schemeClr val="accent1"/>
+          </a:lnRef>
+          <a:fillRef idx="0">
+            <a:schemeClr val="accent1"/>
+          </a:fillRef>
+          <a:effectRef idx="0">
+            <a:schemeClr val="accent1"/>
+          </a:effectRef>
+          <a:fontRef idx="minor">
+            <a:schemeClr val="tx1"/>
+          </a:fontRef>
+        </p:style>
+      </p:cxnSp>
     </p:spTree>
     <p:extLst>
       <p:ext uri="{BB962C8B-B14F-4D97-AF65-F5344CB8AC3E}">

--- a/Figure.pptx
+++ b/Figure.pptx
@@ -257,9 +257,9 @@
           <a:p>
             <a:fld id="{AD44FA29-5F0F-4BC4-B6C9-5CBB24FAE695}" type="datetimeFigureOut">
               <a:rPr kumimoji="1" lang="ja-JP" altLang="en-US" smtClean="0"/>
-              <a:t>2017/1/26</a:t>
+              <a:t>2017/1/27</a:t>
             </a:fld>
-            <a:endParaRPr kumimoji="1" lang="ja-JP" altLang="en-US"/>
+            <a:endParaRPr kumimoji="1" lang="ja-JP" altLang="en-US" dirty="0"/>
           </a:p>
         </p:txBody>
       </p:sp>
@@ -278,7 +278,7 @@
           <a:bodyPr/>
           <a:lstStyle/>
           <a:p>
-            <a:endParaRPr kumimoji="1" lang="ja-JP" altLang="en-US"/>
+            <a:endParaRPr kumimoji="1" lang="ja-JP" altLang="en-US" dirty="0"/>
           </a:p>
         </p:txBody>
       </p:sp>
@@ -301,7 +301,7 @@
               <a:rPr kumimoji="1" lang="ja-JP" altLang="en-US" smtClean="0"/>
               <a:t>‹#›</a:t>
             </a:fld>
-            <a:endParaRPr kumimoji="1" lang="ja-JP" altLang="en-US"/>
+            <a:endParaRPr kumimoji="1" lang="ja-JP" altLang="en-US" dirty="0"/>
           </a:p>
         </p:txBody>
       </p:sp>
@@ -457,9 +457,9 @@
           <a:p>
             <a:fld id="{AD44FA29-5F0F-4BC4-B6C9-5CBB24FAE695}" type="datetimeFigureOut">
               <a:rPr kumimoji="1" lang="ja-JP" altLang="en-US" smtClean="0"/>
-              <a:t>2017/1/26</a:t>
+              <a:t>2017/1/27</a:t>
             </a:fld>
-            <a:endParaRPr kumimoji="1" lang="ja-JP" altLang="en-US"/>
+            <a:endParaRPr kumimoji="1" lang="ja-JP" altLang="en-US" dirty="0"/>
           </a:p>
         </p:txBody>
       </p:sp>
@@ -478,7 +478,7 @@
           <a:bodyPr/>
           <a:lstStyle/>
           <a:p>
-            <a:endParaRPr kumimoji="1" lang="ja-JP" altLang="en-US"/>
+            <a:endParaRPr kumimoji="1" lang="ja-JP" altLang="en-US" dirty="0"/>
           </a:p>
         </p:txBody>
       </p:sp>
@@ -501,7 +501,7 @@
               <a:rPr kumimoji="1" lang="ja-JP" altLang="en-US" smtClean="0"/>
               <a:t>‹#›</a:t>
             </a:fld>
-            <a:endParaRPr kumimoji="1" lang="ja-JP" altLang="en-US"/>
+            <a:endParaRPr kumimoji="1" lang="ja-JP" altLang="en-US" dirty="0"/>
           </a:p>
         </p:txBody>
       </p:sp>
@@ -667,9 +667,9 @@
           <a:p>
             <a:fld id="{AD44FA29-5F0F-4BC4-B6C9-5CBB24FAE695}" type="datetimeFigureOut">
               <a:rPr kumimoji="1" lang="ja-JP" altLang="en-US" smtClean="0"/>
-              <a:t>2017/1/26</a:t>
+              <a:t>2017/1/27</a:t>
             </a:fld>
-            <a:endParaRPr kumimoji="1" lang="ja-JP" altLang="en-US"/>
+            <a:endParaRPr kumimoji="1" lang="ja-JP" altLang="en-US" dirty="0"/>
           </a:p>
         </p:txBody>
       </p:sp>
@@ -688,7 +688,7 @@
           <a:bodyPr/>
           <a:lstStyle/>
           <a:p>
-            <a:endParaRPr kumimoji="1" lang="ja-JP" altLang="en-US"/>
+            <a:endParaRPr kumimoji="1" lang="ja-JP" altLang="en-US" dirty="0"/>
           </a:p>
         </p:txBody>
       </p:sp>
@@ -711,7 +711,7 @@
               <a:rPr kumimoji="1" lang="ja-JP" altLang="en-US" smtClean="0"/>
               <a:t>‹#›</a:t>
             </a:fld>
-            <a:endParaRPr kumimoji="1" lang="ja-JP" altLang="en-US"/>
+            <a:endParaRPr kumimoji="1" lang="ja-JP" altLang="en-US" dirty="0"/>
           </a:p>
         </p:txBody>
       </p:sp>
@@ -867,9 +867,9 @@
           <a:p>
             <a:fld id="{AD44FA29-5F0F-4BC4-B6C9-5CBB24FAE695}" type="datetimeFigureOut">
               <a:rPr kumimoji="1" lang="ja-JP" altLang="en-US" smtClean="0"/>
-              <a:t>2017/1/26</a:t>
+              <a:t>2017/1/27</a:t>
             </a:fld>
-            <a:endParaRPr kumimoji="1" lang="ja-JP" altLang="en-US"/>
+            <a:endParaRPr kumimoji="1" lang="ja-JP" altLang="en-US" dirty="0"/>
           </a:p>
         </p:txBody>
       </p:sp>
@@ -888,7 +888,7 @@
           <a:bodyPr/>
           <a:lstStyle/>
           <a:p>
-            <a:endParaRPr kumimoji="1" lang="ja-JP" altLang="en-US"/>
+            <a:endParaRPr kumimoji="1" lang="ja-JP" altLang="en-US" dirty="0"/>
           </a:p>
         </p:txBody>
       </p:sp>
@@ -911,7 +911,7 @@
               <a:rPr kumimoji="1" lang="ja-JP" altLang="en-US" smtClean="0"/>
               <a:t>‹#›</a:t>
             </a:fld>
-            <a:endParaRPr kumimoji="1" lang="ja-JP" altLang="en-US"/>
+            <a:endParaRPr kumimoji="1" lang="ja-JP" altLang="en-US" dirty="0"/>
           </a:p>
         </p:txBody>
       </p:sp>
@@ -1112,9 +1112,9 @@
           <a:p>
             <a:fld id="{AD44FA29-5F0F-4BC4-B6C9-5CBB24FAE695}" type="datetimeFigureOut">
               <a:rPr kumimoji="1" lang="ja-JP" altLang="en-US" smtClean="0"/>
-              <a:t>2017/1/26</a:t>
+              <a:t>2017/1/27</a:t>
             </a:fld>
-            <a:endParaRPr kumimoji="1" lang="ja-JP" altLang="en-US"/>
+            <a:endParaRPr kumimoji="1" lang="ja-JP" altLang="en-US" dirty="0"/>
           </a:p>
         </p:txBody>
       </p:sp>
@@ -1133,7 +1133,7 @@
           <a:bodyPr/>
           <a:lstStyle/>
           <a:p>
-            <a:endParaRPr kumimoji="1" lang="ja-JP" altLang="en-US"/>
+            <a:endParaRPr kumimoji="1" lang="ja-JP" altLang="en-US" dirty="0"/>
           </a:p>
         </p:txBody>
       </p:sp>
@@ -1156,7 +1156,7 @@
               <a:rPr kumimoji="1" lang="ja-JP" altLang="en-US" smtClean="0"/>
               <a:t>‹#›</a:t>
             </a:fld>
-            <a:endParaRPr kumimoji="1" lang="ja-JP" altLang="en-US"/>
+            <a:endParaRPr kumimoji="1" lang="ja-JP" altLang="en-US" dirty="0"/>
           </a:p>
         </p:txBody>
       </p:sp>
@@ -1405,9 +1405,9 @@
           <a:p>
             <a:fld id="{AD44FA29-5F0F-4BC4-B6C9-5CBB24FAE695}" type="datetimeFigureOut">
               <a:rPr kumimoji="1" lang="ja-JP" altLang="en-US" smtClean="0"/>
-              <a:t>2017/1/26</a:t>
+              <a:t>2017/1/27</a:t>
             </a:fld>
-            <a:endParaRPr kumimoji="1" lang="ja-JP" altLang="en-US"/>
+            <a:endParaRPr kumimoji="1" lang="ja-JP" altLang="en-US" dirty="0"/>
           </a:p>
         </p:txBody>
       </p:sp>
@@ -1426,7 +1426,7 @@
           <a:bodyPr/>
           <a:lstStyle/>
           <a:p>
-            <a:endParaRPr kumimoji="1" lang="ja-JP" altLang="en-US"/>
+            <a:endParaRPr kumimoji="1" lang="ja-JP" altLang="en-US" dirty="0"/>
           </a:p>
         </p:txBody>
       </p:sp>
@@ -1449,7 +1449,7 @@
               <a:rPr kumimoji="1" lang="ja-JP" altLang="en-US" smtClean="0"/>
               <a:t>‹#›</a:t>
             </a:fld>
-            <a:endParaRPr kumimoji="1" lang="ja-JP" altLang="en-US"/>
+            <a:endParaRPr kumimoji="1" lang="ja-JP" altLang="en-US" dirty="0"/>
           </a:p>
         </p:txBody>
       </p:sp>
@@ -1833,9 +1833,9 @@
           <a:p>
             <a:fld id="{AD44FA29-5F0F-4BC4-B6C9-5CBB24FAE695}" type="datetimeFigureOut">
               <a:rPr kumimoji="1" lang="ja-JP" altLang="en-US" smtClean="0"/>
-              <a:t>2017/1/26</a:t>
+              <a:t>2017/1/27</a:t>
             </a:fld>
-            <a:endParaRPr kumimoji="1" lang="ja-JP" altLang="en-US"/>
+            <a:endParaRPr kumimoji="1" lang="ja-JP" altLang="en-US" dirty="0"/>
           </a:p>
         </p:txBody>
       </p:sp>
@@ -1854,7 +1854,7 @@
           <a:bodyPr/>
           <a:lstStyle/>
           <a:p>
-            <a:endParaRPr kumimoji="1" lang="ja-JP" altLang="en-US"/>
+            <a:endParaRPr kumimoji="1" lang="ja-JP" altLang="en-US" dirty="0"/>
           </a:p>
         </p:txBody>
       </p:sp>
@@ -1877,7 +1877,7 @@
               <a:rPr kumimoji="1" lang="ja-JP" altLang="en-US" smtClean="0"/>
               <a:t>‹#›</a:t>
             </a:fld>
-            <a:endParaRPr kumimoji="1" lang="ja-JP" altLang="en-US"/>
+            <a:endParaRPr kumimoji="1" lang="ja-JP" altLang="en-US" dirty="0"/>
           </a:p>
         </p:txBody>
       </p:sp>
@@ -1950,9 +1950,9 @@
           <a:p>
             <a:fld id="{AD44FA29-5F0F-4BC4-B6C9-5CBB24FAE695}" type="datetimeFigureOut">
               <a:rPr kumimoji="1" lang="ja-JP" altLang="en-US" smtClean="0"/>
-              <a:t>2017/1/26</a:t>
+              <a:t>2017/1/27</a:t>
             </a:fld>
-            <a:endParaRPr kumimoji="1" lang="ja-JP" altLang="en-US"/>
+            <a:endParaRPr kumimoji="1" lang="ja-JP" altLang="en-US" dirty="0"/>
           </a:p>
         </p:txBody>
       </p:sp>
@@ -1971,7 +1971,7 @@
           <a:bodyPr/>
           <a:lstStyle/>
           <a:p>
-            <a:endParaRPr kumimoji="1" lang="ja-JP" altLang="en-US"/>
+            <a:endParaRPr kumimoji="1" lang="ja-JP" altLang="en-US" dirty="0"/>
           </a:p>
         </p:txBody>
       </p:sp>
@@ -1994,7 +1994,7 @@
               <a:rPr kumimoji="1" lang="ja-JP" altLang="en-US" smtClean="0"/>
               <a:t>‹#›</a:t>
             </a:fld>
-            <a:endParaRPr kumimoji="1" lang="ja-JP" altLang="en-US"/>
+            <a:endParaRPr kumimoji="1" lang="ja-JP" altLang="en-US" dirty="0"/>
           </a:p>
         </p:txBody>
       </p:sp>
@@ -2045,9 +2045,9 @@
           <a:p>
             <a:fld id="{AD44FA29-5F0F-4BC4-B6C9-5CBB24FAE695}" type="datetimeFigureOut">
               <a:rPr kumimoji="1" lang="ja-JP" altLang="en-US" smtClean="0"/>
-              <a:t>2017/1/26</a:t>
+              <a:t>2017/1/27</a:t>
             </a:fld>
-            <a:endParaRPr kumimoji="1" lang="ja-JP" altLang="en-US"/>
+            <a:endParaRPr kumimoji="1" lang="ja-JP" altLang="en-US" dirty="0"/>
           </a:p>
         </p:txBody>
       </p:sp>
@@ -2066,7 +2066,7 @@
           <a:bodyPr/>
           <a:lstStyle/>
           <a:p>
-            <a:endParaRPr kumimoji="1" lang="ja-JP" altLang="en-US"/>
+            <a:endParaRPr kumimoji="1" lang="ja-JP" altLang="en-US" dirty="0"/>
           </a:p>
         </p:txBody>
       </p:sp>
@@ -2089,7 +2089,7 @@
               <a:rPr kumimoji="1" lang="ja-JP" altLang="en-US" smtClean="0"/>
               <a:t>‹#›</a:t>
             </a:fld>
-            <a:endParaRPr kumimoji="1" lang="ja-JP" altLang="en-US"/>
+            <a:endParaRPr kumimoji="1" lang="ja-JP" altLang="en-US" dirty="0"/>
           </a:p>
         </p:txBody>
       </p:sp>
@@ -2352,9 +2352,9 @@
           <a:p>
             <a:fld id="{AD44FA29-5F0F-4BC4-B6C9-5CBB24FAE695}" type="datetimeFigureOut">
               <a:rPr kumimoji="1" lang="ja-JP" altLang="en-US" smtClean="0"/>
-              <a:t>2017/1/26</a:t>
+              <a:t>2017/1/27</a:t>
             </a:fld>
-            <a:endParaRPr kumimoji="1" lang="ja-JP" altLang="en-US"/>
+            <a:endParaRPr kumimoji="1" lang="ja-JP" altLang="en-US" dirty="0"/>
           </a:p>
         </p:txBody>
       </p:sp>
@@ -2373,7 +2373,7 @@
           <a:bodyPr/>
           <a:lstStyle/>
           <a:p>
-            <a:endParaRPr kumimoji="1" lang="ja-JP" altLang="en-US"/>
+            <a:endParaRPr kumimoji="1" lang="ja-JP" altLang="en-US" dirty="0"/>
           </a:p>
         </p:txBody>
       </p:sp>
@@ -2396,7 +2396,7 @@
               <a:rPr kumimoji="1" lang="ja-JP" altLang="en-US" smtClean="0"/>
               <a:t>‹#›</a:t>
             </a:fld>
-            <a:endParaRPr kumimoji="1" lang="ja-JP" altLang="en-US"/>
+            <a:endParaRPr kumimoji="1" lang="ja-JP" altLang="en-US" dirty="0"/>
           </a:p>
         </p:txBody>
       </p:sp>
@@ -2518,7 +2518,7 @@
             </a:lvl9pPr>
           </a:lstStyle>
           <a:p>
-            <a:endParaRPr kumimoji="1" lang="ja-JP" altLang="en-US"/>
+            <a:endParaRPr kumimoji="1" lang="ja-JP" altLang="en-US" dirty="0"/>
           </a:p>
         </p:txBody>
       </p:sp>
@@ -2604,9 +2604,9 @@
           <a:p>
             <a:fld id="{AD44FA29-5F0F-4BC4-B6C9-5CBB24FAE695}" type="datetimeFigureOut">
               <a:rPr kumimoji="1" lang="ja-JP" altLang="en-US" smtClean="0"/>
-              <a:t>2017/1/26</a:t>
+              <a:t>2017/1/27</a:t>
             </a:fld>
-            <a:endParaRPr kumimoji="1" lang="ja-JP" altLang="en-US"/>
+            <a:endParaRPr kumimoji="1" lang="ja-JP" altLang="en-US" dirty="0"/>
           </a:p>
         </p:txBody>
       </p:sp>
@@ -2625,7 +2625,7 @@
           <a:bodyPr/>
           <a:lstStyle/>
           <a:p>
-            <a:endParaRPr kumimoji="1" lang="ja-JP" altLang="en-US"/>
+            <a:endParaRPr kumimoji="1" lang="ja-JP" altLang="en-US" dirty="0"/>
           </a:p>
         </p:txBody>
       </p:sp>
@@ -2648,7 +2648,7 @@
               <a:rPr kumimoji="1" lang="ja-JP" altLang="en-US" smtClean="0"/>
               <a:t>‹#›</a:t>
             </a:fld>
-            <a:endParaRPr kumimoji="1" lang="ja-JP" altLang="en-US"/>
+            <a:endParaRPr kumimoji="1" lang="ja-JP" altLang="en-US" dirty="0"/>
           </a:p>
         </p:txBody>
       </p:sp>
@@ -2847,9 +2847,9 @@
           <a:p>
             <a:fld id="{AD44FA29-5F0F-4BC4-B6C9-5CBB24FAE695}" type="datetimeFigureOut">
               <a:rPr kumimoji="1" lang="ja-JP" altLang="en-US" smtClean="0"/>
-              <a:t>2017/1/26</a:t>
+              <a:t>2017/1/27</a:t>
             </a:fld>
-            <a:endParaRPr kumimoji="1" lang="ja-JP" altLang="en-US"/>
+            <a:endParaRPr kumimoji="1" lang="ja-JP" altLang="en-US" dirty="0"/>
           </a:p>
         </p:txBody>
       </p:sp>
@@ -2886,7 +2886,7 @@
             </a:lvl1pPr>
           </a:lstStyle>
           <a:p>
-            <a:endParaRPr kumimoji="1" lang="ja-JP" altLang="en-US"/>
+            <a:endParaRPr kumimoji="1" lang="ja-JP" altLang="en-US" dirty="0"/>
           </a:p>
         </p:txBody>
       </p:sp>
@@ -2927,7 +2927,7 @@
               <a:rPr kumimoji="1" lang="ja-JP" altLang="en-US" smtClean="0"/>
               <a:t>‹#›</a:t>
             </a:fld>
-            <a:endParaRPr kumimoji="1" lang="ja-JP" altLang="en-US"/>
+            <a:endParaRPr kumimoji="1" lang="ja-JP" altLang="en-US" dirty="0"/>
           </a:p>
         </p:txBody>
       </p:sp>
@@ -3334,7 +3334,7 @@
           <a:lstStyle/>
           <a:p>
             <a:pPr algn="ctr"/>
-            <a:endParaRPr kumimoji="1" lang="ja-JP" altLang="en-US"/>
+            <a:endParaRPr kumimoji="1" lang="ja-JP" altLang="en-US" dirty="0"/>
           </a:p>
         </p:txBody>
       </p:sp>
@@ -3441,7 +3441,7 @@
             <a:lstStyle/>
             <a:p>
               <a:pPr algn="ctr"/>
-              <a:endParaRPr kumimoji="1" lang="ja-JP" altLang="en-US"/>
+              <a:endParaRPr kumimoji="1" lang="ja-JP" altLang="en-US" dirty="0"/>
             </a:p>
           </p:txBody>
         </p:sp>
@@ -3549,7 +3549,7 @@
             <a:lstStyle/>
             <a:p>
               <a:pPr algn="ctr"/>
-              <a:endParaRPr kumimoji="1" lang="ja-JP" altLang="en-US"/>
+              <a:endParaRPr kumimoji="1" lang="ja-JP" altLang="en-US" dirty="0"/>
             </a:p>
           </p:txBody>
         </p:sp>
@@ -3657,7 +3657,7 @@
             <a:lstStyle/>
             <a:p>
               <a:pPr algn="ctr"/>
-              <a:endParaRPr kumimoji="1" lang="ja-JP" altLang="en-US"/>
+              <a:endParaRPr kumimoji="1" lang="ja-JP" altLang="en-US" dirty="0"/>
             </a:p>
           </p:txBody>
         </p:sp>
@@ -3765,7 +3765,7 @@
             <a:lstStyle/>
             <a:p>
               <a:pPr algn="ctr"/>
-              <a:endParaRPr kumimoji="1" lang="ja-JP" altLang="en-US"/>
+              <a:endParaRPr kumimoji="1" lang="ja-JP" altLang="en-US" dirty="0"/>
             </a:p>
           </p:txBody>
         </p:sp>
@@ -3808,7 +3808,7 @@
             <a:p>
               <a:pPr algn="ctr"/>
               <a:r>
-                <a:rPr kumimoji="1" lang="en-US" altLang="ja-JP" dirty="0" err="1">
+                <a:rPr kumimoji="1" lang="en-US" altLang="ja-JP" dirty="0">
                   <a:latin typeface="ＭＳ Ｐゴシック" panose="020B0600070205080204" pitchFamily="50" charset="-128"/>
                   <a:ea typeface="ＭＳ Ｐゴシック" panose="020B0600070205080204" pitchFamily="50" charset="-128"/>
                 </a:rPr>
@@ -3863,7 +3863,7 @@
             <a:lstStyle/>
             <a:p>
               <a:pPr algn="ctr"/>
-              <a:endParaRPr kumimoji="1" lang="ja-JP" altLang="en-US"/>
+              <a:endParaRPr kumimoji="1" lang="ja-JP" altLang="en-US" dirty="0"/>
             </a:p>
           </p:txBody>
         </p:sp>
@@ -3906,7 +3906,7 @@
             <a:p>
               <a:pPr algn="ctr"/>
               <a:r>
-                <a:rPr kumimoji="1" lang="en-US" altLang="ja-JP" dirty="0" err="1">
+                <a:rPr kumimoji="1" lang="en-US" altLang="ja-JP" dirty="0">
                   <a:latin typeface="ＭＳ Ｐゴシック" panose="020B0600070205080204" pitchFamily="50" charset="-128"/>
                   <a:ea typeface="ＭＳ Ｐゴシック" panose="020B0600070205080204" pitchFamily="50" charset="-128"/>
                 </a:rPr>
@@ -3961,7 +3961,7 @@
             <a:lstStyle/>
             <a:p>
               <a:pPr algn="ctr"/>
-              <a:endParaRPr kumimoji="1" lang="ja-JP" altLang="en-US"/>
+              <a:endParaRPr kumimoji="1" lang="ja-JP" altLang="en-US" dirty="0"/>
             </a:p>
           </p:txBody>
         </p:sp>
@@ -4004,7 +4004,7 @@
             <a:p>
               <a:pPr algn="ctr"/>
               <a:r>
-                <a:rPr kumimoji="1" lang="en-US" altLang="ja-JP" dirty="0" err="1">
+                <a:rPr kumimoji="1" lang="en-US" altLang="ja-JP" dirty="0">
                   <a:latin typeface="ＭＳ Ｐゴシック" panose="020B0600070205080204" pitchFamily="50" charset="-128"/>
                   <a:ea typeface="ＭＳ Ｐゴシック" panose="020B0600070205080204" pitchFamily="50" charset="-128"/>
                 </a:rPr>
@@ -4059,7 +4059,7 @@
             <a:lstStyle/>
             <a:p>
               <a:pPr algn="ctr"/>
-              <a:endParaRPr kumimoji="1" lang="ja-JP" altLang="en-US"/>
+              <a:endParaRPr kumimoji="1" lang="ja-JP" altLang="en-US" dirty="0"/>
             </a:p>
           </p:txBody>
         </p:sp>
@@ -4102,7 +4102,7 @@
             <a:p>
               <a:pPr algn="ctr"/>
               <a:r>
-                <a:rPr kumimoji="1" lang="en-US" altLang="ja-JP" dirty="0" err="1">
+                <a:rPr kumimoji="1" lang="en-US" altLang="ja-JP" dirty="0">
                   <a:latin typeface="ＭＳ Ｐゴシック" panose="020B0600070205080204" pitchFamily="50" charset="-128"/>
                   <a:ea typeface="ＭＳ Ｐゴシック" panose="020B0600070205080204" pitchFamily="50" charset="-128"/>
                 </a:rPr>
@@ -4157,7 +4157,7 @@
             <a:lstStyle/>
             <a:p>
               <a:pPr algn="ctr"/>
-              <a:endParaRPr kumimoji="1" lang="ja-JP" altLang="en-US"/>
+              <a:endParaRPr kumimoji="1" lang="ja-JP" altLang="en-US" dirty="0"/>
             </a:p>
           </p:txBody>
         </p:sp>
@@ -4488,7 +4488,7 @@
           <a:lstStyle/>
           <a:p>
             <a:pPr algn="ctr"/>
-            <a:endParaRPr kumimoji="1" lang="ja-JP" altLang="en-US"/>
+            <a:endParaRPr kumimoji="1" lang="ja-JP" altLang="en-US" dirty="0"/>
           </a:p>
         </p:txBody>
       </p:sp>
@@ -4986,7 +4986,7 @@
           <a:lstStyle/>
           <a:p>
             <a:pPr algn="ctr"/>
-            <a:endParaRPr kumimoji="1" lang="ja-JP" altLang="en-US"/>
+            <a:endParaRPr kumimoji="1" lang="ja-JP" altLang="en-US" dirty="0"/>
           </a:p>
         </p:txBody>
       </p:sp>
@@ -5601,7 +5601,7 @@
           <a:lstStyle/>
           <a:p>
             <a:pPr algn="ctr"/>
-            <a:endParaRPr kumimoji="1" lang="ja-JP" altLang="en-US"/>
+            <a:endParaRPr kumimoji="1" lang="ja-JP" altLang="en-US" dirty="0"/>
           </a:p>
         </p:txBody>
       </p:sp>
@@ -5652,7 +5652,7 @@
           <a:lstStyle/>
           <a:p>
             <a:pPr algn="ctr"/>
-            <a:endParaRPr kumimoji="1" lang="ja-JP" altLang="en-US"/>
+            <a:endParaRPr kumimoji="1" lang="ja-JP" altLang="en-US" dirty="0"/>
           </a:p>
         </p:txBody>
       </p:sp>
@@ -5768,7 +5768,7 @@
           <a:lstStyle/>
           <a:p>
             <a:pPr algn="ctr"/>
-            <a:endParaRPr kumimoji="1" lang="ja-JP" altLang="en-US"/>
+            <a:endParaRPr kumimoji="1" lang="ja-JP" altLang="en-US" dirty="0"/>
           </a:p>
         </p:txBody>
       </p:sp>
@@ -5816,7 +5816,7 @@
             <a:p>
               <a:pPr algn="ctr"/>
               <a:r>
-                <a:rPr kumimoji="1" lang="en-US" altLang="ja-JP" dirty="0" err="1">
+                <a:rPr kumimoji="1" lang="en-US" altLang="ja-JP" dirty="0">
                   <a:latin typeface="ＭＳ Ｐゴシック" panose="020B0600070205080204" pitchFamily="50" charset="-128"/>
                   <a:ea typeface="ＭＳ Ｐゴシック" panose="020B0600070205080204" pitchFamily="50" charset="-128"/>
                 </a:rPr>
@@ -5871,7 +5871,7 @@
             <a:lstStyle/>
             <a:p>
               <a:pPr algn="ctr"/>
-              <a:endParaRPr kumimoji="1" lang="ja-JP" altLang="en-US"/>
+              <a:endParaRPr kumimoji="1" lang="ja-JP" altLang="en-US" dirty="0"/>
             </a:p>
           </p:txBody>
         </p:sp>
@@ -6006,7 +6006,7 @@
             <a:p>
               <a:pPr algn="ctr"/>
               <a:r>
-                <a:rPr kumimoji="1" lang="en-US" altLang="ja-JP" dirty="0" err="1">
+                <a:rPr kumimoji="1" lang="en-US" altLang="ja-JP" dirty="0">
                   <a:latin typeface="ＭＳ Ｐゴシック" panose="020B0600070205080204" pitchFamily="50" charset="-128"/>
                   <a:ea typeface="ＭＳ Ｐゴシック" panose="020B0600070205080204" pitchFamily="50" charset="-128"/>
                 </a:rPr>
@@ -6061,7 +6061,7 @@
             <a:lstStyle/>
             <a:p>
               <a:pPr algn="ctr"/>
-              <a:endParaRPr kumimoji="1" lang="ja-JP" altLang="en-US"/>
+              <a:endParaRPr kumimoji="1" lang="ja-JP" altLang="en-US" dirty="0"/>
             </a:p>
           </p:txBody>
         </p:sp>
@@ -6414,7 +6414,7 @@
             <a:p>
               <a:pPr algn="ctr"/>
               <a:r>
-                <a:rPr kumimoji="1" lang="en-US" altLang="ja-JP" dirty="0" err="1">
+                <a:rPr kumimoji="1" lang="en-US" altLang="ja-JP" dirty="0">
                   <a:latin typeface="ＭＳ Ｐゴシック" panose="020B0600070205080204" pitchFamily="50" charset="-128"/>
                   <a:ea typeface="ＭＳ Ｐゴシック" panose="020B0600070205080204" pitchFamily="50" charset="-128"/>
                 </a:rPr>
@@ -6469,7 +6469,7 @@
             <a:lstStyle/>
             <a:p>
               <a:pPr algn="ctr"/>
-              <a:endParaRPr kumimoji="1" lang="ja-JP" altLang="en-US"/>
+              <a:endParaRPr kumimoji="1" lang="ja-JP" altLang="en-US" dirty="0"/>
             </a:p>
           </p:txBody>
         </p:sp>
@@ -6528,7 +6528,7 @@
             <a:p>
               <a:pPr algn="ctr"/>
               <a:r>
-                <a:rPr kumimoji="1" lang="en-US" altLang="ja-JP" dirty="0" err="1">
+                <a:rPr kumimoji="1" lang="en-US" altLang="ja-JP" dirty="0">
                   <a:latin typeface="ＭＳ Ｐゴシック" panose="020B0600070205080204" pitchFamily="50" charset="-128"/>
                   <a:ea typeface="ＭＳ Ｐゴシック" panose="020B0600070205080204" pitchFamily="50" charset="-128"/>
                 </a:rPr>
@@ -6583,7 +6583,7 @@
             <a:lstStyle/>
             <a:p>
               <a:pPr algn="ctr"/>
-              <a:endParaRPr kumimoji="1" lang="ja-JP" altLang="en-US"/>
+              <a:endParaRPr kumimoji="1" lang="ja-JP" altLang="en-US" dirty="0"/>
             </a:p>
           </p:txBody>
         </p:sp>
@@ -6642,7 +6642,7 @@
             <a:p>
               <a:pPr algn="ctr"/>
               <a:r>
-                <a:rPr kumimoji="1" lang="en-US" altLang="ja-JP" dirty="0" err="1">
+                <a:rPr kumimoji="1" lang="en-US" altLang="ja-JP" dirty="0">
                   <a:latin typeface="ＭＳ Ｐゴシック" panose="020B0600070205080204" pitchFamily="50" charset="-128"/>
                   <a:ea typeface="ＭＳ Ｐゴシック" panose="020B0600070205080204" pitchFamily="50" charset="-128"/>
                 </a:rPr>
@@ -6697,7 +6697,7 @@
             <a:lstStyle/>
             <a:p>
               <a:pPr algn="ctr"/>
-              <a:endParaRPr kumimoji="1" lang="ja-JP" altLang="en-US"/>
+              <a:endParaRPr kumimoji="1" lang="ja-JP" altLang="en-US" dirty="0"/>
             </a:p>
           </p:txBody>
         </p:sp>
@@ -6756,7 +6756,7 @@
             <a:p>
               <a:pPr algn="ctr"/>
               <a:r>
-                <a:rPr kumimoji="1" lang="en-US" altLang="ja-JP" dirty="0" err="1">
+                <a:rPr kumimoji="1" lang="en-US" altLang="ja-JP" dirty="0">
                   <a:latin typeface="ＭＳ Ｐゴシック" panose="020B0600070205080204" pitchFamily="50" charset="-128"/>
                   <a:ea typeface="ＭＳ Ｐゴシック" panose="020B0600070205080204" pitchFamily="50" charset="-128"/>
                 </a:rPr>
@@ -6811,7 +6811,7 @@
             <a:lstStyle/>
             <a:p>
               <a:pPr algn="ctr"/>
-              <a:endParaRPr kumimoji="1" lang="ja-JP" altLang="en-US"/>
+              <a:endParaRPr kumimoji="1" lang="ja-JP" altLang="en-US" dirty="0"/>
             </a:p>
           </p:txBody>
         </p:sp>
@@ -6860,7 +6860,7 @@
             <a:p>
               <a:pPr algn="ctr"/>
               <a:r>
-                <a:rPr kumimoji="1" lang="en-US" altLang="ja-JP" dirty="0" err="1">
+                <a:rPr kumimoji="1" lang="en-US" altLang="ja-JP" dirty="0">
                   <a:latin typeface="ＭＳ Ｐゴシック" panose="020B0600070205080204" pitchFamily="50" charset="-128"/>
                   <a:ea typeface="ＭＳ Ｐゴシック" panose="020B0600070205080204" pitchFamily="50" charset="-128"/>
                 </a:rPr>
@@ -6915,7 +6915,7 @@
             <a:lstStyle/>
             <a:p>
               <a:pPr algn="ctr"/>
-              <a:endParaRPr kumimoji="1" lang="ja-JP" altLang="en-US"/>
+              <a:endParaRPr kumimoji="1" lang="ja-JP" altLang="en-US" dirty="0"/>
             </a:p>
           </p:txBody>
         </p:sp>
@@ -6964,7 +6964,7 @@
             <a:p>
               <a:pPr algn="ctr"/>
               <a:r>
-                <a:rPr kumimoji="1" lang="en-US" altLang="ja-JP" dirty="0" err="1">
+                <a:rPr kumimoji="1" lang="en-US" altLang="ja-JP" dirty="0">
                   <a:latin typeface="ＭＳ Ｐゴシック" panose="020B0600070205080204" pitchFamily="50" charset="-128"/>
                   <a:ea typeface="ＭＳ Ｐゴシック" panose="020B0600070205080204" pitchFamily="50" charset="-128"/>
                 </a:rPr>
@@ -7019,7 +7019,7 @@
             <a:lstStyle/>
             <a:p>
               <a:pPr algn="ctr"/>
-              <a:endParaRPr kumimoji="1" lang="ja-JP" altLang="en-US"/>
+              <a:endParaRPr kumimoji="1" lang="ja-JP" altLang="en-US" dirty="0"/>
             </a:p>
           </p:txBody>
         </p:sp>
@@ -7068,7 +7068,7 @@
             <a:p>
               <a:pPr algn="ctr"/>
               <a:r>
-                <a:rPr kumimoji="1" lang="en-US" altLang="ja-JP" dirty="0" err="1">
+                <a:rPr kumimoji="1" lang="en-US" altLang="ja-JP" dirty="0">
                   <a:latin typeface="ＭＳ Ｐゴシック" panose="020B0600070205080204" pitchFamily="50" charset="-128"/>
                   <a:ea typeface="ＭＳ Ｐゴシック" panose="020B0600070205080204" pitchFamily="50" charset="-128"/>
                 </a:rPr>
@@ -7123,7 +7123,7 @@
             <a:lstStyle/>
             <a:p>
               <a:pPr algn="ctr"/>
-              <a:endParaRPr kumimoji="1" lang="ja-JP" altLang="en-US"/>
+              <a:endParaRPr kumimoji="1" lang="ja-JP" altLang="en-US" dirty="0"/>
             </a:p>
           </p:txBody>
         </p:sp>
@@ -7172,7 +7172,7 @@
             <a:p>
               <a:pPr algn="ctr"/>
               <a:r>
-                <a:rPr kumimoji="1" lang="en-US" altLang="ja-JP" dirty="0" err="1">
+                <a:rPr kumimoji="1" lang="en-US" altLang="ja-JP" dirty="0">
                   <a:latin typeface="ＭＳ Ｐゴシック" panose="020B0600070205080204" pitchFamily="50" charset="-128"/>
                   <a:ea typeface="ＭＳ Ｐゴシック" panose="020B0600070205080204" pitchFamily="50" charset="-128"/>
                 </a:rPr>
@@ -7227,7 +7227,7 @@
             <a:lstStyle/>
             <a:p>
               <a:pPr algn="ctr"/>
-              <a:endParaRPr kumimoji="1" lang="ja-JP" altLang="en-US"/>
+              <a:endParaRPr kumimoji="1" lang="ja-JP" altLang="en-US" dirty="0"/>
             </a:p>
           </p:txBody>
         </p:sp>
@@ -7681,7 +7681,7 @@
           <a:lstStyle/>
           <a:p>
             <a:pPr algn="ctr"/>
-            <a:endParaRPr kumimoji="1" lang="ja-JP" altLang="en-US"/>
+            <a:endParaRPr kumimoji="1" lang="ja-JP" altLang="en-US" dirty="0"/>
           </a:p>
         </p:txBody>
       </p:sp>
@@ -7777,7 +7777,7 @@
             <a:lstStyle/>
             <a:p>
               <a:pPr algn="ctr"/>
-              <a:endParaRPr kumimoji="1" lang="ja-JP" altLang="en-US"/>
+              <a:endParaRPr kumimoji="1" lang="ja-JP" altLang="en-US" dirty="0"/>
             </a:p>
           </p:txBody>
         </p:sp>
@@ -7952,7 +7952,7 @@
             <a:lstStyle/>
             <a:p>
               <a:pPr algn="ctr"/>
-              <a:endParaRPr kumimoji="1" lang="ja-JP" altLang="en-US"/>
+              <a:endParaRPr kumimoji="1" lang="ja-JP" altLang="en-US" dirty="0"/>
             </a:p>
           </p:txBody>
         </p:sp>
@@ -8302,7 +8302,7 @@
             <a:lstStyle/>
             <a:p>
               <a:pPr algn="ctr"/>
-              <a:endParaRPr kumimoji="1" lang="ja-JP" altLang="en-US"/>
+              <a:endParaRPr kumimoji="1" lang="ja-JP" altLang="en-US" dirty="0"/>
             </a:p>
           </p:txBody>
         </p:sp>
@@ -8399,7 +8399,7 @@
             <a:lstStyle/>
             <a:p>
               <a:pPr algn="ctr"/>
-              <a:endParaRPr kumimoji="1" lang="ja-JP" altLang="en-US"/>
+              <a:endParaRPr kumimoji="1" lang="ja-JP" altLang="en-US" dirty="0"/>
             </a:p>
           </p:txBody>
         </p:sp>
@@ -8496,7 +8496,7 @@
             <a:lstStyle/>
             <a:p>
               <a:pPr algn="ctr"/>
-              <a:endParaRPr kumimoji="1" lang="ja-JP" altLang="en-US"/>
+              <a:endParaRPr kumimoji="1" lang="ja-JP" altLang="en-US" dirty="0"/>
             </a:p>
           </p:txBody>
         </p:sp>
@@ -8543,7 +8543,7 @@
           <a:lstStyle/>
           <a:p>
             <a:pPr algn="ctr"/>
-            <a:endParaRPr kumimoji="1" lang="ja-JP" altLang="en-US"/>
+            <a:endParaRPr kumimoji="1" lang="ja-JP" altLang="en-US" dirty="0"/>
           </a:p>
         </p:txBody>
       </p:sp>
@@ -8728,7 +8728,7 @@
           <a:lstStyle/>
           <a:p>
             <a:pPr algn="ctr"/>
-            <a:endParaRPr kumimoji="1" lang="ja-JP" altLang="en-US"/>
+            <a:endParaRPr kumimoji="1" lang="ja-JP" altLang="en-US" dirty="0"/>
           </a:p>
         </p:txBody>
       </p:sp>
@@ -8824,7 +8824,7 @@
             <a:lstStyle/>
             <a:p>
               <a:pPr algn="ctr"/>
-              <a:endParaRPr kumimoji="1" lang="ja-JP" altLang="en-US"/>
+              <a:endParaRPr kumimoji="1" lang="ja-JP" altLang="en-US" dirty="0"/>
             </a:p>
           </p:txBody>
         </p:sp>
@@ -8999,7 +8999,7 @@
             <a:lstStyle/>
             <a:p>
               <a:pPr algn="ctr"/>
-              <a:endParaRPr kumimoji="1" lang="ja-JP" altLang="en-US"/>
+              <a:endParaRPr kumimoji="1" lang="ja-JP" altLang="en-US" dirty="0"/>
             </a:p>
           </p:txBody>
         </p:sp>
@@ -9349,7 +9349,7 @@
             <a:lstStyle/>
             <a:p>
               <a:pPr algn="ctr"/>
-              <a:endParaRPr kumimoji="1" lang="ja-JP" altLang="en-US"/>
+              <a:endParaRPr kumimoji="1" lang="ja-JP" altLang="en-US" dirty="0"/>
             </a:p>
           </p:txBody>
         </p:sp>
@@ -9446,7 +9446,7 @@
             <a:lstStyle/>
             <a:p>
               <a:pPr algn="ctr"/>
-              <a:endParaRPr kumimoji="1" lang="ja-JP" altLang="en-US"/>
+              <a:endParaRPr kumimoji="1" lang="ja-JP" altLang="en-US" dirty="0"/>
             </a:p>
           </p:txBody>
         </p:sp>
@@ -9543,7 +9543,7 @@
             <a:lstStyle/>
             <a:p>
               <a:pPr algn="ctr"/>
-              <a:endParaRPr kumimoji="1" lang="ja-JP" altLang="en-US"/>
+              <a:endParaRPr kumimoji="1" lang="ja-JP" altLang="en-US" dirty="0"/>
             </a:p>
           </p:txBody>
         </p:sp>
@@ -9630,7 +9630,7 @@
           <a:lstStyle/>
           <a:p>
             <a:pPr algn="ctr"/>
-            <a:endParaRPr kumimoji="1" lang="ja-JP" altLang="en-US"/>
+            <a:endParaRPr kumimoji="1" lang="ja-JP" altLang="en-US" dirty="0"/>
           </a:p>
         </p:txBody>
       </p:sp>
@@ -9782,7 +9782,7 @@
           <a:lstStyle/>
           <a:p>
             <a:pPr algn="ctr"/>
-            <a:endParaRPr kumimoji="1" lang="ja-JP" altLang="en-US"/>
+            <a:endParaRPr kumimoji="1" lang="ja-JP" altLang="en-US" dirty="0"/>
           </a:p>
         </p:txBody>
       </p:sp>
@@ -9824,7 +9824,7 @@
             <a:p>
               <a:pPr algn="ctr"/>
               <a:r>
-                <a:rPr kumimoji="1" lang="en-US" altLang="ja-JP" dirty="0" err="1">
+                <a:rPr kumimoji="1" lang="en-US" altLang="ja-JP" dirty="0">
                   <a:latin typeface="ＭＳ Ｐゴシック" panose="020B0600070205080204" pitchFamily="50" charset="-128"/>
                   <a:ea typeface="ＭＳ Ｐゴシック" panose="020B0600070205080204" pitchFamily="50" charset="-128"/>
                 </a:rPr>
@@ -9879,7 +9879,7 @@
             <a:lstStyle/>
             <a:p>
               <a:pPr algn="ctr"/>
-              <a:endParaRPr kumimoji="1" lang="ja-JP" altLang="en-US"/>
+              <a:endParaRPr kumimoji="1" lang="ja-JP" altLang="en-US" dirty="0"/>
             </a:p>
           </p:txBody>
         </p:sp>
@@ -10008,7 +10008,7 @@
             <a:p>
               <a:pPr algn="ctr"/>
               <a:r>
-                <a:rPr kumimoji="1" lang="en-US" altLang="ja-JP" dirty="0" err="1">
+                <a:rPr kumimoji="1" lang="en-US" altLang="ja-JP" dirty="0">
                   <a:latin typeface="ＭＳ Ｐゴシック" panose="020B0600070205080204" pitchFamily="50" charset="-128"/>
                   <a:ea typeface="ＭＳ Ｐゴシック" panose="020B0600070205080204" pitchFamily="50" charset="-128"/>
                 </a:rPr>
@@ -10063,7 +10063,7 @@
             <a:lstStyle/>
             <a:p>
               <a:pPr algn="ctr"/>
-              <a:endParaRPr kumimoji="1" lang="ja-JP" altLang="en-US"/>
+              <a:endParaRPr kumimoji="1" lang="ja-JP" altLang="en-US" dirty="0"/>
             </a:p>
           </p:txBody>
         </p:sp>
@@ -10404,7 +10404,7 @@
             <a:p>
               <a:pPr algn="ctr"/>
               <a:r>
-                <a:rPr kumimoji="1" lang="en-US" altLang="ja-JP" dirty="0" err="1">
+                <a:rPr kumimoji="1" lang="en-US" altLang="ja-JP" dirty="0">
                   <a:latin typeface="ＭＳ Ｐゴシック" panose="020B0600070205080204" pitchFamily="50" charset="-128"/>
                   <a:ea typeface="ＭＳ Ｐゴシック" panose="020B0600070205080204" pitchFamily="50" charset="-128"/>
                 </a:rPr>
@@ -10459,7 +10459,7 @@
             <a:lstStyle/>
             <a:p>
               <a:pPr algn="ctr"/>
-              <a:endParaRPr kumimoji="1" lang="ja-JP" altLang="en-US"/>
+              <a:endParaRPr kumimoji="1" lang="ja-JP" altLang="en-US" dirty="0"/>
             </a:p>
           </p:txBody>
         </p:sp>
@@ -10512,7 +10512,7 @@
             <a:p>
               <a:pPr algn="ctr"/>
               <a:r>
-                <a:rPr kumimoji="1" lang="en-US" altLang="ja-JP" dirty="0" err="1">
+                <a:rPr kumimoji="1" lang="en-US" altLang="ja-JP" dirty="0">
                   <a:latin typeface="ＭＳ Ｐゴシック" panose="020B0600070205080204" pitchFamily="50" charset="-128"/>
                   <a:ea typeface="ＭＳ Ｐゴシック" panose="020B0600070205080204" pitchFamily="50" charset="-128"/>
                 </a:rPr>
@@ -10567,7 +10567,7 @@
             <a:lstStyle/>
             <a:p>
               <a:pPr algn="ctr"/>
-              <a:endParaRPr kumimoji="1" lang="ja-JP" altLang="en-US"/>
+              <a:endParaRPr kumimoji="1" lang="ja-JP" altLang="en-US" dirty="0"/>
             </a:p>
           </p:txBody>
         </p:sp>
@@ -10620,7 +10620,7 @@
             <a:p>
               <a:pPr algn="ctr"/>
               <a:r>
-                <a:rPr kumimoji="1" lang="en-US" altLang="ja-JP" dirty="0" err="1">
+                <a:rPr kumimoji="1" lang="en-US" altLang="ja-JP" dirty="0">
                   <a:latin typeface="ＭＳ Ｐゴシック" panose="020B0600070205080204" pitchFamily="50" charset="-128"/>
                   <a:ea typeface="ＭＳ Ｐゴシック" panose="020B0600070205080204" pitchFamily="50" charset="-128"/>
                 </a:rPr>
@@ -10675,7 +10675,7 @@
             <a:lstStyle/>
             <a:p>
               <a:pPr algn="ctr"/>
-              <a:endParaRPr kumimoji="1" lang="ja-JP" altLang="en-US"/>
+              <a:endParaRPr kumimoji="1" lang="ja-JP" altLang="en-US" dirty="0"/>
             </a:p>
           </p:txBody>
         </p:sp>
@@ -10728,7 +10728,7 @@
             <a:p>
               <a:pPr algn="ctr"/>
               <a:r>
-                <a:rPr kumimoji="1" lang="en-US" altLang="ja-JP" dirty="0" err="1">
+                <a:rPr kumimoji="1" lang="en-US" altLang="ja-JP" dirty="0">
                   <a:latin typeface="ＭＳ Ｐゴシック" panose="020B0600070205080204" pitchFamily="50" charset="-128"/>
                   <a:ea typeface="ＭＳ Ｐゴシック" panose="020B0600070205080204" pitchFamily="50" charset="-128"/>
                 </a:rPr>
@@ -10783,7 +10783,7 @@
             <a:lstStyle/>
             <a:p>
               <a:pPr algn="ctr"/>
-              <a:endParaRPr kumimoji="1" lang="ja-JP" altLang="en-US"/>
+              <a:endParaRPr kumimoji="1" lang="ja-JP" altLang="en-US" dirty="0"/>
             </a:p>
           </p:txBody>
         </p:sp>
@@ -10826,7 +10826,7 @@
             <a:p>
               <a:pPr algn="ctr"/>
               <a:r>
-                <a:rPr kumimoji="1" lang="en-US" altLang="ja-JP" dirty="0" err="1">
+                <a:rPr kumimoji="1" lang="en-US" altLang="ja-JP" dirty="0">
                   <a:latin typeface="ＭＳ Ｐゴシック" panose="020B0600070205080204" pitchFamily="50" charset="-128"/>
                   <a:ea typeface="ＭＳ Ｐゴシック" panose="020B0600070205080204" pitchFamily="50" charset="-128"/>
                 </a:rPr>
@@ -10881,7 +10881,7 @@
             <a:lstStyle/>
             <a:p>
               <a:pPr algn="ctr"/>
-              <a:endParaRPr kumimoji="1" lang="ja-JP" altLang="en-US"/>
+              <a:endParaRPr kumimoji="1" lang="ja-JP" altLang="en-US" dirty="0"/>
             </a:p>
           </p:txBody>
         </p:sp>
@@ -10924,7 +10924,7 @@
             <a:p>
               <a:pPr algn="ctr"/>
               <a:r>
-                <a:rPr kumimoji="1" lang="en-US" altLang="ja-JP" dirty="0" err="1">
+                <a:rPr kumimoji="1" lang="en-US" altLang="ja-JP" dirty="0">
                   <a:latin typeface="ＭＳ Ｐゴシック" panose="020B0600070205080204" pitchFamily="50" charset="-128"/>
                   <a:ea typeface="ＭＳ Ｐゴシック" panose="020B0600070205080204" pitchFamily="50" charset="-128"/>
                 </a:rPr>
@@ -10979,7 +10979,7 @@
             <a:lstStyle/>
             <a:p>
               <a:pPr algn="ctr"/>
-              <a:endParaRPr kumimoji="1" lang="ja-JP" altLang="en-US"/>
+              <a:endParaRPr kumimoji="1" lang="ja-JP" altLang="en-US" dirty="0"/>
             </a:p>
           </p:txBody>
         </p:sp>
@@ -11022,7 +11022,7 @@
             <a:p>
               <a:pPr algn="ctr"/>
               <a:r>
-                <a:rPr kumimoji="1" lang="en-US" altLang="ja-JP" dirty="0" err="1">
+                <a:rPr kumimoji="1" lang="en-US" altLang="ja-JP" dirty="0">
                   <a:latin typeface="ＭＳ Ｐゴシック" panose="020B0600070205080204" pitchFamily="50" charset="-128"/>
                   <a:ea typeface="ＭＳ Ｐゴシック" panose="020B0600070205080204" pitchFamily="50" charset="-128"/>
                 </a:rPr>
@@ -11077,7 +11077,7 @@
             <a:lstStyle/>
             <a:p>
               <a:pPr algn="ctr"/>
-              <a:endParaRPr kumimoji="1" lang="ja-JP" altLang="en-US"/>
+              <a:endParaRPr kumimoji="1" lang="ja-JP" altLang="en-US" dirty="0"/>
             </a:p>
           </p:txBody>
         </p:sp>
@@ -11120,7 +11120,7 @@
             <a:p>
               <a:pPr algn="ctr"/>
               <a:r>
-                <a:rPr kumimoji="1" lang="en-US" altLang="ja-JP" dirty="0" err="1">
+                <a:rPr kumimoji="1" lang="en-US" altLang="ja-JP" dirty="0">
                   <a:latin typeface="ＭＳ Ｐゴシック" panose="020B0600070205080204" pitchFamily="50" charset="-128"/>
                   <a:ea typeface="ＭＳ Ｐゴシック" panose="020B0600070205080204" pitchFamily="50" charset="-128"/>
                 </a:rPr>
@@ -11175,7 +11175,7 @@
             <a:lstStyle/>
             <a:p>
               <a:pPr algn="ctr"/>
-              <a:endParaRPr kumimoji="1" lang="ja-JP" altLang="en-US"/>
+              <a:endParaRPr kumimoji="1" lang="ja-JP" altLang="en-US" dirty="0"/>
             </a:p>
           </p:txBody>
         </p:sp>
@@ -11552,7 +11552,7 @@
             <a:lstStyle/>
             <a:p>
               <a:pPr algn="ctr"/>
-              <a:endParaRPr kumimoji="1" lang="ja-JP" altLang="en-US">
+              <a:endParaRPr kumimoji="1" lang="ja-JP" altLang="en-US" dirty="0">
                 <a:solidFill>
                   <a:srgbClr val="FF0000"/>
                 </a:solidFill>
@@ -11654,7 +11654,7 @@
             <a:lstStyle/>
             <a:p>
               <a:pPr algn="ctr"/>
-              <a:endParaRPr kumimoji="1" lang="ja-JP" altLang="en-US"/>
+              <a:endParaRPr kumimoji="1" lang="ja-JP" altLang="en-US" dirty="0"/>
             </a:p>
           </p:txBody>
         </p:sp>
@@ -11752,7 +11752,7 @@
             <a:lstStyle/>
             <a:p>
               <a:pPr algn="ctr"/>
-              <a:endParaRPr kumimoji="1" lang="ja-JP" altLang="en-US"/>
+              <a:endParaRPr kumimoji="1" lang="ja-JP" altLang="en-US" dirty="0"/>
             </a:p>
           </p:txBody>
         </p:sp>
@@ -11861,7 +11861,7 @@
             <a:lstStyle/>
             <a:p>
               <a:pPr algn="ctr"/>
-              <a:endParaRPr kumimoji="1" lang="ja-JP" altLang="en-US">
+              <a:endParaRPr kumimoji="1" lang="ja-JP" altLang="en-US" dirty="0">
                 <a:solidFill>
                   <a:srgbClr val="FF0000"/>
                 </a:solidFill>
@@ -12069,7 +12069,7 @@
           <a:lstStyle/>
           <a:p>
             <a:pPr algn="ctr"/>
-            <a:endParaRPr kumimoji="1" lang="ja-JP" altLang="en-US"/>
+            <a:endParaRPr kumimoji="1" lang="ja-JP" altLang="en-US" dirty="0"/>
           </a:p>
         </p:txBody>
       </p:sp>
@@ -12120,7 +12120,7 @@
           <a:lstStyle/>
           <a:p>
             <a:pPr algn="ctr"/>
-            <a:endParaRPr kumimoji="1" lang="ja-JP" altLang="en-US"/>
+            <a:endParaRPr kumimoji="1" lang="ja-JP" altLang="en-US" dirty="0"/>
           </a:p>
         </p:txBody>
       </p:sp>
@@ -12171,7 +12171,7 @@
           <a:lstStyle/>
           <a:p>
             <a:pPr algn="ctr"/>
-            <a:endParaRPr kumimoji="1" lang="ja-JP" altLang="en-US"/>
+            <a:endParaRPr kumimoji="1" lang="ja-JP" altLang="en-US" dirty="0"/>
           </a:p>
         </p:txBody>
       </p:sp>
@@ -12222,7 +12222,7 @@
           <a:lstStyle/>
           <a:p>
             <a:pPr algn="ctr"/>
-            <a:endParaRPr kumimoji="1" lang="ja-JP" altLang="en-US"/>
+            <a:endParaRPr kumimoji="1" lang="ja-JP" altLang="en-US" dirty="0"/>
           </a:p>
         </p:txBody>
       </p:sp>
@@ -12273,7 +12273,7 @@
           <a:lstStyle/>
           <a:p>
             <a:pPr algn="ctr"/>
-            <a:endParaRPr kumimoji="1" lang="ja-JP" altLang="en-US"/>
+            <a:endParaRPr kumimoji="1" lang="ja-JP" altLang="en-US" dirty="0"/>
           </a:p>
         </p:txBody>
       </p:sp>
@@ -12324,7 +12324,7 @@
           <a:lstStyle/>
           <a:p>
             <a:pPr algn="ctr"/>
-            <a:endParaRPr kumimoji="1" lang="ja-JP" altLang="en-US"/>
+            <a:endParaRPr kumimoji="1" lang="ja-JP" altLang="en-US" dirty="0"/>
           </a:p>
         </p:txBody>
       </p:sp>
@@ -12375,7 +12375,7 @@
           <a:lstStyle/>
           <a:p>
             <a:pPr algn="ctr"/>
-            <a:endParaRPr kumimoji="1" lang="ja-JP" altLang="en-US"/>
+            <a:endParaRPr kumimoji="1" lang="ja-JP" altLang="en-US" dirty="0"/>
           </a:p>
         </p:txBody>
       </p:sp>
@@ -12426,7 +12426,7 @@
           <a:lstStyle/>
           <a:p>
             <a:pPr algn="ctr"/>
-            <a:endParaRPr kumimoji="1" lang="ja-JP" altLang="en-US"/>
+            <a:endParaRPr kumimoji="1" lang="ja-JP" altLang="en-US" dirty="0"/>
           </a:p>
         </p:txBody>
       </p:sp>
@@ -12539,7 +12539,7 @@
           <a:lstStyle/>
           <a:p>
             <a:pPr algn="ctr"/>
-            <a:endParaRPr kumimoji="1" lang="ja-JP" altLang="en-US"/>
+            <a:endParaRPr kumimoji="1" lang="ja-JP" altLang="en-US" dirty="0"/>
           </a:p>
         </p:txBody>
       </p:sp>
@@ -12581,7 +12581,7 @@
             <a:p>
               <a:pPr algn="ctr"/>
               <a:r>
-                <a:rPr kumimoji="1" lang="en-US" altLang="ja-JP" dirty="0" err="1">
+                <a:rPr kumimoji="1" lang="en-US" altLang="ja-JP" dirty="0">
                   <a:latin typeface="ＭＳ Ｐゴシック" panose="020B0600070205080204" pitchFamily="50" charset="-128"/>
                   <a:ea typeface="ＭＳ Ｐゴシック" panose="020B0600070205080204" pitchFamily="50" charset="-128"/>
                 </a:rPr>
@@ -12636,7 +12636,7 @@
             <a:lstStyle/>
             <a:p>
               <a:pPr algn="ctr"/>
-              <a:endParaRPr kumimoji="1" lang="ja-JP" altLang="en-US"/>
+              <a:endParaRPr kumimoji="1" lang="ja-JP" altLang="en-US" dirty="0"/>
             </a:p>
           </p:txBody>
         </p:sp>
@@ -12765,7 +12765,7 @@
             <a:p>
               <a:pPr algn="ctr"/>
               <a:r>
-                <a:rPr kumimoji="1" lang="en-US" altLang="ja-JP" dirty="0" err="1">
+                <a:rPr kumimoji="1" lang="en-US" altLang="ja-JP" dirty="0">
                   <a:latin typeface="ＭＳ Ｐゴシック" panose="020B0600070205080204" pitchFamily="50" charset="-128"/>
                   <a:ea typeface="ＭＳ Ｐゴシック" panose="020B0600070205080204" pitchFamily="50" charset="-128"/>
                 </a:rPr>
@@ -12820,7 +12820,7 @@
             <a:lstStyle/>
             <a:p>
               <a:pPr algn="ctr"/>
-              <a:endParaRPr kumimoji="1" lang="ja-JP" altLang="en-US"/>
+              <a:endParaRPr kumimoji="1" lang="ja-JP" altLang="en-US" dirty="0"/>
             </a:p>
           </p:txBody>
         </p:sp>
@@ -13161,7 +13161,7 @@
             <a:p>
               <a:pPr algn="ctr"/>
               <a:r>
-                <a:rPr kumimoji="1" lang="en-US" altLang="ja-JP" dirty="0" err="1">
+                <a:rPr kumimoji="1" lang="en-US" altLang="ja-JP" dirty="0">
                   <a:latin typeface="ＭＳ Ｐゴシック" panose="020B0600070205080204" pitchFamily="50" charset="-128"/>
                   <a:ea typeface="ＭＳ Ｐゴシック" panose="020B0600070205080204" pitchFamily="50" charset="-128"/>
                 </a:rPr>
@@ -13216,7 +13216,7 @@
             <a:lstStyle/>
             <a:p>
               <a:pPr algn="ctr"/>
-              <a:endParaRPr kumimoji="1" lang="ja-JP" altLang="en-US"/>
+              <a:endParaRPr kumimoji="1" lang="ja-JP" altLang="en-US" dirty="0"/>
             </a:p>
           </p:txBody>
         </p:sp>
@@ -13269,7 +13269,7 @@
             <a:p>
               <a:pPr algn="ctr"/>
               <a:r>
-                <a:rPr kumimoji="1" lang="en-US" altLang="ja-JP" dirty="0" err="1">
+                <a:rPr kumimoji="1" lang="en-US" altLang="ja-JP" dirty="0">
                   <a:latin typeface="ＭＳ Ｐゴシック" panose="020B0600070205080204" pitchFamily="50" charset="-128"/>
                   <a:ea typeface="ＭＳ Ｐゴシック" panose="020B0600070205080204" pitchFamily="50" charset="-128"/>
                 </a:rPr>
@@ -13324,7 +13324,7 @@
             <a:lstStyle/>
             <a:p>
               <a:pPr algn="ctr"/>
-              <a:endParaRPr kumimoji="1" lang="ja-JP" altLang="en-US"/>
+              <a:endParaRPr kumimoji="1" lang="ja-JP" altLang="en-US" dirty="0"/>
             </a:p>
           </p:txBody>
         </p:sp>
@@ -13377,7 +13377,7 @@
             <a:p>
               <a:pPr algn="ctr"/>
               <a:r>
-                <a:rPr kumimoji="1" lang="en-US" altLang="ja-JP" dirty="0" err="1">
+                <a:rPr kumimoji="1" lang="en-US" altLang="ja-JP" dirty="0">
                   <a:latin typeface="ＭＳ Ｐゴシック" panose="020B0600070205080204" pitchFamily="50" charset="-128"/>
                   <a:ea typeface="ＭＳ Ｐゴシック" panose="020B0600070205080204" pitchFamily="50" charset="-128"/>
                 </a:rPr>
@@ -13432,7 +13432,7 @@
             <a:lstStyle/>
             <a:p>
               <a:pPr algn="ctr"/>
-              <a:endParaRPr kumimoji="1" lang="ja-JP" altLang="en-US"/>
+              <a:endParaRPr kumimoji="1" lang="ja-JP" altLang="en-US" dirty="0"/>
             </a:p>
           </p:txBody>
         </p:sp>
@@ -13485,7 +13485,7 @@
             <a:p>
               <a:pPr algn="ctr"/>
               <a:r>
-                <a:rPr kumimoji="1" lang="en-US" altLang="ja-JP" dirty="0" err="1">
+                <a:rPr kumimoji="1" lang="en-US" altLang="ja-JP" dirty="0">
                   <a:latin typeface="ＭＳ Ｐゴシック" panose="020B0600070205080204" pitchFamily="50" charset="-128"/>
                   <a:ea typeface="ＭＳ Ｐゴシック" panose="020B0600070205080204" pitchFamily="50" charset="-128"/>
                 </a:rPr>
@@ -13540,7 +13540,7 @@
             <a:lstStyle/>
             <a:p>
               <a:pPr algn="ctr"/>
-              <a:endParaRPr kumimoji="1" lang="ja-JP" altLang="en-US"/>
+              <a:endParaRPr kumimoji="1" lang="ja-JP" altLang="en-US" dirty="0"/>
             </a:p>
           </p:txBody>
         </p:sp>
@@ -13583,7 +13583,7 @@
             <a:p>
               <a:pPr algn="ctr"/>
               <a:r>
-                <a:rPr kumimoji="1" lang="en-US" altLang="ja-JP" dirty="0" err="1">
+                <a:rPr kumimoji="1" lang="en-US" altLang="ja-JP" dirty="0">
                   <a:latin typeface="ＭＳ Ｐゴシック" panose="020B0600070205080204" pitchFamily="50" charset="-128"/>
                   <a:ea typeface="ＭＳ Ｐゴシック" panose="020B0600070205080204" pitchFamily="50" charset="-128"/>
                 </a:rPr>
@@ -13638,7 +13638,7 @@
             <a:lstStyle/>
             <a:p>
               <a:pPr algn="ctr"/>
-              <a:endParaRPr kumimoji="1" lang="ja-JP" altLang="en-US"/>
+              <a:endParaRPr kumimoji="1" lang="ja-JP" altLang="en-US" dirty="0"/>
             </a:p>
           </p:txBody>
         </p:sp>
@@ -13681,7 +13681,7 @@
             <a:p>
               <a:pPr algn="ctr"/>
               <a:r>
-                <a:rPr kumimoji="1" lang="en-US" altLang="ja-JP" dirty="0" err="1">
+                <a:rPr kumimoji="1" lang="en-US" altLang="ja-JP" dirty="0">
                   <a:latin typeface="ＭＳ Ｐゴシック" panose="020B0600070205080204" pitchFamily="50" charset="-128"/>
                   <a:ea typeface="ＭＳ Ｐゴシック" panose="020B0600070205080204" pitchFamily="50" charset="-128"/>
                 </a:rPr>
@@ -13736,7 +13736,7 @@
             <a:lstStyle/>
             <a:p>
               <a:pPr algn="ctr"/>
-              <a:endParaRPr kumimoji="1" lang="ja-JP" altLang="en-US"/>
+              <a:endParaRPr kumimoji="1" lang="ja-JP" altLang="en-US" dirty="0"/>
             </a:p>
           </p:txBody>
         </p:sp>
@@ -13779,7 +13779,7 @@
             <a:p>
               <a:pPr algn="ctr"/>
               <a:r>
-                <a:rPr kumimoji="1" lang="en-US" altLang="ja-JP" dirty="0" err="1">
+                <a:rPr kumimoji="1" lang="en-US" altLang="ja-JP" dirty="0">
                   <a:latin typeface="ＭＳ Ｐゴシック" panose="020B0600070205080204" pitchFamily="50" charset="-128"/>
                   <a:ea typeface="ＭＳ Ｐゴシック" panose="020B0600070205080204" pitchFamily="50" charset="-128"/>
                 </a:rPr>
@@ -13834,7 +13834,7 @@
             <a:lstStyle/>
             <a:p>
               <a:pPr algn="ctr"/>
-              <a:endParaRPr kumimoji="1" lang="ja-JP" altLang="en-US"/>
+              <a:endParaRPr kumimoji="1" lang="ja-JP" altLang="en-US" dirty="0"/>
             </a:p>
           </p:txBody>
         </p:sp>
@@ -13877,7 +13877,7 @@
             <a:p>
               <a:pPr algn="ctr"/>
               <a:r>
-                <a:rPr kumimoji="1" lang="en-US" altLang="ja-JP" dirty="0" err="1">
+                <a:rPr kumimoji="1" lang="en-US" altLang="ja-JP" dirty="0">
                   <a:latin typeface="ＭＳ Ｐゴシック" panose="020B0600070205080204" pitchFamily="50" charset="-128"/>
                   <a:ea typeface="ＭＳ Ｐゴシック" panose="020B0600070205080204" pitchFamily="50" charset="-128"/>
                 </a:rPr>
@@ -13932,7 +13932,7 @@
             <a:lstStyle/>
             <a:p>
               <a:pPr algn="ctr"/>
-              <a:endParaRPr kumimoji="1" lang="ja-JP" altLang="en-US"/>
+              <a:endParaRPr kumimoji="1" lang="ja-JP" altLang="en-US" dirty="0"/>
             </a:p>
           </p:txBody>
         </p:sp>
@@ -14309,7 +14309,7 @@
             <a:lstStyle/>
             <a:p>
               <a:pPr algn="ctr"/>
-              <a:endParaRPr kumimoji="1" lang="ja-JP" altLang="en-US">
+              <a:endParaRPr kumimoji="1" lang="ja-JP" altLang="en-US" dirty="0">
                 <a:solidFill>
                   <a:srgbClr val="FF0000"/>
                 </a:solidFill>
@@ -14422,7 +14422,7 @@
             <a:lstStyle/>
             <a:p>
               <a:pPr algn="ctr"/>
-              <a:endParaRPr kumimoji="1" lang="ja-JP" altLang="en-US">
+              <a:endParaRPr kumimoji="1" lang="ja-JP" altLang="en-US" dirty="0">
                 <a:solidFill>
                   <a:srgbClr val="FF0000"/>
                 </a:solidFill>
@@ -14524,7 +14524,7 @@
             <a:lstStyle/>
             <a:p>
               <a:pPr algn="ctr"/>
-              <a:endParaRPr kumimoji="1" lang="ja-JP" altLang="en-US"/>
+              <a:endParaRPr kumimoji="1" lang="ja-JP" altLang="en-US" dirty="0"/>
             </a:p>
           </p:txBody>
         </p:sp>
@@ -14627,7 +14627,7 @@
             <a:lstStyle/>
             <a:p>
               <a:pPr algn="ctr"/>
-              <a:endParaRPr kumimoji="1" lang="ja-JP" altLang="en-US">
+              <a:endParaRPr kumimoji="1" lang="ja-JP" altLang="en-US" dirty="0">
                 <a:solidFill>
                   <a:schemeClr val="tx1"/>
                 </a:solidFill>
@@ -14835,7 +14835,7 @@
           <a:lstStyle/>
           <a:p>
             <a:pPr algn="ctr"/>
-            <a:endParaRPr kumimoji="1" lang="ja-JP" altLang="en-US"/>
+            <a:endParaRPr kumimoji="1" lang="ja-JP" altLang="en-US" dirty="0"/>
           </a:p>
         </p:txBody>
       </p:sp>
@@ -14886,7 +14886,7 @@
           <a:lstStyle/>
           <a:p>
             <a:pPr algn="ctr"/>
-            <a:endParaRPr kumimoji="1" lang="ja-JP" altLang="en-US"/>
+            <a:endParaRPr kumimoji="1" lang="ja-JP" altLang="en-US" dirty="0"/>
           </a:p>
         </p:txBody>
       </p:sp>
@@ -14937,7 +14937,7 @@
           <a:lstStyle/>
           <a:p>
             <a:pPr algn="ctr"/>
-            <a:endParaRPr kumimoji="1" lang="ja-JP" altLang="en-US"/>
+            <a:endParaRPr kumimoji="1" lang="ja-JP" altLang="en-US" dirty="0"/>
           </a:p>
         </p:txBody>
       </p:sp>
@@ -14988,7 +14988,7 @@
           <a:lstStyle/>
           <a:p>
             <a:pPr algn="ctr"/>
-            <a:endParaRPr kumimoji="1" lang="ja-JP" altLang="en-US"/>
+            <a:endParaRPr kumimoji="1" lang="ja-JP" altLang="en-US" dirty="0"/>
           </a:p>
         </p:txBody>
       </p:sp>
@@ -15039,7 +15039,7 @@
           <a:lstStyle/>
           <a:p>
             <a:pPr algn="ctr"/>
-            <a:endParaRPr kumimoji="1" lang="ja-JP" altLang="en-US"/>
+            <a:endParaRPr kumimoji="1" lang="ja-JP" altLang="en-US" dirty="0"/>
           </a:p>
         </p:txBody>
       </p:sp>
@@ -15090,7 +15090,7 @@
           <a:lstStyle/>
           <a:p>
             <a:pPr algn="ctr"/>
-            <a:endParaRPr kumimoji="1" lang="ja-JP" altLang="en-US"/>
+            <a:endParaRPr kumimoji="1" lang="ja-JP" altLang="en-US" dirty="0"/>
           </a:p>
         </p:txBody>
       </p:sp>
@@ -15141,7 +15141,7 @@
           <a:lstStyle/>
           <a:p>
             <a:pPr algn="ctr"/>
-            <a:endParaRPr kumimoji="1" lang="ja-JP" altLang="en-US"/>
+            <a:endParaRPr kumimoji="1" lang="ja-JP" altLang="en-US" dirty="0"/>
           </a:p>
         </p:txBody>
       </p:sp>
@@ -15192,7 +15192,7 @@
           <a:lstStyle/>
           <a:p>
             <a:pPr algn="ctr"/>
-            <a:endParaRPr kumimoji="1" lang="ja-JP" altLang="en-US"/>
+            <a:endParaRPr kumimoji="1" lang="ja-JP" altLang="en-US" dirty="0"/>
           </a:p>
         </p:txBody>
       </p:sp>
